--- a/companion-website/public/files/19. Out of Context I Called My Prophecy.pptx
+++ b/companion-website/public/files/19. Out of Context I Called My Prophecy.pptx
@@ -5,24 +5,29 @@
     <p:sldMasterId id="2147483648" r:id="rId1"/>
   </p:sldMasterIdLst>
   <p:notesMasterIdLst>
-    <p:notesMasterId r:id="rId17"/>
+    <p:notesMasterId r:id="rId22"/>
   </p:notesMasterIdLst>
   <p:sldIdLst>
     <p:sldId id="275" r:id="rId2"/>
-    <p:sldId id="438" r:id="rId3"/>
-    <p:sldId id="439" r:id="rId4"/>
+    <p:sldId id="458" r:id="rId3"/>
+    <p:sldId id="438" r:id="rId4"/>
     <p:sldId id="440" r:id="rId5"/>
-    <p:sldId id="441" r:id="rId6"/>
-    <p:sldId id="442" r:id="rId7"/>
-    <p:sldId id="443" r:id="rId8"/>
-    <p:sldId id="444" r:id="rId9"/>
-    <p:sldId id="445" r:id="rId10"/>
-    <p:sldId id="446" r:id="rId11"/>
-    <p:sldId id="447" r:id="rId12"/>
-    <p:sldId id="448" r:id="rId13"/>
-    <p:sldId id="449" r:id="rId14"/>
-    <p:sldId id="450" r:id="rId15"/>
-    <p:sldId id="451" r:id="rId16"/>
+    <p:sldId id="449" r:id="rId6"/>
+    <p:sldId id="457" r:id="rId7"/>
+    <p:sldId id="460" r:id="rId8"/>
+    <p:sldId id="461" r:id="rId9"/>
+    <p:sldId id="439" r:id="rId10"/>
+    <p:sldId id="442" r:id="rId11"/>
+    <p:sldId id="448" r:id="rId12"/>
+    <p:sldId id="441" r:id="rId13"/>
+    <p:sldId id="443" r:id="rId14"/>
+    <p:sldId id="444" r:id="rId15"/>
+    <p:sldId id="445" r:id="rId16"/>
+    <p:sldId id="446" r:id="rId17"/>
+    <p:sldId id="447" r:id="rId18"/>
+    <p:sldId id="459" r:id="rId19"/>
+    <p:sldId id="450" r:id="rId20"/>
+    <p:sldId id="451" r:id="rId21"/>
   </p:sldIdLst>
   <p:sldSz cx="9144000" cy="6858000" type="screen4x3"/>
   <p:notesSz cx="6858000" cy="9144000"/>
@@ -222,7 +227,7 @@
           <a:p>
             <a:fld id="{8F7EB338-8BB0-B64B-9F79-C87EA24D723F}" type="datetimeFigureOut">
               <a:rPr lang="en-US" smtClean="0"/>
-              <a:t>8/29/20</a:t>
+              <a:t>12/8/20</a:t>
             </a:fld>
             <a:endParaRPr lang="en-US"/>
           </a:p>
@@ -673,7 +678,7 @@
             <a:fld id="{DBE77699-C466-4996-ADED-71C8160E04A2}" type="datetimeFigureOut">
               <a:rPr lang="en-US" smtClean="0"/>
               <a:pPr/>
-              <a:t>8/29/20</a:t>
+              <a:t>12/8/20</a:t>
             </a:fld>
             <a:endParaRPr lang="en-US"/>
           </a:p>
@@ -838,7 +843,7 @@
             <a:fld id="{DBE77699-C466-4996-ADED-71C8160E04A2}" type="datetimeFigureOut">
               <a:rPr lang="en-US" smtClean="0"/>
               <a:pPr/>
-              <a:t>8/29/20</a:t>
+              <a:t>12/8/20</a:t>
             </a:fld>
             <a:endParaRPr lang="en-US"/>
           </a:p>
@@ -1013,7 +1018,7 @@
             <a:fld id="{DBE77699-C466-4996-ADED-71C8160E04A2}" type="datetimeFigureOut">
               <a:rPr lang="en-US" smtClean="0"/>
               <a:pPr/>
-              <a:t>8/29/20</a:t>
+              <a:t>12/8/20</a:t>
             </a:fld>
             <a:endParaRPr lang="en-US"/>
           </a:p>
@@ -1132,7 +1137,7 @@
             <a:fld id="{DBE77699-C466-4996-ADED-71C8160E04A2}" type="datetimeFigureOut">
               <a:rPr lang="en-US" smtClean="0"/>
               <a:pPr/>
-              <a:t>8/29/20</a:t>
+              <a:t>12/8/20</a:t>
             </a:fld>
             <a:endParaRPr lang="en-US"/>
           </a:p>
@@ -1432,6 +1437,229 @@
 </p:sldLayout>
 </file>
 
+<file path=ppt/slideLayouts/slideLayout13.xml><?xml version="1.0" encoding="utf-8"?>
+<p:sldLayout xmlns:a="http://schemas.openxmlformats.org/drawingml/2006/main" xmlns:r="http://schemas.openxmlformats.org/officeDocument/2006/relationships" xmlns:p="http://schemas.openxmlformats.org/presentationml/2006/main" userDrawn="1">
+  <p:cSld name="1_Title and Content">
+    <p:spTree>
+      <p:nvGrpSpPr>
+        <p:cNvPr id="1" name=""/>
+        <p:cNvGrpSpPr/>
+        <p:nvPr/>
+      </p:nvGrpSpPr>
+      <p:grpSpPr>
+        <a:xfrm>
+          <a:off x="0" y="0"/>
+          <a:ext cx="0" cy="0"/>
+          <a:chOff x="0" y="0"/>
+          <a:chExt cx="0" cy="0"/>
+        </a:xfrm>
+      </p:grpSpPr>
+      <p:sp>
+        <p:nvSpPr>
+          <p:cNvPr id="2" name="Title 1"/>
+          <p:cNvSpPr>
+            <a:spLocks noGrp="1"/>
+          </p:cNvSpPr>
+          <p:nvPr>
+            <p:ph type="title"/>
+          </p:nvPr>
+        </p:nvSpPr>
+        <p:spPr>
+          <a:xfrm>
+            <a:off x="4417" y="0"/>
+            <a:ext cx="9144000" cy="838200"/>
+          </a:xfrm>
+        </p:spPr>
+        <p:txBody>
+          <a:bodyPr/>
+          <a:lstStyle>
+            <a:lvl1pPr>
+              <a:defRPr b="1"/>
+            </a:lvl1pPr>
+          </a:lstStyle>
+          <a:p>
+            <a:r>
+              <a:rPr lang="en-US" dirty="0"/>
+              <a:t>Click to edit Master title style</a:t>
+            </a:r>
+          </a:p>
+        </p:txBody>
+      </p:sp>
+      <p:sp>
+        <p:nvSpPr>
+          <p:cNvPr id="3" name="Content Placeholder 2"/>
+          <p:cNvSpPr>
+            <a:spLocks noGrp="1"/>
+          </p:cNvSpPr>
+          <p:nvPr>
+            <p:ph idx="1"/>
+          </p:nvPr>
+        </p:nvSpPr>
+        <p:spPr>
+          <a:xfrm>
+            <a:off x="0" y="1371600"/>
+            <a:ext cx="9144000" cy="4754563"/>
+          </a:xfrm>
+        </p:spPr>
+        <p:txBody>
+          <a:bodyPr/>
+          <a:lstStyle/>
+          <a:p>
+            <a:pPr lvl="0"/>
+            <a:r>
+              <a:rPr lang="en-US"/>
+              <a:t>Click to edit Master text styles</a:t>
+            </a:r>
+          </a:p>
+          <a:p>
+            <a:pPr lvl="1"/>
+            <a:r>
+              <a:rPr lang="en-US"/>
+              <a:t>Second level</a:t>
+            </a:r>
+          </a:p>
+          <a:p>
+            <a:pPr lvl="2"/>
+            <a:r>
+              <a:rPr lang="en-US"/>
+              <a:t>Third level</a:t>
+            </a:r>
+          </a:p>
+          <a:p>
+            <a:pPr lvl="3"/>
+            <a:r>
+              <a:rPr lang="en-US"/>
+              <a:t>Fourth level</a:t>
+            </a:r>
+          </a:p>
+          <a:p>
+            <a:pPr lvl="4"/>
+            <a:r>
+              <a:rPr lang="en-US"/>
+              <a:t>Fifth level</a:t>
+            </a:r>
+          </a:p>
+        </p:txBody>
+      </p:sp>
+      <p:sp>
+        <p:nvSpPr>
+          <p:cNvPr id="4" name="Date Placeholder 3"/>
+          <p:cNvSpPr>
+            <a:spLocks noGrp="1"/>
+          </p:cNvSpPr>
+          <p:nvPr>
+            <p:ph type="dt" sz="half" idx="10"/>
+          </p:nvPr>
+        </p:nvSpPr>
+        <p:spPr/>
+        <p:txBody>
+          <a:bodyPr/>
+          <a:lstStyle/>
+          <a:p>
+            <a:fld id="{DBE77699-C466-4996-ADED-71C8160E04A2}" type="datetimeFigureOut">
+              <a:rPr lang="en-US" smtClean="0"/>
+              <a:pPr/>
+              <a:t>12/8/20</a:t>
+            </a:fld>
+            <a:endParaRPr lang="en-US"/>
+          </a:p>
+        </p:txBody>
+      </p:sp>
+      <p:sp>
+        <p:nvSpPr>
+          <p:cNvPr id="5" name="Footer Placeholder 4"/>
+          <p:cNvSpPr>
+            <a:spLocks noGrp="1"/>
+          </p:cNvSpPr>
+          <p:nvPr>
+            <p:ph type="ftr" sz="quarter" idx="11"/>
+          </p:nvPr>
+        </p:nvSpPr>
+        <p:spPr/>
+        <p:txBody>
+          <a:bodyPr/>
+          <a:lstStyle/>
+          <a:p>
+            <a:endParaRPr lang="en-US"/>
+          </a:p>
+        </p:txBody>
+      </p:sp>
+      <p:sp>
+        <p:nvSpPr>
+          <p:cNvPr id="6" name="Slide Number Placeholder 5"/>
+          <p:cNvSpPr>
+            <a:spLocks noGrp="1"/>
+          </p:cNvSpPr>
+          <p:nvPr>
+            <p:ph type="sldNum" sz="quarter" idx="12"/>
+          </p:nvPr>
+        </p:nvSpPr>
+        <p:spPr/>
+        <p:txBody>
+          <a:bodyPr/>
+          <a:lstStyle/>
+          <a:p>
+            <a:fld id="{ECD645EE-450D-4102-8FB2-AECCE2D0F3DF}" type="slidenum">
+              <a:rPr lang="en-US" smtClean="0"/>
+              <a:pPr/>
+              <a:t>‹#›</a:t>
+            </a:fld>
+            <a:endParaRPr lang="en-US"/>
+          </a:p>
+        </p:txBody>
+      </p:sp>
+      <p:sp>
+        <p:nvSpPr>
+          <p:cNvPr id="9" name="Text Placeholder 8"/>
+          <p:cNvSpPr>
+            <a:spLocks noGrp="1"/>
+          </p:cNvSpPr>
+          <p:nvPr>
+            <p:ph type="body" sz="quarter" idx="13" hasCustomPrompt="1"/>
+          </p:nvPr>
+        </p:nvSpPr>
+        <p:spPr>
+          <a:xfrm>
+            <a:off x="0" y="838200"/>
+            <a:ext cx="9144000" cy="533400"/>
+          </a:xfrm>
+        </p:spPr>
+        <p:txBody>
+          <a:bodyPr>
+            <a:normAutofit/>
+          </a:bodyPr>
+          <a:lstStyle>
+            <a:lvl1pPr marL="0" indent="0">
+              <a:buNone/>
+              <a:defRPr sz="2400" b="1">
+                <a:solidFill>
+                  <a:srgbClr val="7F7F7F"/>
+                </a:solidFill>
+              </a:defRPr>
+            </a:lvl1pPr>
+          </a:lstStyle>
+          <a:p>
+            <a:pPr lvl="0"/>
+            <a:r>
+              <a:rPr lang="en-US" dirty="0"/>
+              <a:t>Click to edit sub-title</a:t>
+            </a:r>
+          </a:p>
+        </p:txBody>
+      </p:sp>
+    </p:spTree>
+    <p:extLst>
+      <p:ext uri="{BB962C8B-B14F-4D97-AF65-F5344CB8AC3E}">
+        <p14:creationId xmlns:p14="http://schemas.microsoft.com/office/powerpoint/2010/main" val="476065532"/>
+      </p:ext>
+    </p:extLst>
+  </p:cSld>
+  <p:clrMapOvr>
+    <a:masterClrMapping/>
+  </p:clrMapOvr>
+</p:sldLayout>
+</file>
+
 <file path=ppt/slideLayouts/slideLayout2.xml><?xml version="1.0" encoding="utf-8"?>
 <p:sldLayout xmlns:a="http://schemas.openxmlformats.org/drawingml/2006/main" xmlns:r="http://schemas.openxmlformats.org/officeDocument/2006/relationships" xmlns:p="http://schemas.openxmlformats.org/presentationml/2006/main" type="obj" preserve="1">
   <p:cSld name="Title and Content">
@@ -1540,7 +1768,7 @@
             <a:fld id="{DBE77699-C466-4996-ADED-71C8160E04A2}" type="datetimeFigureOut">
               <a:rPr lang="en-US" smtClean="0"/>
               <a:pPr/>
-              <a:t>8/29/20</a:t>
+              <a:t>12/8/20</a:t>
             </a:fld>
             <a:endParaRPr lang="en-US"/>
           </a:p>
@@ -1782,7 +2010,7 @@
             <a:fld id="{DBE77699-C466-4996-ADED-71C8160E04A2}" type="datetimeFigureOut">
               <a:rPr lang="en-US" smtClean="0"/>
               <a:pPr/>
-              <a:t>8/29/20</a:t>
+              <a:t>12/8/20</a:t>
             </a:fld>
             <a:endParaRPr lang="en-US"/>
           </a:p>
@@ -2064,7 +2292,7 @@
             <a:fld id="{DBE77699-C466-4996-ADED-71C8160E04A2}" type="datetimeFigureOut">
               <a:rPr lang="en-US" smtClean="0"/>
               <a:pPr/>
-              <a:t>8/29/20</a:t>
+              <a:t>12/8/20</a:t>
             </a:fld>
             <a:endParaRPr lang="en-US"/>
           </a:p>
@@ -2480,7 +2708,7 @@
             <a:fld id="{DBE77699-C466-4996-ADED-71C8160E04A2}" type="datetimeFigureOut">
               <a:rPr lang="en-US" smtClean="0"/>
               <a:pPr/>
-              <a:t>8/29/20</a:t>
+              <a:t>12/8/20</a:t>
             </a:fld>
             <a:endParaRPr lang="en-US"/>
           </a:p>
@@ -2594,7 +2822,7 @@
             <a:fld id="{DBE77699-C466-4996-ADED-71C8160E04A2}" type="datetimeFigureOut">
               <a:rPr lang="en-US" smtClean="0"/>
               <a:pPr/>
-              <a:t>8/29/20</a:t>
+              <a:t>12/8/20</a:t>
             </a:fld>
             <a:endParaRPr lang="en-US"/>
           </a:p>
@@ -2686,7 +2914,7 @@
             <a:fld id="{DBE77699-C466-4996-ADED-71C8160E04A2}" type="datetimeFigureOut">
               <a:rPr lang="en-US" smtClean="0"/>
               <a:pPr/>
-              <a:t>8/29/20</a:t>
+              <a:t>12/8/20</a:t>
             </a:fld>
             <a:endParaRPr lang="en-US"/>
           </a:p>
@@ -2958,7 +3186,7 @@
             <a:fld id="{DBE77699-C466-4996-ADED-71C8160E04A2}" type="datetimeFigureOut">
               <a:rPr lang="en-US" smtClean="0"/>
               <a:pPr/>
-              <a:t>8/29/20</a:t>
+              <a:t>12/8/20</a:t>
             </a:fld>
             <a:endParaRPr lang="en-US"/>
           </a:p>
@@ -3207,7 +3435,7 @@
             <a:fld id="{DBE77699-C466-4996-ADED-71C8160E04A2}" type="datetimeFigureOut">
               <a:rPr lang="en-US" smtClean="0"/>
               <a:pPr/>
-              <a:t>8/29/20</a:t>
+              <a:t>12/8/20</a:t>
             </a:fld>
             <a:endParaRPr lang="en-US"/>
           </a:p>
@@ -3418,7 +3646,7 @@
             <a:fld id="{DBE77699-C466-4996-ADED-71C8160E04A2}" type="datetimeFigureOut">
               <a:rPr lang="en-US" smtClean="0"/>
               <a:pPr/>
-              <a:t>8/29/20</a:t>
+              <a:t>12/8/20</a:t>
             </a:fld>
             <a:endParaRPr lang="en-US"/>
           </a:p>
@@ -3519,6 +3747,7 @@
     <p:sldLayoutId id="2147483658" r:id="rId10"/>
     <p:sldLayoutId id="2147483659" r:id="rId11"/>
     <p:sldLayoutId id="2147483661" r:id="rId12"/>
+    <p:sldLayoutId id="2147483662" r:id="rId13"/>
   </p:sldLayoutIdLst>
   <p:txStyles>
     <p:titleStyle>
@@ -4651,7 +4880,7 @@
           <a:p>
             <a:r>
               <a:rPr lang="en-US" dirty="0"/>
-              <a:t>Matthew 13:35 / Psalm 78:2</a:t>
+              <a:t>Matthew 4:14-15 / Isaiah 9:1-2</a:t>
             </a:r>
           </a:p>
         </p:txBody>
@@ -4673,7 +4902,7 @@
           <a:p>
             <a:r>
               <a:rPr lang="en-US" dirty="0"/>
-              <a:t>9</a:t>
+              <a:t>5</a:t>
             </a:r>
           </a:p>
         </p:txBody>
@@ -4681,7 +4910,7 @@
     </p:spTree>
     <p:extLst>
       <p:ext uri="{BB962C8B-B14F-4D97-AF65-F5344CB8AC3E}">
-        <p14:creationId xmlns:p14="http://schemas.microsoft.com/office/powerpoint/2010/main" val="3805440107"/>
+        <p14:creationId xmlns:p14="http://schemas.microsoft.com/office/powerpoint/2010/main" val="2547159331"/>
       </p:ext>
     </p:extLst>
   </p:cSld>
@@ -4721,13 +4950,13 @@
         <p:spPr/>
         <p:txBody>
           <a:bodyPr>
-            <a:normAutofit/>
+            <a:noAutofit/>
           </a:bodyPr>
           <a:lstStyle/>
           <a:p>
             <a:r>
-              <a:rPr lang="en-US" dirty="0"/>
-              <a:t>Matthew 21:4 / Zechariah 9:9</a:t>
+              <a:rPr lang="en-US" sz="3600" dirty="0"/>
+              <a:t>Matthew 26:54, 56 (does not include a specific text that this is a fulfillment of)</a:t>
             </a:r>
           </a:p>
         </p:txBody>
@@ -4749,7 +4978,7 @@
           <a:p>
             <a:r>
               <a:rPr lang="en-US" dirty="0"/>
-              <a:t>10</a:t>
+              <a:t>11</a:t>
             </a:r>
           </a:p>
         </p:txBody>
@@ -4757,7 +4986,7 @@
     </p:spTree>
     <p:extLst>
       <p:ext uri="{BB962C8B-B14F-4D97-AF65-F5344CB8AC3E}">
-        <p14:creationId xmlns:p14="http://schemas.microsoft.com/office/powerpoint/2010/main" val="1028714603"/>
+        <p14:creationId xmlns:p14="http://schemas.microsoft.com/office/powerpoint/2010/main" val="623148891"/>
       </p:ext>
     </p:extLst>
   </p:cSld>
@@ -4802,8 +5031,8 @@
           <a:lstStyle/>
           <a:p>
             <a:r>
-              <a:rPr lang="en-US" sz="3600" dirty="0"/>
-              <a:t>Matthew 26:54, 56 (does not include a specific text that this is a fulfillment of)</a:t>
+              <a:rPr lang="en-US" sz="2700" dirty="0"/>
+              <a:t>Matthew 2:23 (as a possible fulfillment of Isaiah 11:1 or just that Jesus would come from a no-name town)</a:t>
             </a:r>
           </a:p>
         </p:txBody>
@@ -4825,7 +5054,7 @@
           <a:p>
             <a:r>
               <a:rPr lang="en-US" dirty="0"/>
-              <a:t>11</a:t>
+              <a:t>4</a:t>
             </a:r>
           </a:p>
         </p:txBody>
@@ -4833,7 +5062,7 @@
     </p:spTree>
     <p:extLst>
       <p:ext uri="{BB962C8B-B14F-4D97-AF65-F5344CB8AC3E}">
-        <p14:creationId xmlns:p14="http://schemas.microsoft.com/office/powerpoint/2010/main" val="623148891"/>
+        <p14:creationId xmlns:p14="http://schemas.microsoft.com/office/powerpoint/2010/main" val="3012287931"/>
       </p:ext>
     </p:extLst>
   </p:cSld>
@@ -4873,14 +5102,15 @@
         <p:spPr/>
         <p:txBody>
           <a:bodyPr>
-            <a:normAutofit fontScale="90000"/>
+            <a:noAutofit/>
           </a:bodyPr>
           <a:lstStyle/>
           <a:p>
             <a:r>
               <a:rPr lang="en-US" dirty="0"/>
-              <a:t>Matthew 27:9-10 / Zechariah 11:12-13 and Jeremiah 19:1-13</a:t>
-            </a:r>
+              <a:t>Matthew 8:17 / Isaiah 53:4</a:t>
+            </a:r>
+            <a:endParaRPr lang="en-US" sz="3200" dirty="0"/>
           </a:p>
         </p:txBody>
       </p:sp>
@@ -4901,7 +5131,7 @@
           <a:p>
             <a:r>
               <a:rPr lang="en-US" dirty="0"/>
-              <a:t>12</a:t>
+              <a:t>6</a:t>
             </a:r>
           </a:p>
         </p:txBody>
@@ -4909,7 +5139,7 @@
     </p:spTree>
     <p:extLst>
       <p:ext uri="{BB962C8B-B14F-4D97-AF65-F5344CB8AC3E}">
-        <p14:creationId xmlns:p14="http://schemas.microsoft.com/office/powerpoint/2010/main" val="2580695795"/>
+        <p14:creationId xmlns:p14="http://schemas.microsoft.com/office/powerpoint/2010/main" val="2042154026"/>
       </p:ext>
     </p:extLst>
   </p:cSld>
@@ -4949,13 +5179,13 @@
         <p:spPr/>
         <p:txBody>
           <a:bodyPr>
-            <a:noAutofit/>
+            <a:normAutofit fontScale="90000"/>
           </a:bodyPr>
           <a:lstStyle/>
           <a:p>
             <a:r>
-              <a:rPr lang="en-US" sz="2700" dirty="0"/>
-              <a:t>How might shadows and types help us to understand Matthew’s use of the Old Testament passages?</a:t>
+              <a:rPr lang="en-US" dirty="0"/>
+              <a:t>Matthew 12:17-18 / Isaiah 42:1 and following</a:t>
             </a:r>
           </a:p>
         </p:txBody>
@@ -4977,7 +5207,7 @@
           <a:p>
             <a:r>
               <a:rPr lang="en-US" dirty="0"/>
-              <a:t>13</a:t>
+              <a:t>7</a:t>
             </a:r>
           </a:p>
         </p:txBody>
@@ -4985,7 +5215,7 @@
     </p:spTree>
     <p:extLst>
       <p:ext uri="{BB962C8B-B14F-4D97-AF65-F5344CB8AC3E}">
-        <p14:creationId xmlns:p14="http://schemas.microsoft.com/office/powerpoint/2010/main" val="2161155167"/>
+        <p14:creationId xmlns:p14="http://schemas.microsoft.com/office/powerpoint/2010/main" val="3848006672"/>
       </p:ext>
     </p:extLst>
   </p:cSld>
@@ -5025,13 +5255,2227 @@
         <p:spPr/>
         <p:txBody>
           <a:bodyPr>
+            <a:normAutofit/>
+          </a:bodyPr>
+          <a:lstStyle/>
+          <a:p>
+            <a:r>
+              <a:rPr lang="en-US" dirty="0"/>
+              <a:t>Matthew 13:14 / Isaiah 6:9-10</a:t>
+            </a:r>
+          </a:p>
+        </p:txBody>
+      </p:sp>
+      <p:sp>
+        <p:nvSpPr>
+          <p:cNvPr id="3" name="Text Placeholder 2"/>
+          <p:cNvSpPr>
+            <a:spLocks noGrp="1"/>
+          </p:cNvSpPr>
+          <p:nvPr>
+            <p:ph type="body" sz="quarter" idx="13"/>
+          </p:nvPr>
+        </p:nvSpPr>
+        <p:spPr/>
+        <p:txBody>
+          <a:bodyPr/>
+          <a:lstStyle/>
+          <a:p>
+            <a:r>
+              <a:rPr lang="en-US" dirty="0"/>
+              <a:t>8</a:t>
+            </a:r>
+          </a:p>
+        </p:txBody>
+      </p:sp>
+    </p:spTree>
+    <p:extLst>
+      <p:ext uri="{BB962C8B-B14F-4D97-AF65-F5344CB8AC3E}">
+        <p14:creationId xmlns:p14="http://schemas.microsoft.com/office/powerpoint/2010/main" val="1757257959"/>
+      </p:ext>
+    </p:extLst>
+  </p:cSld>
+  <p:clrMapOvr>
+    <a:masterClrMapping/>
+  </p:clrMapOvr>
+</p:sld>
+</file>
+
+<file path=ppt/slides/slide16.xml><?xml version="1.0" encoding="utf-8"?>
+<p:sld xmlns:a="http://schemas.openxmlformats.org/drawingml/2006/main" xmlns:r="http://schemas.openxmlformats.org/officeDocument/2006/relationships" xmlns:p="http://schemas.openxmlformats.org/presentationml/2006/main">
+  <p:cSld>
+    <p:spTree>
+      <p:nvGrpSpPr>
+        <p:cNvPr id="1" name=""/>
+        <p:cNvGrpSpPr/>
+        <p:nvPr/>
+      </p:nvGrpSpPr>
+      <p:grpSpPr>
+        <a:xfrm>
+          <a:off x="0" y="0"/>
+          <a:ext cx="0" cy="0"/>
+          <a:chOff x="0" y="0"/>
+          <a:chExt cx="0" cy="0"/>
+        </a:xfrm>
+      </p:grpSpPr>
+      <p:sp>
+        <p:nvSpPr>
+          <p:cNvPr id="2" name="Title 1"/>
+          <p:cNvSpPr>
+            <a:spLocks noGrp="1"/>
+          </p:cNvSpPr>
+          <p:nvPr>
+            <p:ph type="title"/>
+          </p:nvPr>
+        </p:nvSpPr>
+        <p:spPr/>
+        <p:txBody>
+          <a:bodyPr>
+            <a:normAutofit/>
+          </a:bodyPr>
+          <a:lstStyle/>
+          <a:p>
+            <a:r>
+              <a:rPr lang="en-US" dirty="0"/>
+              <a:t>Matthew 13:35 / Psalm 78:2</a:t>
+            </a:r>
+          </a:p>
+        </p:txBody>
+      </p:sp>
+      <p:sp>
+        <p:nvSpPr>
+          <p:cNvPr id="3" name="Text Placeholder 2"/>
+          <p:cNvSpPr>
+            <a:spLocks noGrp="1"/>
+          </p:cNvSpPr>
+          <p:nvPr>
+            <p:ph type="body" sz="quarter" idx="13"/>
+          </p:nvPr>
+        </p:nvSpPr>
+        <p:spPr/>
+        <p:txBody>
+          <a:bodyPr/>
+          <a:lstStyle/>
+          <a:p>
+            <a:r>
+              <a:rPr lang="en-US" dirty="0"/>
+              <a:t>9</a:t>
+            </a:r>
+          </a:p>
+        </p:txBody>
+      </p:sp>
+    </p:spTree>
+    <p:extLst>
+      <p:ext uri="{BB962C8B-B14F-4D97-AF65-F5344CB8AC3E}">
+        <p14:creationId xmlns:p14="http://schemas.microsoft.com/office/powerpoint/2010/main" val="3805440107"/>
+      </p:ext>
+    </p:extLst>
+  </p:cSld>
+  <p:clrMapOvr>
+    <a:masterClrMapping/>
+  </p:clrMapOvr>
+</p:sld>
+</file>
+
+<file path=ppt/slides/slide17.xml><?xml version="1.0" encoding="utf-8"?>
+<p:sld xmlns:a="http://schemas.openxmlformats.org/drawingml/2006/main" xmlns:r="http://schemas.openxmlformats.org/officeDocument/2006/relationships" xmlns:p="http://schemas.openxmlformats.org/presentationml/2006/main">
+  <p:cSld>
+    <p:spTree>
+      <p:nvGrpSpPr>
+        <p:cNvPr id="1" name=""/>
+        <p:cNvGrpSpPr/>
+        <p:nvPr/>
+      </p:nvGrpSpPr>
+      <p:grpSpPr>
+        <a:xfrm>
+          <a:off x="0" y="0"/>
+          <a:ext cx="0" cy="0"/>
+          <a:chOff x="0" y="0"/>
+          <a:chExt cx="0" cy="0"/>
+        </a:xfrm>
+      </p:grpSpPr>
+      <p:sp>
+        <p:nvSpPr>
+          <p:cNvPr id="2" name="Title 1"/>
+          <p:cNvSpPr>
+            <a:spLocks noGrp="1"/>
+          </p:cNvSpPr>
+          <p:nvPr>
+            <p:ph type="title"/>
+          </p:nvPr>
+        </p:nvSpPr>
+        <p:spPr/>
+        <p:txBody>
+          <a:bodyPr>
+            <a:normAutofit/>
+          </a:bodyPr>
+          <a:lstStyle/>
+          <a:p>
+            <a:r>
+              <a:rPr lang="en-US" dirty="0"/>
+              <a:t>Matthew 21:4 / Zechariah 9:9</a:t>
+            </a:r>
+          </a:p>
+        </p:txBody>
+      </p:sp>
+      <p:sp>
+        <p:nvSpPr>
+          <p:cNvPr id="3" name="Text Placeholder 2"/>
+          <p:cNvSpPr>
+            <a:spLocks noGrp="1"/>
+          </p:cNvSpPr>
+          <p:nvPr>
+            <p:ph type="body" sz="quarter" idx="13"/>
+          </p:nvPr>
+        </p:nvSpPr>
+        <p:spPr/>
+        <p:txBody>
+          <a:bodyPr/>
+          <a:lstStyle/>
+          <a:p>
+            <a:r>
+              <a:rPr lang="en-US" dirty="0"/>
+              <a:t>10</a:t>
+            </a:r>
+          </a:p>
+        </p:txBody>
+      </p:sp>
+    </p:spTree>
+    <p:extLst>
+      <p:ext uri="{BB962C8B-B14F-4D97-AF65-F5344CB8AC3E}">
+        <p14:creationId xmlns:p14="http://schemas.microsoft.com/office/powerpoint/2010/main" val="1028714603"/>
+      </p:ext>
+    </p:extLst>
+  </p:cSld>
+  <p:clrMapOvr>
+    <a:masterClrMapping/>
+  </p:clrMapOvr>
+</p:sld>
+</file>
+
+<file path=ppt/slides/slide18.xml><?xml version="1.0" encoding="utf-8"?>
+<p:sld xmlns:a="http://schemas.openxmlformats.org/drawingml/2006/main" xmlns:r="http://schemas.openxmlformats.org/officeDocument/2006/relationships" xmlns:p="http://schemas.openxmlformats.org/presentationml/2006/main" show="0">
+  <p:cSld>
+    <p:spTree>
+      <p:nvGrpSpPr>
+        <p:cNvPr id="1" name=""/>
+        <p:cNvGrpSpPr/>
+        <p:nvPr/>
+      </p:nvGrpSpPr>
+      <p:grpSpPr>
+        <a:xfrm>
+          <a:off x="0" y="0"/>
+          <a:ext cx="0" cy="0"/>
+          <a:chOff x="0" y="0"/>
+          <a:chExt cx="0" cy="0"/>
+        </a:xfrm>
+      </p:grpSpPr>
+      <p:graphicFrame>
+        <p:nvGraphicFramePr>
+          <p:cNvPr id="5" name="Table 4">
+            <a:extLst>
+              <a:ext uri="{FF2B5EF4-FFF2-40B4-BE49-F238E27FC236}">
+                <a16:creationId xmlns:a16="http://schemas.microsoft.com/office/drawing/2014/main" id="{589C607E-23F7-1D43-B569-801CED367AB1}"/>
+              </a:ext>
+            </a:extLst>
+          </p:cNvPr>
+          <p:cNvGraphicFramePr>
+            <a:graphicFrameLocks noGrp="1"/>
+          </p:cNvGraphicFramePr>
+          <p:nvPr>
+            <p:extLst>
+              <p:ext uri="{D42A27DB-BD31-4B8C-83A1-F6EECF244321}">
+                <p14:modId xmlns:p14="http://schemas.microsoft.com/office/powerpoint/2010/main" val="1095344851"/>
+              </p:ext>
+            </p:extLst>
+          </p:nvPr>
+        </p:nvGraphicFramePr>
+        <p:xfrm>
+          <a:off x="0" y="15607"/>
+          <a:ext cx="8877300" cy="6883400"/>
+        </p:xfrm>
+        <a:graphic>
+          <a:graphicData uri="http://schemas.openxmlformats.org/drawingml/2006/table">
+            <a:tbl>
+              <a:tblPr firstRow="1" bandRow="1">
+                <a:tableStyleId>{2D5ABB26-0587-4C30-8999-92F81FD0307C}</a:tableStyleId>
+              </a:tblPr>
+              <a:tblGrid>
+                <a:gridCol w="2362200">
+                  <a:extLst>
+                    <a:ext uri="{9D8B030D-6E8A-4147-A177-3AD203B41FA5}">
+                      <a16:colId xmlns:a16="http://schemas.microsoft.com/office/drawing/2014/main" val="3623029985"/>
+                    </a:ext>
+                  </a:extLst>
+                </a:gridCol>
+                <a:gridCol w="6515100">
+                  <a:extLst>
+                    <a:ext uri="{9D8B030D-6E8A-4147-A177-3AD203B41FA5}">
+                      <a16:colId xmlns:a16="http://schemas.microsoft.com/office/drawing/2014/main" val="1438708331"/>
+                    </a:ext>
+                  </a:extLst>
+                </a:gridCol>
+              </a:tblGrid>
+              <a:tr h="364627">
+                <a:tc>
+                  <a:txBody>
+                    <a:bodyPr/>
+                    <a:lstStyle/>
+                    <a:p>
+                      <a:pPr algn="r" rtl="0" fontAlgn="t">
+                        <a:spcBef>
+                          <a:spcPts val="0"/>
+                        </a:spcBef>
+                        <a:spcAft>
+                          <a:spcPts val="0"/>
+                        </a:spcAft>
+                      </a:pPr>
+                      <a:r>
+                        <a:rPr lang="en-US" sz="1800" b="0" kern="1200" dirty="0">
+                          <a:solidFill>
+                            <a:srgbClr val="009EC0"/>
+                          </a:solidFill>
+                          <a:effectLst/>
+                          <a:latin typeface="+mn-lt"/>
+                          <a:ea typeface="+mn-ea"/>
+                          <a:cs typeface="+mn-cs"/>
+                        </a:rPr>
+                        <a:t>Matthew</a:t>
+                      </a:r>
+                      <a:r>
+                        <a:rPr lang="en-US" sz="1800" b="0" i="0" u="none" strike="noStrike" dirty="0">
+                          <a:solidFill>
+                            <a:srgbClr val="009EC0"/>
+                          </a:solidFill>
+                          <a:effectLst/>
+                          <a:latin typeface="+mj-lt"/>
+                        </a:rPr>
+                        <a:t> 1:22-23</a:t>
+                      </a:r>
+                    </a:p>
+                    <a:p>
+                      <a:pPr algn="r" rtl="0" fontAlgn="t">
+                        <a:spcBef>
+                          <a:spcPts val="0"/>
+                        </a:spcBef>
+                        <a:spcAft>
+                          <a:spcPts val="0"/>
+                        </a:spcAft>
+                      </a:pPr>
+                      <a:r>
+                        <a:rPr lang="en-US" sz="1800" b="0" kern="1200" dirty="0">
+                          <a:solidFill>
+                            <a:srgbClr val="009EC0"/>
+                          </a:solidFill>
+                          <a:effectLst/>
+                          <a:latin typeface="+mn-lt"/>
+                          <a:ea typeface="+mn-ea"/>
+                          <a:cs typeface="+mn-cs"/>
+                        </a:rPr>
+                        <a:t>Isaiah</a:t>
+                      </a:r>
+                      <a:r>
+                        <a:rPr lang="en-US" sz="1800" b="0" i="0" u="none" strike="noStrike" dirty="0">
+                          <a:solidFill>
+                            <a:srgbClr val="009EC0"/>
+                          </a:solidFill>
+                          <a:effectLst/>
+                          <a:latin typeface="+mj-lt"/>
+                        </a:rPr>
+                        <a:t> 7:14</a:t>
+                      </a:r>
+                      <a:endParaRPr lang="en-US" sz="1800" b="0" dirty="0">
+                        <a:solidFill>
+                          <a:srgbClr val="009EC0"/>
+                        </a:solidFill>
+                        <a:effectLst/>
+                        <a:latin typeface="+mj-lt"/>
+                      </a:endParaRPr>
+                    </a:p>
+                  </a:txBody>
+                  <a:tcPr marL="182880" marR="182880" marT="63500" marB="63500" anchor="ctr">
+                    <a:lnR w="3175" cap="flat" cmpd="sng" algn="ctr">
+                      <a:noFill/>
+                      <a:prstDash val="solid"/>
+                      <a:round/>
+                      <a:headEnd type="none" w="med" len="med"/>
+                      <a:tailEnd type="none" w="med" len="med"/>
+                    </a:lnR>
+                    <a:lnB w="12700" cap="flat" cmpd="sng" algn="ctr">
+                      <a:solidFill>
+                        <a:schemeClr val="bg1">
+                          <a:lumMod val="50000"/>
+                          <a:lumOff val="50000"/>
+                        </a:schemeClr>
+                      </a:solidFill>
+                      <a:prstDash val="solid"/>
+                      <a:round/>
+                      <a:headEnd type="none" w="med" len="med"/>
+                      <a:tailEnd type="none" w="med" len="med"/>
+                    </a:lnB>
+                  </a:tcPr>
+                </a:tc>
+                <a:tc>
+                  <a:txBody>
+                    <a:bodyPr/>
+                    <a:lstStyle/>
+                    <a:p>
+                      <a:pPr rtl="0" fontAlgn="t">
+                        <a:spcBef>
+                          <a:spcPts val="0"/>
+                        </a:spcBef>
+                        <a:spcAft>
+                          <a:spcPts val="0"/>
+                        </a:spcAft>
+                      </a:pPr>
+                      <a:r>
+                        <a:rPr lang="en-US" sz="1800" dirty="0">
+                          <a:solidFill>
+                            <a:schemeClr val="tx1"/>
+                          </a:solidFill>
+                          <a:effectLst/>
+                          <a:latin typeface="+mj-lt"/>
+                        </a:rPr>
+                        <a:t>Jesus’ birth will be a sign as “deep as </a:t>
+                      </a:r>
+                      <a:r>
+                        <a:rPr lang="en-US" sz="1800" dirty="0" err="1">
+                          <a:solidFill>
+                            <a:schemeClr val="tx1"/>
+                          </a:solidFill>
+                          <a:effectLst/>
+                          <a:latin typeface="+mj-lt"/>
+                        </a:rPr>
+                        <a:t>Sheol</a:t>
+                      </a:r>
+                      <a:r>
+                        <a:rPr lang="en-US" sz="1800" dirty="0">
+                          <a:solidFill>
+                            <a:schemeClr val="tx1"/>
+                          </a:solidFill>
+                          <a:effectLst/>
+                          <a:latin typeface="+mj-lt"/>
+                        </a:rPr>
+                        <a:t> and s high as Heaven” of the God’s defense of the “house of David”</a:t>
+                      </a:r>
+                    </a:p>
+                  </a:txBody>
+                  <a:tcPr marL="182880" marR="182880" marT="63500" marB="63500" anchor="ctr">
+                    <a:lnL w="3175" cap="flat" cmpd="sng" algn="ctr">
+                      <a:noFill/>
+                      <a:prstDash val="solid"/>
+                      <a:round/>
+                      <a:headEnd type="none" w="med" len="med"/>
+                      <a:tailEnd type="none" w="med" len="med"/>
+                    </a:lnL>
+                    <a:lnR>
+                      <a:noFill/>
+                    </a:lnR>
+                    <a:lnT>
+                      <a:noFill/>
+                    </a:lnT>
+                    <a:lnB w="12700" cap="flat" cmpd="sng" algn="ctr">
+                      <a:solidFill>
+                        <a:schemeClr val="bg1">
+                          <a:lumMod val="50000"/>
+                          <a:lumOff val="50000"/>
+                        </a:schemeClr>
+                      </a:solidFill>
+                      <a:prstDash val="solid"/>
+                      <a:round/>
+                      <a:headEnd type="none" w="med" len="med"/>
+                      <a:tailEnd type="none" w="med" len="med"/>
+                    </a:lnB>
+                    <a:lnTlToBr w="12700" cmpd="sng">
+                      <a:noFill/>
+                      <a:prstDash val="solid"/>
+                    </a:lnTlToBr>
+                    <a:lnBlToTr w="12700" cmpd="sng">
+                      <a:noFill/>
+                      <a:prstDash val="solid"/>
+                    </a:lnBlToTr>
+                  </a:tcPr>
+                </a:tc>
+                <a:extLst>
+                  <a:ext uri="{0D108BD9-81ED-4DB2-BD59-A6C34878D82A}">
+                    <a16:rowId xmlns:a16="http://schemas.microsoft.com/office/drawing/2014/main" val="3592000535"/>
+                  </a:ext>
+                </a:extLst>
+              </a:tr>
+              <a:tr h="364627">
+                <a:tc>
+                  <a:txBody>
+                    <a:bodyPr/>
+                    <a:lstStyle/>
+                    <a:p>
+                      <a:pPr marL="0" marR="0" indent="0" algn="r" defTabSz="914400" rtl="0" eaLnBrk="1" fontAlgn="t" latinLnBrk="0" hangingPunct="1">
+                        <a:lnSpc>
+                          <a:spcPct val="100000"/>
+                        </a:lnSpc>
+                        <a:spcBef>
+                          <a:spcPts val="0"/>
+                        </a:spcBef>
+                        <a:spcAft>
+                          <a:spcPts val="0"/>
+                        </a:spcAft>
+                        <a:buClrTx/>
+                        <a:buSzTx/>
+                        <a:buFontTx/>
+                        <a:buNone/>
+                        <a:tabLst/>
+                        <a:defRPr/>
+                      </a:pPr>
+                      <a:r>
+                        <a:rPr lang="en-US" sz="1800" b="0" kern="1200" dirty="0">
+                          <a:solidFill>
+                            <a:srgbClr val="009EC0"/>
+                          </a:solidFill>
+                          <a:effectLst/>
+                          <a:latin typeface="+mn-lt"/>
+                          <a:ea typeface="+mn-ea"/>
+                          <a:cs typeface="+mn-cs"/>
+                        </a:rPr>
+                        <a:t>Matthew</a:t>
+                      </a:r>
+                      <a:r>
+                        <a:rPr lang="en-US" sz="1800" b="0" i="0" u="none" strike="noStrike" dirty="0">
+                          <a:solidFill>
+                            <a:srgbClr val="009EC0"/>
+                          </a:solidFill>
+                          <a:effectLst/>
+                          <a:latin typeface="+mj-lt"/>
+                        </a:rPr>
+                        <a:t> 2:15 </a:t>
+                      </a:r>
+                    </a:p>
+                    <a:p>
+                      <a:pPr marL="0" marR="0" indent="0" algn="r" defTabSz="914400" rtl="0" eaLnBrk="1" fontAlgn="t" latinLnBrk="0" hangingPunct="1">
+                        <a:lnSpc>
+                          <a:spcPct val="100000"/>
+                        </a:lnSpc>
+                        <a:spcBef>
+                          <a:spcPts val="0"/>
+                        </a:spcBef>
+                        <a:spcAft>
+                          <a:spcPts val="0"/>
+                        </a:spcAft>
+                        <a:buClrTx/>
+                        <a:buSzTx/>
+                        <a:buFontTx/>
+                        <a:buNone/>
+                        <a:tabLst/>
+                        <a:defRPr/>
+                      </a:pPr>
+                      <a:r>
+                        <a:rPr lang="en-US" sz="1800" b="0" i="0" u="none" strike="noStrike" dirty="0">
+                          <a:solidFill>
+                            <a:srgbClr val="009EC0"/>
+                          </a:solidFill>
+                          <a:effectLst/>
+                          <a:latin typeface="+mj-lt"/>
+                        </a:rPr>
+                        <a:t>Hosea 11:1</a:t>
+                      </a:r>
+                      <a:endParaRPr lang="en-US" sz="1800" b="0" dirty="0">
+                        <a:solidFill>
+                          <a:srgbClr val="009EC0"/>
+                        </a:solidFill>
+                        <a:effectLst/>
+                        <a:latin typeface="+mj-lt"/>
+                      </a:endParaRPr>
+                    </a:p>
+                  </a:txBody>
+                  <a:tcPr marL="182880" marR="182880" marT="63500" marB="63500" anchor="ctr">
+                    <a:lnR w="3175" cap="flat" cmpd="sng" algn="ctr">
+                      <a:noFill/>
+                      <a:prstDash val="solid"/>
+                      <a:round/>
+                      <a:headEnd type="none" w="med" len="med"/>
+                      <a:tailEnd type="none" w="med" len="med"/>
+                    </a:lnR>
+                    <a:lnT w="12700" cap="flat" cmpd="sng" algn="ctr">
+                      <a:solidFill>
+                        <a:schemeClr val="bg1">
+                          <a:lumMod val="50000"/>
+                          <a:lumOff val="50000"/>
+                        </a:schemeClr>
+                      </a:solidFill>
+                      <a:prstDash val="solid"/>
+                      <a:round/>
+                      <a:headEnd type="none" w="med" len="med"/>
+                      <a:tailEnd type="none" w="med" len="med"/>
+                    </a:lnT>
+                    <a:lnB w="12700" cap="flat" cmpd="sng" algn="ctr">
+                      <a:solidFill>
+                        <a:schemeClr val="bg1">
+                          <a:lumMod val="50000"/>
+                          <a:lumOff val="50000"/>
+                        </a:schemeClr>
+                      </a:solidFill>
+                      <a:prstDash val="solid"/>
+                      <a:round/>
+                      <a:headEnd type="none" w="med" len="med"/>
+                      <a:tailEnd type="none" w="med" len="med"/>
+                    </a:lnB>
+                  </a:tcPr>
+                </a:tc>
+                <a:tc>
+                  <a:txBody>
+                    <a:bodyPr/>
+                    <a:lstStyle/>
+                    <a:p>
+                      <a:pPr rtl="0" fontAlgn="t">
+                        <a:spcBef>
+                          <a:spcPts val="0"/>
+                        </a:spcBef>
+                        <a:spcAft>
+                          <a:spcPts val="0"/>
+                        </a:spcAft>
+                      </a:pPr>
+                      <a:r>
+                        <a:rPr lang="en-US" sz="1800" dirty="0">
+                          <a:solidFill>
+                            <a:schemeClr val="tx1"/>
+                          </a:solidFill>
+                          <a:effectLst/>
+                          <a:latin typeface="+mj-lt"/>
+                        </a:rPr>
+                        <a:t>Jesus’ story plays out like that of the Jews who must be recalled out of Egypt to fulfill God’s ultimate purpose for them</a:t>
+                      </a:r>
+                    </a:p>
+                  </a:txBody>
+                  <a:tcPr marL="182880" marR="182880" marT="63500" marB="63500" anchor="ctr">
+                    <a:lnL w="3175" cap="flat" cmpd="sng" algn="ctr">
+                      <a:noFill/>
+                      <a:prstDash val="solid"/>
+                      <a:round/>
+                      <a:headEnd type="none" w="med" len="med"/>
+                      <a:tailEnd type="none" w="med" len="med"/>
+                    </a:lnL>
+                    <a:lnR>
+                      <a:noFill/>
+                    </a:lnR>
+                    <a:lnT w="12700" cap="flat" cmpd="sng" algn="ctr">
+                      <a:solidFill>
+                        <a:schemeClr val="bg1">
+                          <a:lumMod val="50000"/>
+                          <a:lumOff val="50000"/>
+                        </a:schemeClr>
+                      </a:solidFill>
+                      <a:prstDash val="solid"/>
+                      <a:round/>
+                      <a:headEnd type="none" w="med" len="med"/>
+                      <a:tailEnd type="none" w="med" len="med"/>
+                    </a:lnT>
+                    <a:lnB w="12700" cap="flat" cmpd="sng" algn="ctr">
+                      <a:solidFill>
+                        <a:schemeClr val="bg1">
+                          <a:lumMod val="50000"/>
+                          <a:lumOff val="50000"/>
+                        </a:schemeClr>
+                      </a:solidFill>
+                      <a:prstDash val="solid"/>
+                      <a:round/>
+                      <a:headEnd type="none" w="med" len="med"/>
+                      <a:tailEnd type="none" w="med" len="med"/>
+                    </a:lnB>
+                    <a:lnTlToBr w="12700" cmpd="sng">
+                      <a:noFill/>
+                      <a:prstDash val="solid"/>
+                    </a:lnTlToBr>
+                    <a:lnBlToTr w="12700" cmpd="sng">
+                      <a:noFill/>
+                      <a:prstDash val="solid"/>
+                    </a:lnBlToTr>
+                  </a:tcPr>
+                </a:tc>
+                <a:extLst>
+                  <a:ext uri="{0D108BD9-81ED-4DB2-BD59-A6C34878D82A}">
+                    <a16:rowId xmlns:a16="http://schemas.microsoft.com/office/drawing/2014/main" val="2330484482"/>
+                  </a:ext>
+                </a:extLst>
+              </a:tr>
+              <a:tr h="364627">
+                <a:tc>
+                  <a:txBody>
+                    <a:bodyPr/>
+                    <a:lstStyle/>
+                    <a:p>
+                      <a:pPr marL="0" marR="0" indent="0" algn="r" defTabSz="914400" rtl="0" eaLnBrk="1" fontAlgn="t" latinLnBrk="0" hangingPunct="1">
+                        <a:lnSpc>
+                          <a:spcPct val="100000"/>
+                        </a:lnSpc>
+                        <a:spcBef>
+                          <a:spcPts val="0"/>
+                        </a:spcBef>
+                        <a:spcAft>
+                          <a:spcPts val="0"/>
+                        </a:spcAft>
+                        <a:buClrTx/>
+                        <a:buSzTx/>
+                        <a:buFontTx/>
+                        <a:buNone/>
+                        <a:tabLst/>
+                        <a:defRPr/>
+                      </a:pPr>
+                      <a:r>
+                        <a:rPr lang="en-US" sz="1800" b="0" kern="1200" dirty="0">
+                          <a:solidFill>
+                            <a:srgbClr val="009EC0"/>
+                          </a:solidFill>
+                          <a:effectLst/>
+                          <a:latin typeface="+mn-lt"/>
+                          <a:ea typeface="+mn-ea"/>
+                          <a:cs typeface="+mn-cs"/>
+                        </a:rPr>
+                        <a:t>Matthew</a:t>
+                      </a:r>
+                      <a:r>
+                        <a:rPr lang="en-US" sz="1800" b="0" i="0" u="none" strike="noStrike" dirty="0">
+                          <a:solidFill>
+                            <a:srgbClr val="009EC0"/>
+                          </a:solidFill>
+                          <a:effectLst/>
+                          <a:latin typeface="+mj-lt"/>
+                        </a:rPr>
+                        <a:t> 2:23</a:t>
+                      </a:r>
+                      <a:endParaRPr lang="en-US" sz="1800" b="0" dirty="0">
+                        <a:solidFill>
+                          <a:srgbClr val="009EC0"/>
+                        </a:solidFill>
+                        <a:effectLst/>
+                        <a:latin typeface="+mj-lt"/>
+                      </a:endParaRPr>
+                    </a:p>
+                  </a:txBody>
+                  <a:tcPr marL="182880" marR="182880" marT="63500" marB="63500" anchor="ctr">
+                    <a:lnR w="3175" cap="flat" cmpd="sng" algn="ctr">
+                      <a:noFill/>
+                      <a:prstDash val="solid"/>
+                      <a:round/>
+                      <a:headEnd type="none" w="med" len="med"/>
+                      <a:tailEnd type="none" w="med" len="med"/>
+                    </a:lnR>
+                    <a:lnT w="12700" cap="flat" cmpd="sng" algn="ctr">
+                      <a:solidFill>
+                        <a:schemeClr val="bg1">
+                          <a:lumMod val="50000"/>
+                          <a:lumOff val="50000"/>
+                        </a:schemeClr>
+                      </a:solidFill>
+                      <a:prstDash val="solid"/>
+                      <a:round/>
+                      <a:headEnd type="none" w="med" len="med"/>
+                      <a:tailEnd type="none" w="med" len="med"/>
+                    </a:lnT>
+                    <a:lnB w="12700" cap="flat" cmpd="sng" algn="ctr">
+                      <a:solidFill>
+                        <a:schemeClr val="bg1">
+                          <a:lumMod val="50000"/>
+                          <a:lumOff val="50000"/>
+                        </a:schemeClr>
+                      </a:solidFill>
+                      <a:prstDash val="solid"/>
+                      <a:round/>
+                      <a:headEnd type="none" w="med" len="med"/>
+                      <a:tailEnd type="none" w="med" len="med"/>
+                    </a:lnB>
+                  </a:tcPr>
+                </a:tc>
+                <a:tc>
+                  <a:txBody>
+                    <a:bodyPr/>
+                    <a:lstStyle/>
+                    <a:p>
+                      <a:pPr rtl="0" fontAlgn="t">
+                        <a:spcBef>
+                          <a:spcPts val="0"/>
+                        </a:spcBef>
+                        <a:spcAft>
+                          <a:spcPts val="0"/>
+                        </a:spcAft>
+                      </a:pPr>
+                      <a:r>
+                        <a:rPr lang="en-US" sz="1800" dirty="0">
+                          <a:solidFill>
+                            <a:schemeClr val="tx1"/>
+                          </a:solidFill>
+                          <a:effectLst/>
+                          <a:latin typeface="+mj-lt"/>
+                        </a:rPr>
+                        <a:t>Jesus came from nobodies from nowhere</a:t>
+                      </a:r>
+                    </a:p>
+                  </a:txBody>
+                  <a:tcPr marL="182880" marR="182880" marT="63500" marB="63500" anchor="ctr">
+                    <a:lnL w="3175" cap="flat" cmpd="sng" algn="ctr">
+                      <a:noFill/>
+                      <a:prstDash val="solid"/>
+                      <a:round/>
+                      <a:headEnd type="none" w="med" len="med"/>
+                      <a:tailEnd type="none" w="med" len="med"/>
+                    </a:lnL>
+                    <a:lnR>
+                      <a:noFill/>
+                    </a:lnR>
+                    <a:lnT w="12700" cap="flat" cmpd="sng" algn="ctr">
+                      <a:solidFill>
+                        <a:schemeClr val="bg1">
+                          <a:lumMod val="50000"/>
+                          <a:lumOff val="50000"/>
+                        </a:schemeClr>
+                      </a:solidFill>
+                      <a:prstDash val="solid"/>
+                      <a:round/>
+                      <a:headEnd type="none" w="med" len="med"/>
+                      <a:tailEnd type="none" w="med" len="med"/>
+                    </a:lnT>
+                    <a:lnB w="12700" cap="flat" cmpd="sng" algn="ctr">
+                      <a:solidFill>
+                        <a:schemeClr val="bg1">
+                          <a:lumMod val="50000"/>
+                          <a:lumOff val="50000"/>
+                        </a:schemeClr>
+                      </a:solidFill>
+                      <a:prstDash val="solid"/>
+                      <a:round/>
+                      <a:headEnd type="none" w="med" len="med"/>
+                      <a:tailEnd type="none" w="med" len="med"/>
+                    </a:lnB>
+                    <a:lnTlToBr w="12700" cmpd="sng">
+                      <a:noFill/>
+                      <a:prstDash val="solid"/>
+                    </a:lnTlToBr>
+                    <a:lnBlToTr w="12700" cmpd="sng">
+                      <a:noFill/>
+                      <a:prstDash val="solid"/>
+                    </a:lnBlToTr>
+                  </a:tcPr>
+                </a:tc>
+                <a:extLst>
+                  <a:ext uri="{0D108BD9-81ED-4DB2-BD59-A6C34878D82A}">
+                    <a16:rowId xmlns:a16="http://schemas.microsoft.com/office/drawing/2014/main" val="1564031315"/>
+                  </a:ext>
+                </a:extLst>
+              </a:tr>
+              <a:tr h="621697">
+                <a:tc>
+                  <a:txBody>
+                    <a:bodyPr/>
+                    <a:lstStyle/>
+                    <a:p>
+                      <a:pPr marL="0" marR="0" indent="0" algn="r" defTabSz="914400" rtl="0" eaLnBrk="1" fontAlgn="t" latinLnBrk="0" hangingPunct="1">
+                        <a:lnSpc>
+                          <a:spcPct val="100000"/>
+                        </a:lnSpc>
+                        <a:spcBef>
+                          <a:spcPts val="0"/>
+                        </a:spcBef>
+                        <a:spcAft>
+                          <a:spcPts val="0"/>
+                        </a:spcAft>
+                        <a:buClrTx/>
+                        <a:buSzTx/>
+                        <a:buFontTx/>
+                        <a:buNone/>
+                        <a:tabLst/>
+                        <a:defRPr/>
+                      </a:pPr>
+                      <a:r>
+                        <a:rPr lang="en-US" sz="1800" b="0" kern="1200" dirty="0">
+                          <a:solidFill>
+                            <a:srgbClr val="009EC0"/>
+                          </a:solidFill>
+                          <a:effectLst/>
+                          <a:latin typeface="+mn-lt"/>
+                          <a:ea typeface="+mn-ea"/>
+                          <a:cs typeface="+mn-cs"/>
+                        </a:rPr>
+                        <a:t>Matthew</a:t>
+                      </a:r>
+                      <a:r>
+                        <a:rPr lang="en-US" sz="1800" b="0" dirty="0">
+                          <a:solidFill>
+                            <a:srgbClr val="009EC0"/>
+                          </a:solidFill>
+                          <a:effectLst/>
+                          <a:latin typeface="+mj-lt"/>
+                        </a:rPr>
+                        <a:t> 4:14-15 </a:t>
+                      </a:r>
+                    </a:p>
+                    <a:p>
+                      <a:pPr marL="0" marR="0" indent="0" algn="r" defTabSz="914400" rtl="0" eaLnBrk="1" fontAlgn="t" latinLnBrk="0" hangingPunct="1">
+                        <a:lnSpc>
+                          <a:spcPct val="100000"/>
+                        </a:lnSpc>
+                        <a:spcBef>
+                          <a:spcPts val="0"/>
+                        </a:spcBef>
+                        <a:spcAft>
+                          <a:spcPts val="0"/>
+                        </a:spcAft>
+                        <a:buClrTx/>
+                        <a:buSzTx/>
+                        <a:buFontTx/>
+                        <a:buNone/>
+                        <a:tabLst/>
+                        <a:defRPr/>
+                      </a:pPr>
+                      <a:r>
+                        <a:rPr lang="en-US" sz="1800" b="0" kern="1200" dirty="0">
+                          <a:solidFill>
+                            <a:srgbClr val="009EC0"/>
+                          </a:solidFill>
+                          <a:effectLst/>
+                          <a:latin typeface="+mn-lt"/>
+                          <a:ea typeface="+mn-ea"/>
+                          <a:cs typeface="+mn-cs"/>
+                        </a:rPr>
+                        <a:t>Isaiah</a:t>
+                      </a:r>
+                      <a:r>
+                        <a:rPr lang="en-US" sz="1800" b="0" dirty="0">
+                          <a:solidFill>
+                            <a:srgbClr val="009EC0"/>
+                          </a:solidFill>
+                          <a:effectLst/>
+                          <a:latin typeface="+mj-lt"/>
+                        </a:rPr>
+                        <a:t> 9:1-2</a:t>
+                      </a:r>
+                    </a:p>
+                  </a:txBody>
+                  <a:tcPr marL="182880" marR="182880" marT="63500" marB="63500" anchor="ctr">
+                    <a:lnR w="3175" cap="flat" cmpd="sng" algn="ctr">
+                      <a:noFill/>
+                      <a:prstDash val="solid"/>
+                      <a:round/>
+                      <a:headEnd type="none" w="med" len="med"/>
+                      <a:tailEnd type="none" w="med" len="med"/>
+                    </a:lnR>
+                    <a:lnT w="12700" cap="flat" cmpd="sng" algn="ctr">
+                      <a:solidFill>
+                        <a:schemeClr val="bg1">
+                          <a:lumMod val="50000"/>
+                          <a:lumOff val="50000"/>
+                        </a:schemeClr>
+                      </a:solidFill>
+                      <a:prstDash val="solid"/>
+                      <a:round/>
+                      <a:headEnd type="none" w="med" len="med"/>
+                      <a:tailEnd type="none" w="med" len="med"/>
+                    </a:lnT>
+                    <a:lnB w="12700" cap="flat" cmpd="sng" algn="ctr">
+                      <a:solidFill>
+                        <a:schemeClr val="bg1">
+                          <a:lumMod val="50000"/>
+                          <a:lumOff val="50000"/>
+                        </a:schemeClr>
+                      </a:solidFill>
+                      <a:prstDash val="solid"/>
+                      <a:round/>
+                      <a:headEnd type="none" w="med" len="med"/>
+                      <a:tailEnd type="none" w="med" len="med"/>
+                    </a:lnB>
+                  </a:tcPr>
+                </a:tc>
+                <a:tc>
+                  <a:txBody>
+                    <a:bodyPr/>
+                    <a:lstStyle/>
+                    <a:p>
+                      <a:pPr marL="0" marR="0" indent="0" algn="l" defTabSz="914400" rtl="0" eaLnBrk="1" fontAlgn="t" latinLnBrk="0" hangingPunct="1">
+                        <a:lnSpc>
+                          <a:spcPct val="100000"/>
+                        </a:lnSpc>
+                        <a:spcBef>
+                          <a:spcPts val="0"/>
+                        </a:spcBef>
+                        <a:spcAft>
+                          <a:spcPts val="0"/>
+                        </a:spcAft>
+                        <a:buClrTx/>
+                        <a:buSzTx/>
+                        <a:buFontTx/>
+                        <a:buNone/>
+                        <a:tabLst/>
+                        <a:defRPr/>
+                      </a:pPr>
+                      <a:r>
+                        <a:rPr lang="en-US" sz="1800" dirty="0">
+                          <a:solidFill>
+                            <a:schemeClr val="tx1"/>
+                          </a:solidFill>
+                          <a:effectLst/>
+                          <a:latin typeface="+mj-lt"/>
+                        </a:rPr>
+                        <a:t>Jesus works to be a light in order to bring back the humiliated (Zebulun and Naphtali, and eventually Gentiles)</a:t>
+                      </a:r>
+                    </a:p>
+                  </a:txBody>
+                  <a:tcPr marL="182880" marR="182880" marT="63500" marB="63500" anchor="ctr">
+                    <a:lnL w="3175" cap="flat" cmpd="sng" algn="ctr">
+                      <a:noFill/>
+                      <a:prstDash val="solid"/>
+                      <a:round/>
+                      <a:headEnd type="none" w="med" len="med"/>
+                      <a:tailEnd type="none" w="med" len="med"/>
+                    </a:lnL>
+                    <a:lnR>
+                      <a:noFill/>
+                    </a:lnR>
+                    <a:lnT w="12700" cap="flat" cmpd="sng" algn="ctr">
+                      <a:solidFill>
+                        <a:schemeClr val="bg1">
+                          <a:lumMod val="50000"/>
+                          <a:lumOff val="50000"/>
+                        </a:schemeClr>
+                      </a:solidFill>
+                      <a:prstDash val="solid"/>
+                      <a:round/>
+                      <a:headEnd type="none" w="med" len="med"/>
+                      <a:tailEnd type="none" w="med" len="med"/>
+                    </a:lnT>
+                    <a:lnB w="12700" cap="flat" cmpd="sng" algn="ctr">
+                      <a:solidFill>
+                        <a:schemeClr val="bg1">
+                          <a:lumMod val="50000"/>
+                          <a:lumOff val="50000"/>
+                        </a:schemeClr>
+                      </a:solidFill>
+                      <a:prstDash val="solid"/>
+                      <a:round/>
+                      <a:headEnd type="none" w="med" len="med"/>
+                      <a:tailEnd type="none" w="med" len="med"/>
+                    </a:lnB>
+                    <a:lnTlToBr w="12700" cmpd="sng">
+                      <a:noFill/>
+                      <a:prstDash val="solid"/>
+                    </a:lnTlToBr>
+                    <a:lnBlToTr w="12700" cmpd="sng">
+                      <a:noFill/>
+                      <a:prstDash val="solid"/>
+                    </a:lnBlToTr>
+                  </a:tcPr>
+                </a:tc>
+                <a:extLst>
+                  <a:ext uri="{0D108BD9-81ED-4DB2-BD59-A6C34878D82A}">
+                    <a16:rowId xmlns:a16="http://schemas.microsoft.com/office/drawing/2014/main" val="3045623234"/>
+                  </a:ext>
+                </a:extLst>
+              </a:tr>
+              <a:tr h="364627">
+                <a:tc>
+                  <a:txBody>
+                    <a:bodyPr/>
+                    <a:lstStyle/>
+                    <a:p>
+                      <a:pPr marL="0" marR="0" indent="0" algn="r" defTabSz="914400" rtl="0" eaLnBrk="1" fontAlgn="t" latinLnBrk="0" hangingPunct="1">
+                        <a:lnSpc>
+                          <a:spcPct val="100000"/>
+                        </a:lnSpc>
+                        <a:spcBef>
+                          <a:spcPts val="0"/>
+                        </a:spcBef>
+                        <a:spcAft>
+                          <a:spcPts val="0"/>
+                        </a:spcAft>
+                        <a:buClrTx/>
+                        <a:buSzTx/>
+                        <a:buFontTx/>
+                        <a:buNone/>
+                        <a:tabLst/>
+                        <a:defRPr/>
+                      </a:pPr>
+                      <a:r>
+                        <a:rPr lang="en-US" sz="1800" b="0" dirty="0">
+                          <a:solidFill>
+                            <a:srgbClr val="009EC0"/>
+                          </a:solidFill>
+                          <a:effectLst/>
+                          <a:latin typeface="+mj-lt"/>
+                        </a:rPr>
+                        <a:t>Matthew 8:17 </a:t>
+                      </a:r>
+                    </a:p>
+                    <a:p>
+                      <a:pPr marL="0" marR="0" indent="0" algn="r" defTabSz="914400" rtl="0" eaLnBrk="1" fontAlgn="t" latinLnBrk="0" hangingPunct="1">
+                        <a:lnSpc>
+                          <a:spcPct val="100000"/>
+                        </a:lnSpc>
+                        <a:spcBef>
+                          <a:spcPts val="0"/>
+                        </a:spcBef>
+                        <a:spcAft>
+                          <a:spcPts val="0"/>
+                        </a:spcAft>
+                        <a:buClrTx/>
+                        <a:buSzTx/>
+                        <a:buFontTx/>
+                        <a:buNone/>
+                        <a:tabLst/>
+                        <a:defRPr/>
+                      </a:pPr>
+                      <a:r>
+                        <a:rPr lang="en-US" sz="1800" b="0" dirty="0">
+                          <a:solidFill>
+                            <a:srgbClr val="009EC0"/>
+                          </a:solidFill>
+                          <a:effectLst/>
+                          <a:latin typeface="+mj-lt"/>
+                        </a:rPr>
+                        <a:t>Isaiah 53:4</a:t>
+                      </a:r>
+                    </a:p>
+                  </a:txBody>
+                  <a:tcPr marL="182880" marR="182880" marT="63500" marB="63500" anchor="ctr">
+                    <a:lnR w="3175" cap="flat" cmpd="sng" algn="ctr">
+                      <a:noFill/>
+                      <a:prstDash val="solid"/>
+                      <a:round/>
+                      <a:headEnd type="none" w="med" len="med"/>
+                      <a:tailEnd type="none" w="med" len="med"/>
+                    </a:lnR>
+                    <a:lnT w="12700" cap="flat" cmpd="sng" algn="ctr">
+                      <a:solidFill>
+                        <a:schemeClr val="bg1">
+                          <a:lumMod val="50000"/>
+                          <a:lumOff val="50000"/>
+                        </a:schemeClr>
+                      </a:solidFill>
+                      <a:prstDash val="solid"/>
+                      <a:round/>
+                      <a:headEnd type="none" w="med" len="med"/>
+                      <a:tailEnd type="none" w="med" len="med"/>
+                    </a:lnT>
+                    <a:lnB w="12700" cap="flat" cmpd="sng" algn="ctr">
+                      <a:solidFill>
+                        <a:schemeClr val="bg1">
+                          <a:lumMod val="50000"/>
+                          <a:lumOff val="50000"/>
+                        </a:schemeClr>
+                      </a:solidFill>
+                      <a:prstDash val="solid"/>
+                      <a:round/>
+                      <a:headEnd type="none" w="med" len="med"/>
+                      <a:tailEnd type="none" w="med" len="med"/>
+                    </a:lnB>
+                  </a:tcPr>
+                </a:tc>
+                <a:tc>
+                  <a:txBody>
+                    <a:bodyPr/>
+                    <a:lstStyle/>
+                    <a:p>
+                      <a:pPr rtl="0" fontAlgn="t">
+                        <a:spcBef>
+                          <a:spcPts val="0"/>
+                        </a:spcBef>
+                        <a:spcAft>
+                          <a:spcPts val="0"/>
+                        </a:spcAft>
+                      </a:pPr>
+                      <a:r>
+                        <a:rPr lang="en-US" sz="1800" dirty="0">
+                          <a:solidFill>
+                            <a:schemeClr val="tx1"/>
+                          </a:solidFill>
+                          <a:effectLst/>
+                          <a:latin typeface="+mj-lt"/>
+                        </a:rPr>
+                        <a:t>Jesus reverses the curse that resulted from sin (which includes both a restoral of creation and of sin itself)</a:t>
+                      </a:r>
+                    </a:p>
+                  </a:txBody>
+                  <a:tcPr marL="182880" marR="182880" marT="63500" marB="63500" anchor="ctr">
+                    <a:lnL w="3175" cap="flat" cmpd="sng" algn="ctr">
+                      <a:noFill/>
+                      <a:prstDash val="solid"/>
+                      <a:round/>
+                      <a:headEnd type="none" w="med" len="med"/>
+                      <a:tailEnd type="none" w="med" len="med"/>
+                    </a:lnL>
+                    <a:lnR>
+                      <a:noFill/>
+                    </a:lnR>
+                    <a:lnT w="12700" cap="flat" cmpd="sng" algn="ctr">
+                      <a:solidFill>
+                        <a:schemeClr val="bg1">
+                          <a:lumMod val="50000"/>
+                          <a:lumOff val="50000"/>
+                        </a:schemeClr>
+                      </a:solidFill>
+                      <a:prstDash val="solid"/>
+                      <a:round/>
+                      <a:headEnd type="none" w="med" len="med"/>
+                      <a:tailEnd type="none" w="med" len="med"/>
+                    </a:lnT>
+                    <a:lnB w="12700" cap="flat" cmpd="sng" algn="ctr">
+                      <a:solidFill>
+                        <a:schemeClr val="bg1">
+                          <a:lumMod val="50000"/>
+                          <a:lumOff val="50000"/>
+                        </a:schemeClr>
+                      </a:solidFill>
+                      <a:prstDash val="solid"/>
+                      <a:round/>
+                      <a:headEnd type="none" w="med" len="med"/>
+                      <a:tailEnd type="none" w="med" len="med"/>
+                    </a:lnB>
+                    <a:lnTlToBr w="12700" cmpd="sng">
+                      <a:noFill/>
+                      <a:prstDash val="solid"/>
+                    </a:lnTlToBr>
+                    <a:lnBlToTr w="12700" cmpd="sng">
+                      <a:noFill/>
+                      <a:prstDash val="solid"/>
+                    </a:lnBlToTr>
+                  </a:tcPr>
+                </a:tc>
+                <a:extLst>
+                  <a:ext uri="{0D108BD9-81ED-4DB2-BD59-A6C34878D82A}">
+                    <a16:rowId xmlns:a16="http://schemas.microsoft.com/office/drawing/2014/main" val="793393097"/>
+                  </a:ext>
+                </a:extLst>
+              </a:tr>
+              <a:tr h="364627">
+                <a:tc>
+                  <a:txBody>
+                    <a:bodyPr/>
+                    <a:lstStyle/>
+                    <a:p>
+                      <a:pPr marL="0" marR="0" indent="0" algn="r" defTabSz="914400" rtl="0" eaLnBrk="1" fontAlgn="t" latinLnBrk="0" hangingPunct="1">
+                        <a:lnSpc>
+                          <a:spcPct val="100000"/>
+                        </a:lnSpc>
+                        <a:spcBef>
+                          <a:spcPts val="0"/>
+                        </a:spcBef>
+                        <a:spcAft>
+                          <a:spcPts val="0"/>
+                        </a:spcAft>
+                        <a:buClrTx/>
+                        <a:buSzTx/>
+                        <a:buFontTx/>
+                        <a:buNone/>
+                        <a:tabLst/>
+                        <a:defRPr/>
+                      </a:pPr>
+                      <a:r>
+                        <a:rPr lang="en-US" sz="1800" b="0" dirty="0">
+                          <a:solidFill>
+                            <a:srgbClr val="009EC0"/>
+                          </a:solidFill>
+                          <a:effectLst/>
+                          <a:latin typeface="+mj-lt"/>
+                        </a:rPr>
+                        <a:t>Matthew 12:17-18 </a:t>
+                      </a:r>
+                    </a:p>
+                    <a:p>
+                      <a:pPr marL="0" marR="0" indent="0" algn="r" defTabSz="914400" rtl="0" eaLnBrk="1" fontAlgn="t" latinLnBrk="0" hangingPunct="1">
+                        <a:lnSpc>
+                          <a:spcPct val="100000"/>
+                        </a:lnSpc>
+                        <a:spcBef>
+                          <a:spcPts val="0"/>
+                        </a:spcBef>
+                        <a:spcAft>
+                          <a:spcPts val="0"/>
+                        </a:spcAft>
+                        <a:buClrTx/>
+                        <a:buSzTx/>
+                        <a:buFontTx/>
+                        <a:buNone/>
+                        <a:tabLst/>
+                        <a:defRPr/>
+                      </a:pPr>
+                      <a:r>
+                        <a:rPr lang="en-US" sz="1800" b="0" dirty="0">
+                          <a:solidFill>
+                            <a:srgbClr val="009EC0"/>
+                          </a:solidFill>
+                          <a:effectLst/>
+                          <a:latin typeface="+mj-lt"/>
+                        </a:rPr>
+                        <a:t>Isaiah 42:1</a:t>
+                      </a:r>
+                    </a:p>
+                  </a:txBody>
+                  <a:tcPr marL="182880" marR="182880" marT="63500" marB="63500" anchor="ctr">
+                    <a:lnR w="3175" cap="flat" cmpd="sng" algn="ctr">
+                      <a:noFill/>
+                      <a:prstDash val="solid"/>
+                      <a:round/>
+                      <a:headEnd type="none" w="med" len="med"/>
+                      <a:tailEnd type="none" w="med" len="med"/>
+                    </a:lnR>
+                    <a:lnT w="12700" cap="flat" cmpd="sng" algn="ctr">
+                      <a:solidFill>
+                        <a:schemeClr val="bg1">
+                          <a:lumMod val="50000"/>
+                          <a:lumOff val="50000"/>
+                        </a:schemeClr>
+                      </a:solidFill>
+                      <a:prstDash val="solid"/>
+                      <a:round/>
+                      <a:headEnd type="none" w="med" len="med"/>
+                      <a:tailEnd type="none" w="med" len="med"/>
+                    </a:lnT>
+                    <a:lnB w="12700" cap="flat" cmpd="sng" algn="ctr">
+                      <a:solidFill>
+                        <a:schemeClr val="bg1">
+                          <a:lumMod val="50000"/>
+                          <a:lumOff val="50000"/>
+                        </a:schemeClr>
+                      </a:solidFill>
+                      <a:prstDash val="solid"/>
+                      <a:round/>
+                      <a:headEnd type="none" w="med" len="med"/>
+                      <a:tailEnd type="none" w="med" len="med"/>
+                    </a:lnB>
+                  </a:tcPr>
+                </a:tc>
+                <a:tc>
+                  <a:txBody>
+                    <a:bodyPr/>
+                    <a:lstStyle/>
+                    <a:p>
+                      <a:pPr rtl="0" fontAlgn="t">
+                        <a:spcBef>
+                          <a:spcPts val="0"/>
+                        </a:spcBef>
+                        <a:spcAft>
+                          <a:spcPts val="0"/>
+                        </a:spcAft>
+                      </a:pPr>
+                      <a:endParaRPr lang="en-US" sz="1800" dirty="0">
+                        <a:solidFill>
+                          <a:schemeClr val="tx1"/>
+                        </a:solidFill>
+                        <a:effectLst/>
+                        <a:latin typeface="+mj-lt"/>
+                      </a:endParaRPr>
+                    </a:p>
+                  </a:txBody>
+                  <a:tcPr marL="182880" marR="182880" marT="63500" marB="63500" anchor="ctr">
+                    <a:lnL w="3175" cap="flat" cmpd="sng" algn="ctr">
+                      <a:noFill/>
+                      <a:prstDash val="solid"/>
+                      <a:round/>
+                      <a:headEnd type="none" w="med" len="med"/>
+                      <a:tailEnd type="none" w="med" len="med"/>
+                    </a:lnL>
+                    <a:lnR>
+                      <a:noFill/>
+                    </a:lnR>
+                    <a:lnT w="12700" cap="flat" cmpd="sng" algn="ctr">
+                      <a:solidFill>
+                        <a:schemeClr val="bg1">
+                          <a:lumMod val="50000"/>
+                          <a:lumOff val="50000"/>
+                        </a:schemeClr>
+                      </a:solidFill>
+                      <a:prstDash val="solid"/>
+                      <a:round/>
+                      <a:headEnd type="none" w="med" len="med"/>
+                      <a:tailEnd type="none" w="med" len="med"/>
+                    </a:lnT>
+                    <a:lnB w="12700" cap="flat" cmpd="sng" algn="ctr">
+                      <a:solidFill>
+                        <a:schemeClr val="bg1">
+                          <a:lumMod val="50000"/>
+                          <a:lumOff val="50000"/>
+                        </a:schemeClr>
+                      </a:solidFill>
+                      <a:prstDash val="solid"/>
+                      <a:round/>
+                      <a:headEnd type="none" w="med" len="med"/>
+                      <a:tailEnd type="none" w="med" len="med"/>
+                    </a:lnB>
+                    <a:lnTlToBr w="12700" cmpd="sng">
+                      <a:noFill/>
+                      <a:prstDash val="solid"/>
+                    </a:lnTlToBr>
+                    <a:lnBlToTr w="12700" cmpd="sng">
+                      <a:noFill/>
+                      <a:prstDash val="solid"/>
+                    </a:lnBlToTr>
+                  </a:tcPr>
+                </a:tc>
+                <a:extLst>
+                  <a:ext uri="{0D108BD9-81ED-4DB2-BD59-A6C34878D82A}">
+                    <a16:rowId xmlns:a16="http://schemas.microsoft.com/office/drawing/2014/main" val="3234716589"/>
+                  </a:ext>
+                </a:extLst>
+              </a:tr>
+              <a:tr h="364627">
+                <a:tc>
+                  <a:txBody>
+                    <a:bodyPr/>
+                    <a:lstStyle/>
+                    <a:p>
+                      <a:pPr marL="0" marR="0" indent="0" algn="r" defTabSz="914400" rtl="0" eaLnBrk="1" fontAlgn="t" latinLnBrk="0" hangingPunct="1">
+                        <a:lnSpc>
+                          <a:spcPct val="100000"/>
+                        </a:lnSpc>
+                        <a:spcBef>
+                          <a:spcPts val="0"/>
+                        </a:spcBef>
+                        <a:spcAft>
+                          <a:spcPts val="0"/>
+                        </a:spcAft>
+                        <a:buClrTx/>
+                        <a:buSzTx/>
+                        <a:buFontTx/>
+                        <a:buNone/>
+                        <a:tabLst/>
+                        <a:defRPr/>
+                      </a:pPr>
+                      <a:r>
+                        <a:rPr lang="en-US" sz="1800" b="0" dirty="0">
+                          <a:solidFill>
+                            <a:srgbClr val="009EC0"/>
+                          </a:solidFill>
+                          <a:effectLst/>
+                          <a:latin typeface="+mj-lt"/>
+                        </a:rPr>
+                        <a:t>Matthew 13:14 </a:t>
+                      </a:r>
+                    </a:p>
+                    <a:p>
+                      <a:pPr marL="0" marR="0" indent="0" algn="r" defTabSz="914400" rtl="0" eaLnBrk="1" fontAlgn="t" latinLnBrk="0" hangingPunct="1">
+                        <a:lnSpc>
+                          <a:spcPct val="100000"/>
+                        </a:lnSpc>
+                        <a:spcBef>
+                          <a:spcPts val="0"/>
+                        </a:spcBef>
+                        <a:spcAft>
+                          <a:spcPts val="0"/>
+                        </a:spcAft>
+                        <a:buClrTx/>
+                        <a:buSzTx/>
+                        <a:buFontTx/>
+                        <a:buNone/>
+                        <a:tabLst/>
+                        <a:defRPr/>
+                      </a:pPr>
+                      <a:r>
+                        <a:rPr lang="en-US" sz="1800" b="0" dirty="0">
+                          <a:solidFill>
+                            <a:srgbClr val="009EC0"/>
+                          </a:solidFill>
+                          <a:effectLst/>
+                          <a:latin typeface="+mj-lt"/>
+                        </a:rPr>
+                        <a:t>Isaiah 6:9-10</a:t>
+                      </a:r>
+                    </a:p>
+                  </a:txBody>
+                  <a:tcPr marL="182880" marR="182880" marT="63500" marB="63500" anchor="ctr">
+                    <a:lnR w="3175" cap="flat" cmpd="sng" algn="ctr">
+                      <a:noFill/>
+                      <a:prstDash val="solid"/>
+                      <a:round/>
+                      <a:headEnd type="none" w="med" len="med"/>
+                      <a:tailEnd type="none" w="med" len="med"/>
+                    </a:lnR>
+                    <a:lnT w="12700" cap="flat" cmpd="sng" algn="ctr">
+                      <a:solidFill>
+                        <a:schemeClr val="bg1">
+                          <a:lumMod val="50000"/>
+                          <a:lumOff val="50000"/>
+                        </a:schemeClr>
+                      </a:solidFill>
+                      <a:prstDash val="solid"/>
+                      <a:round/>
+                      <a:headEnd type="none" w="med" len="med"/>
+                      <a:tailEnd type="none" w="med" len="med"/>
+                    </a:lnT>
+                    <a:lnB w="12700" cap="flat" cmpd="sng" algn="ctr">
+                      <a:solidFill>
+                        <a:schemeClr val="bg1">
+                          <a:lumMod val="50000"/>
+                          <a:lumOff val="50000"/>
+                        </a:schemeClr>
+                      </a:solidFill>
+                      <a:prstDash val="solid"/>
+                      <a:round/>
+                      <a:headEnd type="none" w="med" len="med"/>
+                      <a:tailEnd type="none" w="med" len="med"/>
+                    </a:lnB>
+                  </a:tcPr>
+                </a:tc>
+                <a:tc>
+                  <a:txBody>
+                    <a:bodyPr/>
+                    <a:lstStyle/>
+                    <a:p>
+                      <a:pPr rtl="0" fontAlgn="t">
+                        <a:spcBef>
+                          <a:spcPts val="0"/>
+                        </a:spcBef>
+                        <a:spcAft>
+                          <a:spcPts val="0"/>
+                        </a:spcAft>
+                      </a:pPr>
+                      <a:endParaRPr lang="en-US" sz="1800" dirty="0">
+                        <a:solidFill>
+                          <a:schemeClr val="tx1"/>
+                        </a:solidFill>
+                        <a:effectLst/>
+                        <a:latin typeface="+mj-lt"/>
+                      </a:endParaRPr>
+                    </a:p>
+                  </a:txBody>
+                  <a:tcPr marL="182880" marR="182880" marT="63500" marB="63500" anchor="ctr">
+                    <a:lnL w="3175" cap="flat" cmpd="sng" algn="ctr">
+                      <a:noFill/>
+                      <a:prstDash val="solid"/>
+                      <a:round/>
+                      <a:headEnd type="none" w="med" len="med"/>
+                      <a:tailEnd type="none" w="med" len="med"/>
+                    </a:lnL>
+                    <a:lnR>
+                      <a:noFill/>
+                    </a:lnR>
+                    <a:lnT w="12700" cap="flat" cmpd="sng" algn="ctr">
+                      <a:solidFill>
+                        <a:schemeClr val="bg1">
+                          <a:lumMod val="50000"/>
+                          <a:lumOff val="50000"/>
+                        </a:schemeClr>
+                      </a:solidFill>
+                      <a:prstDash val="solid"/>
+                      <a:round/>
+                      <a:headEnd type="none" w="med" len="med"/>
+                      <a:tailEnd type="none" w="med" len="med"/>
+                    </a:lnT>
+                    <a:lnB w="12700" cap="flat" cmpd="sng" algn="ctr">
+                      <a:solidFill>
+                        <a:schemeClr val="bg1">
+                          <a:lumMod val="50000"/>
+                          <a:lumOff val="50000"/>
+                        </a:schemeClr>
+                      </a:solidFill>
+                      <a:prstDash val="solid"/>
+                      <a:round/>
+                      <a:headEnd type="none" w="med" len="med"/>
+                      <a:tailEnd type="none" w="med" len="med"/>
+                    </a:lnB>
+                    <a:lnTlToBr w="12700" cmpd="sng">
+                      <a:noFill/>
+                      <a:prstDash val="solid"/>
+                    </a:lnTlToBr>
+                    <a:lnBlToTr w="12700" cmpd="sng">
+                      <a:noFill/>
+                      <a:prstDash val="solid"/>
+                    </a:lnBlToTr>
+                  </a:tcPr>
+                </a:tc>
+                <a:extLst>
+                  <a:ext uri="{0D108BD9-81ED-4DB2-BD59-A6C34878D82A}">
+                    <a16:rowId xmlns:a16="http://schemas.microsoft.com/office/drawing/2014/main" val="3080753206"/>
+                  </a:ext>
+                </a:extLst>
+              </a:tr>
+              <a:tr h="364627">
+                <a:tc>
+                  <a:txBody>
+                    <a:bodyPr/>
+                    <a:lstStyle/>
+                    <a:p>
+                      <a:pPr marL="0" marR="0" indent="0" algn="r" defTabSz="914400" rtl="0" eaLnBrk="1" fontAlgn="t" latinLnBrk="0" hangingPunct="1">
+                        <a:lnSpc>
+                          <a:spcPct val="100000"/>
+                        </a:lnSpc>
+                        <a:spcBef>
+                          <a:spcPts val="0"/>
+                        </a:spcBef>
+                        <a:spcAft>
+                          <a:spcPts val="0"/>
+                        </a:spcAft>
+                        <a:buClrTx/>
+                        <a:buSzTx/>
+                        <a:buFontTx/>
+                        <a:buNone/>
+                        <a:tabLst/>
+                        <a:defRPr/>
+                      </a:pPr>
+                      <a:r>
+                        <a:rPr lang="en-US" sz="1800" b="0" dirty="0">
+                          <a:solidFill>
+                            <a:srgbClr val="009EC0"/>
+                          </a:solidFill>
+                          <a:effectLst/>
+                          <a:latin typeface="+mj-lt"/>
+                        </a:rPr>
+                        <a:t>Matthew 13:35 </a:t>
+                      </a:r>
+                    </a:p>
+                    <a:p>
+                      <a:pPr marL="0" marR="0" indent="0" algn="r" defTabSz="914400" rtl="0" eaLnBrk="1" fontAlgn="t" latinLnBrk="0" hangingPunct="1">
+                        <a:lnSpc>
+                          <a:spcPct val="100000"/>
+                        </a:lnSpc>
+                        <a:spcBef>
+                          <a:spcPts val="0"/>
+                        </a:spcBef>
+                        <a:spcAft>
+                          <a:spcPts val="0"/>
+                        </a:spcAft>
+                        <a:buClrTx/>
+                        <a:buSzTx/>
+                        <a:buFontTx/>
+                        <a:buNone/>
+                        <a:tabLst/>
+                        <a:defRPr/>
+                      </a:pPr>
+                      <a:r>
+                        <a:rPr lang="en-US" sz="1800" b="0" dirty="0">
+                          <a:solidFill>
+                            <a:srgbClr val="009EC0"/>
+                          </a:solidFill>
+                          <a:effectLst/>
+                          <a:latin typeface="+mj-lt"/>
+                        </a:rPr>
+                        <a:t>Psalm 78:2</a:t>
+                      </a:r>
+                    </a:p>
+                  </a:txBody>
+                  <a:tcPr marL="182880" marR="182880" marT="63500" marB="63500" anchor="ctr">
+                    <a:lnR w="3175" cap="flat" cmpd="sng" algn="ctr">
+                      <a:noFill/>
+                      <a:prstDash val="solid"/>
+                      <a:round/>
+                      <a:headEnd type="none" w="med" len="med"/>
+                      <a:tailEnd type="none" w="med" len="med"/>
+                    </a:lnR>
+                    <a:lnT w="12700" cap="flat" cmpd="sng" algn="ctr">
+                      <a:solidFill>
+                        <a:schemeClr val="bg1">
+                          <a:lumMod val="50000"/>
+                          <a:lumOff val="50000"/>
+                        </a:schemeClr>
+                      </a:solidFill>
+                      <a:prstDash val="solid"/>
+                      <a:round/>
+                      <a:headEnd type="none" w="med" len="med"/>
+                      <a:tailEnd type="none" w="med" len="med"/>
+                    </a:lnT>
+                    <a:lnB w="12700" cap="flat" cmpd="sng" algn="ctr">
+                      <a:solidFill>
+                        <a:schemeClr val="bg1">
+                          <a:lumMod val="50000"/>
+                          <a:lumOff val="50000"/>
+                        </a:schemeClr>
+                      </a:solidFill>
+                      <a:prstDash val="solid"/>
+                      <a:round/>
+                      <a:headEnd type="none" w="med" len="med"/>
+                      <a:tailEnd type="none" w="med" len="med"/>
+                    </a:lnB>
+                  </a:tcPr>
+                </a:tc>
+                <a:tc>
+                  <a:txBody>
+                    <a:bodyPr/>
+                    <a:lstStyle/>
+                    <a:p>
+                      <a:pPr rtl="0" fontAlgn="t">
+                        <a:spcBef>
+                          <a:spcPts val="0"/>
+                        </a:spcBef>
+                        <a:spcAft>
+                          <a:spcPts val="0"/>
+                        </a:spcAft>
+                      </a:pPr>
+                      <a:endParaRPr lang="en-US" sz="1800" dirty="0">
+                        <a:solidFill>
+                          <a:schemeClr val="tx1"/>
+                        </a:solidFill>
+                        <a:effectLst/>
+                        <a:latin typeface="+mj-lt"/>
+                      </a:endParaRPr>
+                    </a:p>
+                  </a:txBody>
+                  <a:tcPr marL="182880" marR="182880" marT="63500" marB="63500" anchor="ctr">
+                    <a:lnL w="3175" cap="flat" cmpd="sng" algn="ctr">
+                      <a:noFill/>
+                      <a:prstDash val="solid"/>
+                      <a:round/>
+                      <a:headEnd type="none" w="med" len="med"/>
+                      <a:tailEnd type="none" w="med" len="med"/>
+                    </a:lnL>
+                    <a:lnR>
+                      <a:noFill/>
+                    </a:lnR>
+                    <a:lnT w="12700" cap="flat" cmpd="sng" algn="ctr">
+                      <a:solidFill>
+                        <a:schemeClr val="bg1">
+                          <a:lumMod val="50000"/>
+                          <a:lumOff val="50000"/>
+                        </a:schemeClr>
+                      </a:solidFill>
+                      <a:prstDash val="solid"/>
+                      <a:round/>
+                      <a:headEnd type="none" w="med" len="med"/>
+                      <a:tailEnd type="none" w="med" len="med"/>
+                    </a:lnT>
+                    <a:lnB w="12700" cap="flat" cmpd="sng" algn="ctr">
+                      <a:solidFill>
+                        <a:schemeClr val="bg1">
+                          <a:lumMod val="50000"/>
+                          <a:lumOff val="50000"/>
+                        </a:schemeClr>
+                      </a:solidFill>
+                      <a:prstDash val="solid"/>
+                      <a:round/>
+                      <a:headEnd type="none" w="med" len="med"/>
+                      <a:tailEnd type="none" w="med" len="med"/>
+                    </a:lnB>
+                    <a:lnTlToBr w="12700" cmpd="sng">
+                      <a:noFill/>
+                      <a:prstDash val="solid"/>
+                    </a:lnTlToBr>
+                    <a:lnBlToTr w="12700" cmpd="sng">
+                      <a:noFill/>
+                      <a:prstDash val="solid"/>
+                    </a:lnBlToTr>
+                  </a:tcPr>
+                </a:tc>
+                <a:extLst>
+                  <a:ext uri="{0D108BD9-81ED-4DB2-BD59-A6C34878D82A}">
+                    <a16:rowId xmlns:a16="http://schemas.microsoft.com/office/drawing/2014/main" val="1099720910"/>
+                  </a:ext>
+                </a:extLst>
+              </a:tr>
+              <a:tr h="364627">
+                <a:tc>
+                  <a:txBody>
+                    <a:bodyPr/>
+                    <a:lstStyle/>
+                    <a:p>
+                      <a:pPr marL="0" marR="0" indent="0" algn="r" defTabSz="914400" rtl="0" eaLnBrk="1" fontAlgn="t" latinLnBrk="0" hangingPunct="1">
+                        <a:lnSpc>
+                          <a:spcPct val="100000"/>
+                        </a:lnSpc>
+                        <a:spcBef>
+                          <a:spcPts val="0"/>
+                        </a:spcBef>
+                        <a:spcAft>
+                          <a:spcPts val="0"/>
+                        </a:spcAft>
+                        <a:buClrTx/>
+                        <a:buSzTx/>
+                        <a:buFontTx/>
+                        <a:buNone/>
+                        <a:tabLst/>
+                        <a:defRPr/>
+                      </a:pPr>
+                      <a:r>
+                        <a:rPr lang="en-US" sz="1800" b="0" dirty="0">
+                          <a:solidFill>
+                            <a:srgbClr val="009EC0"/>
+                          </a:solidFill>
+                          <a:effectLst/>
+                          <a:latin typeface="+mj-lt"/>
+                        </a:rPr>
+                        <a:t>Matthew 21:4</a:t>
+                      </a:r>
+                    </a:p>
+                    <a:p>
+                      <a:pPr marL="0" marR="0" indent="0" algn="r" defTabSz="914400" rtl="0" eaLnBrk="1" fontAlgn="t" latinLnBrk="0" hangingPunct="1">
+                        <a:lnSpc>
+                          <a:spcPct val="100000"/>
+                        </a:lnSpc>
+                        <a:spcBef>
+                          <a:spcPts val="0"/>
+                        </a:spcBef>
+                        <a:spcAft>
+                          <a:spcPts val="0"/>
+                        </a:spcAft>
+                        <a:buClrTx/>
+                        <a:buSzTx/>
+                        <a:buFontTx/>
+                        <a:buNone/>
+                        <a:tabLst/>
+                        <a:defRPr/>
+                      </a:pPr>
+                      <a:r>
+                        <a:rPr lang="en-US" sz="1800" b="0" dirty="0">
+                          <a:solidFill>
+                            <a:srgbClr val="009EC0"/>
+                          </a:solidFill>
+                          <a:effectLst/>
+                          <a:latin typeface="+mj-lt"/>
+                        </a:rPr>
+                        <a:t>Zechariah 9:9</a:t>
+                      </a:r>
+                    </a:p>
+                  </a:txBody>
+                  <a:tcPr marL="182880" marR="182880" marT="63500" marB="63500" anchor="ctr">
+                    <a:lnR w="3175" cap="flat" cmpd="sng" algn="ctr">
+                      <a:noFill/>
+                      <a:prstDash val="solid"/>
+                      <a:round/>
+                      <a:headEnd type="none" w="med" len="med"/>
+                      <a:tailEnd type="none" w="med" len="med"/>
+                    </a:lnR>
+                    <a:lnT w="12700" cap="flat" cmpd="sng" algn="ctr">
+                      <a:solidFill>
+                        <a:schemeClr val="bg1">
+                          <a:lumMod val="50000"/>
+                          <a:lumOff val="50000"/>
+                        </a:schemeClr>
+                      </a:solidFill>
+                      <a:prstDash val="solid"/>
+                      <a:round/>
+                      <a:headEnd type="none" w="med" len="med"/>
+                      <a:tailEnd type="none" w="med" len="med"/>
+                    </a:lnT>
+                    <a:lnB w="12700" cap="flat" cmpd="sng" algn="ctr">
+                      <a:solidFill>
+                        <a:schemeClr val="bg1">
+                          <a:lumMod val="50000"/>
+                          <a:lumOff val="50000"/>
+                        </a:schemeClr>
+                      </a:solidFill>
+                      <a:prstDash val="solid"/>
+                      <a:round/>
+                      <a:headEnd type="none" w="med" len="med"/>
+                      <a:tailEnd type="none" w="med" len="med"/>
+                    </a:lnB>
+                  </a:tcPr>
+                </a:tc>
+                <a:tc>
+                  <a:txBody>
+                    <a:bodyPr/>
+                    <a:lstStyle/>
+                    <a:p>
+                      <a:pPr rtl="0" fontAlgn="t">
+                        <a:spcBef>
+                          <a:spcPts val="0"/>
+                        </a:spcBef>
+                        <a:spcAft>
+                          <a:spcPts val="0"/>
+                        </a:spcAft>
+                      </a:pPr>
+                      <a:endParaRPr lang="en-US" sz="1800" dirty="0">
+                        <a:solidFill>
+                          <a:schemeClr val="tx1"/>
+                        </a:solidFill>
+                        <a:effectLst/>
+                        <a:latin typeface="+mj-lt"/>
+                      </a:endParaRPr>
+                    </a:p>
+                  </a:txBody>
+                  <a:tcPr marL="182880" marR="182880" marT="63500" marB="63500" anchor="ctr">
+                    <a:lnL w="3175" cap="flat" cmpd="sng" algn="ctr">
+                      <a:noFill/>
+                      <a:prstDash val="solid"/>
+                      <a:round/>
+                      <a:headEnd type="none" w="med" len="med"/>
+                      <a:tailEnd type="none" w="med" len="med"/>
+                    </a:lnL>
+                    <a:lnR>
+                      <a:noFill/>
+                    </a:lnR>
+                    <a:lnT w="12700" cap="flat" cmpd="sng" algn="ctr">
+                      <a:solidFill>
+                        <a:schemeClr val="bg1">
+                          <a:lumMod val="50000"/>
+                          <a:lumOff val="50000"/>
+                        </a:schemeClr>
+                      </a:solidFill>
+                      <a:prstDash val="solid"/>
+                      <a:round/>
+                      <a:headEnd type="none" w="med" len="med"/>
+                      <a:tailEnd type="none" w="med" len="med"/>
+                    </a:lnT>
+                    <a:lnB w="12700" cap="flat" cmpd="sng" algn="ctr">
+                      <a:solidFill>
+                        <a:schemeClr val="bg1">
+                          <a:lumMod val="50000"/>
+                          <a:lumOff val="50000"/>
+                        </a:schemeClr>
+                      </a:solidFill>
+                      <a:prstDash val="solid"/>
+                      <a:round/>
+                      <a:headEnd type="none" w="med" len="med"/>
+                      <a:tailEnd type="none" w="med" len="med"/>
+                    </a:lnB>
+                    <a:lnTlToBr w="12700" cmpd="sng">
+                      <a:noFill/>
+                      <a:prstDash val="solid"/>
+                    </a:lnTlToBr>
+                    <a:lnBlToTr w="12700" cmpd="sng">
+                      <a:noFill/>
+                      <a:prstDash val="solid"/>
+                    </a:lnBlToTr>
+                  </a:tcPr>
+                </a:tc>
+                <a:extLst>
+                  <a:ext uri="{0D108BD9-81ED-4DB2-BD59-A6C34878D82A}">
+                    <a16:rowId xmlns:a16="http://schemas.microsoft.com/office/drawing/2014/main" val="2236653627"/>
+                  </a:ext>
+                </a:extLst>
+              </a:tr>
+              <a:tr h="364627">
+                <a:tc>
+                  <a:txBody>
+                    <a:bodyPr/>
+                    <a:lstStyle/>
+                    <a:p>
+                      <a:pPr marL="0" marR="0" indent="0" algn="r" defTabSz="914400" rtl="0" eaLnBrk="1" fontAlgn="t" latinLnBrk="0" hangingPunct="1">
+                        <a:lnSpc>
+                          <a:spcPct val="100000"/>
+                        </a:lnSpc>
+                        <a:spcBef>
+                          <a:spcPts val="0"/>
+                        </a:spcBef>
+                        <a:spcAft>
+                          <a:spcPts val="0"/>
+                        </a:spcAft>
+                        <a:buClrTx/>
+                        <a:buSzTx/>
+                        <a:buFontTx/>
+                        <a:buNone/>
+                        <a:tabLst/>
+                        <a:defRPr/>
+                      </a:pPr>
+                      <a:r>
+                        <a:rPr lang="en-US" sz="1800" b="0" dirty="0">
+                          <a:solidFill>
+                            <a:srgbClr val="009EC0"/>
+                          </a:solidFill>
+                          <a:effectLst/>
+                          <a:latin typeface="+mj-lt"/>
+                        </a:rPr>
+                        <a:t>Matthew 26:54, 56</a:t>
+                      </a:r>
+                    </a:p>
+                  </a:txBody>
+                  <a:tcPr marL="182880" marR="182880" marT="63500" marB="63500" anchor="ctr">
+                    <a:lnR w="3175" cap="flat" cmpd="sng" algn="ctr">
+                      <a:noFill/>
+                      <a:prstDash val="solid"/>
+                      <a:round/>
+                      <a:headEnd type="none" w="med" len="med"/>
+                      <a:tailEnd type="none" w="med" len="med"/>
+                    </a:lnR>
+                    <a:lnT w="12700" cap="flat" cmpd="sng" algn="ctr">
+                      <a:solidFill>
+                        <a:schemeClr val="bg1">
+                          <a:lumMod val="50000"/>
+                          <a:lumOff val="50000"/>
+                        </a:schemeClr>
+                      </a:solidFill>
+                      <a:prstDash val="solid"/>
+                      <a:round/>
+                      <a:headEnd type="none" w="med" len="med"/>
+                      <a:tailEnd type="none" w="med" len="med"/>
+                    </a:lnT>
+                    <a:lnB w="12700" cap="flat" cmpd="sng" algn="ctr">
+                      <a:solidFill>
+                        <a:schemeClr val="bg1">
+                          <a:lumMod val="50000"/>
+                          <a:lumOff val="50000"/>
+                        </a:schemeClr>
+                      </a:solidFill>
+                      <a:prstDash val="solid"/>
+                      <a:round/>
+                      <a:headEnd type="none" w="med" len="med"/>
+                      <a:tailEnd type="none" w="med" len="med"/>
+                    </a:lnB>
+                  </a:tcPr>
+                </a:tc>
+                <a:tc>
+                  <a:txBody>
+                    <a:bodyPr/>
+                    <a:lstStyle/>
+                    <a:p>
+                      <a:pPr rtl="0" fontAlgn="t">
+                        <a:spcBef>
+                          <a:spcPts val="0"/>
+                        </a:spcBef>
+                        <a:spcAft>
+                          <a:spcPts val="0"/>
+                        </a:spcAft>
+                      </a:pPr>
+                      <a:r>
+                        <a:rPr lang="en-US" sz="1800" dirty="0">
+                          <a:solidFill>
+                            <a:schemeClr val="tx1"/>
+                          </a:solidFill>
+                          <a:effectLst/>
+                          <a:latin typeface="+mj-lt"/>
+                        </a:rPr>
+                        <a:t>Jesus is the fulfillment of the Old Testament (in general)</a:t>
+                      </a:r>
+                    </a:p>
+                  </a:txBody>
+                  <a:tcPr marL="182880" marR="182880" marT="63500" marB="63500" anchor="ctr">
+                    <a:lnL w="3175" cap="flat" cmpd="sng" algn="ctr">
+                      <a:noFill/>
+                      <a:prstDash val="solid"/>
+                      <a:round/>
+                      <a:headEnd type="none" w="med" len="med"/>
+                      <a:tailEnd type="none" w="med" len="med"/>
+                    </a:lnL>
+                    <a:lnR>
+                      <a:noFill/>
+                    </a:lnR>
+                    <a:lnT w="12700" cap="flat" cmpd="sng" algn="ctr">
+                      <a:solidFill>
+                        <a:schemeClr val="bg1">
+                          <a:lumMod val="50000"/>
+                          <a:lumOff val="50000"/>
+                        </a:schemeClr>
+                      </a:solidFill>
+                      <a:prstDash val="solid"/>
+                      <a:round/>
+                      <a:headEnd type="none" w="med" len="med"/>
+                      <a:tailEnd type="none" w="med" len="med"/>
+                    </a:lnT>
+                    <a:lnB w="12700" cap="flat" cmpd="sng" algn="ctr">
+                      <a:solidFill>
+                        <a:schemeClr val="bg1">
+                          <a:lumMod val="50000"/>
+                          <a:lumOff val="50000"/>
+                        </a:schemeClr>
+                      </a:solidFill>
+                      <a:prstDash val="solid"/>
+                      <a:round/>
+                      <a:headEnd type="none" w="med" len="med"/>
+                      <a:tailEnd type="none" w="med" len="med"/>
+                    </a:lnB>
+                    <a:lnTlToBr w="12700" cmpd="sng">
+                      <a:noFill/>
+                      <a:prstDash val="solid"/>
+                    </a:lnTlToBr>
+                    <a:lnBlToTr w="12700" cmpd="sng">
+                      <a:noFill/>
+                      <a:prstDash val="solid"/>
+                    </a:lnBlToTr>
+                  </a:tcPr>
+                </a:tc>
+                <a:extLst>
+                  <a:ext uri="{0D108BD9-81ED-4DB2-BD59-A6C34878D82A}">
+                    <a16:rowId xmlns:a16="http://schemas.microsoft.com/office/drawing/2014/main" val="2095066235"/>
+                  </a:ext>
+                </a:extLst>
+              </a:tr>
+              <a:tr h="364627">
+                <a:tc>
+                  <a:txBody>
+                    <a:bodyPr/>
+                    <a:lstStyle/>
+                    <a:p>
+                      <a:pPr marL="0" marR="0" indent="0" algn="r" defTabSz="914400" rtl="0" eaLnBrk="1" fontAlgn="t" latinLnBrk="0" hangingPunct="1">
+                        <a:lnSpc>
+                          <a:spcPct val="100000"/>
+                        </a:lnSpc>
+                        <a:spcBef>
+                          <a:spcPts val="0"/>
+                        </a:spcBef>
+                        <a:spcAft>
+                          <a:spcPts val="0"/>
+                        </a:spcAft>
+                        <a:buClrTx/>
+                        <a:buSzTx/>
+                        <a:buFontTx/>
+                        <a:buNone/>
+                        <a:tabLst/>
+                        <a:defRPr/>
+                      </a:pPr>
+                      <a:r>
+                        <a:rPr lang="en-US" sz="1800" b="0" dirty="0">
+                          <a:solidFill>
+                            <a:srgbClr val="009EC0"/>
+                          </a:solidFill>
+                          <a:effectLst/>
+                          <a:latin typeface="+mj-lt"/>
+                        </a:rPr>
+                        <a:t>Matthew 27:9-10 </a:t>
+                      </a:r>
+                    </a:p>
+                    <a:p>
+                      <a:pPr marL="0" marR="0" indent="0" algn="r" defTabSz="914400" rtl="0" eaLnBrk="1" fontAlgn="t" latinLnBrk="0" hangingPunct="1">
+                        <a:lnSpc>
+                          <a:spcPct val="100000"/>
+                        </a:lnSpc>
+                        <a:spcBef>
+                          <a:spcPts val="0"/>
+                        </a:spcBef>
+                        <a:spcAft>
+                          <a:spcPts val="0"/>
+                        </a:spcAft>
+                        <a:buClrTx/>
+                        <a:buSzTx/>
+                        <a:buFontTx/>
+                        <a:buNone/>
+                        <a:tabLst/>
+                        <a:defRPr/>
+                      </a:pPr>
+                      <a:r>
+                        <a:rPr lang="en-US" sz="1800" b="0" dirty="0">
+                          <a:solidFill>
+                            <a:srgbClr val="009EC0"/>
+                          </a:solidFill>
+                          <a:effectLst/>
+                          <a:latin typeface="+mj-lt"/>
+                        </a:rPr>
+                        <a:t>Zechariah 11:12-13</a:t>
+                      </a:r>
+                    </a:p>
+                  </a:txBody>
+                  <a:tcPr marL="182880" marR="182880" marT="63500" marB="63500" anchor="ctr">
+                    <a:lnR w="3175" cap="flat" cmpd="sng" algn="ctr">
+                      <a:noFill/>
+                      <a:prstDash val="solid"/>
+                      <a:round/>
+                      <a:headEnd type="none" w="med" len="med"/>
+                      <a:tailEnd type="none" w="med" len="med"/>
+                    </a:lnR>
+                    <a:lnT w="12700" cap="flat" cmpd="sng" algn="ctr">
+                      <a:solidFill>
+                        <a:schemeClr val="bg1">
+                          <a:lumMod val="50000"/>
+                          <a:lumOff val="50000"/>
+                        </a:schemeClr>
+                      </a:solidFill>
+                      <a:prstDash val="solid"/>
+                      <a:round/>
+                      <a:headEnd type="none" w="med" len="med"/>
+                      <a:tailEnd type="none" w="med" len="med"/>
+                    </a:lnT>
+                  </a:tcPr>
+                </a:tc>
+                <a:tc>
+                  <a:txBody>
+                    <a:bodyPr/>
+                    <a:lstStyle/>
+                    <a:p>
+                      <a:pPr rtl="0" fontAlgn="t">
+                        <a:spcBef>
+                          <a:spcPts val="0"/>
+                        </a:spcBef>
+                        <a:spcAft>
+                          <a:spcPts val="0"/>
+                        </a:spcAft>
+                      </a:pPr>
+                      <a:r>
+                        <a:rPr lang="en-US" sz="1800" dirty="0">
+                          <a:solidFill>
+                            <a:schemeClr val="tx1"/>
+                          </a:solidFill>
+                          <a:effectLst/>
+                          <a:latin typeface="+mj-lt"/>
+                        </a:rPr>
+                        <a:t>Jesus is considered of no value (like Zechariah) and is associated the 30 pieces of silver are given to a potter</a:t>
+                      </a:r>
+                    </a:p>
+                  </a:txBody>
+                  <a:tcPr marL="182880" marR="182880" marT="63500" marB="63500" anchor="ctr">
+                    <a:lnL w="3175" cap="flat" cmpd="sng" algn="ctr">
+                      <a:noFill/>
+                      <a:prstDash val="solid"/>
+                      <a:round/>
+                      <a:headEnd type="none" w="med" len="med"/>
+                      <a:tailEnd type="none" w="med" len="med"/>
+                    </a:lnL>
+                    <a:lnR>
+                      <a:noFill/>
+                    </a:lnR>
+                    <a:lnT w="12700" cap="flat" cmpd="sng" algn="ctr">
+                      <a:solidFill>
+                        <a:schemeClr val="bg1">
+                          <a:lumMod val="50000"/>
+                          <a:lumOff val="50000"/>
+                        </a:schemeClr>
+                      </a:solidFill>
+                      <a:prstDash val="solid"/>
+                      <a:round/>
+                      <a:headEnd type="none" w="med" len="med"/>
+                      <a:tailEnd type="none" w="med" len="med"/>
+                    </a:lnT>
+                    <a:lnB>
+                      <a:noFill/>
+                    </a:lnB>
+                    <a:lnTlToBr w="12700" cmpd="sng">
+                      <a:noFill/>
+                      <a:prstDash val="solid"/>
+                    </a:lnTlToBr>
+                    <a:lnBlToTr w="12700" cmpd="sng">
+                      <a:noFill/>
+                      <a:prstDash val="solid"/>
+                    </a:lnBlToTr>
+                  </a:tcPr>
+                </a:tc>
+                <a:extLst>
+                  <a:ext uri="{0D108BD9-81ED-4DB2-BD59-A6C34878D82A}">
+                    <a16:rowId xmlns:a16="http://schemas.microsoft.com/office/drawing/2014/main" val="4028782396"/>
+                  </a:ext>
+                </a:extLst>
+              </a:tr>
+            </a:tbl>
+          </a:graphicData>
+        </a:graphic>
+      </p:graphicFrame>
+    </p:spTree>
+    <p:extLst>
+      <p:ext uri="{BB962C8B-B14F-4D97-AF65-F5344CB8AC3E}">
+        <p14:creationId xmlns:p14="http://schemas.microsoft.com/office/powerpoint/2010/main" val="3476770708"/>
+      </p:ext>
+    </p:extLst>
+  </p:cSld>
+  <p:clrMapOvr>
+    <a:masterClrMapping/>
+  </p:clrMapOvr>
+</p:sld>
+</file>
+
+<file path=ppt/slides/slide19.xml><?xml version="1.0" encoding="utf-8"?>
+<p:sld xmlns:a="http://schemas.openxmlformats.org/drawingml/2006/main" xmlns:r="http://schemas.openxmlformats.org/officeDocument/2006/relationships" xmlns:p="http://schemas.openxmlformats.org/presentationml/2006/main">
+  <p:cSld>
+    <p:spTree>
+      <p:nvGrpSpPr>
+        <p:cNvPr id="1" name=""/>
+        <p:cNvGrpSpPr/>
+        <p:nvPr/>
+      </p:nvGrpSpPr>
+      <p:grpSpPr>
+        <a:xfrm>
+          <a:off x="0" y="0"/>
+          <a:ext cx="0" cy="0"/>
+          <a:chOff x="0" y="0"/>
+          <a:chExt cx="0" cy="0"/>
+        </a:xfrm>
+      </p:grpSpPr>
+      <p:sp>
+        <p:nvSpPr>
+          <p:cNvPr id="2" name="Title 1"/>
+          <p:cNvSpPr>
+            <a:spLocks noGrp="1"/>
+          </p:cNvSpPr>
+          <p:nvPr>
+            <p:ph type="title"/>
+          </p:nvPr>
+        </p:nvSpPr>
+        <p:spPr/>
+        <p:txBody>
+          <a:bodyPr>
             <a:noAutofit/>
           </a:bodyPr>
           <a:lstStyle/>
           <a:p>
             <a:r>
-              <a:rPr lang="en-US" sz="2600" dirty="0"/>
-              <a:t>What are some things that you may suggest to someone who is confused by Matthew’s prophetic fulfillments?</a:t>
+              <a:rPr lang="en-US" sz="2700" dirty="0"/>
+              <a:t>How might shadows and types help us to understand Matthew’s use of the Old Testament passages?</a:t>
             </a:r>
           </a:p>
         </p:txBody>
@@ -5053,7 +7497,7 @@
           <a:p>
             <a:r>
               <a:rPr lang="en-US" dirty="0"/>
-              <a:t>14</a:t>
+              <a:t>13</a:t>
             </a:r>
           </a:p>
         </p:txBody>
@@ -5061,7 +7505,7 @@
     </p:spTree>
     <p:extLst>
       <p:ext uri="{BB962C8B-B14F-4D97-AF65-F5344CB8AC3E}">
-        <p14:creationId xmlns:p14="http://schemas.microsoft.com/office/powerpoint/2010/main" val="3522884040"/>
+        <p14:creationId xmlns:p14="http://schemas.microsoft.com/office/powerpoint/2010/main" val="2161155167"/>
       </p:ext>
     </p:extLst>
   </p:cSld>
@@ -5088,6 +7532,691 @@
           <a:chExt cx="0" cy="0"/>
         </a:xfrm>
       </p:grpSpPr>
+      <p:grpSp>
+        <p:nvGrpSpPr>
+          <p:cNvPr id="4" name="Group 3">
+            <a:extLst>
+              <a:ext uri="{FF2B5EF4-FFF2-40B4-BE49-F238E27FC236}">
+                <a16:creationId xmlns:a16="http://schemas.microsoft.com/office/drawing/2014/main" id="{76D0AD62-610F-2343-9B0E-52F648458EA8}"/>
+              </a:ext>
+            </a:extLst>
+          </p:cNvPr>
+          <p:cNvGrpSpPr/>
+          <p:nvPr/>
+        </p:nvGrpSpPr>
+        <p:grpSpPr>
+          <a:xfrm>
+            <a:off x="209549" y="1669464"/>
+            <a:ext cx="8724901" cy="1384995"/>
+            <a:chOff x="304800" y="4648200"/>
+            <a:chExt cx="8724901" cy="1384995"/>
+          </a:xfrm>
+        </p:grpSpPr>
+        <p:sp>
+          <p:nvSpPr>
+            <p:cNvPr id="2" name="TextBox 1">
+              <a:extLst>
+                <a:ext uri="{FF2B5EF4-FFF2-40B4-BE49-F238E27FC236}">
+                  <a16:creationId xmlns:a16="http://schemas.microsoft.com/office/drawing/2014/main" id="{65E69FF4-5D6C-1F4A-BC1D-8328E1004154}"/>
+                </a:ext>
+              </a:extLst>
+            </p:cNvPr>
+            <p:cNvSpPr txBox="1"/>
+            <p:nvPr/>
+          </p:nvSpPr>
+          <p:spPr>
+            <a:xfrm>
+              <a:off x="304800" y="4648200"/>
+              <a:ext cx="1147943" cy="523220"/>
+            </a:xfrm>
+            <a:prstGeom prst="rect">
+              <a:avLst/>
+            </a:prstGeom>
+            <a:noFill/>
+          </p:spPr>
+          <p:txBody>
+            <a:bodyPr wrap="none" rtlCol="0">
+              <a:spAutoFit/>
+            </a:bodyPr>
+            <a:lstStyle/>
+            <a:p>
+              <a:r>
+                <a:rPr lang="en-US" sz="2800" dirty="0">
+                  <a:solidFill>
+                    <a:srgbClr val="009EC0"/>
+                  </a:solidFill>
+                </a:rPr>
+                <a:t>What?</a:t>
+              </a:r>
+            </a:p>
+          </p:txBody>
+        </p:sp>
+        <p:sp>
+          <p:nvSpPr>
+            <p:cNvPr id="3" name="TextBox 2">
+              <a:extLst>
+                <a:ext uri="{FF2B5EF4-FFF2-40B4-BE49-F238E27FC236}">
+                  <a16:creationId xmlns:a16="http://schemas.microsoft.com/office/drawing/2014/main" id="{E796A5EC-87C6-D048-8010-771FD1CA8E24}"/>
+                </a:ext>
+              </a:extLst>
+            </p:cNvPr>
+            <p:cNvSpPr txBox="1"/>
+            <p:nvPr/>
+          </p:nvSpPr>
+          <p:spPr>
+            <a:xfrm>
+              <a:off x="1600201" y="4648200"/>
+              <a:ext cx="7429500" cy="1384995"/>
+            </a:xfrm>
+            <a:prstGeom prst="rect">
+              <a:avLst/>
+            </a:prstGeom>
+            <a:noFill/>
+          </p:spPr>
+          <p:txBody>
+            <a:bodyPr wrap="square" rtlCol="0">
+              <a:spAutoFit/>
+            </a:bodyPr>
+            <a:lstStyle/>
+            <a:p>
+              <a:r>
+                <a:rPr lang="en-US" sz="2800" dirty="0"/>
+                <a:t>Understand the particulars of how the Gospel authors understood Jesus to have fulfilled prophecies</a:t>
+              </a:r>
+            </a:p>
+          </p:txBody>
+        </p:sp>
+      </p:grpSp>
+      <p:grpSp>
+        <p:nvGrpSpPr>
+          <p:cNvPr id="6" name="Group 5">
+            <a:extLst>
+              <a:ext uri="{FF2B5EF4-FFF2-40B4-BE49-F238E27FC236}">
+                <a16:creationId xmlns:a16="http://schemas.microsoft.com/office/drawing/2014/main" id="{16DEED69-411E-5C47-8C2F-1FA7F3AC4BAB}"/>
+              </a:ext>
+            </a:extLst>
+          </p:cNvPr>
+          <p:cNvGrpSpPr/>
+          <p:nvPr/>
+        </p:nvGrpSpPr>
+        <p:grpSpPr>
+          <a:xfrm>
+            <a:off x="209549" y="3313093"/>
+            <a:ext cx="8724901" cy="954107"/>
+            <a:chOff x="304800" y="4648200"/>
+            <a:chExt cx="8724901" cy="954107"/>
+          </a:xfrm>
+        </p:grpSpPr>
+        <p:sp>
+          <p:nvSpPr>
+            <p:cNvPr id="7" name="TextBox 6">
+              <a:extLst>
+                <a:ext uri="{FF2B5EF4-FFF2-40B4-BE49-F238E27FC236}">
+                  <a16:creationId xmlns:a16="http://schemas.microsoft.com/office/drawing/2014/main" id="{0BE67C1E-EE53-F64B-A1C4-C71C7BD5283F}"/>
+                </a:ext>
+              </a:extLst>
+            </p:cNvPr>
+            <p:cNvSpPr txBox="1"/>
+            <p:nvPr/>
+          </p:nvSpPr>
+          <p:spPr>
+            <a:xfrm>
+              <a:off x="304800" y="4648200"/>
+              <a:ext cx="1014765" cy="523220"/>
+            </a:xfrm>
+            <a:prstGeom prst="rect">
+              <a:avLst/>
+            </a:prstGeom>
+            <a:noFill/>
+          </p:spPr>
+          <p:txBody>
+            <a:bodyPr wrap="none" rtlCol="0">
+              <a:spAutoFit/>
+            </a:bodyPr>
+            <a:lstStyle/>
+            <a:p>
+              <a:r>
+                <a:rPr lang="en-US" sz="2800" dirty="0">
+                  <a:solidFill>
+                    <a:srgbClr val="009EC0"/>
+                  </a:solidFill>
+                </a:rPr>
+                <a:t>Why?</a:t>
+              </a:r>
+            </a:p>
+          </p:txBody>
+        </p:sp>
+        <p:sp>
+          <p:nvSpPr>
+            <p:cNvPr id="8" name="TextBox 7">
+              <a:extLst>
+                <a:ext uri="{FF2B5EF4-FFF2-40B4-BE49-F238E27FC236}">
+                  <a16:creationId xmlns:a16="http://schemas.microsoft.com/office/drawing/2014/main" id="{44657A2D-A10C-1745-AFDB-1C0FC5EA2AAD}"/>
+                </a:ext>
+              </a:extLst>
+            </p:cNvPr>
+            <p:cNvSpPr txBox="1"/>
+            <p:nvPr/>
+          </p:nvSpPr>
+          <p:spPr>
+            <a:xfrm>
+              <a:off x="1600201" y="4648200"/>
+              <a:ext cx="7429500" cy="954107"/>
+            </a:xfrm>
+            <a:prstGeom prst="rect">
+              <a:avLst/>
+            </a:prstGeom>
+            <a:noFill/>
+          </p:spPr>
+          <p:txBody>
+            <a:bodyPr wrap="square" rtlCol="0">
+              <a:spAutoFit/>
+            </a:bodyPr>
+            <a:lstStyle/>
+            <a:p>
+              <a:r>
+                <a:rPr lang="en-US" sz="2800" dirty="0"/>
+                <a:t>So that we are not swayed by arguments that assume the prophecies are taken out of context</a:t>
+              </a:r>
+            </a:p>
+          </p:txBody>
+        </p:sp>
+      </p:grpSp>
+      <p:grpSp>
+        <p:nvGrpSpPr>
+          <p:cNvPr id="9" name="Group 8">
+            <a:extLst>
+              <a:ext uri="{FF2B5EF4-FFF2-40B4-BE49-F238E27FC236}">
+                <a16:creationId xmlns:a16="http://schemas.microsoft.com/office/drawing/2014/main" id="{493A2E7B-FE2C-7045-B882-6D1EC3306C1D}"/>
+              </a:ext>
+            </a:extLst>
+          </p:cNvPr>
+          <p:cNvGrpSpPr/>
+          <p:nvPr/>
+        </p:nvGrpSpPr>
+        <p:grpSpPr>
+          <a:xfrm>
+            <a:off x="209549" y="4648200"/>
+            <a:ext cx="8724901" cy="1384995"/>
+            <a:chOff x="304800" y="4648200"/>
+            <a:chExt cx="8724901" cy="1384995"/>
+          </a:xfrm>
+        </p:grpSpPr>
+        <p:sp>
+          <p:nvSpPr>
+            <p:cNvPr id="10" name="TextBox 9">
+              <a:extLst>
+                <a:ext uri="{FF2B5EF4-FFF2-40B4-BE49-F238E27FC236}">
+                  <a16:creationId xmlns:a16="http://schemas.microsoft.com/office/drawing/2014/main" id="{DCC9CB31-E9E8-7549-8460-8E8840BD1585}"/>
+                </a:ext>
+              </a:extLst>
+            </p:cNvPr>
+            <p:cNvSpPr txBox="1"/>
+            <p:nvPr/>
+          </p:nvSpPr>
+          <p:spPr>
+            <a:xfrm>
+              <a:off x="304800" y="4648200"/>
+              <a:ext cx="1020023" cy="523220"/>
+            </a:xfrm>
+            <a:prstGeom prst="rect">
+              <a:avLst/>
+            </a:prstGeom>
+            <a:noFill/>
+          </p:spPr>
+          <p:txBody>
+            <a:bodyPr wrap="none" rtlCol="0">
+              <a:spAutoFit/>
+            </a:bodyPr>
+            <a:lstStyle/>
+            <a:p>
+              <a:r>
+                <a:rPr lang="en-US" sz="2800" dirty="0">
+                  <a:solidFill>
+                    <a:srgbClr val="009EC0"/>
+                  </a:solidFill>
+                </a:rPr>
+                <a:t>How?</a:t>
+              </a:r>
+            </a:p>
+          </p:txBody>
+        </p:sp>
+        <p:sp>
+          <p:nvSpPr>
+            <p:cNvPr id="11" name="TextBox 10">
+              <a:extLst>
+                <a:ext uri="{FF2B5EF4-FFF2-40B4-BE49-F238E27FC236}">
+                  <a16:creationId xmlns:a16="http://schemas.microsoft.com/office/drawing/2014/main" id="{4729ADED-FFF5-454C-BE17-6323C474D829}"/>
+                </a:ext>
+              </a:extLst>
+            </p:cNvPr>
+            <p:cNvSpPr txBox="1"/>
+            <p:nvPr/>
+          </p:nvSpPr>
+          <p:spPr>
+            <a:xfrm>
+              <a:off x="1600201" y="4648200"/>
+              <a:ext cx="7429500" cy="1384995"/>
+            </a:xfrm>
+            <a:prstGeom prst="rect">
+              <a:avLst/>
+            </a:prstGeom>
+            <a:noFill/>
+          </p:spPr>
+          <p:txBody>
+            <a:bodyPr wrap="square" rtlCol="0">
+              <a:spAutoFit/>
+            </a:bodyPr>
+            <a:lstStyle/>
+            <a:p>
+              <a:r>
+                <a:rPr lang="en-US" sz="2800" dirty="0"/>
+                <a:t>By showing that the fulfillments are not all simple 1-to-1 prophecies but often require significant contextual knowledge to understand the links</a:t>
+              </a:r>
+            </a:p>
+          </p:txBody>
+        </p:sp>
+      </p:grpSp>
+      <p:cxnSp>
+        <p:nvCxnSpPr>
+          <p:cNvPr id="13" name="Straight Connector 12">
+            <a:extLst>
+              <a:ext uri="{FF2B5EF4-FFF2-40B4-BE49-F238E27FC236}">
+                <a16:creationId xmlns:a16="http://schemas.microsoft.com/office/drawing/2014/main" id="{09B462F9-C753-8044-8DE2-965ABC154D9C}"/>
+              </a:ext>
+            </a:extLst>
+          </p:cNvPr>
+          <p:cNvCxnSpPr>
+            <a:cxnSpLocks/>
+          </p:cNvCxnSpPr>
+          <p:nvPr/>
+        </p:nvCxnSpPr>
+        <p:spPr>
+          <a:xfrm>
+            <a:off x="1373874" y="1669464"/>
+            <a:ext cx="0" cy="4197936"/>
+          </a:xfrm>
+          <a:prstGeom prst="line">
+            <a:avLst/>
+          </a:prstGeom>
+          <a:ln>
+            <a:solidFill>
+              <a:schemeClr val="bg1">
+                <a:lumMod val="75000"/>
+                <a:lumOff val="25000"/>
+              </a:schemeClr>
+            </a:solidFill>
+          </a:ln>
+        </p:spPr>
+        <p:style>
+          <a:lnRef idx="1">
+            <a:schemeClr val="accent1"/>
+          </a:lnRef>
+          <a:fillRef idx="0">
+            <a:schemeClr val="accent1"/>
+          </a:fillRef>
+          <a:effectRef idx="0">
+            <a:schemeClr val="accent1"/>
+          </a:effectRef>
+          <a:fontRef idx="minor">
+            <a:schemeClr val="tx1"/>
+          </a:fontRef>
+        </p:style>
+      </p:cxnSp>
+      <p:sp>
+        <p:nvSpPr>
+          <p:cNvPr id="15" name="TextBox 14">
+            <a:extLst>
+              <a:ext uri="{FF2B5EF4-FFF2-40B4-BE49-F238E27FC236}">
+                <a16:creationId xmlns:a16="http://schemas.microsoft.com/office/drawing/2014/main" id="{C43D1156-26DE-A44F-B5F8-AACFA794E957}"/>
+              </a:ext>
+            </a:extLst>
+          </p:cNvPr>
+          <p:cNvSpPr txBox="1"/>
+          <p:nvPr/>
+        </p:nvSpPr>
+        <p:spPr>
+          <a:xfrm>
+            <a:off x="209549" y="708674"/>
+            <a:ext cx="8934451" cy="769441"/>
+          </a:xfrm>
+          <a:prstGeom prst="rect">
+            <a:avLst/>
+          </a:prstGeom>
+          <a:noFill/>
+        </p:spPr>
+        <p:txBody>
+          <a:bodyPr wrap="square" rtlCol="0">
+            <a:spAutoFit/>
+          </a:bodyPr>
+          <a:lstStyle/>
+          <a:p>
+            <a:r>
+              <a:rPr lang="en-US" sz="4400" b="1" dirty="0"/>
+              <a:t>IDEA IN BRIEF</a:t>
+            </a:r>
+          </a:p>
+        </p:txBody>
+      </p:sp>
+    </p:spTree>
+    <p:extLst>
+      <p:ext uri="{BB962C8B-B14F-4D97-AF65-F5344CB8AC3E}">
+        <p14:creationId xmlns:p14="http://schemas.microsoft.com/office/powerpoint/2010/main" val="1172752514"/>
+      </p:ext>
+    </p:extLst>
+  </p:cSld>
+  <p:clrMapOvr>
+    <a:masterClrMapping/>
+  </p:clrMapOvr>
+  <p:timing>
+    <p:tnLst>
+      <p:par>
+        <p:cTn id="1" dur="indefinite" restart="never" nodeType="tmRoot">
+          <p:childTnLst>
+            <p:seq concurrent="1" nextAc="seek">
+              <p:cTn id="2" dur="indefinite" nodeType="mainSeq">
+                <p:childTnLst>
+                  <p:par>
+                    <p:cTn id="3" fill="hold">
+                      <p:stCondLst>
+                        <p:cond delay="indefinite"/>
+                      </p:stCondLst>
+                      <p:childTnLst>
+                        <p:par>
+                          <p:cTn id="4" fill="hold">
+                            <p:stCondLst>
+                              <p:cond delay="0"/>
+                            </p:stCondLst>
+                            <p:childTnLst>
+                              <p:par>
+                                <p:cTn id="5" presetID="10" presetClass="entr" presetSubtype="0" fill="hold" grpId="0" nodeType="clickEffect">
+                                  <p:stCondLst>
+                                    <p:cond delay="0"/>
+                                  </p:stCondLst>
+                                  <p:childTnLst>
+                                    <p:set>
+                                      <p:cBhvr>
+                                        <p:cTn id="6" dur="1" fill="hold">
+                                          <p:stCondLst>
+                                            <p:cond delay="0"/>
+                                          </p:stCondLst>
+                                        </p:cTn>
+                                        <p:tgtEl>
+                                          <p:spTgt spid="15"/>
+                                        </p:tgtEl>
+                                        <p:attrNameLst>
+                                          <p:attrName>style.visibility</p:attrName>
+                                        </p:attrNameLst>
+                                      </p:cBhvr>
+                                      <p:to>
+                                        <p:strVal val="visible"/>
+                                      </p:to>
+                                    </p:set>
+                                    <p:animEffect transition="in" filter="fade">
+                                      <p:cBhvr>
+                                        <p:cTn id="7" dur="250"/>
+                                        <p:tgtEl>
+                                          <p:spTgt spid="15"/>
+                                        </p:tgtEl>
+                                      </p:cBhvr>
+                                    </p:animEffect>
+                                  </p:childTnLst>
+                                </p:cTn>
+                              </p:par>
+                            </p:childTnLst>
+                          </p:cTn>
+                        </p:par>
+                      </p:childTnLst>
+                    </p:cTn>
+                  </p:par>
+                  <p:par>
+                    <p:cTn id="8" fill="hold">
+                      <p:stCondLst>
+                        <p:cond delay="indefinite"/>
+                      </p:stCondLst>
+                      <p:childTnLst>
+                        <p:par>
+                          <p:cTn id="9" fill="hold">
+                            <p:stCondLst>
+                              <p:cond delay="0"/>
+                            </p:stCondLst>
+                            <p:childTnLst>
+                              <p:par>
+                                <p:cTn id="10" presetID="10" presetClass="entr" presetSubtype="0" fill="hold" nodeType="clickEffect">
+                                  <p:stCondLst>
+                                    <p:cond delay="0"/>
+                                  </p:stCondLst>
+                                  <p:childTnLst>
+                                    <p:set>
+                                      <p:cBhvr>
+                                        <p:cTn id="11" dur="1" fill="hold">
+                                          <p:stCondLst>
+                                            <p:cond delay="0"/>
+                                          </p:stCondLst>
+                                        </p:cTn>
+                                        <p:tgtEl>
+                                          <p:spTgt spid="13"/>
+                                        </p:tgtEl>
+                                        <p:attrNameLst>
+                                          <p:attrName>style.visibility</p:attrName>
+                                        </p:attrNameLst>
+                                      </p:cBhvr>
+                                      <p:to>
+                                        <p:strVal val="visible"/>
+                                      </p:to>
+                                    </p:set>
+                                    <p:animEffect transition="in" filter="fade">
+                                      <p:cBhvr>
+                                        <p:cTn id="12" dur="250"/>
+                                        <p:tgtEl>
+                                          <p:spTgt spid="13"/>
+                                        </p:tgtEl>
+                                      </p:cBhvr>
+                                    </p:animEffect>
+                                  </p:childTnLst>
+                                </p:cTn>
+                              </p:par>
+                            </p:childTnLst>
+                          </p:cTn>
+                        </p:par>
+                        <p:par>
+                          <p:cTn id="13" fill="hold">
+                            <p:stCondLst>
+                              <p:cond delay="250"/>
+                            </p:stCondLst>
+                            <p:childTnLst>
+                              <p:par>
+                                <p:cTn id="14" presetID="10" presetClass="entr" presetSubtype="0" fill="hold" nodeType="afterEffect">
+                                  <p:stCondLst>
+                                    <p:cond delay="0"/>
+                                  </p:stCondLst>
+                                  <p:childTnLst>
+                                    <p:set>
+                                      <p:cBhvr>
+                                        <p:cTn id="15" dur="1" fill="hold">
+                                          <p:stCondLst>
+                                            <p:cond delay="0"/>
+                                          </p:stCondLst>
+                                        </p:cTn>
+                                        <p:tgtEl>
+                                          <p:spTgt spid="4"/>
+                                        </p:tgtEl>
+                                        <p:attrNameLst>
+                                          <p:attrName>style.visibility</p:attrName>
+                                        </p:attrNameLst>
+                                      </p:cBhvr>
+                                      <p:to>
+                                        <p:strVal val="visible"/>
+                                      </p:to>
+                                    </p:set>
+                                    <p:animEffect transition="in" filter="fade">
+                                      <p:cBhvr>
+                                        <p:cTn id="16" dur="250"/>
+                                        <p:tgtEl>
+                                          <p:spTgt spid="4"/>
+                                        </p:tgtEl>
+                                      </p:cBhvr>
+                                    </p:animEffect>
+                                  </p:childTnLst>
+                                </p:cTn>
+                              </p:par>
+                            </p:childTnLst>
+                          </p:cTn>
+                        </p:par>
+                      </p:childTnLst>
+                    </p:cTn>
+                  </p:par>
+                  <p:par>
+                    <p:cTn id="17" fill="hold">
+                      <p:stCondLst>
+                        <p:cond delay="indefinite"/>
+                      </p:stCondLst>
+                      <p:childTnLst>
+                        <p:par>
+                          <p:cTn id="18" fill="hold">
+                            <p:stCondLst>
+                              <p:cond delay="0"/>
+                            </p:stCondLst>
+                            <p:childTnLst>
+                              <p:par>
+                                <p:cTn id="19" presetID="10" presetClass="entr" presetSubtype="0" fill="hold" nodeType="clickEffect">
+                                  <p:stCondLst>
+                                    <p:cond delay="0"/>
+                                  </p:stCondLst>
+                                  <p:childTnLst>
+                                    <p:set>
+                                      <p:cBhvr>
+                                        <p:cTn id="20" dur="1" fill="hold">
+                                          <p:stCondLst>
+                                            <p:cond delay="0"/>
+                                          </p:stCondLst>
+                                        </p:cTn>
+                                        <p:tgtEl>
+                                          <p:spTgt spid="6"/>
+                                        </p:tgtEl>
+                                        <p:attrNameLst>
+                                          <p:attrName>style.visibility</p:attrName>
+                                        </p:attrNameLst>
+                                      </p:cBhvr>
+                                      <p:to>
+                                        <p:strVal val="visible"/>
+                                      </p:to>
+                                    </p:set>
+                                    <p:animEffect transition="in" filter="fade">
+                                      <p:cBhvr>
+                                        <p:cTn id="21" dur="250"/>
+                                        <p:tgtEl>
+                                          <p:spTgt spid="6"/>
+                                        </p:tgtEl>
+                                      </p:cBhvr>
+                                    </p:animEffect>
+                                  </p:childTnLst>
+                                </p:cTn>
+                              </p:par>
+                            </p:childTnLst>
+                          </p:cTn>
+                        </p:par>
+                      </p:childTnLst>
+                    </p:cTn>
+                  </p:par>
+                  <p:par>
+                    <p:cTn id="22" fill="hold">
+                      <p:stCondLst>
+                        <p:cond delay="indefinite"/>
+                      </p:stCondLst>
+                      <p:childTnLst>
+                        <p:par>
+                          <p:cTn id="23" fill="hold">
+                            <p:stCondLst>
+                              <p:cond delay="0"/>
+                            </p:stCondLst>
+                            <p:childTnLst>
+                              <p:par>
+                                <p:cTn id="24" presetID="10" presetClass="entr" presetSubtype="0" fill="hold" nodeType="clickEffect">
+                                  <p:stCondLst>
+                                    <p:cond delay="0"/>
+                                  </p:stCondLst>
+                                  <p:childTnLst>
+                                    <p:set>
+                                      <p:cBhvr>
+                                        <p:cTn id="25" dur="1" fill="hold">
+                                          <p:stCondLst>
+                                            <p:cond delay="0"/>
+                                          </p:stCondLst>
+                                        </p:cTn>
+                                        <p:tgtEl>
+                                          <p:spTgt spid="9"/>
+                                        </p:tgtEl>
+                                        <p:attrNameLst>
+                                          <p:attrName>style.visibility</p:attrName>
+                                        </p:attrNameLst>
+                                      </p:cBhvr>
+                                      <p:to>
+                                        <p:strVal val="visible"/>
+                                      </p:to>
+                                    </p:set>
+                                    <p:animEffect transition="in" filter="fade">
+                                      <p:cBhvr>
+                                        <p:cTn id="26" dur="250"/>
+                                        <p:tgtEl>
+                                          <p:spTgt spid="9"/>
+                                        </p:tgtEl>
+                                      </p:cBhvr>
+                                    </p:animEffect>
+                                  </p:childTnLst>
+                                </p:cTn>
+                              </p:par>
+                            </p:childTnLst>
+                          </p:cTn>
+                        </p:par>
+                      </p:childTnLst>
+                    </p:cTn>
+                  </p:par>
+                </p:childTnLst>
+              </p:cTn>
+              <p:prevCondLst>
+                <p:cond evt="onPrev" delay="0">
+                  <p:tgtEl>
+                    <p:sldTgt/>
+                  </p:tgtEl>
+                </p:cond>
+              </p:prevCondLst>
+              <p:nextCondLst>
+                <p:cond evt="onNext" delay="0">
+                  <p:tgtEl>
+                    <p:sldTgt/>
+                  </p:tgtEl>
+                </p:cond>
+              </p:nextCondLst>
+            </p:seq>
+          </p:childTnLst>
+        </p:cTn>
+      </p:par>
+    </p:tnLst>
+    <p:bldLst>
+      <p:bldP spid="15" grpId="0"/>
+    </p:bldLst>
+  </p:timing>
+</p:sld>
+</file>
+
+<file path=ppt/slides/slide20.xml><?xml version="1.0" encoding="utf-8"?>
+<p:sld xmlns:a="http://schemas.openxmlformats.org/drawingml/2006/main" xmlns:r="http://schemas.openxmlformats.org/officeDocument/2006/relationships" xmlns:p="http://schemas.openxmlformats.org/presentationml/2006/main">
+  <p:cSld>
+    <p:spTree>
+      <p:nvGrpSpPr>
+        <p:cNvPr id="1" name=""/>
+        <p:cNvGrpSpPr/>
+        <p:nvPr/>
+      </p:nvGrpSpPr>
+      <p:grpSpPr>
+        <a:xfrm>
+          <a:off x="0" y="0"/>
+          <a:ext cx="0" cy="0"/>
+          <a:chOff x="0" y="0"/>
+          <a:chExt cx="0" cy="0"/>
+        </a:xfrm>
+      </p:grpSpPr>
       <p:sp>
         <p:nvSpPr>
           <p:cNvPr id="2" name="Title 1"/>
@@ -5106,10 +8235,9 @@
           <a:lstStyle/>
           <a:p>
             <a:r>
-              <a:rPr lang="en-US" dirty="0"/>
-              <a:t>Matthew 1:22-23 / Isaiah 7:14</a:t>
-            </a:r>
-            <a:endParaRPr lang="en-US" sz="3200" dirty="0"/>
+              <a:rPr lang="en-US" sz="2600" dirty="0"/>
+              <a:t>What are some things that you may suggest to someone who is confused by Matthew’s prophetic fulfillments?</a:t>
+            </a:r>
           </a:p>
         </p:txBody>
       </p:sp>
@@ -5130,7 +8258,7 @@
           <a:p>
             <a:r>
               <a:rPr lang="en-US" dirty="0"/>
-              <a:t>1</a:t>
+              <a:t>14</a:t>
             </a:r>
           </a:p>
         </p:txBody>
@@ -5138,7 +8266,7 @@
     </p:spTree>
     <p:extLst>
       <p:ext uri="{BB962C8B-B14F-4D97-AF65-F5344CB8AC3E}">
-        <p14:creationId xmlns:p14="http://schemas.microsoft.com/office/powerpoint/2010/main" val="2094317165"/>
+        <p14:creationId xmlns:p14="http://schemas.microsoft.com/office/powerpoint/2010/main" val="3522884040"/>
       </p:ext>
     </p:extLst>
   </p:cSld>
@@ -5178,14 +8306,15 @@
         <p:spPr/>
         <p:txBody>
           <a:bodyPr>
-            <a:normAutofit/>
+            <a:noAutofit/>
           </a:bodyPr>
           <a:lstStyle/>
           <a:p>
             <a:r>
               <a:rPr lang="en-US" dirty="0"/>
-              <a:t>Matthew 2:15 / Hosea 11:1</a:t>
-            </a:r>
+              <a:t>Matthew 1:22-23 / Isaiah 7:14</a:t>
+            </a:r>
+            <a:endParaRPr lang="en-US" sz="3200" dirty="0"/>
           </a:p>
         </p:txBody>
       </p:sp>
@@ -5206,7 +8335,7 @@
           <a:p>
             <a:r>
               <a:rPr lang="en-US" dirty="0"/>
-              <a:t>2</a:t>
+              <a:t>1</a:t>
             </a:r>
           </a:p>
         </p:txBody>
@@ -5214,7 +8343,7 @@
     </p:spTree>
     <p:extLst>
       <p:ext uri="{BB962C8B-B14F-4D97-AF65-F5344CB8AC3E}">
-        <p14:creationId xmlns:p14="http://schemas.microsoft.com/office/powerpoint/2010/main" val="439643971"/>
+        <p14:creationId xmlns:p14="http://schemas.microsoft.com/office/powerpoint/2010/main" val="2094317165"/>
       </p:ext>
     </p:extLst>
   </p:cSld>
@@ -5331,13 +8460,13 @@
         <p:spPr/>
         <p:txBody>
           <a:bodyPr>
-            <a:noAutofit/>
+            <a:normAutofit fontScale="90000"/>
           </a:bodyPr>
           <a:lstStyle/>
           <a:p>
             <a:r>
-              <a:rPr lang="en-US" sz="2700" dirty="0"/>
-              <a:t>Matthew 2:23 (as a possible fulfillment of Isaiah 11:1 or just that Jesus would come from a no-name town)</a:t>
+              <a:rPr lang="en-US" dirty="0"/>
+              <a:t>Matthew 27:9-10 / Zechariah 11:12-13 and Jeremiah 19:1-13</a:t>
             </a:r>
           </a:p>
         </p:txBody>
@@ -5359,7 +8488,7 @@
           <a:p>
             <a:r>
               <a:rPr lang="en-US" dirty="0"/>
-              <a:t>4</a:t>
+              <a:t>12</a:t>
             </a:r>
           </a:p>
         </p:txBody>
@@ -5367,7 +8496,7 @@
     </p:spTree>
     <p:extLst>
       <p:ext uri="{BB962C8B-B14F-4D97-AF65-F5344CB8AC3E}">
-        <p14:creationId xmlns:p14="http://schemas.microsoft.com/office/powerpoint/2010/main" val="3012287931"/>
+        <p14:creationId xmlns:p14="http://schemas.microsoft.com/office/powerpoint/2010/main" val="2580695795"/>
       </p:ext>
     </p:extLst>
   </p:cSld>
@@ -5394,56 +8523,524 @@
           <a:chExt cx="0" cy="0"/>
         </a:xfrm>
       </p:grpSpPr>
-      <p:sp>
-        <p:nvSpPr>
-          <p:cNvPr id="2" name="Title 1"/>
-          <p:cNvSpPr>
-            <a:spLocks noGrp="1"/>
-          </p:cNvSpPr>
-          <p:nvPr>
-            <p:ph type="title"/>
-          </p:nvPr>
-        </p:nvSpPr>
-        <p:spPr/>
-        <p:txBody>
-          <a:bodyPr>
-            <a:normAutofit/>
-          </a:bodyPr>
-          <a:lstStyle/>
-          <a:p>
-            <a:r>
-              <a:rPr lang="en-US" dirty="0"/>
-              <a:t>Matthew 4:14-15 / Isaiah 9:1-2</a:t>
-            </a:r>
-          </a:p>
-        </p:txBody>
-      </p:sp>
-      <p:sp>
-        <p:nvSpPr>
-          <p:cNvPr id="3" name="Text Placeholder 2"/>
-          <p:cNvSpPr>
-            <a:spLocks noGrp="1"/>
-          </p:cNvSpPr>
-          <p:nvPr>
-            <p:ph type="body" sz="quarter" idx="13"/>
-          </p:nvPr>
-        </p:nvSpPr>
-        <p:spPr/>
-        <p:txBody>
-          <a:bodyPr/>
-          <a:lstStyle/>
-          <a:p>
-            <a:r>
-              <a:rPr lang="en-US" dirty="0"/>
-              <a:t>5</a:t>
-            </a:r>
-          </a:p>
-        </p:txBody>
-      </p:sp>
+      <p:graphicFrame>
+        <p:nvGraphicFramePr>
+          <p:cNvPr id="5" name="Table 4">
+            <a:extLst>
+              <a:ext uri="{FF2B5EF4-FFF2-40B4-BE49-F238E27FC236}">
+                <a16:creationId xmlns:a16="http://schemas.microsoft.com/office/drawing/2014/main" id="{589C607E-23F7-1D43-B569-801CED367AB1}"/>
+              </a:ext>
+            </a:extLst>
+          </p:cNvPr>
+          <p:cNvGraphicFramePr>
+            <a:graphicFrameLocks noGrp="1"/>
+          </p:cNvGraphicFramePr>
+          <p:nvPr>
+            <p:extLst>
+              <p:ext uri="{D42A27DB-BD31-4B8C-83A1-F6EECF244321}">
+                <p14:modId xmlns:p14="http://schemas.microsoft.com/office/powerpoint/2010/main" val="288533005"/>
+              </p:ext>
+            </p:extLst>
+          </p:nvPr>
+        </p:nvGraphicFramePr>
+        <p:xfrm>
+          <a:off x="114300" y="533400"/>
+          <a:ext cx="8915400" cy="4484106"/>
+        </p:xfrm>
+        <a:graphic>
+          <a:graphicData uri="http://schemas.openxmlformats.org/drawingml/2006/table">
+            <a:tbl>
+              <a:tblPr firstRow="1" bandRow="1">
+                <a:tableStyleId>{2D5ABB26-0587-4C30-8999-92F81FD0307C}</a:tableStyleId>
+              </a:tblPr>
+              <a:tblGrid>
+                <a:gridCol w="3352800">
+                  <a:extLst>
+                    <a:ext uri="{9D8B030D-6E8A-4147-A177-3AD203B41FA5}">
+                      <a16:colId xmlns:a16="http://schemas.microsoft.com/office/drawing/2014/main" val="3623029985"/>
+                    </a:ext>
+                  </a:extLst>
+                </a:gridCol>
+                <a:gridCol w="5562600">
+                  <a:extLst>
+                    <a:ext uri="{9D8B030D-6E8A-4147-A177-3AD203B41FA5}">
+                      <a16:colId xmlns:a16="http://schemas.microsoft.com/office/drawing/2014/main" val="4294323797"/>
+                    </a:ext>
+                  </a:extLst>
+                </a:gridCol>
+              </a:tblGrid>
+              <a:tr h="826506">
+                <a:tc>
+                  <a:txBody>
+                    <a:bodyPr/>
+                    <a:lstStyle/>
+                    <a:p>
+                      <a:pPr algn="r" rtl="0" fontAlgn="t">
+                        <a:spcBef>
+                          <a:spcPts val="0"/>
+                        </a:spcBef>
+                        <a:spcAft>
+                          <a:spcPts val="0"/>
+                        </a:spcAft>
+                      </a:pPr>
+                      <a:r>
+                        <a:rPr lang="en-US" sz="4000" b="1" dirty="0">
+                          <a:solidFill>
+                            <a:srgbClr val="009EC0"/>
+                          </a:solidFill>
+                          <a:effectLst/>
+                          <a:latin typeface="+mj-lt"/>
+                        </a:rPr>
+                        <a:t>Theme</a:t>
+                      </a:r>
+                    </a:p>
+                  </a:txBody>
+                  <a:tcPr marL="182880" marR="182880" marT="63500" marB="63500" anchor="b">
+                    <a:lnR w="3175" cap="flat" cmpd="sng" algn="ctr">
+                      <a:solidFill>
+                        <a:schemeClr val="tx1">
+                          <a:lumMod val="65000"/>
+                        </a:schemeClr>
+                      </a:solidFill>
+                      <a:prstDash val="solid"/>
+                      <a:round/>
+                      <a:headEnd type="none" w="med" len="med"/>
+                      <a:tailEnd type="none" w="med" len="med"/>
+                    </a:lnR>
+                  </a:tcPr>
+                </a:tc>
+                <a:tc>
+                  <a:txBody>
+                    <a:bodyPr/>
+                    <a:lstStyle/>
+                    <a:p>
+                      <a:pPr rtl="0" fontAlgn="t">
+                        <a:spcBef>
+                          <a:spcPts val="0"/>
+                        </a:spcBef>
+                        <a:spcAft>
+                          <a:spcPts val="0"/>
+                        </a:spcAft>
+                      </a:pPr>
+                      <a:r>
+                        <a:rPr lang="en-US" sz="4000" b="1" dirty="0">
+                          <a:solidFill>
+                            <a:schemeClr val="tx1"/>
+                          </a:solidFill>
+                          <a:effectLst/>
+                          <a:latin typeface="+mj-lt"/>
+                        </a:rPr>
+                        <a:t>Zechariah 11</a:t>
+                      </a:r>
+                    </a:p>
+                  </a:txBody>
+                  <a:tcPr marL="182880" marR="182880" marT="63500" marB="63500" anchor="b">
+                    <a:lnL w="3175" cap="flat" cmpd="sng" algn="ctr">
+                      <a:solidFill>
+                        <a:schemeClr val="tx1">
+                          <a:lumMod val="65000"/>
+                        </a:schemeClr>
+                      </a:solidFill>
+                      <a:prstDash val="solid"/>
+                      <a:round/>
+                      <a:headEnd type="none" w="med" len="med"/>
+                      <a:tailEnd type="none" w="med" len="med"/>
+                    </a:lnL>
+                  </a:tcPr>
+                </a:tc>
+                <a:extLst>
+                  <a:ext uri="{0D108BD9-81ED-4DB2-BD59-A6C34878D82A}">
+                    <a16:rowId xmlns:a16="http://schemas.microsoft.com/office/drawing/2014/main" val="1136906228"/>
+                  </a:ext>
+                </a:extLst>
+              </a:tr>
+              <a:tr h="0">
+                <a:tc>
+                  <a:txBody>
+                    <a:bodyPr/>
+                    <a:lstStyle/>
+                    <a:p>
+                      <a:pPr algn="r" rtl="0" fontAlgn="t">
+                        <a:spcBef>
+                          <a:spcPts val="0"/>
+                        </a:spcBef>
+                        <a:spcAft>
+                          <a:spcPts val="0"/>
+                        </a:spcAft>
+                      </a:pPr>
+                      <a:r>
+                        <a:rPr lang="en-US" sz="2400" b="0" i="0" u="none" strike="noStrike" dirty="0">
+                          <a:solidFill>
+                            <a:srgbClr val="009EC0"/>
+                          </a:solidFill>
+                          <a:effectLst/>
+                          <a:latin typeface="+mj-lt"/>
+                        </a:rPr>
+                        <a:t>Leadership (shepherds)</a:t>
+                      </a:r>
+                      <a:endParaRPr lang="en-US" sz="2400" b="0" dirty="0">
+                        <a:solidFill>
+                          <a:srgbClr val="009EC0"/>
+                        </a:solidFill>
+                        <a:effectLst/>
+                        <a:latin typeface="+mj-lt"/>
+                      </a:endParaRPr>
+                    </a:p>
+                  </a:txBody>
+                  <a:tcPr marL="182880" marR="182880" marT="274320" marB="274320">
+                    <a:lnR w="3175" cap="flat" cmpd="sng" algn="ctr">
+                      <a:solidFill>
+                        <a:schemeClr val="tx1">
+                          <a:lumMod val="65000"/>
+                        </a:schemeClr>
+                      </a:solidFill>
+                      <a:prstDash val="solid"/>
+                      <a:round/>
+                      <a:headEnd type="none" w="med" len="med"/>
+                      <a:tailEnd type="none" w="med" len="med"/>
+                    </a:lnR>
+                  </a:tcPr>
+                </a:tc>
+                <a:tc>
+                  <a:txBody>
+                    <a:bodyPr/>
+                    <a:lstStyle/>
+                    <a:p>
+                      <a:pPr rtl="0" fontAlgn="t">
+                        <a:spcBef>
+                          <a:spcPts val="0"/>
+                        </a:spcBef>
+                        <a:spcAft>
+                          <a:spcPts val="0"/>
+                        </a:spcAft>
+                      </a:pPr>
+                      <a:r>
+                        <a:rPr lang="en-US" sz="2400" b="0" i="0" u="none" strike="noStrike" dirty="0">
+                          <a:solidFill>
+                            <a:schemeClr val="tx1"/>
+                          </a:solidFill>
+                          <a:effectLst/>
+                          <a:latin typeface="+mj-lt"/>
+                        </a:rPr>
+                        <a:t>Zechariah was a shepherd</a:t>
+                      </a:r>
+                      <a:endParaRPr lang="en-US" sz="2400" dirty="0">
+                        <a:solidFill>
+                          <a:schemeClr val="tx1"/>
+                        </a:solidFill>
+                        <a:effectLst/>
+                        <a:latin typeface="+mj-lt"/>
+                      </a:endParaRPr>
+                    </a:p>
+                  </a:txBody>
+                  <a:tcPr marL="182880" marR="182880" marT="274320" marB="274320">
+                    <a:lnL w="3175" cap="flat" cmpd="sng" algn="ctr">
+                      <a:solidFill>
+                        <a:schemeClr val="tx1">
+                          <a:lumMod val="65000"/>
+                        </a:schemeClr>
+                      </a:solidFill>
+                      <a:prstDash val="solid"/>
+                      <a:round/>
+                      <a:headEnd type="none" w="med" len="med"/>
+                      <a:tailEnd type="none" w="med" len="med"/>
+                    </a:lnL>
+                  </a:tcPr>
+                </a:tc>
+                <a:extLst>
+                  <a:ext uri="{0D108BD9-81ED-4DB2-BD59-A6C34878D82A}">
+                    <a16:rowId xmlns:a16="http://schemas.microsoft.com/office/drawing/2014/main" val="3592000535"/>
+                  </a:ext>
+                </a:extLst>
+              </a:tr>
+              <a:tr h="0">
+                <a:tc>
+                  <a:txBody>
+                    <a:bodyPr/>
+                    <a:lstStyle/>
+                    <a:p>
+                      <a:pPr algn="r" rtl="0" fontAlgn="t">
+                        <a:spcBef>
+                          <a:spcPts val="0"/>
+                        </a:spcBef>
+                        <a:spcAft>
+                          <a:spcPts val="0"/>
+                        </a:spcAft>
+                      </a:pPr>
+                      <a:r>
+                        <a:rPr lang="en-US" sz="2400" b="0" i="0" u="none" strike="noStrike" dirty="0">
+                          <a:solidFill>
+                            <a:srgbClr val="009EC0"/>
+                          </a:solidFill>
+                          <a:effectLst/>
+                          <a:latin typeface="+mj-lt"/>
+                        </a:rPr>
+                        <a:t>Pottery/potter</a:t>
+                      </a:r>
+                      <a:endParaRPr lang="en-US" sz="2400" b="0" dirty="0">
+                        <a:solidFill>
+                          <a:srgbClr val="009EC0"/>
+                        </a:solidFill>
+                        <a:effectLst/>
+                        <a:latin typeface="+mj-lt"/>
+                      </a:endParaRPr>
+                    </a:p>
+                  </a:txBody>
+                  <a:tcPr marL="182880" marR="182880" marT="274320" marB="274320">
+                    <a:lnR w="3175" cap="flat" cmpd="sng" algn="ctr">
+                      <a:solidFill>
+                        <a:schemeClr val="tx1">
+                          <a:lumMod val="65000"/>
+                        </a:schemeClr>
+                      </a:solidFill>
+                      <a:prstDash val="solid"/>
+                      <a:round/>
+                      <a:headEnd type="none" w="med" len="med"/>
+                      <a:tailEnd type="none" w="med" len="med"/>
+                    </a:lnR>
+                  </a:tcPr>
+                </a:tc>
+                <a:tc>
+                  <a:txBody>
+                    <a:bodyPr/>
+                    <a:lstStyle/>
+                    <a:p>
+                      <a:pPr rtl="0" fontAlgn="t">
+                        <a:spcBef>
+                          <a:spcPts val="0"/>
+                        </a:spcBef>
+                        <a:spcAft>
+                          <a:spcPts val="0"/>
+                        </a:spcAft>
+                      </a:pPr>
+                      <a:r>
+                        <a:rPr lang="en-US" sz="2400" dirty="0">
+                          <a:solidFill>
+                            <a:schemeClr val="tx1"/>
+                          </a:solidFill>
+                          <a:effectLst/>
+                          <a:latin typeface="+mj-lt"/>
+                        </a:rPr>
+                        <a:t>Salary is given to a potter</a:t>
+                      </a:r>
+                    </a:p>
+                  </a:txBody>
+                  <a:tcPr marL="182880" marR="182880" marT="274320" marB="274320">
+                    <a:lnL w="3175" cap="flat" cmpd="sng" algn="ctr">
+                      <a:solidFill>
+                        <a:schemeClr val="tx1">
+                          <a:lumMod val="65000"/>
+                        </a:schemeClr>
+                      </a:solidFill>
+                      <a:prstDash val="solid"/>
+                      <a:round/>
+                      <a:headEnd type="none" w="med" len="med"/>
+                      <a:tailEnd type="none" w="med" len="med"/>
+                    </a:lnL>
+                  </a:tcPr>
+                </a:tc>
+                <a:extLst>
+                  <a:ext uri="{0D108BD9-81ED-4DB2-BD59-A6C34878D82A}">
+                    <a16:rowId xmlns:a16="http://schemas.microsoft.com/office/drawing/2014/main" val="2330484482"/>
+                  </a:ext>
+                </a:extLst>
+              </a:tr>
+              <a:tr h="0">
+                <a:tc>
+                  <a:txBody>
+                    <a:bodyPr/>
+                    <a:lstStyle/>
+                    <a:p>
+                      <a:pPr marL="0" algn="r" defTabSz="914400" rtl="0" eaLnBrk="1" fontAlgn="t" latinLnBrk="0" hangingPunct="1">
+                        <a:spcBef>
+                          <a:spcPts val="0"/>
+                        </a:spcBef>
+                        <a:spcAft>
+                          <a:spcPts val="0"/>
+                        </a:spcAft>
+                      </a:pPr>
+                      <a:r>
+                        <a:rPr lang="en-US" sz="2400" b="0" dirty="0">
+                          <a:solidFill>
+                            <a:srgbClr val="009EC0"/>
+                          </a:solidFill>
+                          <a:effectLst/>
+                          <a:latin typeface="+mj-lt"/>
+                        </a:rPr>
+                        <a:t>Value</a:t>
+                      </a:r>
+                    </a:p>
+                  </a:txBody>
+                  <a:tcPr marL="182880" marR="182880" marT="274320" marB="274320">
+                    <a:lnR w="3175" cap="flat" cmpd="sng" algn="ctr">
+                      <a:solidFill>
+                        <a:schemeClr val="tx1">
+                          <a:lumMod val="65000"/>
+                        </a:schemeClr>
+                      </a:solidFill>
+                      <a:prstDash val="solid"/>
+                      <a:round/>
+                      <a:headEnd type="none" w="med" len="med"/>
+                      <a:tailEnd type="none" w="med" len="med"/>
+                    </a:lnR>
+                  </a:tcPr>
+                </a:tc>
+                <a:tc>
+                  <a:txBody>
+                    <a:bodyPr/>
+                    <a:lstStyle/>
+                    <a:p>
+                      <a:pPr rtl="0" fontAlgn="t">
+                        <a:spcBef>
+                          <a:spcPts val="0"/>
+                        </a:spcBef>
+                        <a:spcAft>
+                          <a:spcPts val="0"/>
+                        </a:spcAft>
+                      </a:pPr>
+                      <a:r>
+                        <a:rPr lang="en-US" sz="2300" b="0" i="0" u="none" strike="noStrike" kern="1200" dirty="0">
+                          <a:solidFill>
+                            <a:schemeClr val="tx1"/>
+                          </a:solidFill>
+                          <a:effectLst/>
+                          <a:latin typeface="+mn-lt"/>
+                          <a:ea typeface="+mn-ea"/>
+                          <a:cs typeface="+mn-cs"/>
+                        </a:rPr>
+                        <a:t>Zechariah’s services are valued at 30 pieces</a:t>
+                      </a:r>
+                      <a:endParaRPr lang="en-US" sz="2300" dirty="0">
+                        <a:solidFill>
+                          <a:schemeClr val="tx1"/>
+                        </a:solidFill>
+                        <a:effectLst/>
+                        <a:latin typeface="+mj-lt"/>
+                      </a:endParaRPr>
+                    </a:p>
+                  </a:txBody>
+                  <a:tcPr marL="182880" marR="182880" marT="274320" marB="274320">
+                    <a:lnL w="3175" cap="flat" cmpd="sng" algn="ctr">
+                      <a:solidFill>
+                        <a:schemeClr val="tx1">
+                          <a:lumMod val="65000"/>
+                        </a:schemeClr>
+                      </a:solidFill>
+                      <a:prstDash val="solid"/>
+                      <a:round/>
+                      <a:headEnd type="none" w="med" len="med"/>
+                      <a:tailEnd type="none" w="med" len="med"/>
+                    </a:lnL>
+                  </a:tcPr>
+                </a:tc>
+                <a:extLst>
+                  <a:ext uri="{0D108BD9-81ED-4DB2-BD59-A6C34878D82A}">
+                    <a16:rowId xmlns:a16="http://schemas.microsoft.com/office/drawing/2014/main" val="1564031315"/>
+                  </a:ext>
+                </a:extLst>
+              </a:tr>
+              <a:tr h="0">
+                <a:tc>
+                  <a:txBody>
+                    <a:bodyPr/>
+                    <a:lstStyle/>
+                    <a:p>
+                      <a:pPr algn="r" rtl="0" fontAlgn="t">
+                        <a:spcBef>
+                          <a:spcPts val="0"/>
+                        </a:spcBef>
+                        <a:spcAft>
+                          <a:spcPts val="0"/>
+                        </a:spcAft>
+                      </a:pPr>
+                      <a:r>
+                        <a:rPr lang="en-US" sz="2400" b="0" dirty="0">
+                          <a:solidFill>
+                            <a:srgbClr val="009EC0"/>
+                          </a:solidFill>
+                          <a:effectLst/>
+                          <a:latin typeface="+mj-lt"/>
+                        </a:rPr>
+                        <a:t>Judgment</a:t>
+                      </a:r>
+                    </a:p>
+                  </a:txBody>
+                  <a:tcPr marL="182880" marR="182880" marT="274320" marB="274320">
+                    <a:lnR w="3175" cap="flat" cmpd="sng" algn="ctr">
+                      <a:solidFill>
+                        <a:schemeClr val="tx1">
+                          <a:lumMod val="65000"/>
+                        </a:schemeClr>
+                      </a:solidFill>
+                      <a:prstDash val="solid"/>
+                      <a:round/>
+                      <a:headEnd type="none" w="med" len="med"/>
+                      <a:tailEnd type="none" w="med" len="med"/>
+                    </a:lnR>
+                  </a:tcPr>
+                </a:tc>
+                <a:tc>
+                  <a:txBody>
+                    <a:bodyPr/>
+                    <a:lstStyle/>
+                    <a:p>
+                      <a:pPr rtl="0" fontAlgn="t">
+                        <a:spcBef>
+                          <a:spcPts val="0"/>
+                        </a:spcBef>
+                        <a:spcAft>
+                          <a:spcPts val="0"/>
+                        </a:spcAft>
+                      </a:pPr>
+                      <a:r>
+                        <a:rPr lang="en-US" sz="2400" b="0" i="0" u="none" strike="noStrike" kern="1200" dirty="0">
+                          <a:solidFill>
+                            <a:schemeClr val="tx1"/>
+                          </a:solidFill>
+                          <a:effectLst/>
+                          <a:latin typeface="+mn-lt"/>
+                          <a:ea typeface="+mn-ea"/>
+                          <a:cs typeface="+mn-cs"/>
+                        </a:rPr>
+                        <a:t>Flock is destined for destruction</a:t>
+                      </a:r>
+                      <a:endParaRPr lang="en-US" sz="2400" dirty="0">
+                        <a:solidFill>
+                          <a:schemeClr val="tx1"/>
+                        </a:solidFill>
+                        <a:effectLst/>
+                        <a:latin typeface="+mj-lt"/>
+                      </a:endParaRPr>
+                    </a:p>
+                  </a:txBody>
+                  <a:tcPr marL="182880" marR="182880" marT="274320" marB="274320">
+                    <a:lnL w="3175" cap="flat" cmpd="sng" algn="ctr">
+                      <a:solidFill>
+                        <a:schemeClr val="tx1">
+                          <a:lumMod val="65000"/>
+                        </a:schemeClr>
+                      </a:solidFill>
+                      <a:prstDash val="solid"/>
+                      <a:round/>
+                      <a:headEnd type="none" w="med" len="med"/>
+                      <a:tailEnd type="none" w="med" len="med"/>
+                    </a:lnL>
+                  </a:tcPr>
+                </a:tc>
+                <a:extLst>
+                  <a:ext uri="{0D108BD9-81ED-4DB2-BD59-A6C34878D82A}">
+                    <a16:rowId xmlns:a16="http://schemas.microsoft.com/office/drawing/2014/main" val="3045623234"/>
+                  </a:ext>
+                </a:extLst>
+              </a:tr>
+            </a:tbl>
+          </a:graphicData>
+        </a:graphic>
+      </p:graphicFrame>
     </p:spTree>
     <p:extLst>
       <p:ext uri="{BB962C8B-B14F-4D97-AF65-F5344CB8AC3E}">
-        <p14:creationId xmlns:p14="http://schemas.microsoft.com/office/powerpoint/2010/main" val="2547159331"/>
+        <p14:creationId xmlns:p14="http://schemas.microsoft.com/office/powerpoint/2010/main" val="3211216521"/>
       </p:ext>
     </p:extLst>
   </p:cSld>
@@ -5470,57 +9067,515 @@
           <a:chExt cx="0" cy="0"/>
         </a:xfrm>
       </p:grpSpPr>
-      <p:sp>
-        <p:nvSpPr>
-          <p:cNvPr id="2" name="Title 1"/>
-          <p:cNvSpPr>
-            <a:spLocks noGrp="1"/>
-          </p:cNvSpPr>
-          <p:nvPr>
-            <p:ph type="title"/>
-          </p:nvPr>
-        </p:nvSpPr>
-        <p:spPr/>
-        <p:txBody>
-          <a:bodyPr>
-            <a:noAutofit/>
-          </a:bodyPr>
-          <a:lstStyle/>
-          <a:p>
-            <a:r>
-              <a:rPr lang="en-US" dirty="0"/>
-              <a:t>Matthew 8:17 / Isaiah 53:4</a:t>
-            </a:r>
-            <a:endParaRPr lang="en-US" sz="3200" dirty="0"/>
-          </a:p>
-        </p:txBody>
-      </p:sp>
-      <p:sp>
-        <p:nvSpPr>
-          <p:cNvPr id="3" name="Text Placeholder 2"/>
-          <p:cNvSpPr>
-            <a:spLocks noGrp="1"/>
-          </p:cNvSpPr>
-          <p:nvPr>
-            <p:ph type="body" sz="quarter" idx="13"/>
-          </p:nvPr>
-        </p:nvSpPr>
-        <p:spPr/>
-        <p:txBody>
-          <a:bodyPr/>
-          <a:lstStyle/>
-          <a:p>
-            <a:r>
-              <a:rPr lang="en-US" dirty="0"/>
-              <a:t>6</a:t>
-            </a:r>
-          </a:p>
-        </p:txBody>
-      </p:sp>
+      <p:graphicFrame>
+        <p:nvGraphicFramePr>
+          <p:cNvPr id="5" name="Table 4">
+            <a:extLst>
+              <a:ext uri="{FF2B5EF4-FFF2-40B4-BE49-F238E27FC236}">
+                <a16:creationId xmlns:a16="http://schemas.microsoft.com/office/drawing/2014/main" id="{589C607E-23F7-1D43-B569-801CED367AB1}"/>
+              </a:ext>
+            </a:extLst>
+          </p:cNvPr>
+          <p:cNvGraphicFramePr>
+            <a:graphicFrameLocks noGrp="1"/>
+          </p:cNvGraphicFramePr>
+          <p:nvPr>
+            <p:extLst>
+              <p:ext uri="{D42A27DB-BD31-4B8C-83A1-F6EECF244321}">
+                <p14:modId xmlns:p14="http://schemas.microsoft.com/office/powerpoint/2010/main" val="495032098"/>
+              </p:ext>
+            </p:extLst>
+          </p:nvPr>
+        </p:nvGraphicFramePr>
+        <p:xfrm>
+          <a:off x="114300" y="533400"/>
+          <a:ext cx="8915400" cy="4484106"/>
+        </p:xfrm>
+        <a:graphic>
+          <a:graphicData uri="http://schemas.openxmlformats.org/drawingml/2006/table">
+            <a:tbl>
+              <a:tblPr firstRow="1" bandRow="1">
+                <a:tableStyleId>{2D5ABB26-0587-4C30-8999-92F81FD0307C}</a:tableStyleId>
+              </a:tblPr>
+              <a:tblGrid>
+                <a:gridCol w="3352800">
+                  <a:extLst>
+                    <a:ext uri="{9D8B030D-6E8A-4147-A177-3AD203B41FA5}">
+                      <a16:colId xmlns:a16="http://schemas.microsoft.com/office/drawing/2014/main" val="3623029985"/>
+                    </a:ext>
+                  </a:extLst>
+                </a:gridCol>
+                <a:gridCol w="5562600">
+                  <a:extLst>
+                    <a:ext uri="{9D8B030D-6E8A-4147-A177-3AD203B41FA5}">
+                      <a16:colId xmlns:a16="http://schemas.microsoft.com/office/drawing/2014/main" val="4294323797"/>
+                    </a:ext>
+                  </a:extLst>
+                </a:gridCol>
+              </a:tblGrid>
+              <a:tr h="826506">
+                <a:tc>
+                  <a:txBody>
+                    <a:bodyPr/>
+                    <a:lstStyle/>
+                    <a:p>
+                      <a:pPr algn="r" rtl="0" fontAlgn="t">
+                        <a:spcBef>
+                          <a:spcPts val="0"/>
+                        </a:spcBef>
+                        <a:spcAft>
+                          <a:spcPts val="0"/>
+                        </a:spcAft>
+                      </a:pPr>
+                      <a:r>
+                        <a:rPr lang="en-US" sz="4000" b="1" dirty="0">
+                          <a:solidFill>
+                            <a:srgbClr val="009EC0"/>
+                          </a:solidFill>
+                          <a:effectLst/>
+                          <a:latin typeface="+mj-lt"/>
+                        </a:rPr>
+                        <a:t>Theme</a:t>
+                      </a:r>
+                    </a:p>
+                  </a:txBody>
+                  <a:tcPr marL="182880" marR="182880" marT="63500" marB="63500" anchor="b">
+                    <a:lnR w="3175" cap="flat" cmpd="sng" algn="ctr">
+                      <a:solidFill>
+                        <a:schemeClr val="tx1">
+                          <a:lumMod val="65000"/>
+                        </a:schemeClr>
+                      </a:solidFill>
+                      <a:prstDash val="solid"/>
+                      <a:round/>
+                      <a:headEnd type="none" w="med" len="med"/>
+                      <a:tailEnd type="none" w="med" len="med"/>
+                    </a:lnR>
+                  </a:tcPr>
+                </a:tc>
+                <a:tc>
+                  <a:txBody>
+                    <a:bodyPr/>
+                    <a:lstStyle/>
+                    <a:p>
+                      <a:pPr rtl="0" fontAlgn="t">
+                        <a:spcBef>
+                          <a:spcPts val="0"/>
+                        </a:spcBef>
+                        <a:spcAft>
+                          <a:spcPts val="0"/>
+                        </a:spcAft>
+                      </a:pPr>
+                      <a:r>
+                        <a:rPr lang="en-US" sz="4000" b="1" dirty="0">
+                          <a:solidFill>
+                            <a:schemeClr val="tx1"/>
+                          </a:solidFill>
+                          <a:effectLst/>
+                          <a:latin typeface="+mj-lt"/>
+                        </a:rPr>
+                        <a:t>Jeremiah 19</a:t>
+                      </a:r>
+                    </a:p>
+                  </a:txBody>
+                  <a:tcPr marL="182880" marR="182880" marT="63500" marB="63500" anchor="b">
+                    <a:lnL w="3175" cap="flat" cmpd="sng" algn="ctr">
+                      <a:solidFill>
+                        <a:schemeClr val="tx1">
+                          <a:lumMod val="65000"/>
+                        </a:schemeClr>
+                      </a:solidFill>
+                      <a:prstDash val="solid"/>
+                      <a:round/>
+                      <a:headEnd type="none" w="med" len="med"/>
+                      <a:tailEnd type="none" w="med" len="med"/>
+                    </a:lnL>
+                  </a:tcPr>
+                </a:tc>
+                <a:extLst>
+                  <a:ext uri="{0D108BD9-81ED-4DB2-BD59-A6C34878D82A}">
+                    <a16:rowId xmlns:a16="http://schemas.microsoft.com/office/drawing/2014/main" val="1136906228"/>
+                  </a:ext>
+                </a:extLst>
+              </a:tr>
+              <a:tr h="0">
+                <a:tc>
+                  <a:txBody>
+                    <a:bodyPr/>
+                    <a:lstStyle/>
+                    <a:p>
+                      <a:pPr algn="r" rtl="0" fontAlgn="t">
+                        <a:spcBef>
+                          <a:spcPts val="0"/>
+                        </a:spcBef>
+                        <a:spcAft>
+                          <a:spcPts val="0"/>
+                        </a:spcAft>
+                      </a:pPr>
+                      <a:r>
+                        <a:rPr lang="en-US" sz="2400" b="0" i="0" u="none" strike="noStrike" dirty="0">
+                          <a:solidFill>
+                            <a:srgbClr val="009EC0"/>
+                          </a:solidFill>
+                          <a:effectLst/>
+                          <a:latin typeface="+mj-lt"/>
+                        </a:rPr>
+                        <a:t>Leadership (shepherds)</a:t>
+                      </a:r>
+                      <a:endParaRPr lang="en-US" sz="2400" b="0" dirty="0">
+                        <a:solidFill>
+                          <a:srgbClr val="009EC0"/>
+                        </a:solidFill>
+                        <a:effectLst/>
+                        <a:latin typeface="+mj-lt"/>
+                      </a:endParaRPr>
+                    </a:p>
+                  </a:txBody>
+                  <a:tcPr marL="182880" marR="182880" marT="274320" marB="274320">
+                    <a:lnR w="3175" cap="flat" cmpd="sng" algn="ctr">
+                      <a:solidFill>
+                        <a:schemeClr val="tx1">
+                          <a:lumMod val="65000"/>
+                        </a:schemeClr>
+                      </a:solidFill>
+                      <a:prstDash val="solid"/>
+                      <a:round/>
+                      <a:headEnd type="none" w="med" len="med"/>
+                      <a:tailEnd type="none" w="med" len="med"/>
+                    </a:lnR>
+                  </a:tcPr>
+                </a:tc>
+                <a:tc>
+                  <a:txBody>
+                    <a:bodyPr/>
+                    <a:lstStyle/>
+                    <a:p>
+                      <a:pPr rtl="0" fontAlgn="t">
+                        <a:spcBef>
+                          <a:spcPts val="0"/>
+                        </a:spcBef>
+                        <a:spcAft>
+                          <a:spcPts val="0"/>
+                        </a:spcAft>
+                      </a:pPr>
+                      <a:r>
+                        <a:rPr lang="en-US" sz="2400" b="0" i="0" u="none" strike="noStrike" dirty="0">
+                          <a:solidFill>
+                            <a:schemeClr val="tx1"/>
+                          </a:solidFill>
+                          <a:effectLst/>
+                          <a:latin typeface="+mj-lt"/>
+                        </a:rPr>
+                        <a:t>Elders and leaders are present</a:t>
+                      </a:r>
+                      <a:endParaRPr lang="en-US" sz="2400" dirty="0">
+                        <a:solidFill>
+                          <a:schemeClr val="tx1"/>
+                        </a:solidFill>
+                        <a:effectLst/>
+                        <a:latin typeface="+mj-lt"/>
+                      </a:endParaRPr>
+                    </a:p>
+                  </a:txBody>
+                  <a:tcPr marL="182880" marR="182880" marT="274320" marB="274320">
+                    <a:lnL w="3175" cap="flat" cmpd="sng" algn="ctr">
+                      <a:solidFill>
+                        <a:schemeClr val="tx1">
+                          <a:lumMod val="65000"/>
+                        </a:schemeClr>
+                      </a:solidFill>
+                      <a:prstDash val="solid"/>
+                      <a:round/>
+                      <a:headEnd type="none" w="med" len="med"/>
+                      <a:tailEnd type="none" w="med" len="med"/>
+                    </a:lnL>
+                  </a:tcPr>
+                </a:tc>
+                <a:extLst>
+                  <a:ext uri="{0D108BD9-81ED-4DB2-BD59-A6C34878D82A}">
+                    <a16:rowId xmlns:a16="http://schemas.microsoft.com/office/drawing/2014/main" val="3592000535"/>
+                  </a:ext>
+                </a:extLst>
+              </a:tr>
+              <a:tr h="0">
+                <a:tc>
+                  <a:txBody>
+                    <a:bodyPr/>
+                    <a:lstStyle/>
+                    <a:p>
+                      <a:pPr algn="r" rtl="0" fontAlgn="t">
+                        <a:spcBef>
+                          <a:spcPts val="0"/>
+                        </a:spcBef>
+                        <a:spcAft>
+                          <a:spcPts val="0"/>
+                        </a:spcAft>
+                      </a:pPr>
+                      <a:r>
+                        <a:rPr lang="en-US" sz="2400" b="0" i="0" u="none" strike="noStrike" dirty="0">
+                          <a:solidFill>
+                            <a:srgbClr val="009EC0"/>
+                          </a:solidFill>
+                          <a:effectLst/>
+                          <a:latin typeface="+mj-lt"/>
+                        </a:rPr>
+                        <a:t>Pottery/potter</a:t>
+                      </a:r>
+                      <a:endParaRPr lang="en-US" sz="2400" b="0" dirty="0">
+                        <a:solidFill>
+                          <a:srgbClr val="009EC0"/>
+                        </a:solidFill>
+                        <a:effectLst/>
+                        <a:latin typeface="+mj-lt"/>
+                      </a:endParaRPr>
+                    </a:p>
+                  </a:txBody>
+                  <a:tcPr marL="182880" marR="182880" marT="274320" marB="274320">
+                    <a:lnR w="3175" cap="flat" cmpd="sng" algn="ctr">
+                      <a:solidFill>
+                        <a:schemeClr val="tx1">
+                          <a:lumMod val="65000"/>
+                        </a:schemeClr>
+                      </a:solidFill>
+                      <a:prstDash val="solid"/>
+                      <a:round/>
+                      <a:headEnd type="none" w="med" len="med"/>
+                      <a:tailEnd type="none" w="med" len="med"/>
+                    </a:lnR>
+                  </a:tcPr>
+                </a:tc>
+                <a:tc>
+                  <a:txBody>
+                    <a:bodyPr/>
+                    <a:lstStyle/>
+                    <a:p>
+                      <a:pPr rtl="0" fontAlgn="t">
+                        <a:spcBef>
+                          <a:spcPts val="0"/>
+                        </a:spcBef>
+                        <a:spcAft>
+                          <a:spcPts val="0"/>
+                        </a:spcAft>
+                      </a:pPr>
+                      <a:r>
+                        <a:rPr lang="en-US" sz="2400" dirty="0">
+                          <a:solidFill>
+                            <a:schemeClr val="tx1"/>
+                          </a:solidFill>
+                          <a:effectLst/>
+                          <a:latin typeface="+mj-lt"/>
+                        </a:rPr>
+                        <a:t>Potter sells pottery to Jeremiah</a:t>
+                      </a:r>
+                    </a:p>
+                  </a:txBody>
+                  <a:tcPr marL="182880" marR="182880" marT="274320" marB="274320">
+                    <a:lnL w="3175" cap="flat" cmpd="sng" algn="ctr">
+                      <a:solidFill>
+                        <a:schemeClr val="tx1">
+                          <a:lumMod val="65000"/>
+                        </a:schemeClr>
+                      </a:solidFill>
+                      <a:prstDash val="solid"/>
+                      <a:round/>
+                      <a:headEnd type="none" w="med" len="med"/>
+                      <a:tailEnd type="none" w="med" len="med"/>
+                    </a:lnL>
+                  </a:tcPr>
+                </a:tc>
+                <a:extLst>
+                  <a:ext uri="{0D108BD9-81ED-4DB2-BD59-A6C34878D82A}">
+                    <a16:rowId xmlns:a16="http://schemas.microsoft.com/office/drawing/2014/main" val="2330484482"/>
+                  </a:ext>
+                </a:extLst>
+              </a:tr>
+              <a:tr h="0">
+                <a:tc>
+                  <a:txBody>
+                    <a:bodyPr/>
+                    <a:lstStyle/>
+                    <a:p>
+                      <a:pPr marL="0" algn="r" defTabSz="914400" rtl="0" eaLnBrk="1" fontAlgn="t" latinLnBrk="0" hangingPunct="1">
+                        <a:spcBef>
+                          <a:spcPts val="0"/>
+                        </a:spcBef>
+                        <a:spcAft>
+                          <a:spcPts val="0"/>
+                        </a:spcAft>
+                      </a:pPr>
+                      <a:r>
+                        <a:rPr lang="en-US" sz="2400" b="0" dirty="0">
+                          <a:solidFill>
+                            <a:srgbClr val="009EC0"/>
+                          </a:solidFill>
+                          <a:effectLst/>
+                          <a:latin typeface="+mj-lt"/>
+                        </a:rPr>
+                        <a:t>Value</a:t>
+                      </a:r>
+                    </a:p>
+                  </a:txBody>
+                  <a:tcPr marL="182880" marR="182880" marT="274320" marB="274320">
+                    <a:lnR w="3175" cap="flat" cmpd="sng" algn="ctr">
+                      <a:solidFill>
+                        <a:schemeClr val="tx1">
+                          <a:lumMod val="65000"/>
+                        </a:schemeClr>
+                      </a:solidFill>
+                      <a:prstDash val="solid"/>
+                      <a:round/>
+                      <a:headEnd type="none" w="med" len="med"/>
+                      <a:tailEnd type="none" w="med" len="med"/>
+                    </a:lnR>
+                  </a:tcPr>
+                </a:tc>
+                <a:tc>
+                  <a:txBody>
+                    <a:bodyPr/>
+                    <a:lstStyle/>
+                    <a:p>
+                      <a:pPr rtl="0" fontAlgn="t">
+                        <a:spcBef>
+                          <a:spcPts val="0"/>
+                        </a:spcBef>
+                        <a:spcAft>
+                          <a:spcPts val="0"/>
+                        </a:spcAft>
+                      </a:pPr>
+                      <a:r>
+                        <a:rPr lang="en-US" sz="2400" dirty="0">
+                          <a:solidFill>
+                            <a:schemeClr val="tx1"/>
+                          </a:solidFill>
+                          <a:effectLst/>
+                          <a:latin typeface="+mj-lt"/>
+                        </a:rPr>
+                        <a:t>Pottery is destroyed, discarded</a:t>
+                      </a:r>
+                    </a:p>
+                  </a:txBody>
+                  <a:tcPr marL="182880" marR="182880" marT="274320" marB="274320">
+                    <a:lnL w="3175" cap="flat" cmpd="sng" algn="ctr">
+                      <a:solidFill>
+                        <a:schemeClr val="tx1">
+                          <a:lumMod val="65000"/>
+                        </a:schemeClr>
+                      </a:solidFill>
+                      <a:prstDash val="solid"/>
+                      <a:round/>
+                      <a:headEnd type="none" w="med" len="med"/>
+                      <a:tailEnd type="none" w="med" len="med"/>
+                    </a:lnL>
+                  </a:tcPr>
+                </a:tc>
+                <a:extLst>
+                  <a:ext uri="{0D108BD9-81ED-4DB2-BD59-A6C34878D82A}">
+                    <a16:rowId xmlns:a16="http://schemas.microsoft.com/office/drawing/2014/main" val="1564031315"/>
+                  </a:ext>
+                </a:extLst>
+              </a:tr>
+              <a:tr h="0">
+                <a:tc>
+                  <a:txBody>
+                    <a:bodyPr/>
+                    <a:lstStyle/>
+                    <a:p>
+                      <a:pPr algn="r" rtl="0" fontAlgn="t">
+                        <a:spcBef>
+                          <a:spcPts val="0"/>
+                        </a:spcBef>
+                        <a:spcAft>
+                          <a:spcPts val="0"/>
+                        </a:spcAft>
+                      </a:pPr>
+                      <a:r>
+                        <a:rPr lang="en-US" sz="2400" b="0" dirty="0">
+                          <a:solidFill>
+                            <a:srgbClr val="009EC0"/>
+                          </a:solidFill>
+                          <a:effectLst/>
+                          <a:latin typeface="+mj-lt"/>
+                        </a:rPr>
+                        <a:t>Judgment</a:t>
+                      </a:r>
+                    </a:p>
+                  </a:txBody>
+                  <a:tcPr marL="182880" marR="182880" marT="274320" marB="274320">
+                    <a:lnR w="3175" cap="flat" cmpd="sng" algn="ctr">
+                      <a:solidFill>
+                        <a:schemeClr val="tx1">
+                          <a:lumMod val="65000"/>
+                        </a:schemeClr>
+                      </a:solidFill>
+                      <a:prstDash val="solid"/>
+                      <a:round/>
+                      <a:headEnd type="none" w="med" len="med"/>
+                      <a:tailEnd type="none" w="med" len="med"/>
+                    </a:lnR>
+                  </a:tcPr>
+                </a:tc>
+                <a:tc>
+                  <a:txBody>
+                    <a:bodyPr/>
+                    <a:lstStyle/>
+                    <a:p>
+                      <a:pPr rtl="0" fontAlgn="t">
+                        <a:spcBef>
+                          <a:spcPts val="0"/>
+                        </a:spcBef>
+                        <a:spcAft>
+                          <a:spcPts val="0"/>
+                        </a:spcAft>
+                      </a:pPr>
+                      <a:r>
+                        <a:rPr lang="en-US" sz="2400" b="0" i="0" u="none" strike="noStrike" kern="1200" dirty="0">
+                          <a:solidFill>
+                            <a:schemeClr val="tx1"/>
+                          </a:solidFill>
+                          <a:effectLst/>
+                          <a:latin typeface="+mn-lt"/>
+                          <a:ea typeface="+mn-ea"/>
+                          <a:cs typeface="+mn-cs"/>
+                        </a:rPr>
+                        <a:t>Israel to be delivered to their enemies</a:t>
+                      </a:r>
+                      <a:endParaRPr lang="en-US" sz="2400" dirty="0">
+                        <a:solidFill>
+                          <a:schemeClr val="tx1"/>
+                        </a:solidFill>
+                        <a:effectLst/>
+                        <a:latin typeface="+mj-lt"/>
+                      </a:endParaRPr>
+                    </a:p>
+                  </a:txBody>
+                  <a:tcPr marL="182880" marR="182880" marT="274320" marB="274320">
+                    <a:lnL w="3175" cap="flat" cmpd="sng" algn="ctr">
+                      <a:solidFill>
+                        <a:schemeClr val="tx1">
+                          <a:lumMod val="65000"/>
+                        </a:schemeClr>
+                      </a:solidFill>
+                      <a:prstDash val="solid"/>
+                      <a:round/>
+                      <a:headEnd type="none" w="med" len="med"/>
+                      <a:tailEnd type="none" w="med" len="med"/>
+                    </a:lnL>
+                  </a:tcPr>
+                </a:tc>
+                <a:extLst>
+                  <a:ext uri="{0D108BD9-81ED-4DB2-BD59-A6C34878D82A}">
+                    <a16:rowId xmlns:a16="http://schemas.microsoft.com/office/drawing/2014/main" val="3045623234"/>
+                  </a:ext>
+                </a:extLst>
+              </a:tr>
+            </a:tbl>
+          </a:graphicData>
+        </a:graphic>
+      </p:graphicFrame>
     </p:spTree>
     <p:extLst>
       <p:ext uri="{BB962C8B-B14F-4D97-AF65-F5344CB8AC3E}">
-        <p14:creationId xmlns:p14="http://schemas.microsoft.com/office/powerpoint/2010/main" val="2042154026"/>
+        <p14:creationId xmlns:p14="http://schemas.microsoft.com/office/powerpoint/2010/main" val="1568858988"/>
       </p:ext>
     </p:extLst>
   </p:cSld>
@@ -5547,56 +9602,524 @@
           <a:chExt cx="0" cy="0"/>
         </a:xfrm>
       </p:grpSpPr>
-      <p:sp>
-        <p:nvSpPr>
-          <p:cNvPr id="2" name="Title 1"/>
-          <p:cNvSpPr>
-            <a:spLocks noGrp="1"/>
-          </p:cNvSpPr>
-          <p:nvPr>
-            <p:ph type="title"/>
-          </p:nvPr>
-        </p:nvSpPr>
-        <p:spPr/>
-        <p:txBody>
-          <a:bodyPr>
-            <a:normAutofit fontScale="90000"/>
-          </a:bodyPr>
-          <a:lstStyle/>
-          <a:p>
-            <a:r>
-              <a:rPr lang="en-US" dirty="0"/>
-              <a:t>Matthew 12:17-18 / Isaiah 42:1 and following</a:t>
-            </a:r>
-          </a:p>
-        </p:txBody>
-      </p:sp>
-      <p:sp>
-        <p:nvSpPr>
-          <p:cNvPr id="3" name="Text Placeholder 2"/>
-          <p:cNvSpPr>
-            <a:spLocks noGrp="1"/>
-          </p:cNvSpPr>
-          <p:nvPr>
-            <p:ph type="body" sz="quarter" idx="13"/>
-          </p:nvPr>
-        </p:nvSpPr>
-        <p:spPr/>
-        <p:txBody>
-          <a:bodyPr/>
-          <a:lstStyle/>
-          <a:p>
-            <a:r>
-              <a:rPr lang="en-US" dirty="0"/>
-              <a:t>7</a:t>
-            </a:r>
-          </a:p>
-        </p:txBody>
-      </p:sp>
+      <p:graphicFrame>
+        <p:nvGraphicFramePr>
+          <p:cNvPr id="5" name="Table 4">
+            <a:extLst>
+              <a:ext uri="{FF2B5EF4-FFF2-40B4-BE49-F238E27FC236}">
+                <a16:creationId xmlns:a16="http://schemas.microsoft.com/office/drawing/2014/main" id="{589C607E-23F7-1D43-B569-801CED367AB1}"/>
+              </a:ext>
+            </a:extLst>
+          </p:cNvPr>
+          <p:cNvGraphicFramePr>
+            <a:graphicFrameLocks noGrp="1"/>
+          </p:cNvGraphicFramePr>
+          <p:nvPr>
+            <p:extLst>
+              <p:ext uri="{D42A27DB-BD31-4B8C-83A1-F6EECF244321}">
+                <p14:modId xmlns:p14="http://schemas.microsoft.com/office/powerpoint/2010/main" val="4055052381"/>
+              </p:ext>
+            </p:extLst>
+          </p:nvPr>
+        </p:nvGraphicFramePr>
+        <p:xfrm>
+          <a:off x="114300" y="533400"/>
+          <a:ext cx="8915400" cy="4484106"/>
+        </p:xfrm>
+        <a:graphic>
+          <a:graphicData uri="http://schemas.openxmlformats.org/drawingml/2006/table">
+            <a:tbl>
+              <a:tblPr firstRow="1" bandRow="1">
+                <a:tableStyleId>{2D5ABB26-0587-4C30-8999-92F81FD0307C}</a:tableStyleId>
+              </a:tblPr>
+              <a:tblGrid>
+                <a:gridCol w="3352800">
+                  <a:extLst>
+                    <a:ext uri="{9D8B030D-6E8A-4147-A177-3AD203B41FA5}">
+                      <a16:colId xmlns:a16="http://schemas.microsoft.com/office/drawing/2014/main" val="3623029985"/>
+                    </a:ext>
+                  </a:extLst>
+                </a:gridCol>
+                <a:gridCol w="5562600">
+                  <a:extLst>
+                    <a:ext uri="{9D8B030D-6E8A-4147-A177-3AD203B41FA5}">
+                      <a16:colId xmlns:a16="http://schemas.microsoft.com/office/drawing/2014/main" val="4294323797"/>
+                    </a:ext>
+                  </a:extLst>
+                </a:gridCol>
+              </a:tblGrid>
+              <a:tr h="826506">
+                <a:tc>
+                  <a:txBody>
+                    <a:bodyPr/>
+                    <a:lstStyle/>
+                    <a:p>
+                      <a:pPr algn="r" rtl="0" fontAlgn="t">
+                        <a:spcBef>
+                          <a:spcPts val="0"/>
+                        </a:spcBef>
+                        <a:spcAft>
+                          <a:spcPts val="0"/>
+                        </a:spcAft>
+                      </a:pPr>
+                      <a:r>
+                        <a:rPr lang="en-US" sz="4000" b="1" dirty="0">
+                          <a:solidFill>
+                            <a:srgbClr val="009EC0"/>
+                          </a:solidFill>
+                          <a:effectLst/>
+                          <a:latin typeface="+mj-lt"/>
+                        </a:rPr>
+                        <a:t>Theme</a:t>
+                      </a:r>
+                    </a:p>
+                  </a:txBody>
+                  <a:tcPr marL="182880" marR="182880" marT="63500" marB="63500" anchor="b">
+                    <a:lnR w="3175" cap="flat" cmpd="sng" algn="ctr">
+                      <a:solidFill>
+                        <a:schemeClr val="tx1">
+                          <a:lumMod val="65000"/>
+                        </a:schemeClr>
+                      </a:solidFill>
+                      <a:prstDash val="solid"/>
+                      <a:round/>
+                      <a:headEnd type="none" w="med" len="med"/>
+                      <a:tailEnd type="none" w="med" len="med"/>
+                    </a:lnR>
+                  </a:tcPr>
+                </a:tc>
+                <a:tc>
+                  <a:txBody>
+                    <a:bodyPr/>
+                    <a:lstStyle/>
+                    <a:p>
+                      <a:pPr rtl="0" fontAlgn="t">
+                        <a:spcBef>
+                          <a:spcPts val="0"/>
+                        </a:spcBef>
+                        <a:spcAft>
+                          <a:spcPts val="0"/>
+                        </a:spcAft>
+                      </a:pPr>
+                      <a:r>
+                        <a:rPr lang="en-US" sz="4000" b="1" dirty="0">
+                          <a:solidFill>
+                            <a:schemeClr val="tx1"/>
+                          </a:solidFill>
+                          <a:effectLst/>
+                          <a:latin typeface="+mj-lt"/>
+                        </a:rPr>
+                        <a:t>Matthew 27</a:t>
+                      </a:r>
+                    </a:p>
+                  </a:txBody>
+                  <a:tcPr marL="182880" marR="182880" marT="63500" marB="63500" anchor="b">
+                    <a:lnL w="3175" cap="flat" cmpd="sng" algn="ctr">
+                      <a:solidFill>
+                        <a:schemeClr val="tx1">
+                          <a:lumMod val="65000"/>
+                        </a:schemeClr>
+                      </a:solidFill>
+                      <a:prstDash val="solid"/>
+                      <a:round/>
+                      <a:headEnd type="none" w="med" len="med"/>
+                      <a:tailEnd type="none" w="med" len="med"/>
+                    </a:lnL>
+                  </a:tcPr>
+                </a:tc>
+                <a:extLst>
+                  <a:ext uri="{0D108BD9-81ED-4DB2-BD59-A6C34878D82A}">
+                    <a16:rowId xmlns:a16="http://schemas.microsoft.com/office/drawing/2014/main" val="1136906228"/>
+                  </a:ext>
+                </a:extLst>
+              </a:tr>
+              <a:tr h="0">
+                <a:tc>
+                  <a:txBody>
+                    <a:bodyPr/>
+                    <a:lstStyle/>
+                    <a:p>
+                      <a:pPr algn="r" rtl="0" fontAlgn="t">
+                        <a:spcBef>
+                          <a:spcPts val="0"/>
+                        </a:spcBef>
+                        <a:spcAft>
+                          <a:spcPts val="0"/>
+                        </a:spcAft>
+                      </a:pPr>
+                      <a:r>
+                        <a:rPr lang="en-US" sz="2400" b="0" i="0" u="none" strike="noStrike" dirty="0">
+                          <a:solidFill>
+                            <a:srgbClr val="009EC0"/>
+                          </a:solidFill>
+                          <a:effectLst/>
+                          <a:latin typeface="+mj-lt"/>
+                        </a:rPr>
+                        <a:t>Leadership (shepherds)</a:t>
+                      </a:r>
+                      <a:endParaRPr lang="en-US" sz="2400" b="0" dirty="0">
+                        <a:solidFill>
+                          <a:srgbClr val="009EC0"/>
+                        </a:solidFill>
+                        <a:effectLst/>
+                        <a:latin typeface="+mj-lt"/>
+                      </a:endParaRPr>
+                    </a:p>
+                  </a:txBody>
+                  <a:tcPr marL="182880" marR="182880" marT="274320" marB="274320">
+                    <a:lnR w="3175" cap="flat" cmpd="sng" algn="ctr">
+                      <a:solidFill>
+                        <a:schemeClr val="tx1">
+                          <a:lumMod val="65000"/>
+                        </a:schemeClr>
+                      </a:solidFill>
+                      <a:prstDash val="solid"/>
+                      <a:round/>
+                      <a:headEnd type="none" w="med" len="med"/>
+                      <a:tailEnd type="none" w="med" len="med"/>
+                    </a:lnR>
+                  </a:tcPr>
+                </a:tc>
+                <a:tc>
+                  <a:txBody>
+                    <a:bodyPr/>
+                    <a:lstStyle/>
+                    <a:p>
+                      <a:pPr rtl="0" fontAlgn="t">
+                        <a:spcBef>
+                          <a:spcPts val="0"/>
+                        </a:spcBef>
+                        <a:spcAft>
+                          <a:spcPts val="0"/>
+                        </a:spcAft>
+                      </a:pPr>
+                      <a:r>
+                        <a:rPr lang="en-US" sz="2400" b="0" i="0" u="none" strike="noStrike" dirty="0">
+                          <a:solidFill>
+                            <a:schemeClr val="tx1"/>
+                          </a:solidFill>
+                          <a:effectLst/>
+                          <a:latin typeface="+mj-lt"/>
+                        </a:rPr>
+                        <a:t>Leadership has turned on Jesus</a:t>
+                      </a:r>
+                      <a:endParaRPr lang="en-US" sz="2400" dirty="0">
+                        <a:solidFill>
+                          <a:schemeClr val="tx1"/>
+                        </a:solidFill>
+                        <a:effectLst/>
+                        <a:latin typeface="+mj-lt"/>
+                      </a:endParaRPr>
+                    </a:p>
+                  </a:txBody>
+                  <a:tcPr marL="182880" marR="182880" marT="274320" marB="274320">
+                    <a:lnL w="3175" cap="flat" cmpd="sng" algn="ctr">
+                      <a:solidFill>
+                        <a:schemeClr val="tx1">
+                          <a:lumMod val="65000"/>
+                        </a:schemeClr>
+                      </a:solidFill>
+                      <a:prstDash val="solid"/>
+                      <a:round/>
+                      <a:headEnd type="none" w="med" len="med"/>
+                      <a:tailEnd type="none" w="med" len="med"/>
+                    </a:lnL>
+                  </a:tcPr>
+                </a:tc>
+                <a:extLst>
+                  <a:ext uri="{0D108BD9-81ED-4DB2-BD59-A6C34878D82A}">
+                    <a16:rowId xmlns:a16="http://schemas.microsoft.com/office/drawing/2014/main" val="3592000535"/>
+                  </a:ext>
+                </a:extLst>
+              </a:tr>
+              <a:tr h="0">
+                <a:tc>
+                  <a:txBody>
+                    <a:bodyPr/>
+                    <a:lstStyle/>
+                    <a:p>
+                      <a:pPr algn="r" rtl="0" fontAlgn="t">
+                        <a:spcBef>
+                          <a:spcPts val="0"/>
+                        </a:spcBef>
+                        <a:spcAft>
+                          <a:spcPts val="0"/>
+                        </a:spcAft>
+                      </a:pPr>
+                      <a:r>
+                        <a:rPr lang="en-US" sz="2400" b="0" i="0" u="none" strike="noStrike" dirty="0">
+                          <a:solidFill>
+                            <a:srgbClr val="009EC0"/>
+                          </a:solidFill>
+                          <a:effectLst/>
+                          <a:latin typeface="+mj-lt"/>
+                        </a:rPr>
+                        <a:t>Pottery/potter</a:t>
+                      </a:r>
+                      <a:endParaRPr lang="en-US" sz="2400" b="0" dirty="0">
+                        <a:solidFill>
+                          <a:srgbClr val="009EC0"/>
+                        </a:solidFill>
+                        <a:effectLst/>
+                        <a:latin typeface="+mj-lt"/>
+                      </a:endParaRPr>
+                    </a:p>
+                  </a:txBody>
+                  <a:tcPr marL="182880" marR="182880" marT="274320" marB="274320">
+                    <a:lnR w="3175" cap="flat" cmpd="sng" algn="ctr">
+                      <a:solidFill>
+                        <a:schemeClr val="tx1">
+                          <a:lumMod val="65000"/>
+                        </a:schemeClr>
+                      </a:solidFill>
+                      <a:prstDash val="solid"/>
+                      <a:round/>
+                      <a:headEnd type="none" w="med" len="med"/>
+                      <a:tailEnd type="none" w="med" len="med"/>
+                    </a:lnR>
+                  </a:tcPr>
+                </a:tc>
+                <a:tc>
+                  <a:txBody>
+                    <a:bodyPr/>
+                    <a:lstStyle/>
+                    <a:p>
+                      <a:pPr rtl="0" fontAlgn="t">
+                        <a:spcBef>
+                          <a:spcPts val="0"/>
+                        </a:spcBef>
+                        <a:spcAft>
+                          <a:spcPts val="0"/>
+                        </a:spcAft>
+                      </a:pPr>
+                      <a:r>
+                        <a:rPr lang="en-US" sz="2400" dirty="0">
+                          <a:solidFill>
+                            <a:schemeClr val="tx1"/>
+                          </a:solidFill>
+                          <a:effectLst/>
+                          <a:latin typeface="+mj-lt"/>
+                        </a:rPr>
+                        <a:t>Money used for potter’s field</a:t>
+                      </a:r>
+                    </a:p>
+                  </a:txBody>
+                  <a:tcPr marL="182880" marR="182880" marT="274320" marB="274320">
+                    <a:lnL w="3175" cap="flat" cmpd="sng" algn="ctr">
+                      <a:solidFill>
+                        <a:schemeClr val="tx1">
+                          <a:lumMod val="65000"/>
+                        </a:schemeClr>
+                      </a:solidFill>
+                      <a:prstDash val="solid"/>
+                      <a:round/>
+                      <a:headEnd type="none" w="med" len="med"/>
+                      <a:tailEnd type="none" w="med" len="med"/>
+                    </a:lnL>
+                  </a:tcPr>
+                </a:tc>
+                <a:extLst>
+                  <a:ext uri="{0D108BD9-81ED-4DB2-BD59-A6C34878D82A}">
+                    <a16:rowId xmlns:a16="http://schemas.microsoft.com/office/drawing/2014/main" val="2330484482"/>
+                  </a:ext>
+                </a:extLst>
+              </a:tr>
+              <a:tr h="0">
+                <a:tc>
+                  <a:txBody>
+                    <a:bodyPr/>
+                    <a:lstStyle/>
+                    <a:p>
+                      <a:pPr marL="0" algn="r" defTabSz="914400" rtl="0" eaLnBrk="1" fontAlgn="t" latinLnBrk="0" hangingPunct="1">
+                        <a:spcBef>
+                          <a:spcPts val="0"/>
+                        </a:spcBef>
+                        <a:spcAft>
+                          <a:spcPts val="0"/>
+                        </a:spcAft>
+                      </a:pPr>
+                      <a:r>
+                        <a:rPr lang="en-US" sz="2400" b="0" dirty="0">
+                          <a:solidFill>
+                            <a:srgbClr val="009EC0"/>
+                          </a:solidFill>
+                          <a:effectLst/>
+                          <a:latin typeface="+mj-lt"/>
+                        </a:rPr>
+                        <a:t>Value</a:t>
+                      </a:r>
+                    </a:p>
+                  </a:txBody>
+                  <a:tcPr marL="182880" marR="182880" marT="274320" marB="274320">
+                    <a:lnR w="3175" cap="flat" cmpd="sng" algn="ctr">
+                      <a:solidFill>
+                        <a:schemeClr val="tx1">
+                          <a:lumMod val="65000"/>
+                        </a:schemeClr>
+                      </a:solidFill>
+                      <a:prstDash val="solid"/>
+                      <a:round/>
+                      <a:headEnd type="none" w="med" len="med"/>
+                      <a:tailEnd type="none" w="med" len="med"/>
+                    </a:lnR>
+                  </a:tcPr>
+                </a:tc>
+                <a:tc>
+                  <a:txBody>
+                    <a:bodyPr/>
+                    <a:lstStyle/>
+                    <a:p>
+                      <a:pPr rtl="0" fontAlgn="t">
+                        <a:spcBef>
+                          <a:spcPts val="0"/>
+                        </a:spcBef>
+                        <a:spcAft>
+                          <a:spcPts val="0"/>
+                        </a:spcAft>
+                      </a:pPr>
+                      <a:r>
+                        <a:rPr lang="en-US" sz="2400" b="0" i="0" u="none" strike="noStrike" kern="1200" dirty="0">
+                          <a:solidFill>
+                            <a:schemeClr val="tx1"/>
+                          </a:solidFill>
+                          <a:effectLst/>
+                          <a:latin typeface="+mn-lt"/>
+                          <a:ea typeface="+mn-ea"/>
+                          <a:cs typeface="+mn-cs"/>
+                        </a:rPr>
+                        <a:t>Jesus is sold for 30 pieces</a:t>
+                      </a:r>
+                      <a:endParaRPr lang="en-US" sz="2400" dirty="0">
+                        <a:solidFill>
+                          <a:schemeClr val="tx1"/>
+                        </a:solidFill>
+                        <a:effectLst/>
+                        <a:latin typeface="+mj-lt"/>
+                      </a:endParaRPr>
+                    </a:p>
+                  </a:txBody>
+                  <a:tcPr marL="182880" marR="182880" marT="274320" marB="274320">
+                    <a:lnL w="3175" cap="flat" cmpd="sng" algn="ctr">
+                      <a:solidFill>
+                        <a:schemeClr val="tx1">
+                          <a:lumMod val="65000"/>
+                        </a:schemeClr>
+                      </a:solidFill>
+                      <a:prstDash val="solid"/>
+                      <a:round/>
+                      <a:headEnd type="none" w="med" len="med"/>
+                      <a:tailEnd type="none" w="med" len="med"/>
+                    </a:lnL>
+                  </a:tcPr>
+                </a:tc>
+                <a:extLst>
+                  <a:ext uri="{0D108BD9-81ED-4DB2-BD59-A6C34878D82A}">
+                    <a16:rowId xmlns:a16="http://schemas.microsoft.com/office/drawing/2014/main" val="1564031315"/>
+                  </a:ext>
+                </a:extLst>
+              </a:tr>
+              <a:tr h="0">
+                <a:tc>
+                  <a:txBody>
+                    <a:bodyPr/>
+                    <a:lstStyle/>
+                    <a:p>
+                      <a:pPr algn="r" rtl="0" fontAlgn="t">
+                        <a:spcBef>
+                          <a:spcPts val="0"/>
+                        </a:spcBef>
+                        <a:spcAft>
+                          <a:spcPts val="0"/>
+                        </a:spcAft>
+                      </a:pPr>
+                      <a:r>
+                        <a:rPr lang="en-US" sz="2400" b="0" dirty="0">
+                          <a:solidFill>
+                            <a:srgbClr val="009EC0"/>
+                          </a:solidFill>
+                          <a:effectLst/>
+                          <a:latin typeface="+mj-lt"/>
+                        </a:rPr>
+                        <a:t>Judgment</a:t>
+                      </a:r>
+                    </a:p>
+                  </a:txBody>
+                  <a:tcPr marL="182880" marR="182880" marT="274320" marB="274320">
+                    <a:lnR w="3175" cap="flat" cmpd="sng" algn="ctr">
+                      <a:solidFill>
+                        <a:schemeClr val="tx1">
+                          <a:lumMod val="65000"/>
+                        </a:schemeClr>
+                      </a:solidFill>
+                      <a:prstDash val="solid"/>
+                      <a:round/>
+                      <a:headEnd type="none" w="med" len="med"/>
+                      <a:tailEnd type="none" w="med" len="med"/>
+                    </a:lnR>
+                  </a:tcPr>
+                </a:tc>
+                <a:tc>
+                  <a:txBody>
+                    <a:bodyPr/>
+                    <a:lstStyle/>
+                    <a:p>
+                      <a:pPr rtl="0" fontAlgn="t">
+                        <a:spcBef>
+                          <a:spcPts val="0"/>
+                        </a:spcBef>
+                        <a:spcAft>
+                          <a:spcPts val="0"/>
+                        </a:spcAft>
+                      </a:pPr>
+                      <a:r>
+                        <a:rPr lang="en-US" sz="2300" b="0" i="0" u="none" strike="noStrike" kern="1200" dirty="0">
+                          <a:solidFill>
+                            <a:schemeClr val="tx1"/>
+                          </a:solidFill>
+                          <a:effectLst/>
+                          <a:latin typeface="+mn-lt"/>
+                          <a:ea typeface="+mn-ea"/>
+                          <a:cs typeface="+mn-cs"/>
+                        </a:rPr>
+                        <a:t>Judas / Jerusalem destined for destruction</a:t>
+                      </a:r>
+                      <a:endParaRPr lang="en-US" sz="2300" dirty="0">
+                        <a:solidFill>
+                          <a:schemeClr val="tx1"/>
+                        </a:solidFill>
+                        <a:effectLst/>
+                        <a:latin typeface="+mj-lt"/>
+                      </a:endParaRPr>
+                    </a:p>
+                  </a:txBody>
+                  <a:tcPr marL="182880" marR="182880" marT="274320" marB="274320">
+                    <a:lnL w="3175" cap="flat" cmpd="sng" algn="ctr">
+                      <a:solidFill>
+                        <a:schemeClr val="tx1">
+                          <a:lumMod val="65000"/>
+                        </a:schemeClr>
+                      </a:solidFill>
+                      <a:prstDash val="solid"/>
+                      <a:round/>
+                      <a:headEnd type="none" w="med" len="med"/>
+                      <a:tailEnd type="none" w="med" len="med"/>
+                    </a:lnL>
+                  </a:tcPr>
+                </a:tc>
+                <a:extLst>
+                  <a:ext uri="{0D108BD9-81ED-4DB2-BD59-A6C34878D82A}">
+                    <a16:rowId xmlns:a16="http://schemas.microsoft.com/office/drawing/2014/main" val="3045623234"/>
+                  </a:ext>
+                </a:extLst>
+              </a:tr>
+            </a:tbl>
+          </a:graphicData>
+        </a:graphic>
+      </p:graphicFrame>
     </p:spTree>
     <p:extLst>
       <p:ext uri="{BB962C8B-B14F-4D97-AF65-F5344CB8AC3E}">
-        <p14:creationId xmlns:p14="http://schemas.microsoft.com/office/powerpoint/2010/main" val="3848006672"/>
+        <p14:creationId xmlns:p14="http://schemas.microsoft.com/office/powerpoint/2010/main" val="3127358521"/>
       </p:ext>
     </p:extLst>
   </p:cSld>
@@ -5642,7 +10165,7 @@
           <a:p>
             <a:r>
               <a:rPr lang="en-US" dirty="0"/>
-              <a:t>Matthew 13:14 / Isaiah 6:9-10</a:t>
+              <a:t>Matthew 2:15 / Hosea 11:1</a:t>
             </a:r>
           </a:p>
         </p:txBody>
@@ -5664,7 +10187,7 @@
           <a:p>
             <a:r>
               <a:rPr lang="en-US" dirty="0"/>
-              <a:t>8</a:t>
+              <a:t>2</a:t>
             </a:r>
           </a:p>
         </p:txBody>
@@ -5672,7 +10195,7 @@
     </p:spTree>
     <p:extLst>
       <p:ext uri="{BB962C8B-B14F-4D97-AF65-F5344CB8AC3E}">
-        <p14:creationId xmlns:p14="http://schemas.microsoft.com/office/powerpoint/2010/main" val="1757257959"/>
+        <p14:creationId xmlns:p14="http://schemas.microsoft.com/office/powerpoint/2010/main" val="439643971"/>
       </p:ext>
     </p:extLst>
   </p:cSld>

--- a/companion-website/public/files/19. Out of Context I Called My Prophecy.pptx
+++ b/companion-website/public/files/19. Out of Context I Called My Prophecy.pptx
@@ -5,7 +5,7 @@
     <p:sldMasterId id="2147483648" r:id="rId1"/>
   </p:sldMasterIdLst>
   <p:notesMasterIdLst>
-    <p:notesMasterId r:id="rId22"/>
+    <p:notesMasterId r:id="rId23"/>
   </p:notesMasterIdLst>
   <p:sldIdLst>
     <p:sldId id="275" r:id="rId2"/>
@@ -28,6 +28,7 @@
     <p:sldId id="459" r:id="rId19"/>
     <p:sldId id="450" r:id="rId20"/>
     <p:sldId id="451" r:id="rId21"/>
+    <p:sldId id="455" r:id="rId22"/>
   </p:sldIdLst>
   <p:sldSz cx="9144000" cy="6858000" type="screen4x3"/>
   <p:notesSz cx="6858000" cy="9144000"/>
@@ -492,6 +493,90 @@
     </a:lvl9pPr>
   </p:notesStyle>
 </p:notesMaster>
+</file>
+
+<file path=ppt/notesSlides/notesSlide1.xml><?xml version="1.0" encoding="utf-8"?>
+<p:notes xmlns:a="http://schemas.openxmlformats.org/drawingml/2006/main" xmlns:r="http://schemas.openxmlformats.org/officeDocument/2006/relationships" xmlns:p="http://schemas.openxmlformats.org/presentationml/2006/main">
+  <p:cSld>
+    <p:spTree>
+      <p:nvGrpSpPr>
+        <p:cNvPr id="1" name=""/>
+        <p:cNvGrpSpPr/>
+        <p:nvPr/>
+      </p:nvGrpSpPr>
+      <p:grpSpPr>
+        <a:xfrm>
+          <a:off x="0" y="0"/>
+          <a:ext cx="0" cy="0"/>
+          <a:chOff x="0" y="0"/>
+          <a:chExt cx="0" cy="0"/>
+        </a:xfrm>
+      </p:grpSpPr>
+      <p:sp>
+        <p:nvSpPr>
+          <p:cNvPr id="2" name="Slide Image Placeholder 1"/>
+          <p:cNvSpPr>
+            <a:spLocks noGrp="1" noRot="1" noChangeAspect="1"/>
+          </p:cNvSpPr>
+          <p:nvPr>
+            <p:ph type="sldImg"/>
+          </p:nvPr>
+        </p:nvSpPr>
+        <p:spPr/>
+      </p:sp>
+      <p:sp>
+        <p:nvSpPr>
+          <p:cNvPr id="3" name="Notes Placeholder 2"/>
+          <p:cNvSpPr>
+            <a:spLocks noGrp="1"/>
+          </p:cNvSpPr>
+          <p:nvPr>
+            <p:ph type="body" idx="1"/>
+          </p:nvPr>
+        </p:nvSpPr>
+        <p:spPr/>
+        <p:txBody>
+          <a:bodyPr/>
+          <a:lstStyle/>
+          <a:p>
+            <a:endParaRPr lang="en-US" dirty="0"/>
+          </a:p>
+        </p:txBody>
+      </p:sp>
+      <p:sp>
+        <p:nvSpPr>
+          <p:cNvPr id="4" name="Slide Number Placeholder 3"/>
+          <p:cNvSpPr>
+            <a:spLocks noGrp="1"/>
+          </p:cNvSpPr>
+          <p:nvPr>
+            <p:ph type="sldNum" sz="quarter" idx="10"/>
+          </p:nvPr>
+        </p:nvSpPr>
+        <p:spPr/>
+        <p:txBody>
+          <a:bodyPr/>
+          <a:lstStyle/>
+          <a:p>
+            <a:fld id="{0A2C3B37-55FA-284F-9E83-751B4EA6E9B4}" type="slidenum">
+              <a:rPr lang="en-US" smtClean="0"/>
+              <a:t>21</a:t>
+            </a:fld>
+            <a:endParaRPr lang="en-US"/>
+          </a:p>
+        </p:txBody>
+      </p:sp>
+    </p:spTree>
+    <p:extLst>
+      <p:ext uri="{BB962C8B-B14F-4D97-AF65-F5344CB8AC3E}">
+        <p14:creationId xmlns:p14="http://schemas.microsoft.com/office/powerpoint/2010/main" val="79895830"/>
+      </p:ext>
+    </p:extLst>
+  </p:cSld>
+  <p:clrMapOvr>
+    <a:masterClrMapping/>
+  </p:clrMapOvr>
+</p:notes>
 </file>
 
 <file path=ppt/slideLayouts/slideLayout1.xml><?xml version="1.0" encoding="utf-8"?>
@@ -7716,7 +7801,15 @@
             <a:p>
               <a:r>
                 <a:rPr lang="en-US" sz="2800" dirty="0"/>
-                <a:t>So that we are not swayed by arguments that assume the prophecies are taken out of context</a:t>
+                <a:t>So that we are not swayed by arguments that assume the prophecies are </a:t>
+              </a:r>
+              <a:r>
+                <a:rPr lang="en-US" sz="2800" b="1" dirty="0">
+                  <a:highlight>
+                    <a:srgbClr val="C00002"/>
+                  </a:highlight>
+                </a:rPr>
+                <a:t>taken out of context</a:t>
               </a:r>
             </a:p>
           </p:txBody>
@@ -7811,7 +7904,23 @@
             <a:p>
               <a:r>
                 <a:rPr lang="en-US" sz="2800" dirty="0"/>
-                <a:t>By showing that the fulfillments are not all simple 1-to-1 prophecies but often require significant contextual knowledge to understand the links</a:t>
+                <a:t>By showing that the fulfillments are not all simple 1-to-1 prophecies are sometimes require knowing </a:t>
+              </a:r>
+              <a:r>
+                <a:rPr lang="en-US" sz="2800" b="1" i="1" dirty="0">
+                  <a:highlight>
+                    <a:srgbClr val="C00002"/>
+                  </a:highlight>
+                </a:rPr>
+                <a:t>more</a:t>
+              </a:r>
+              <a:r>
+                <a:rPr lang="en-US" sz="2800" b="1" dirty="0">
+                  <a:highlight>
+                    <a:srgbClr val="C00002"/>
+                  </a:highlight>
+                </a:rPr>
+                <a:t> context</a:t>
               </a:r>
             </a:p>
           </p:txBody>
@@ -7834,7 +7943,7 @@
         <p:spPr>
           <a:xfrm>
             <a:off x="1373874" y="1669464"/>
-            <a:ext cx="0" cy="4197936"/>
+            <a:ext cx="0" cy="4363731"/>
           </a:xfrm>
           <a:prstGeom prst="line">
             <a:avLst/>
@@ -8273,6 +8382,835 @@
   <p:clrMapOvr>
     <a:masterClrMapping/>
   </p:clrMapOvr>
+</p:sld>
+</file>
+
+<file path=ppt/slides/slide21.xml><?xml version="1.0" encoding="utf-8"?>
+<p:sld xmlns:a="http://schemas.openxmlformats.org/drawingml/2006/main" xmlns:r="http://schemas.openxmlformats.org/officeDocument/2006/relationships" xmlns:p="http://schemas.openxmlformats.org/presentationml/2006/main">
+  <p:cSld>
+    <p:spTree>
+      <p:nvGrpSpPr>
+        <p:cNvPr id="1" name=""/>
+        <p:cNvGrpSpPr/>
+        <p:nvPr/>
+      </p:nvGrpSpPr>
+      <p:grpSpPr>
+        <a:xfrm>
+          <a:off x="0" y="0"/>
+          <a:ext cx="0" cy="0"/>
+          <a:chOff x="0" y="0"/>
+          <a:chExt cx="0" cy="0"/>
+        </a:xfrm>
+      </p:grpSpPr>
+      <p:sp>
+        <p:nvSpPr>
+          <p:cNvPr id="6" name="TextBox 5"/>
+          <p:cNvSpPr txBox="1"/>
+          <p:nvPr/>
+        </p:nvSpPr>
+        <p:spPr>
+          <a:xfrm>
+            <a:off x="228600" y="152400"/>
+            <a:ext cx="8610600" cy="769441"/>
+          </a:xfrm>
+          <a:prstGeom prst="rect">
+            <a:avLst/>
+          </a:prstGeom>
+          <a:noFill/>
+        </p:spPr>
+        <p:txBody>
+          <a:bodyPr wrap="square" rtlCol="0">
+            <a:spAutoFit/>
+          </a:bodyPr>
+          <a:lstStyle/>
+          <a:p>
+            <a:r>
+              <a:rPr lang="en-US" sz="4400" b="1" dirty="0"/>
+              <a:t>Key Takeaways</a:t>
+            </a:r>
+          </a:p>
+        </p:txBody>
+      </p:sp>
+      <p:grpSp>
+        <p:nvGrpSpPr>
+          <p:cNvPr id="12" name="Group 11">
+            <a:extLst>
+              <a:ext uri="{FF2B5EF4-FFF2-40B4-BE49-F238E27FC236}">
+                <a16:creationId xmlns:a16="http://schemas.microsoft.com/office/drawing/2014/main" id="{9C7293A5-9F6A-4A42-B28F-77E682AEFD25}"/>
+              </a:ext>
+            </a:extLst>
+          </p:cNvPr>
+          <p:cNvGrpSpPr/>
+          <p:nvPr/>
+        </p:nvGrpSpPr>
+        <p:grpSpPr>
+          <a:xfrm>
+            <a:off x="533400" y="2895600"/>
+            <a:ext cx="8001000" cy="685800"/>
+            <a:chOff x="533400" y="2895600"/>
+            <a:chExt cx="8001000" cy="685800"/>
+          </a:xfrm>
+        </p:grpSpPr>
+        <p:sp>
+          <p:nvSpPr>
+            <p:cNvPr id="7" name="Oval 6">
+              <a:extLst>
+                <a:ext uri="{FF2B5EF4-FFF2-40B4-BE49-F238E27FC236}">
+                  <a16:creationId xmlns:a16="http://schemas.microsoft.com/office/drawing/2014/main" id="{536B79E8-7DCE-0445-821B-D0B03DF78CAA}"/>
+                </a:ext>
+              </a:extLst>
+            </p:cNvPr>
+            <p:cNvSpPr/>
+            <p:nvPr/>
+          </p:nvSpPr>
+          <p:spPr>
+            <a:xfrm>
+              <a:off x="533400" y="2895600"/>
+              <a:ext cx="685800" cy="685800"/>
+            </a:xfrm>
+            <a:prstGeom prst="ellipse">
+              <a:avLst/>
+            </a:prstGeom>
+            <a:solidFill>
+              <a:srgbClr val="009EC0"/>
+            </a:solidFill>
+            <a:ln>
+              <a:noFill/>
+            </a:ln>
+          </p:spPr>
+          <p:style>
+            <a:lnRef idx="2">
+              <a:schemeClr val="accent1">
+                <a:shade val="50000"/>
+              </a:schemeClr>
+            </a:lnRef>
+            <a:fillRef idx="1">
+              <a:schemeClr val="accent1"/>
+            </a:fillRef>
+            <a:effectRef idx="0">
+              <a:schemeClr val="accent1"/>
+            </a:effectRef>
+            <a:fontRef idx="minor">
+              <a:schemeClr val="lt1"/>
+            </a:fontRef>
+          </p:style>
+          <p:txBody>
+            <a:bodyPr rtlCol="0" anchor="ctr"/>
+            <a:lstStyle/>
+            <a:p>
+              <a:pPr algn="ctr"/>
+              <a:r>
+                <a:rPr lang="en-US" sz="2800" dirty="0">
+                  <a:solidFill>
+                    <a:schemeClr val="tx1"/>
+                  </a:solidFill>
+                </a:rPr>
+                <a:t>2</a:t>
+              </a:r>
+            </a:p>
+          </p:txBody>
+        </p:sp>
+        <p:sp>
+          <p:nvSpPr>
+            <p:cNvPr id="4" name="Rectangle 3">
+              <a:extLst>
+                <a:ext uri="{FF2B5EF4-FFF2-40B4-BE49-F238E27FC236}">
+                  <a16:creationId xmlns:a16="http://schemas.microsoft.com/office/drawing/2014/main" id="{8330B7FE-A318-9845-8F59-02267667CECB}"/>
+                </a:ext>
+              </a:extLst>
+            </p:cNvPr>
+            <p:cNvSpPr/>
+            <p:nvPr/>
+          </p:nvSpPr>
+          <p:spPr>
+            <a:xfrm>
+              <a:off x="1447800" y="2895600"/>
+              <a:ext cx="7086600" cy="685800"/>
+            </a:xfrm>
+            <a:prstGeom prst="rect">
+              <a:avLst/>
+            </a:prstGeom>
+            <a:noFill/>
+            <a:ln>
+              <a:noFill/>
+            </a:ln>
+          </p:spPr>
+          <p:style>
+            <a:lnRef idx="2">
+              <a:schemeClr val="accent1">
+                <a:shade val="50000"/>
+              </a:schemeClr>
+            </a:lnRef>
+            <a:fillRef idx="1">
+              <a:schemeClr val="accent1"/>
+            </a:fillRef>
+            <a:effectRef idx="0">
+              <a:schemeClr val="accent1"/>
+            </a:effectRef>
+            <a:fontRef idx="minor">
+              <a:schemeClr val="lt1"/>
+            </a:fontRef>
+          </p:style>
+          <p:txBody>
+            <a:bodyPr rtlCol="0" anchor="ctr"/>
+            <a:lstStyle/>
+            <a:p>
+              <a:r>
+                <a:rPr lang="en-US" sz="2400" dirty="0">
+                  <a:solidFill>
+                    <a:schemeClr val="tx1"/>
+                  </a:solidFill>
+                </a:rPr>
+                <a:t>Don’t give up quickly, some of the fulfillments </a:t>
+              </a:r>
+              <a:r>
+                <a:rPr lang="en-US" sz="2400" b="1" dirty="0">
+                  <a:solidFill>
+                    <a:schemeClr val="tx1"/>
+                  </a:solidFill>
+                  <a:highlight>
+                    <a:srgbClr val="C00002"/>
+                  </a:highlight>
+                </a:rPr>
+                <a:t>require lots of context</a:t>
+              </a:r>
+              <a:r>
+                <a:rPr lang="en-US" sz="2400" dirty="0">
+                  <a:solidFill>
+                    <a:schemeClr val="tx1"/>
+                  </a:solidFill>
+                </a:rPr>
+                <a:t>; expect open questions</a:t>
+              </a:r>
+            </a:p>
+          </p:txBody>
+        </p:sp>
+      </p:grpSp>
+      <p:grpSp>
+        <p:nvGrpSpPr>
+          <p:cNvPr id="9" name="Group 8">
+            <a:extLst>
+              <a:ext uri="{FF2B5EF4-FFF2-40B4-BE49-F238E27FC236}">
+                <a16:creationId xmlns:a16="http://schemas.microsoft.com/office/drawing/2014/main" id="{55676BE1-B42E-AD44-9DD5-FF20BEB47F36}"/>
+              </a:ext>
+            </a:extLst>
+          </p:cNvPr>
+          <p:cNvGrpSpPr/>
+          <p:nvPr/>
+        </p:nvGrpSpPr>
+        <p:grpSpPr>
+          <a:xfrm>
+            <a:off x="533400" y="1833265"/>
+            <a:ext cx="8001000" cy="685800"/>
+            <a:chOff x="533400" y="1833265"/>
+            <a:chExt cx="8001000" cy="685800"/>
+          </a:xfrm>
+        </p:grpSpPr>
+        <p:sp>
+          <p:nvSpPr>
+            <p:cNvPr id="2" name="Oval 1">
+              <a:extLst>
+                <a:ext uri="{FF2B5EF4-FFF2-40B4-BE49-F238E27FC236}">
+                  <a16:creationId xmlns:a16="http://schemas.microsoft.com/office/drawing/2014/main" id="{876D5A54-0C8D-804B-88A0-6609A2C1405C}"/>
+                </a:ext>
+              </a:extLst>
+            </p:cNvPr>
+            <p:cNvSpPr/>
+            <p:nvPr/>
+          </p:nvSpPr>
+          <p:spPr>
+            <a:xfrm>
+              <a:off x="533400" y="1833265"/>
+              <a:ext cx="685800" cy="685800"/>
+            </a:xfrm>
+            <a:prstGeom prst="ellipse">
+              <a:avLst/>
+            </a:prstGeom>
+            <a:solidFill>
+              <a:srgbClr val="009EC0"/>
+            </a:solidFill>
+            <a:ln>
+              <a:noFill/>
+            </a:ln>
+          </p:spPr>
+          <p:style>
+            <a:lnRef idx="2">
+              <a:schemeClr val="accent1">
+                <a:shade val="50000"/>
+              </a:schemeClr>
+            </a:lnRef>
+            <a:fillRef idx="1">
+              <a:schemeClr val="accent1"/>
+            </a:fillRef>
+            <a:effectRef idx="0">
+              <a:schemeClr val="accent1"/>
+            </a:effectRef>
+            <a:fontRef idx="minor">
+              <a:schemeClr val="lt1"/>
+            </a:fontRef>
+          </p:style>
+          <p:txBody>
+            <a:bodyPr rtlCol="0" anchor="ctr"/>
+            <a:lstStyle/>
+            <a:p>
+              <a:pPr algn="ctr"/>
+              <a:r>
+                <a:rPr lang="en-US" sz="2800" dirty="0">
+                  <a:solidFill>
+                    <a:schemeClr val="tx1"/>
+                  </a:solidFill>
+                </a:rPr>
+                <a:t>1</a:t>
+              </a:r>
+            </a:p>
+          </p:txBody>
+        </p:sp>
+        <p:sp>
+          <p:nvSpPr>
+            <p:cNvPr id="10" name="Rectangle 9">
+              <a:extLst>
+                <a:ext uri="{FF2B5EF4-FFF2-40B4-BE49-F238E27FC236}">
+                  <a16:creationId xmlns:a16="http://schemas.microsoft.com/office/drawing/2014/main" id="{312C2DC5-5653-DC4B-98A2-76A0B8F08883}"/>
+                </a:ext>
+              </a:extLst>
+            </p:cNvPr>
+            <p:cNvSpPr/>
+            <p:nvPr/>
+          </p:nvSpPr>
+          <p:spPr>
+            <a:xfrm>
+              <a:off x="1447800" y="1833265"/>
+              <a:ext cx="7086600" cy="685800"/>
+            </a:xfrm>
+            <a:prstGeom prst="rect">
+              <a:avLst/>
+            </a:prstGeom>
+            <a:noFill/>
+            <a:ln>
+              <a:noFill/>
+            </a:ln>
+          </p:spPr>
+          <p:style>
+            <a:lnRef idx="2">
+              <a:schemeClr val="accent1">
+                <a:shade val="50000"/>
+              </a:schemeClr>
+            </a:lnRef>
+            <a:fillRef idx="1">
+              <a:schemeClr val="accent1"/>
+            </a:fillRef>
+            <a:effectRef idx="0">
+              <a:schemeClr val="accent1"/>
+            </a:effectRef>
+            <a:fontRef idx="minor">
+              <a:schemeClr val="lt1"/>
+            </a:fontRef>
+          </p:style>
+          <p:txBody>
+            <a:bodyPr rtlCol="0" anchor="ctr"/>
+            <a:lstStyle/>
+            <a:p>
+              <a:r>
+                <a:rPr lang="en-US" sz="2400" dirty="0">
+                  <a:solidFill>
+                    <a:schemeClr val="tx1"/>
+                  </a:solidFill>
+                </a:rPr>
+                <a:t>Prophecy fulfillments come in a </a:t>
+              </a:r>
+              <a:r>
+                <a:rPr lang="en-US" sz="2400" b="1" dirty="0">
+                  <a:solidFill>
+                    <a:schemeClr val="tx1"/>
+                  </a:solidFill>
+                  <a:highlight>
+                    <a:srgbClr val="C00002"/>
+                  </a:highlight>
+                </a:rPr>
+                <a:t>variety of forms</a:t>
+              </a:r>
+            </a:p>
+          </p:txBody>
+        </p:sp>
+      </p:grpSp>
+      <p:grpSp>
+        <p:nvGrpSpPr>
+          <p:cNvPr id="14" name="Group 13">
+            <a:extLst>
+              <a:ext uri="{FF2B5EF4-FFF2-40B4-BE49-F238E27FC236}">
+                <a16:creationId xmlns:a16="http://schemas.microsoft.com/office/drawing/2014/main" id="{F0A87E3B-646D-1E41-9334-E8ECC604DF38}"/>
+              </a:ext>
+            </a:extLst>
+          </p:cNvPr>
+          <p:cNvGrpSpPr/>
+          <p:nvPr/>
+        </p:nvGrpSpPr>
+        <p:grpSpPr>
+          <a:xfrm>
+            <a:off x="533400" y="3957935"/>
+            <a:ext cx="8001000" cy="685800"/>
+            <a:chOff x="533400" y="2895600"/>
+            <a:chExt cx="8001000" cy="685800"/>
+          </a:xfrm>
+        </p:grpSpPr>
+        <p:sp>
+          <p:nvSpPr>
+            <p:cNvPr id="15" name="Oval 14">
+              <a:extLst>
+                <a:ext uri="{FF2B5EF4-FFF2-40B4-BE49-F238E27FC236}">
+                  <a16:creationId xmlns:a16="http://schemas.microsoft.com/office/drawing/2014/main" id="{602F0422-D845-1E4E-A7C5-B2069A212A2E}"/>
+                </a:ext>
+              </a:extLst>
+            </p:cNvPr>
+            <p:cNvSpPr/>
+            <p:nvPr/>
+          </p:nvSpPr>
+          <p:spPr>
+            <a:xfrm>
+              <a:off x="533400" y="2895600"/>
+              <a:ext cx="685800" cy="685800"/>
+            </a:xfrm>
+            <a:prstGeom prst="ellipse">
+              <a:avLst/>
+            </a:prstGeom>
+            <a:solidFill>
+              <a:srgbClr val="009EC0"/>
+            </a:solidFill>
+            <a:ln>
+              <a:noFill/>
+            </a:ln>
+          </p:spPr>
+          <p:style>
+            <a:lnRef idx="2">
+              <a:schemeClr val="accent1">
+                <a:shade val="50000"/>
+              </a:schemeClr>
+            </a:lnRef>
+            <a:fillRef idx="1">
+              <a:schemeClr val="accent1"/>
+            </a:fillRef>
+            <a:effectRef idx="0">
+              <a:schemeClr val="accent1"/>
+            </a:effectRef>
+            <a:fontRef idx="minor">
+              <a:schemeClr val="lt1"/>
+            </a:fontRef>
+          </p:style>
+          <p:txBody>
+            <a:bodyPr rtlCol="0" anchor="ctr"/>
+            <a:lstStyle/>
+            <a:p>
+              <a:pPr algn="ctr"/>
+              <a:r>
+                <a:rPr lang="en-US" sz="2800" dirty="0">
+                  <a:solidFill>
+                    <a:schemeClr val="tx1"/>
+                  </a:solidFill>
+                </a:rPr>
+                <a:t>3</a:t>
+              </a:r>
+            </a:p>
+          </p:txBody>
+        </p:sp>
+        <p:sp>
+          <p:nvSpPr>
+            <p:cNvPr id="16" name="Rectangle 15">
+              <a:extLst>
+                <a:ext uri="{FF2B5EF4-FFF2-40B4-BE49-F238E27FC236}">
+                  <a16:creationId xmlns:a16="http://schemas.microsoft.com/office/drawing/2014/main" id="{93230A02-C278-BF4F-B7D5-75C53BF2251C}"/>
+                </a:ext>
+              </a:extLst>
+            </p:cNvPr>
+            <p:cNvSpPr/>
+            <p:nvPr/>
+          </p:nvSpPr>
+          <p:spPr>
+            <a:xfrm>
+              <a:off x="1447800" y="2895600"/>
+              <a:ext cx="7086600" cy="685800"/>
+            </a:xfrm>
+            <a:prstGeom prst="rect">
+              <a:avLst/>
+            </a:prstGeom>
+            <a:noFill/>
+            <a:ln>
+              <a:noFill/>
+            </a:ln>
+          </p:spPr>
+          <p:style>
+            <a:lnRef idx="2">
+              <a:schemeClr val="accent1">
+                <a:shade val="50000"/>
+              </a:schemeClr>
+            </a:lnRef>
+            <a:fillRef idx="1">
+              <a:schemeClr val="accent1"/>
+            </a:fillRef>
+            <a:effectRef idx="0">
+              <a:schemeClr val="accent1"/>
+            </a:effectRef>
+            <a:fontRef idx="minor">
+              <a:schemeClr val="lt1"/>
+            </a:fontRef>
+          </p:style>
+          <p:txBody>
+            <a:bodyPr rtlCol="0" anchor="ctr"/>
+            <a:lstStyle/>
+            <a:p>
+              <a:r>
+                <a:rPr lang="en-US" sz="2400" dirty="0">
+                  <a:solidFill>
+                    <a:schemeClr val="tx1"/>
+                  </a:solidFill>
+                </a:rPr>
+                <a:t>Some fulfillments make a better case for defending the Gospel than others</a:t>
+              </a:r>
+            </a:p>
+          </p:txBody>
+        </p:sp>
+      </p:grpSp>
+      <p:cxnSp>
+        <p:nvCxnSpPr>
+          <p:cNvPr id="8" name="Straight Connector 7">
+            <a:extLst>
+              <a:ext uri="{FF2B5EF4-FFF2-40B4-BE49-F238E27FC236}">
+                <a16:creationId xmlns:a16="http://schemas.microsoft.com/office/drawing/2014/main" id="{B1CE1C68-C736-2F42-AD3D-29FCB9A69CAD}"/>
+              </a:ext>
+            </a:extLst>
+          </p:cNvPr>
+          <p:cNvCxnSpPr>
+            <a:cxnSpLocks/>
+          </p:cNvCxnSpPr>
+          <p:nvPr/>
+        </p:nvCxnSpPr>
+        <p:spPr>
+          <a:xfrm>
+            <a:off x="304800" y="1066800"/>
+            <a:ext cx="8534400" cy="0"/>
+          </a:xfrm>
+          <a:prstGeom prst="line">
+            <a:avLst/>
+          </a:prstGeom>
+          <a:ln w="76200">
+            <a:solidFill>
+              <a:srgbClr val="009EC0"/>
+            </a:solidFill>
+          </a:ln>
+        </p:spPr>
+        <p:style>
+          <a:lnRef idx="1">
+            <a:schemeClr val="dk1"/>
+          </a:lnRef>
+          <a:fillRef idx="0">
+            <a:schemeClr val="dk1"/>
+          </a:fillRef>
+          <a:effectRef idx="0">
+            <a:schemeClr val="dk1"/>
+          </a:effectRef>
+          <a:fontRef idx="minor">
+            <a:schemeClr val="tx1"/>
+          </a:fontRef>
+        </p:style>
+      </p:cxnSp>
+    </p:spTree>
+    <p:extLst>
+      <p:ext uri="{BB962C8B-B14F-4D97-AF65-F5344CB8AC3E}">
+        <p14:creationId xmlns:p14="http://schemas.microsoft.com/office/powerpoint/2010/main" val="1560350112"/>
+      </p:ext>
+    </p:extLst>
+  </p:cSld>
+  <p:clrMapOvr>
+    <a:masterClrMapping/>
+  </p:clrMapOvr>
+  <p:timing>
+    <p:tnLst>
+      <p:par>
+        <p:cTn id="1" dur="indefinite" restart="never" nodeType="tmRoot">
+          <p:childTnLst>
+            <p:seq concurrent="1" nextAc="seek">
+              <p:cTn id="2" dur="indefinite" nodeType="mainSeq">
+                <p:childTnLst>
+                  <p:par>
+                    <p:cTn id="3" fill="hold">
+                      <p:stCondLst>
+                        <p:cond delay="indefinite"/>
+                      </p:stCondLst>
+                      <p:childTnLst>
+                        <p:par>
+                          <p:cTn id="4" fill="hold">
+                            <p:stCondLst>
+                              <p:cond delay="0"/>
+                            </p:stCondLst>
+                            <p:childTnLst>
+                              <p:par>
+                                <p:cTn id="5" presetID="10" presetClass="entr" presetSubtype="0" fill="hold" grpId="0" nodeType="clickEffect">
+                                  <p:stCondLst>
+                                    <p:cond delay="0"/>
+                                  </p:stCondLst>
+                                  <p:childTnLst>
+                                    <p:set>
+                                      <p:cBhvr>
+                                        <p:cTn id="6" dur="1" fill="hold">
+                                          <p:stCondLst>
+                                            <p:cond delay="0"/>
+                                          </p:stCondLst>
+                                        </p:cTn>
+                                        <p:tgtEl>
+                                          <p:spTgt spid="6"/>
+                                        </p:tgtEl>
+                                        <p:attrNameLst>
+                                          <p:attrName>style.visibility</p:attrName>
+                                        </p:attrNameLst>
+                                      </p:cBhvr>
+                                      <p:to>
+                                        <p:strVal val="visible"/>
+                                      </p:to>
+                                    </p:set>
+                                    <p:animEffect transition="in" filter="fade">
+                                      <p:cBhvr>
+                                        <p:cTn id="7" dur="250"/>
+                                        <p:tgtEl>
+                                          <p:spTgt spid="6"/>
+                                        </p:tgtEl>
+                                      </p:cBhvr>
+                                    </p:animEffect>
+                                  </p:childTnLst>
+                                </p:cTn>
+                              </p:par>
+                            </p:childTnLst>
+                          </p:cTn>
+                        </p:par>
+                        <p:par>
+                          <p:cTn id="8" fill="hold">
+                            <p:stCondLst>
+                              <p:cond delay="250"/>
+                            </p:stCondLst>
+                            <p:childTnLst>
+                              <p:par>
+                                <p:cTn id="9" presetID="10" presetClass="entr" presetSubtype="0" fill="hold" nodeType="afterEffect">
+                                  <p:stCondLst>
+                                    <p:cond delay="0"/>
+                                  </p:stCondLst>
+                                  <p:childTnLst>
+                                    <p:set>
+                                      <p:cBhvr>
+                                        <p:cTn id="10" dur="1" fill="hold">
+                                          <p:stCondLst>
+                                            <p:cond delay="0"/>
+                                          </p:stCondLst>
+                                        </p:cTn>
+                                        <p:tgtEl>
+                                          <p:spTgt spid="8"/>
+                                        </p:tgtEl>
+                                        <p:attrNameLst>
+                                          <p:attrName>style.visibility</p:attrName>
+                                        </p:attrNameLst>
+                                      </p:cBhvr>
+                                      <p:to>
+                                        <p:strVal val="visible"/>
+                                      </p:to>
+                                    </p:set>
+                                    <p:animEffect transition="in" filter="fade">
+                                      <p:cBhvr>
+                                        <p:cTn id="11" dur="250"/>
+                                        <p:tgtEl>
+                                          <p:spTgt spid="8"/>
+                                        </p:tgtEl>
+                                      </p:cBhvr>
+                                    </p:animEffect>
+                                  </p:childTnLst>
+                                </p:cTn>
+                              </p:par>
+                            </p:childTnLst>
+                          </p:cTn>
+                        </p:par>
+                      </p:childTnLst>
+                    </p:cTn>
+                  </p:par>
+                  <p:par>
+                    <p:cTn id="12" fill="hold">
+                      <p:stCondLst>
+                        <p:cond delay="indefinite"/>
+                      </p:stCondLst>
+                      <p:childTnLst>
+                        <p:par>
+                          <p:cTn id="13" fill="hold">
+                            <p:stCondLst>
+                              <p:cond delay="0"/>
+                            </p:stCondLst>
+                            <p:childTnLst>
+                              <p:par>
+                                <p:cTn id="14" presetID="10" presetClass="entr" presetSubtype="0" fill="hold" nodeType="clickEffect">
+                                  <p:stCondLst>
+                                    <p:cond delay="0"/>
+                                  </p:stCondLst>
+                                  <p:childTnLst>
+                                    <p:set>
+                                      <p:cBhvr>
+                                        <p:cTn id="15" dur="1" fill="hold">
+                                          <p:stCondLst>
+                                            <p:cond delay="0"/>
+                                          </p:stCondLst>
+                                        </p:cTn>
+                                        <p:tgtEl>
+                                          <p:spTgt spid="9"/>
+                                        </p:tgtEl>
+                                        <p:attrNameLst>
+                                          <p:attrName>style.visibility</p:attrName>
+                                        </p:attrNameLst>
+                                      </p:cBhvr>
+                                      <p:to>
+                                        <p:strVal val="visible"/>
+                                      </p:to>
+                                    </p:set>
+                                    <p:animEffect transition="in" filter="fade">
+                                      <p:cBhvr>
+                                        <p:cTn id="16" dur="250"/>
+                                        <p:tgtEl>
+                                          <p:spTgt spid="9"/>
+                                        </p:tgtEl>
+                                      </p:cBhvr>
+                                    </p:animEffect>
+                                  </p:childTnLst>
+                                </p:cTn>
+                              </p:par>
+                            </p:childTnLst>
+                          </p:cTn>
+                        </p:par>
+                      </p:childTnLst>
+                    </p:cTn>
+                  </p:par>
+                  <p:par>
+                    <p:cTn id="17" fill="hold">
+                      <p:stCondLst>
+                        <p:cond delay="indefinite"/>
+                      </p:stCondLst>
+                      <p:childTnLst>
+                        <p:par>
+                          <p:cTn id="18" fill="hold">
+                            <p:stCondLst>
+                              <p:cond delay="0"/>
+                            </p:stCondLst>
+                            <p:childTnLst>
+                              <p:par>
+                                <p:cTn id="19" presetID="10" presetClass="entr" presetSubtype="0" fill="hold" nodeType="clickEffect">
+                                  <p:stCondLst>
+                                    <p:cond delay="0"/>
+                                  </p:stCondLst>
+                                  <p:childTnLst>
+                                    <p:set>
+                                      <p:cBhvr>
+                                        <p:cTn id="20" dur="1" fill="hold">
+                                          <p:stCondLst>
+                                            <p:cond delay="0"/>
+                                          </p:stCondLst>
+                                        </p:cTn>
+                                        <p:tgtEl>
+                                          <p:spTgt spid="12"/>
+                                        </p:tgtEl>
+                                        <p:attrNameLst>
+                                          <p:attrName>style.visibility</p:attrName>
+                                        </p:attrNameLst>
+                                      </p:cBhvr>
+                                      <p:to>
+                                        <p:strVal val="visible"/>
+                                      </p:to>
+                                    </p:set>
+                                    <p:animEffect transition="in" filter="fade">
+                                      <p:cBhvr>
+                                        <p:cTn id="21" dur="250"/>
+                                        <p:tgtEl>
+                                          <p:spTgt spid="12"/>
+                                        </p:tgtEl>
+                                      </p:cBhvr>
+                                    </p:animEffect>
+                                  </p:childTnLst>
+                                </p:cTn>
+                              </p:par>
+                            </p:childTnLst>
+                          </p:cTn>
+                        </p:par>
+                      </p:childTnLst>
+                    </p:cTn>
+                  </p:par>
+                  <p:par>
+                    <p:cTn id="22" fill="hold">
+                      <p:stCondLst>
+                        <p:cond delay="indefinite"/>
+                      </p:stCondLst>
+                      <p:childTnLst>
+                        <p:par>
+                          <p:cTn id="23" fill="hold">
+                            <p:stCondLst>
+                              <p:cond delay="0"/>
+                            </p:stCondLst>
+                            <p:childTnLst>
+                              <p:par>
+                                <p:cTn id="24" presetID="10" presetClass="entr" presetSubtype="0" fill="hold" nodeType="clickEffect">
+                                  <p:stCondLst>
+                                    <p:cond delay="0"/>
+                                  </p:stCondLst>
+                                  <p:childTnLst>
+                                    <p:set>
+                                      <p:cBhvr>
+                                        <p:cTn id="25" dur="1" fill="hold">
+                                          <p:stCondLst>
+                                            <p:cond delay="0"/>
+                                          </p:stCondLst>
+                                        </p:cTn>
+                                        <p:tgtEl>
+                                          <p:spTgt spid="14"/>
+                                        </p:tgtEl>
+                                        <p:attrNameLst>
+                                          <p:attrName>style.visibility</p:attrName>
+                                        </p:attrNameLst>
+                                      </p:cBhvr>
+                                      <p:to>
+                                        <p:strVal val="visible"/>
+                                      </p:to>
+                                    </p:set>
+                                    <p:animEffect transition="in" filter="fade">
+                                      <p:cBhvr>
+                                        <p:cTn id="26" dur="250"/>
+                                        <p:tgtEl>
+                                          <p:spTgt spid="14"/>
+                                        </p:tgtEl>
+                                      </p:cBhvr>
+                                    </p:animEffect>
+                                  </p:childTnLst>
+                                </p:cTn>
+                              </p:par>
+                            </p:childTnLst>
+                          </p:cTn>
+                        </p:par>
+                      </p:childTnLst>
+                    </p:cTn>
+                  </p:par>
+                </p:childTnLst>
+              </p:cTn>
+              <p:prevCondLst>
+                <p:cond evt="onPrev" delay="0">
+                  <p:tgtEl>
+                    <p:sldTgt/>
+                  </p:tgtEl>
+                </p:cond>
+              </p:prevCondLst>
+              <p:nextCondLst>
+                <p:cond evt="onNext" delay="0">
+                  <p:tgtEl>
+                    <p:sldTgt/>
+                  </p:tgtEl>
+                </p:cond>
+              </p:nextCondLst>
+            </p:seq>
+          </p:childTnLst>
+        </p:cTn>
+      </p:par>
+    </p:tnLst>
+    <p:bldLst>
+      <p:bldP spid="6" grpId="0"/>
+    </p:bldLst>
+  </p:timing>
 </p:sld>
 </file>
 

--- a/companion-website/public/files/19. Out of Context I Called My Prophecy.pptx
+++ b/companion-website/public/files/19. Out of Context I Called My Prophecy.pptx
@@ -5,30 +5,33 @@
     <p:sldMasterId id="2147483648" r:id="rId1"/>
   </p:sldMasterIdLst>
   <p:notesMasterIdLst>
-    <p:notesMasterId r:id="rId23"/>
+    <p:notesMasterId r:id="rId26"/>
   </p:notesMasterIdLst>
   <p:sldIdLst>
     <p:sldId id="275" r:id="rId2"/>
     <p:sldId id="458" r:id="rId3"/>
-    <p:sldId id="438" r:id="rId4"/>
-    <p:sldId id="440" r:id="rId5"/>
-    <p:sldId id="449" r:id="rId6"/>
-    <p:sldId id="457" r:id="rId7"/>
-    <p:sldId id="460" r:id="rId8"/>
-    <p:sldId id="461" r:id="rId9"/>
-    <p:sldId id="439" r:id="rId10"/>
-    <p:sldId id="442" r:id="rId11"/>
-    <p:sldId id="448" r:id="rId12"/>
-    <p:sldId id="441" r:id="rId13"/>
-    <p:sldId id="443" r:id="rId14"/>
-    <p:sldId id="444" r:id="rId15"/>
-    <p:sldId id="445" r:id="rId16"/>
-    <p:sldId id="446" r:id="rId17"/>
-    <p:sldId id="447" r:id="rId18"/>
-    <p:sldId id="459" r:id="rId19"/>
-    <p:sldId id="450" r:id="rId20"/>
-    <p:sldId id="451" r:id="rId21"/>
-    <p:sldId id="455" r:id="rId22"/>
+    <p:sldId id="463" r:id="rId4"/>
+    <p:sldId id="438" r:id="rId5"/>
+    <p:sldId id="264" r:id="rId6"/>
+    <p:sldId id="440" r:id="rId7"/>
+    <p:sldId id="462" r:id="rId8"/>
+    <p:sldId id="449" r:id="rId9"/>
+    <p:sldId id="457" r:id="rId10"/>
+    <p:sldId id="460" r:id="rId11"/>
+    <p:sldId id="461" r:id="rId12"/>
+    <p:sldId id="439" r:id="rId13"/>
+    <p:sldId id="442" r:id="rId14"/>
+    <p:sldId id="448" r:id="rId15"/>
+    <p:sldId id="441" r:id="rId16"/>
+    <p:sldId id="443" r:id="rId17"/>
+    <p:sldId id="444" r:id="rId18"/>
+    <p:sldId id="445" r:id="rId19"/>
+    <p:sldId id="446" r:id="rId20"/>
+    <p:sldId id="447" r:id="rId21"/>
+    <p:sldId id="459" r:id="rId22"/>
+    <p:sldId id="450" r:id="rId23"/>
+    <p:sldId id="451" r:id="rId24"/>
+    <p:sldId id="455" r:id="rId25"/>
   </p:sldIdLst>
   <p:sldSz cx="9144000" cy="6858000" type="screen4x3"/>
   <p:notesSz cx="6858000" cy="9144000"/>
@@ -228,7 +231,7 @@
           <a:p>
             <a:fld id="{8F7EB338-8BB0-B64B-9F79-C87EA24D723F}" type="datetimeFigureOut">
               <a:rPr lang="en-US" smtClean="0"/>
-              <a:t>12/8/20</a:t>
+              <a:t>12/9/20</a:t>
             </a:fld>
             <a:endParaRPr lang="en-US"/>
           </a:p>
@@ -560,7 +563,91 @@
           <a:p>
             <a:fld id="{0A2C3B37-55FA-284F-9E83-751B4EA6E9B4}" type="slidenum">
               <a:rPr lang="en-US" smtClean="0"/>
-              <a:t>21</a:t>
+              <a:t>5</a:t>
+            </a:fld>
+            <a:endParaRPr lang="en-US"/>
+          </a:p>
+        </p:txBody>
+      </p:sp>
+    </p:spTree>
+    <p:extLst>
+      <p:ext uri="{BB962C8B-B14F-4D97-AF65-F5344CB8AC3E}">
+        <p14:creationId xmlns:p14="http://schemas.microsoft.com/office/powerpoint/2010/main" val="3250537008"/>
+      </p:ext>
+    </p:extLst>
+  </p:cSld>
+  <p:clrMapOvr>
+    <a:masterClrMapping/>
+  </p:clrMapOvr>
+</p:notes>
+</file>
+
+<file path=ppt/notesSlides/notesSlide2.xml><?xml version="1.0" encoding="utf-8"?>
+<p:notes xmlns:a="http://schemas.openxmlformats.org/drawingml/2006/main" xmlns:r="http://schemas.openxmlformats.org/officeDocument/2006/relationships" xmlns:p="http://schemas.openxmlformats.org/presentationml/2006/main">
+  <p:cSld>
+    <p:spTree>
+      <p:nvGrpSpPr>
+        <p:cNvPr id="1" name=""/>
+        <p:cNvGrpSpPr/>
+        <p:nvPr/>
+      </p:nvGrpSpPr>
+      <p:grpSpPr>
+        <a:xfrm>
+          <a:off x="0" y="0"/>
+          <a:ext cx="0" cy="0"/>
+          <a:chOff x="0" y="0"/>
+          <a:chExt cx="0" cy="0"/>
+        </a:xfrm>
+      </p:grpSpPr>
+      <p:sp>
+        <p:nvSpPr>
+          <p:cNvPr id="2" name="Slide Image Placeholder 1"/>
+          <p:cNvSpPr>
+            <a:spLocks noGrp="1" noRot="1" noChangeAspect="1"/>
+          </p:cNvSpPr>
+          <p:nvPr>
+            <p:ph type="sldImg"/>
+          </p:nvPr>
+        </p:nvSpPr>
+        <p:spPr/>
+      </p:sp>
+      <p:sp>
+        <p:nvSpPr>
+          <p:cNvPr id="3" name="Notes Placeholder 2"/>
+          <p:cNvSpPr>
+            <a:spLocks noGrp="1"/>
+          </p:cNvSpPr>
+          <p:nvPr>
+            <p:ph type="body" idx="1"/>
+          </p:nvPr>
+        </p:nvSpPr>
+        <p:spPr/>
+        <p:txBody>
+          <a:bodyPr/>
+          <a:lstStyle/>
+          <a:p>
+            <a:endParaRPr lang="en-US" dirty="0"/>
+          </a:p>
+        </p:txBody>
+      </p:sp>
+      <p:sp>
+        <p:nvSpPr>
+          <p:cNvPr id="4" name="Slide Number Placeholder 3"/>
+          <p:cNvSpPr>
+            <a:spLocks noGrp="1"/>
+          </p:cNvSpPr>
+          <p:nvPr>
+            <p:ph type="sldNum" sz="quarter" idx="10"/>
+          </p:nvPr>
+        </p:nvSpPr>
+        <p:spPr/>
+        <p:txBody>
+          <a:bodyPr/>
+          <a:lstStyle/>
+          <a:p>
+            <a:fld id="{0A2C3B37-55FA-284F-9E83-751B4EA6E9B4}" type="slidenum">
+              <a:rPr lang="en-US" smtClean="0"/>
+              <a:t>24</a:t>
             </a:fld>
             <a:endParaRPr lang="en-US"/>
           </a:p>
@@ -763,7 +850,7 @@
             <a:fld id="{DBE77699-C466-4996-ADED-71C8160E04A2}" type="datetimeFigureOut">
               <a:rPr lang="en-US" smtClean="0"/>
               <a:pPr/>
-              <a:t>12/8/20</a:t>
+              <a:t>12/9/20</a:t>
             </a:fld>
             <a:endParaRPr lang="en-US"/>
           </a:p>
@@ -928,7 +1015,7 @@
             <a:fld id="{DBE77699-C466-4996-ADED-71C8160E04A2}" type="datetimeFigureOut">
               <a:rPr lang="en-US" smtClean="0"/>
               <a:pPr/>
-              <a:t>12/8/20</a:t>
+              <a:t>12/9/20</a:t>
             </a:fld>
             <a:endParaRPr lang="en-US"/>
           </a:p>
@@ -1103,7 +1190,7 @@
             <a:fld id="{DBE77699-C466-4996-ADED-71C8160E04A2}" type="datetimeFigureOut">
               <a:rPr lang="en-US" smtClean="0"/>
               <a:pPr/>
-              <a:t>12/8/20</a:t>
+              <a:t>12/9/20</a:t>
             </a:fld>
             <a:endParaRPr lang="en-US"/>
           </a:p>
@@ -1222,7 +1309,7 @@
             <a:fld id="{DBE77699-C466-4996-ADED-71C8160E04A2}" type="datetimeFigureOut">
               <a:rPr lang="en-US" smtClean="0"/>
               <a:pPr/>
-              <a:t>12/8/20</a:t>
+              <a:t>12/9/20</a:t>
             </a:fld>
             <a:endParaRPr lang="en-US"/>
           </a:p>
@@ -1644,7 +1731,7 @@
             <a:fld id="{DBE77699-C466-4996-ADED-71C8160E04A2}" type="datetimeFigureOut">
               <a:rPr lang="en-US" smtClean="0"/>
               <a:pPr/>
-              <a:t>12/8/20</a:t>
+              <a:t>12/9/20</a:t>
             </a:fld>
             <a:endParaRPr lang="en-US"/>
           </a:p>
@@ -1853,7 +1940,7 @@
             <a:fld id="{DBE77699-C466-4996-ADED-71C8160E04A2}" type="datetimeFigureOut">
               <a:rPr lang="en-US" smtClean="0"/>
               <a:pPr/>
-              <a:t>12/8/20</a:t>
+              <a:t>12/9/20</a:t>
             </a:fld>
             <a:endParaRPr lang="en-US"/>
           </a:p>
@@ -2095,7 +2182,7 @@
             <a:fld id="{DBE77699-C466-4996-ADED-71C8160E04A2}" type="datetimeFigureOut">
               <a:rPr lang="en-US" smtClean="0"/>
               <a:pPr/>
-              <a:t>12/8/20</a:t>
+              <a:t>12/9/20</a:t>
             </a:fld>
             <a:endParaRPr lang="en-US"/>
           </a:p>
@@ -2377,7 +2464,7 @@
             <a:fld id="{DBE77699-C466-4996-ADED-71C8160E04A2}" type="datetimeFigureOut">
               <a:rPr lang="en-US" smtClean="0"/>
               <a:pPr/>
-              <a:t>12/8/20</a:t>
+              <a:t>12/9/20</a:t>
             </a:fld>
             <a:endParaRPr lang="en-US"/>
           </a:p>
@@ -2793,7 +2880,7 @@
             <a:fld id="{DBE77699-C466-4996-ADED-71C8160E04A2}" type="datetimeFigureOut">
               <a:rPr lang="en-US" smtClean="0"/>
               <a:pPr/>
-              <a:t>12/8/20</a:t>
+              <a:t>12/9/20</a:t>
             </a:fld>
             <a:endParaRPr lang="en-US"/>
           </a:p>
@@ -2907,7 +2994,7 @@
             <a:fld id="{DBE77699-C466-4996-ADED-71C8160E04A2}" type="datetimeFigureOut">
               <a:rPr lang="en-US" smtClean="0"/>
               <a:pPr/>
-              <a:t>12/8/20</a:t>
+              <a:t>12/9/20</a:t>
             </a:fld>
             <a:endParaRPr lang="en-US"/>
           </a:p>
@@ -2999,7 +3086,7 @@
             <a:fld id="{DBE77699-C466-4996-ADED-71C8160E04A2}" type="datetimeFigureOut">
               <a:rPr lang="en-US" smtClean="0"/>
               <a:pPr/>
-              <a:t>12/8/20</a:t>
+              <a:t>12/9/20</a:t>
             </a:fld>
             <a:endParaRPr lang="en-US"/>
           </a:p>
@@ -3271,7 +3358,7 @@
             <a:fld id="{DBE77699-C466-4996-ADED-71C8160E04A2}" type="datetimeFigureOut">
               <a:rPr lang="en-US" smtClean="0"/>
               <a:pPr/>
-              <a:t>12/8/20</a:t>
+              <a:t>12/9/20</a:t>
             </a:fld>
             <a:endParaRPr lang="en-US"/>
           </a:p>
@@ -3520,7 +3607,7 @@
             <a:fld id="{DBE77699-C466-4996-ADED-71C8160E04A2}" type="datetimeFigureOut">
               <a:rPr lang="en-US" smtClean="0"/>
               <a:pPr/>
-              <a:t>12/8/20</a:t>
+              <a:t>12/9/20</a:t>
             </a:fld>
             <a:endParaRPr lang="en-US"/>
           </a:p>
@@ -3731,7 +3818,7 @@
             <a:fld id="{DBE77699-C466-4996-ADED-71C8160E04A2}" type="datetimeFigureOut">
               <a:rPr lang="en-US" smtClean="0"/>
               <a:pPr/>
-              <a:t>12/8/20</a:t>
+              <a:t>12/9/20</a:t>
             </a:fld>
             <a:endParaRPr lang="en-US"/>
           </a:p>
@@ -4946,56 +5033,515 @@
           <a:chExt cx="0" cy="0"/>
         </a:xfrm>
       </p:grpSpPr>
-      <p:sp>
-        <p:nvSpPr>
-          <p:cNvPr id="2" name="Title 1"/>
-          <p:cNvSpPr>
-            <a:spLocks noGrp="1"/>
-          </p:cNvSpPr>
+      <p:graphicFrame>
+        <p:nvGraphicFramePr>
+          <p:cNvPr id="5" name="Table 4">
+            <a:extLst>
+              <a:ext uri="{FF2B5EF4-FFF2-40B4-BE49-F238E27FC236}">
+                <a16:creationId xmlns:a16="http://schemas.microsoft.com/office/drawing/2014/main" id="{589C607E-23F7-1D43-B569-801CED367AB1}"/>
+              </a:ext>
+            </a:extLst>
+          </p:cNvPr>
+          <p:cNvGraphicFramePr>
+            <a:graphicFrameLocks noGrp="1"/>
+          </p:cNvGraphicFramePr>
           <p:nvPr>
-            <p:ph type="title"/>
+            <p:extLst>
+              <p:ext uri="{D42A27DB-BD31-4B8C-83A1-F6EECF244321}">
+                <p14:modId xmlns:p14="http://schemas.microsoft.com/office/powerpoint/2010/main" val="495032098"/>
+              </p:ext>
+            </p:extLst>
           </p:nvPr>
-        </p:nvSpPr>
-        <p:spPr/>
-        <p:txBody>
-          <a:bodyPr>
-            <a:normAutofit/>
-          </a:bodyPr>
-          <a:lstStyle/>
-          <a:p>
-            <a:r>
-              <a:rPr lang="en-US" dirty="0"/>
-              <a:t>Matthew 4:14-15 / Isaiah 9:1-2</a:t>
-            </a:r>
-          </a:p>
-        </p:txBody>
-      </p:sp>
-      <p:sp>
-        <p:nvSpPr>
-          <p:cNvPr id="3" name="Text Placeholder 2"/>
-          <p:cNvSpPr>
-            <a:spLocks noGrp="1"/>
-          </p:cNvSpPr>
-          <p:nvPr>
-            <p:ph type="body" sz="quarter" idx="13"/>
-          </p:nvPr>
-        </p:nvSpPr>
-        <p:spPr/>
-        <p:txBody>
-          <a:bodyPr/>
-          <a:lstStyle/>
-          <a:p>
-            <a:r>
-              <a:rPr lang="en-US" dirty="0"/>
-              <a:t>5</a:t>
-            </a:r>
-          </a:p>
-        </p:txBody>
-      </p:sp>
+        </p:nvGraphicFramePr>
+        <p:xfrm>
+          <a:off x="114300" y="533400"/>
+          <a:ext cx="8915400" cy="4484106"/>
+        </p:xfrm>
+        <a:graphic>
+          <a:graphicData uri="http://schemas.openxmlformats.org/drawingml/2006/table">
+            <a:tbl>
+              <a:tblPr firstRow="1" bandRow="1">
+                <a:tableStyleId>{2D5ABB26-0587-4C30-8999-92F81FD0307C}</a:tableStyleId>
+              </a:tblPr>
+              <a:tblGrid>
+                <a:gridCol w="3352800">
+                  <a:extLst>
+                    <a:ext uri="{9D8B030D-6E8A-4147-A177-3AD203B41FA5}">
+                      <a16:colId xmlns:a16="http://schemas.microsoft.com/office/drawing/2014/main" val="3623029985"/>
+                    </a:ext>
+                  </a:extLst>
+                </a:gridCol>
+                <a:gridCol w="5562600">
+                  <a:extLst>
+                    <a:ext uri="{9D8B030D-6E8A-4147-A177-3AD203B41FA5}">
+                      <a16:colId xmlns:a16="http://schemas.microsoft.com/office/drawing/2014/main" val="4294323797"/>
+                    </a:ext>
+                  </a:extLst>
+                </a:gridCol>
+              </a:tblGrid>
+              <a:tr h="826506">
+                <a:tc>
+                  <a:txBody>
+                    <a:bodyPr/>
+                    <a:lstStyle/>
+                    <a:p>
+                      <a:pPr algn="r" rtl="0" fontAlgn="t">
+                        <a:spcBef>
+                          <a:spcPts val="0"/>
+                        </a:spcBef>
+                        <a:spcAft>
+                          <a:spcPts val="0"/>
+                        </a:spcAft>
+                      </a:pPr>
+                      <a:r>
+                        <a:rPr lang="en-US" sz="4000" b="1" dirty="0">
+                          <a:solidFill>
+                            <a:srgbClr val="009EC0"/>
+                          </a:solidFill>
+                          <a:effectLst/>
+                          <a:latin typeface="+mj-lt"/>
+                        </a:rPr>
+                        <a:t>Theme</a:t>
+                      </a:r>
+                    </a:p>
+                  </a:txBody>
+                  <a:tcPr marL="182880" marR="182880" marT="63500" marB="63500" anchor="b">
+                    <a:lnR w="3175" cap="flat" cmpd="sng" algn="ctr">
+                      <a:solidFill>
+                        <a:schemeClr val="tx1">
+                          <a:lumMod val="65000"/>
+                        </a:schemeClr>
+                      </a:solidFill>
+                      <a:prstDash val="solid"/>
+                      <a:round/>
+                      <a:headEnd type="none" w="med" len="med"/>
+                      <a:tailEnd type="none" w="med" len="med"/>
+                    </a:lnR>
+                  </a:tcPr>
+                </a:tc>
+                <a:tc>
+                  <a:txBody>
+                    <a:bodyPr/>
+                    <a:lstStyle/>
+                    <a:p>
+                      <a:pPr rtl="0" fontAlgn="t">
+                        <a:spcBef>
+                          <a:spcPts val="0"/>
+                        </a:spcBef>
+                        <a:spcAft>
+                          <a:spcPts val="0"/>
+                        </a:spcAft>
+                      </a:pPr>
+                      <a:r>
+                        <a:rPr lang="en-US" sz="4000" b="1" dirty="0">
+                          <a:solidFill>
+                            <a:schemeClr val="tx1"/>
+                          </a:solidFill>
+                          <a:effectLst/>
+                          <a:latin typeface="+mj-lt"/>
+                        </a:rPr>
+                        <a:t>Jeremiah 19</a:t>
+                      </a:r>
+                    </a:p>
+                  </a:txBody>
+                  <a:tcPr marL="182880" marR="182880" marT="63500" marB="63500" anchor="b">
+                    <a:lnL w="3175" cap="flat" cmpd="sng" algn="ctr">
+                      <a:solidFill>
+                        <a:schemeClr val="tx1">
+                          <a:lumMod val="65000"/>
+                        </a:schemeClr>
+                      </a:solidFill>
+                      <a:prstDash val="solid"/>
+                      <a:round/>
+                      <a:headEnd type="none" w="med" len="med"/>
+                      <a:tailEnd type="none" w="med" len="med"/>
+                    </a:lnL>
+                  </a:tcPr>
+                </a:tc>
+                <a:extLst>
+                  <a:ext uri="{0D108BD9-81ED-4DB2-BD59-A6C34878D82A}">
+                    <a16:rowId xmlns:a16="http://schemas.microsoft.com/office/drawing/2014/main" val="1136906228"/>
+                  </a:ext>
+                </a:extLst>
+              </a:tr>
+              <a:tr h="0">
+                <a:tc>
+                  <a:txBody>
+                    <a:bodyPr/>
+                    <a:lstStyle/>
+                    <a:p>
+                      <a:pPr algn="r" rtl="0" fontAlgn="t">
+                        <a:spcBef>
+                          <a:spcPts val="0"/>
+                        </a:spcBef>
+                        <a:spcAft>
+                          <a:spcPts val="0"/>
+                        </a:spcAft>
+                      </a:pPr>
+                      <a:r>
+                        <a:rPr lang="en-US" sz="2400" b="0" i="0" u="none" strike="noStrike" dirty="0">
+                          <a:solidFill>
+                            <a:srgbClr val="009EC0"/>
+                          </a:solidFill>
+                          <a:effectLst/>
+                          <a:latin typeface="+mj-lt"/>
+                        </a:rPr>
+                        <a:t>Leadership (shepherds)</a:t>
+                      </a:r>
+                      <a:endParaRPr lang="en-US" sz="2400" b="0" dirty="0">
+                        <a:solidFill>
+                          <a:srgbClr val="009EC0"/>
+                        </a:solidFill>
+                        <a:effectLst/>
+                        <a:latin typeface="+mj-lt"/>
+                      </a:endParaRPr>
+                    </a:p>
+                  </a:txBody>
+                  <a:tcPr marL="182880" marR="182880" marT="274320" marB="274320">
+                    <a:lnR w="3175" cap="flat" cmpd="sng" algn="ctr">
+                      <a:solidFill>
+                        <a:schemeClr val="tx1">
+                          <a:lumMod val="65000"/>
+                        </a:schemeClr>
+                      </a:solidFill>
+                      <a:prstDash val="solid"/>
+                      <a:round/>
+                      <a:headEnd type="none" w="med" len="med"/>
+                      <a:tailEnd type="none" w="med" len="med"/>
+                    </a:lnR>
+                  </a:tcPr>
+                </a:tc>
+                <a:tc>
+                  <a:txBody>
+                    <a:bodyPr/>
+                    <a:lstStyle/>
+                    <a:p>
+                      <a:pPr rtl="0" fontAlgn="t">
+                        <a:spcBef>
+                          <a:spcPts val="0"/>
+                        </a:spcBef>
+                        <a:spcAft>
+                          <a:spcPts val="0"/>
+                        </a:spcAft>
+                      </a:pPr>
+                      <a:r>
+                        <a:rPr lang="en-US" sz="2400" b="0" i="0" u="none" strike="noStrike" dirty="0">
+                          <a:solidFill>
+                            <a:schemeClr val="tx1"/>
+                          </a:solidFill>
+                          <a:effectLst/>
+                          <a:latin typeface="+mj-lt"/>
+                        </a:rPr>
+                        <a:t>Elders and leaders are present</a:t>
+                      </a:r>
+                      <a:endParaRPr lang="en-US" sz="2400" dirty="0">
+                        <a:solidFill>
+                          <a:schemeClr val="tx1"/>
+                        </a:solidFill>
+                        <a:effectLst/>
+                        <a:latin typeface="+mj-lt"/>
+                      </a:endParaRPr>
+                    </a:p>
+                  </a:txBody>
+                  <a:tcPr marL="182880" marR="182880" marT="274320" marB="274320">
+                    <a:lnL w="3175" cap="flat" cmpd="sng" algn="ctr">
+                      <a:solidFill>
+                        <a:schemeClr val="tx1">
+                          <a:lumMod val="65000"/>
+                        </a:schemeClr>
+                      </a:solidFill>
+                      <a:prstDash val="solid"/>
+                      <a:round/>
+                      <a:headEnd type="none" w="med" len="med"/>
+                      <a:tailEnd type="none" w="med" len="med"/>
+                    </a:lnL>
+                  </a:tcPr>
+                </a:tc>
+                <a:extLst>
+                  <a:ext uri="{0D108BD9-81ED-4DB2-BD59-A6C34878D82A}">
+                    <a16:rowId xmlns:a16="http://schemas.microsoft.com/office/drawing/2014/main" val="3592000535"/>
+                  </a:ext>
+                </a:extLst>
+              </a:tr>
+              <a:tr h="0">
+                <a:tc>
+                  <a:txBody>
+                    <a:bodyPr/>
+                    <a:lstStyle/>
+                    <a:p>
+                      <a:pPr algn="r" rtl="0" fontAlgn="t">
+                        <a:spcBef>
+                          <a:spcPts val="0"/>
+                        </a:spcBef>
+                        <a:spcAft>
+                          <a:spcPts val="0"/>
+                        </a:spcAft>
+                      </a:pPr>
+                      <a:r>
+                        <a:rPr lang="en-US" sz="2400" b="0" i="0" u="none" strike="noStrike" dirty="0">
+                          <a:solidFill>
+                            <a:srgbClr val="009EC0"/>
+                          </a:solidFill>
+                          <a:effectLst/>
+                          <a:latin typeface="+mj-lt"/>
+                        </a:rPr>
+                        <a:t>Pottery/potter</a:t>
+                      </a:r>
+                      <a:endParaRPr lang="en-US" sz="2400" b="0" dirty="0">
+                        <a:solidFill>
+                          <a:srgbClr val="009EC0"/>
+                        </a:solidFill>
+                        <a:effectLst/>
+                        <a:latin typeface="+mj-lt"/>
+                      </a:endParaRPr>
+                    </a:p>
+                  </a:txBody>
+                  <a:tcPr marL="182880" marR="182880" marT="274320" marB="274320">
+                    <a:lnR w="3175" cap="flat" cmpd="sng" algn="ctr">
+                      <a:solidFill>
+                        <a:schemeClr val="tx1">
+                          <a:lumMod val="65000"/>
+                        </a:schemeClr>
+                      </a:solidFill>
+                      <a:prstDash val="solid"/>
+                      <a:round/>
+                      <a:headEnd type="none" w="med" len="med"/>
+                      <a:tailEnd type="none" w="med" len="med"/>
+                    </a:lnR>
+                  </a:tcPr>
+                </a:tc>
+                <a:tc>
+                  <a:txBody>
+                    <a:bodyPr/>
+                    <a:lstStyle/>
+                    <a:p>
+                      <a:pPr rtl="0" fontAlgn="t">
+                        <a:spcBef>
+                          <a:spcPts val="0"/>
+                        </a:spcBef>
+                        <a:spcAft>
+                          <a:spcPts val="0"/>
+                        </a:spcAft>
+                      </a:pPr>
+                      <a:r>
+                        <a:rPr lang="en-US" sz="2400" dirty="0">
+                          <a:solidFill>
+                            <a:schemeClr val="tx1"/>
+                          </a:solidFill>
+                          <a:effectLst/>
+                          <a:latin typeface="+mj-lt"/>
+                        </a:rPr>
+                        <a:t>Potter sells pottery to Jeremiah</a:t>
+                      </a:r>
+                    </a:p>
+                  </a:txBody>
+                  <a:tcPr marL="182880" marR="182880" marT="274320" marB="274320">
+                    <a:lnL w="3175" cap="flat" cmpd="sng" algn="ctr">
+                      <a:solidFill>
+                        <a:schemeClr val="tx1">
+                          <a:lumMod val="65000"/>
+                        </a:schemeClr>
+                      </a:solidFill>
+                      <a:prstDash val="solid"/>
+                      <a:round/>
+                      <a:headEnd type="none" w="med" len="med"/>
+                      <a:tailEnd type="none" w="med" len="med"/>
+                    </a:lnL>
+                  </a:tcPr>
+                </a:tc>
+                <a:extLst>
+                  <a:ext uri="{0D108BD9-81ED-4DB2-BD59-A6C34878D82A}">
+                    <a16:rowId xmlns:a16="http://schemas.microsoft.com/office/drawing/2014/main" val="2330484482"/>
+                  </a:ext>
+                </a:extLst>
+              </a:tr>
+              <a:tr h="0">
+                <a:tc>
+                  <a:txBody>
+                    <a:bodyPr/>
+                    <a:lstStyle/>
+                    <a:p>
+                      <a:pPr marL="0" algn="r" defTabSz="914400" rtl="0" eaLnBrk="1" fontAlgn="t" latinLnBrk="0" hangingPunct="1">
+                        <a:spcBef>
+                          <a:spcPts val="0"/>
+                        </a:spcBef>
+                        <a:spcAft>
+                          <a:spcPts val="0"/>
+                        </a:spcAft>
+                      </a:pPr>
+                      <a:r>
+                        <a:rPr lang="en-US" sz="2400" b="0" dirty="0">
+                          <a:solidFill>
+                            <a:srgbClr val="009EC0"/>
+                          </a:solidFill>
+                          <a:effectLst/>
+                          <a:latin typeface="+mj-lt"/>
+                        </a:rPr>
+                        <a:t>Value</a:t>
+                      </a:r>
+                    </a:p>
+                  </a:txBody>
+                  <a:tcPr marL="182880" marR="182880" marT="274320" marB="274320">
+                    <a:lnR w="3175" cap="flat" cmpd="sng" algn="ctr">
+                      <a:solidFill>
+                        <a:schemeClr val="tx1">
+                          <a:lumMod val="65000"/>
+                        </a:schemeClr>
+                      </a:solidFill>
+                      <a:prstDash val="solid"/>
+                      <a:round/>
+                      <a:headEnd type="none" w="med" len="med"/>
+                      <a:tailEnd type="none" w="med" len="med"/>
+                    </a:lnR>
+                  </a:tcPr>
+                </a:tc>
+                <a:tc>
+                  <a:txBody>
+                    <a:bodyPr/>
+                    <a:lstStyle/>
+                    <a:p>
+                      <a:pPr rtl="0" fontAlgn="t">
+                        <a:spcBef>
+                          <a:spcPts val="0"/>
+                        </a:spcBef>
+                        <a:spcAft>
+                          <a:spcPts val="0"/>
+                        </a:spcAft>
+                      </a:pPr>
+                      <a:r>
+                        <a:rPr lang="en-US" sz="2400" dirty="0">
+                          <a:solidFill>
+                            <a:schemeClr val="tx1"/>
+                          </a:solidFill>
+                          <a:effectLst/>
+                          <a:latin typeface="+mj-lt"/>
+                        </a:rPr>
+                        <a:t>Pottery is destroyed, discarded</a:t>
+                      </a:r>
+                    </a:p>
+                  </a:txBody>
+                  <a:tcPr marL="182880" marR="182880" marT="274320" marB="274320">
+                    <a:lnL w="3175" cap="flat" cmpd="sng" algn="ctr">
+                      <a:solidFill>
+                        <a:schemeClr val="tx1">
+                          <a:lumMod val="65000"/>
+                        </a:schemeClr>
+                      </a:solidFill>
+                      <a:prstDash val="solid"/>
+                      <a:round/>
+                      <a:headEnd type="none" w="med" len="med"/>
+                      <a:tailEnd type="none" w="med" len="med"/>
+                    </a:lnL>
+                  </a:tcPr>
+                </a:tc>
+                <a:extLst>
+                  <a:ext uri="{0D108BD9-81ED-4DB2-BD59-A6C34878D82A}">
+                    <a16:rowId xmlns:a16="http://schemas.microsoft.com/office/drawing/2014/main" val="1564031315"/>
+                  </a:ext>
+                </a:extLst>
+              </a:tr>
+              <a:tr h="0">
+                <a:tc>
+                  <a:txBody>
+                    <a:bodyPr/>
+                    <a:lstStyle/>
+                    <a:p>
+                      <a:pPr algn="r" rtl="0" fontAlgn="t">
+                        <a:spcBef>
+                          <a:spcPts val="0"/>
+                        </a:spcBef>
+                        <a:spcAft>
+                          <a:spcPts val="0"/>
+                        </a:spcAft>
+                      </a:pPr>
+                      <a:r>
+                        <a:rPr lang="en-US" sz="2400" b="0" dirty="0">
+                          <a:solidFill>
+                            <a:srgbClr val="009EC0"/>
+                          </a:solidFill>
+                          <a:effectLst/>
+                          <a:latin typeface="+mj-lt"/>
+                        </a:rPr>
+                        <a:t>Judgment</a:t>
+                      </a:r>
+                    </a:p>
+                  </a:txBody>
+                  <a:tcPr marL="182880" marR="182880" marT="274320" marB="274320">
+                    <a:lnR w="3175" cap="flat" cmpd="sng" algn="ctr">
+                      <a:solidFill>
+                        <a:schemeClr val="tx1">
+                          <a:lumMod val="65000"/>
+                        </a:schemeClr>
+                      </a:solidFill>
+                      <a:prstDash val="solid"/>
+                      <a:round/>
+                      <a:headEnd type="none" w="med" len="med"/>
+                      <a:tailEnd type="none" w="med" len="med"/>
+                    </a:lnR>
+                  </a:tcPr>
+                </a:tc>
+                <a:tc>
+                  <a:txBody>
+                    <a:bodyPr/>
+                    <a:lstStyle/>
+                    <a:p>
+                      <a:pPr rtl="0" fontAlgn="t">
+                        <a:spcBef>
+                          <a:spcPts val="0"/>
+                        </a:spcBef>
+                        <a:spcAft>
+                          <a:spcPts val="0"/>
+                        </a:spcAft>
+                      </a:pPr>
+                      <a:r>
+                        <a:rPr lang="en-US" sz="2400" b="0" i="0" u="none" strike="noStrike" kern="1200" dirty="0">
+                          <a:solidFill>
+                            <a:schemeClr val="tx1"/>
+                          </a:solidFill>
+                          <a:effectLst/>
+                          <a:latin typeface="+mn-lt"/>
+                          <a:ea typeface="+mn-ea"/>
+                          <a:cs typeface="+mn-cs"/>
+                        </a:rPr>
+                        <a:t>Israel to be delivered to their enemies</a:t>
+                      </a:r>
+                      <a:endParaRPr lang="en-US" sz="2400" dirty="0">
+                        <a:solidFill>
+                          <a:schemeClr val="tx1"/>
+                        </a:solidFill>
+                        <a:effectLst/>
+                        <a:latin typeface="+mj-lt"/>
+                      </a:endParaRPr>
+                    </a:p>
+                  </a:txBody>
+                  <a:tcPr marL="182880" marR="182880" marT="274320" marB="274320">
+                    <a:lnL w="3175" cap="flat" cmpd="sng" algn="ctr">
+                      <a:solidFill>
+                        <a:schemeClr val="tx1">
+                          <a:lumMod val="65000"/>
+                        </a:schemeClr>
+                      </a:solidFill>
+                      <a:prstDash val="solid"/>
+                      <a:round/>
+                      <a:headEnd type="none" w="med" len="med"/>
+                      <a:tailEnd type="none" w="med" len="med"/>
+                    </a:lnL>
+                  </a:tcPr>
+                </a:tc>
+                <a:extLst>
+                  <a:ext uri="{0D108BD9-81ED-4DB2-BD59-A6C34878D82A}">
+                    <a16:rowId xmlns:a16="http://schemas.microsoft.com/office/drawing/2014/main" val="3045623234"/>
+                  </a:ext>
+                </a:extLst>
+              </a:tr>
+            </a:tbl>
+          </a:graphicData>
+        </a:graphic>
+      </p:graphicFrame>
     </p:spTree>
     <p:extLst>
       <p:ext uri="{BB962C8B-B14F-4D97-AF65-F5344CB8AC3E}">
-        <p14:creationId xmlns:p14="http://schemas.microsoft.com/office/powerpoint/2010/main" val="2547159331"/>
+        <p14:creationId xmlns:p14="http://schemas.microsoft.com/office/powerpoint/2010/main" val="1568858988"/>
       </p:ext>
     </p:extLst>
   </p:cSld>
@@ -5022,56 +5568,524 @@
           <a:chExt cx="0" cy="0"/>
         </a:xfrm>
       </p:grpSpPr>
-      <p:sp>
-        <p:nvSpPr>
-          <p:cNvPr id="2" name="Title 1"/>
-          <p:cNvSpPr>
-            <a:spLocks noGrp="1"/>
-          </p:cNvSpPr>
+      <p:graphicFrame>
+        <p:nvGraphicFramePr>
+          <p:cNvPr id="5" name="Table 4">
+            <a:extLst>
+              <a:ext uri="{FF2B5EF4-FFF2-40B4-BE49-F238E27FC236}">
+                <a16:creationId xmlns:a16="http://schemas.microsoft.com/office/drawing/2014/main" id="{589C607E-23F7-1D43-B569-801CED367AB1}"/>
+              </a:ext>
+            </a:extLst>
+          </p:cNvPr>
+          <p:cNvGraphicFramePr>
+            <a:graphicFrameLocks noGrp="1"/>
+          </p:cNvGraphicFramePr>
           <p:nvPr>
-            <p:ph type="title"/>
+            <p:extLst>
+              <p:ext uri="{D42A27DB-BD31-4B8C-83A1-F6EECF244321}">
+                <p14:modId xmlns:p14="http://schemas.microsoft.com/office/powerpoint/2010/main" val="4055052381"/>
+              </p:ext>
+            </p:extLst>
           </p:nvPr>
-        </p:nvSpPr>
-        <p:spPr/>
-        <p:txBody>
-          <a:bodyPr>
-            <a:noAutofit/>
-          </a:bodyPr>
-          <a:lstStyle/>
-          <a:p>
-            <a:r>
-              <a:rPr lang="en-US" sz="3600" dirty="0"/>
-              <a:t>Matthew 26:54, 56 (does not include a specific text that this is a fulfillment of)</a:t>
-            </a:r>
-          </a:p>
-        </p:txBody>
-      </p:sp>
-      <p:sp>
-        <p:nvSpPr>
-          <p:cNvPr id="3" name="Text Placeholder 2"/>
-          <p:cNvSpPr>
-            <a:spLocks noGrp="1"/>
-          </p:cNvSpPr>
-          <p:nvPr>
-            <p:ph type="body" sz="quarter" idx="13"/>
-          </p:nvPr>
-        </p:nvSpPr>
-        <p:spPr/>
-        <p:txBody>
-          <a:bodyPr/>
-          <a:lstStyle/>
-          <a:p>
-            <a:r>
-              <a:rPr lang="en-US" dirty="0"/>
-              <a:t>11</a:t>
-            </a:r>
-          </a:p>
-        </p:txBody>
-      </p:sp>
+        </p:nvGraphicFramePr>
+        <p:xfrm>
+          <a:off x="114300" y="533400"/>
+          <a:ext cx="8915400" cy="4484106"/>
+        </p:xfrm>
+        <a:graphic>
+          <a:graphicData uri="http://schemas.openxmlformats.org/drawingml/2006/table">
+            <a:tbl>
+              <a:tblPr firstRow="1" bandRow="1">
+                <a:tableStyleId>{2D5ABB26-0587-4C30-8999-92F81FD0307C}</a:tableStyleId>
+              </a:tblPr>
+              <a:tblGrid>
+                <a:gridCol w="3352800">
+                  <a:extLst>
+                    <a:ext uri="{9D8B030D-6E8A-4147-A177-3AD203B41FA5}">
+                      <a16:colId xmlns:a16="http://schemas.microsoft.com/office/drawing/2014/main" val="3623029985"/>
+                    </a:ext>
+                  </a:extLst>
+                </a:gridCol>
+                <a:gridCol w="5562600">
+                  <a:extLst>
+                    <a:ext uri="{9D8B030D-6E8A-4147-A177-3AD203B41FA5}">
+                      <a16:colId xmlns:a16="http://schemas.microsoft.com/office/drawing/2014/main" val="4294323797"/>
+                    </a:ext>
+                  </a:extLst>
+                </a:gridCol>
+              </a:tblGrid>
+              <a:tr h="826506">
+                <a:tc>
+                  <a:txBody>
+                    <a:bodyPr/>
+                    <a:lstStyle/>
+                    <a:p>
+                      <a:pPr algn="r" rtl="0" fontAlgn="t">
+                        <a:spcBef>
+                          <a:spcPts val="0"/>
+                        </a:spcBef>
+                        <a:spcAft>
+                          <a:spcPts val="0"/>
+                        </a:spcAft>
+                      </a:pPr>
+                      <a:r>
+                        <a:rPr lang="en-US" sz="4000" b="1" dirty="0">
+                          <a:solidFill>
+                            <a:srgbClr val="009EC0"/>
+                          </a:solidFill>
+                          <a:effectLst/>
+                          <a:latin typeface="+mj-lt"/>
+                        </a:rPr>
+                        <a:t>Theme</a:t>
+                      </a:r>
+                    </a:p>
+                  </a:txBody>
+                  <a:tcPr marL="182880" marR="182880" marT="63500" marB="63500" anchor="b">
+                    <a:lnR w="3175" cap="flat" cmpd="sng" algn="ctr">
+                      <a:solidFill>
+                        <a:schemeClr val="tx1">
+                          <a:lumMod val="65000"/>
+                        </a:schemeClr>
+                      </a:solidFill>
+                      <a:prstDash val="solid"/>
+                      <a:round/>
+                      <a:headEnd type="none" w="med" len="med"/>
+                      <a:tailEnd type="none" w="med" len="med"/>
+                    </a:lnR>
+                  </a:tcPr>
+                </a:tc>
+                <a:tc>
+                  <a:txBody>
+                    <a:bodyPr/>
+                    <a:lstStyle/>
+                    <a:p>
+                      <a:pPr rtl="0" fontAlgn="t">
+                        <a:spcBef>
+                          <a:spcPts val="0"/>
+                        </a:spcBef>
+                        <a:spcAft>
+                          <a:spcPts val="0"/>
+                        </a:spcAft>
+                      </a:pPr>
+                      <a:r>
+                        <a:rPr lang="en-US" sz="4000" b="1" dirty="0">
+                          <a:solidFill>
+                            <a:schemeClr val="tx1"/>
+                          </a:solidFill>
+                          <a:effectLst/>
+                          <a:latin typeface="+mj-lt"/>
+                        </a:rPr>
+                        <a:t>Matthew 27</a:t>
+                      </a:r>
+                    </a:p>
+                  </a:txBody>
+                  <a:tcPr marL="182880" marR="182880" marT="63500" marB="63500" anchor="b">
+                    <a:lnL w="3175" cap="flat" cmpd="sng" algn="ctr">
+                      <a:solidFill>
+                        <a:schemeClr val="tx1">
+                          <a:lumMod val="65000"/>
+                        </a:schemeClr>
+                      </a:solidFill>
+                      <a:prstDash val="solid"/>
+                      <a:round/>
+                      <a:headEnd type="none" w="med" len="med"/>
+                      <a:tailEnd type="none" w="med" len="med"/>
+                    </a:lnL>
+                  </a:tcPr>
+                </a:tc>
+                <a:extLst>
+                  <a:ext uri="{0D108BD9-81ED-4DB2-BD59-A6C34878D82A}">
+                    <a16:rowId xmlns:a16="http://schemas.microsoft.com/office/drawing/2014/main" val="1136906228"/>
+                  </a:ext>
+                </a:extLst>
+              </a:tr>
+              <a:tr h="0">
+                <a:tc>
+                  <a:txBody>
+                    <a:bodyPr/>
+                    <a:lstStyle/>
+                    <a:p>
+                      <a:pPr algn="r" rtl="0" fontAlgn="t">
+                        <a:spcBef>
+                          <a:spcPts val="0"/>
+                        </a:spcBef>
+                        <a:spcAft>
+                          <a:spcPts val="0"/>
+                        </a:spcAft>
+                      </a:pPr>
+                      <a:r>
+                        <a:rPr lang="en-US" sz="2400" b="0" i="0" u="none" strike="noStrike" dirty="0">
+                          <a:solidFill>
+                            <a:srgbClr val="009EC0"/>
+                          </a:solidFill>
+                          <a:effectLst/>
+                          <a:latin typeface="+mj-lt"/>
+                        </a:rPr>
+                        <a:t>Leadership (shepherds)</a:t>
+                      </a:r>
+                      <a:endParaRPr lang="en-US" sz="2400" b="0" dirty="0">
+                        <a:solidFill>
+                          <a:srgbClr val="009EC0"/>
+                        </a:solidFill>
+                        <a:effectLst/>
+                        <a:latin typeface="+mj-lt"/>
+                      </a:endParaRPr>
+                    </a:p>
+                  </a:txBody>
+                  <a:tcPr marL="182880" marR="182880" marT="274320" marB="274320">
+                    <a:lnR w="3175" cap="flat" cmpd="sng" algn="ctr">
+                      <a:solidFill>
+                        <a:schemeClr val="tx1">
+                          <a:lumMod val="65000"/>
+                        </a:schemeClr>
+                      </a:solidFill>
+                      <a:prstDash val="solid"/>
+                      <a:round/>
+                      <a:headEnd type="none" w="med" len="med"/>
+                      <a:tailEnd type="none" w="med" len="med"/>
+                    </a:lnR>
+                  </a:tcPr>
+                </a:tc>
+                <a:tc>
+                  <a:txBody>
+                    <a:bodyPr/>
+                    <a:lstStyle/>
+                    <a:p>
+                      <a:pPr rtl="0" fontAlgn="t">
+                        <a:spcBef>
+                          <a:spcPts val="0"/>
+                        </a:spcBef>
+                        <a:spcAft>
+                          <a:spcPts val="0"/>
+                        </a:spcAft>
+                      </a:pPr>
+                      <a:r>
+                        <a:rPr lang="en-US" sz="2400" b="0" i="0" u="none" strike="noStrike" dirty="0">
+                          <a:solidFill>
+                            <a:schemeClr val="tx1"/>
+                          </a:solidFill>
+                          <a:effectLst/>
+                          <a:latin typeface="+mj-lt"/>
+                        </a:rPr>
+                        <a:t>Leadership has turned on Jesus</a:t>
+                      </a:r>
+                      <a:endParaRPr lang="en-US" sz="2400" dirty="0">
+                        <a:solidFill>
+                          <a:schemeClr val="tx1"/>
+                        </a:solidFill>
+                        <a:effectLst/>
+                        <a:latin typeface="+mj-lt"/>
+                      </a:endParaRPr>
+                    </a:p>
+                  </a:txBody>
+                  <a:tcPr marL="182880" marR="182880" marT="274320" marB="274320">
+                    <a:lnL w="3175" cap="flat" cmpd="sng" algn="ctr">
+                      <a:solidFill>
+                        <a:schemeClr val="tx1">
+                          <a:lumMod val="65000"/>
+                        </a:schemeClr>
+                      </a:solidFill>
+                      <a:prstDash val="solid"/>
+                      <a:round/>
+                      <a:headEnd type="none" w="med" len="med"/>
+                      <a:tailEnd type="none" w="med" len="med"/>
+                    </a:lnL>
+                  </a:tcPr>
+                </a:tc>
+                <a:extLst>
+                  <a:ext uri="{0D108BD9-81ED-4DB2-BD59-A6C34878D82A}">
+                    <a16:rowId xmlns:a16="http://schemas.microsoft.com/office/drawing/2014/main" val="3592000535"/>
+                  </a:ext>
+                </a:extLst>
+              </a:tr>
+              <a:tr h="0">
+                <a:tc>
+                  <a:txBody>
+                    <a:bodyPr/>
+                    <a:lstStyle/>
+                    <a:p>
+                      <a:pPr algn="r" rtl="0" fontAlgn="t">
+                        <a:spcBef>
+                          <a:spcPts val="0"/>
+                        </a:spcBef>
+                        <a:spcAft>
+                          <a:spcPts val="0"/>
+                        </a:spcAft>
+                      </a:pPr>
+                      <a:r>
+                        <a:rPr lang="en-US" sz="2400" b="0" i="0" u="none" strike="noStrike" dirty="0">
+                          <a:solidFill>
+                            <a:srgbClr val="009EC0"/>
+                          </a:solidFill>
+                          <a:effectLst/>
+                          <a:latin typeface="+mj-lt"/>
+                        </a:rPr>
+                        <a:t>Pottery/potter</a:t>
+                      </a:r>
+                      <a:endParaRPr lang="en-US" sz="2400" b="0" dirty="0">
+                        <a:solidFill>
+                          <a:srgbClr val="009EC0"/>
+                        </a:solidFill>
+                        <a:effectLst/>
+                        <a:latin typeface="+mj-lt"/>
+                      </a:endParaRPr>
+                    </a:p>
+                  </a:txBody>
+                  <a:tcPr marL="182880" marR="182880" marT="274320" marB="274320">
+                    <a:lnR w="3175" cap="flat" cmpd="sng" algn="ctr">
+                      <a:solidFill>
+                        <a:schemeClr val="tx1">
+                          <a:lumMod val="65000"/>
+                        </a:schemeClr>
+                      </a:solidFill>
+                      <a:prstDash val="solid"/>
+                      <a:round/>
+                      <a:headEnd type="none" w="med" len="med"/>
+                      <a:tailEnd type="none" w="med" len="med"/>
+                    </a:lnR>
+                  </a:tcPr>
+                </a:tc>
+                <a:tc>
+                  <a:txBody>
+                    <a:bodyPr/>
+                    <a:lstStyle/>
+                    <a:p>
+                      <a:pPr rtl="0" fontAlgn="t">
+                        <a:spcBef>
+                          <a:spcPts val="0"/>
+                        </a:spcBef>
+                        <a:spcAft>
+                          <a:spcPts val="0"/>
+                        </a:spcAft>
+                      </a:pPr>
+                      <a:r>
+                        <a:rPr lang="en-US" sz="2400" dirty="0">
+                          <a:solidFill>
+                            <a:schemeClr val="tx1"/>
+                          </a:solidFill>
+                          <a:effectLst/>
+                          <a:latin typeface="+mj-lt"/>
+                        </a:rPr>
+                        <a:t>Money used for potter’s field</a:t>
+                      </a:r>
+                    </a:p>
+                  </a:txBody>
+                  <a:tcPr marL="182880" marR="182880" marT="274320" marB="274320">
+                    <a:lnL w="3175" cap="flat" cmpd="sng" algn="ctr">
+                      <a:solidFill>
+                        <a:schemeClr val="tx1">
+                          <a:lumMod val="65000"/>
+                        </a:schemeClr>
+                      </a:solidFill>
+                      <a:prstDash val="solid"/>
+                      <a:round/>
+                      <a:headEnd type="none" w="med" len="med"/>
+                      <a:tailEnd type="none" w="med" len="med"/>
+                    </a:lnL>
+                  </a:tcPr>
+                </a:tc>
+                <a:extLst>
+                  <a:ext uri="{0D108BD9-81ED-4DB2-BD59-A6C34878D82A}">
+                    <a16:rowId xmlns:a16="http://schemas.microsoft.com/office/drawing/2014/main" val="2330484482"/>
+                  </a:ext>
+                </a:extLst>
+              </a:tr>
+              <a:tr h="0">
+                <a:tc>
+                  <a:txBody>
+                    <a:bodyPr/>
+                    <a:lstStyle/>
+                    <a:p>
+                      <a:pPr marL="0" algn="r" defTabSz="914400" rtl="0" eaLnBrk="1" fontAlgn="t" latinLnBrk="0" hangingPunct="1">
+                        <a:spcBef>
+                          <a:spcPts val="0"/>
+                        </a:spcBef>
+                        <a:spcAft>
+                          <a:spcPts val="0"/>
+                        </a:spcAft>
+                      </a:pPr>
+                      <a:r>
+                        <a:rPr lang="en-US" sz="2400" b="0" dirty="0">
+                          <a:solidFill>
+                            <a:srgbClr val="009EC0"/>
+                          </a:solidFill>
+                          <a:effectLst/>
+                          <a:latin typeface="+mj-lt"/>
+                        </a:rPr>
+                        <a:t>Value</a:t>
+                      </a:r>
+                    </a:p>
+                  </a:txBody>
+                  <a:tcPr marL="182880" marR="182880" marT="274320" marB="274320">
+                    <a:lnR w="3175" cap="flat" cmpd="sng" algn="ctr">
+                      <a:solidFill>
+                        <a:schemeClr val="tx1">
+                          <a:lumMod val="65000"/>
+                        </a:schemeClr>
+                      </a:solidFill>
+                      <a:prstDash val="solid"/>
+                      <a:round/>
+                      <a:headEnd type="none" w="med" len="med"/>
+                      <a:tailEnd type="none" w="med" len="med"/>
+                    </a:lnR>
+                  </a:tcPr>
+                </a:tc>
+                <a:tc>
+                  <a:txBody>
+                    <a:bodyPr/>
+                    <a:lstStyle/>
+                    <a:p>
+                      <a:pPr rtl="0" fontAlgn="t">
+                        <a:spcBef>
+                          <a:spcPts val="0"/>
+                        </a:spcBef>
+                        <a:spcAft>
+                          <a:spcPts val="0"/>
+                        </a:spcAft>
+                      </a:pPr>
+                      <a:r>
+                        <a:rPr lang="en-US" sz="2400" b="0" i="0" u="none" strike="noStrike" kern="1200" dirty="0">
+                          <a:solidFill>
+                            <a:schemeClr val="tx1"/>
+                          </a:solidFill>
+                          <a:effectLst/>
+                          <a:latin typeface="+mn-lt"/>
+                          <a:ea typeface="+mn-ea"/>
+                          <a:cs typeface="+mn-cs"/>
+                        </a:rPr>
+                        <a:t>Jesus is sold for 30 pieces</a:t>
+                      </a:r>
+                      <a:endParaRPr lang="en-US" sz="2400" dirty="0">
+                        <a:solidFill>
+                          <a:schemeClr val="tx1"/>
+                        </a:solidFill>
+                        <a:effectLst/>
+                        <a:latin typeface="+mj-lt"/>
+                      </a:endParaRPr>
+                    </a:p>
+                  </a:txBody>
+                  <a:tcPr marL="182880" marR="182880" marT="274320" marB="274320">
+                    <a:lnL w="3175" cap="flat" cmpd="sng" algn="ctr">
+                      <a:solidFill>
+                        <a:schemeClr val="tx1">
+                          <a:lumMod val="65000"/>
+                        </a:schemeClr>
+                      </a:solidFill>
+                      <a:prstDash val="solid"/>
+                      <a:round/>
+                      <a:headEnd type="none" w="med" len="med"/>
+                      <a:tailEnd type="none" w="med" len="med"/>
+                    </a:lnL>
+                  </a:tcPr>
+                </a:tc>
+                <a:extLst>
+                  <a:ext uri="{0D108BD9-81ED-4DB2-BD59-A6C34878D82A}">
+                    <a16:rowId xmlns:a16="http://schemas.microsoft.com/office/drawing/2014/main" val="1564031315"/>
+                  </a:ext>
+                </a:extLst>
+              </a:tr>
+              <a:tr h="0">
+                <a:tc>
+                  <a:txBody>
+                    <a:bodyPr/>
+                    <a:lstStyle/>
+                    <a:p>
+                      <a:pPr algn="r" rtl="0" fontAlgn="t">
+                        <a:spcBef>
+                          <a:spcPts val="0"/>
+                        </a:spcBef>
+                        <a:spcAft>
+                          <a:spcPts val="0"/>
+                        </a:spcAft>
+                      </a:pPr>
+                      <a:r>
+                        <a:rPr lang="en-US" sz="2400" b="0" dirty="0">
+                          <a:solidFill>
+                            <a:srgbClr val="009EC0"/>
+                          </a:solidFill>
+                          <a:effectLst/>
+                          <a:latin typeface="+mj-lt"/>
+                        </a:rPr>
+                        <a:t>Judgment</a:t>
+                      </a:r>
+                    </a:p>
+                  </a:txBody>
+                  <a:tcPr marL="182880" marR="182880" marT="274320" marB="274320">
+                    <a:lnR w="3175" cap="flat" cmpd="sng" algn="ctr">
+                      <a:solidFill>
+                        <a:schemeClr val="tx1">
+                          <a:lumMod val="65000"/>
+                        </a:schemeClr>
+                      </a:solidFill>
+                      <a:prstDash val="solid"/>
+                      <a:round/>
+                      <a:headEnd type="none" w="med" len="med"/>
+                      <a:tailEnd type="none" w="med" len="med"/>
+                    </a:lnR>
+                  </a:tcPr>
+                </a:tc>
+                <a:tc>
+                  <a:txBody>
+                    <a:bodyPr/>
+                    <a:lstStyle/>
+                    <a:p>
+                      <a:pPr rtl="0" fontAlgn="t">
+                        <a:spcBef>
+                          <a:spcPts val="0"/>
+                        </a:spcBef>
+                        <a:spcAft>
+                          <a:spcPts val="0"/>
+                        </a:spcAft>
+                      </a:pPr>
+                      <a:r>
+                        <a:rPr lang="en-US" sz="2300" b="0" i="0" u="none" strike="noStrike" kern="1200" dirty="0">
+                          <a:solidFill>
+                            <a:schemeClr val="tx1"/>
+                          </a:solidFill>
+                          <a:effectLst/>
+                          <a:latin typeface="+mn-lt"/>
+                          <a:ea typeface="+mn-ea"/>
+                          <a:cs typeface="+mn-cs"/>
+                        </a:rPr>
+                        <a:t>Judas / Jerusalem destined for destruction</a:t>
+                      </a:r>
+                      <a:endParaRPr lang="en-US" sz="2300" dirty="0">
+                        <a:solidFill>
+                          <a:schemeClr val="tx1"/>
+                        </a:solidFill>
+                        <a:effectLst/>
+                        <a:latin typeface="+mj-lt"/>
+                      </a:endParaRPr>
+                    </a:p>
+                  </a:txBody>
+                  <a:tcPr marL="182880" marR="182880" marT="274320" marB="274320">
+                    <a:lnL w="3175" cap="flat" cmpd="sng" algn="ctr">
+                      <a:solidFill>
+                        <a:schemeClr val="tx1">
+                          <a:lumMod val="65000"/>
+                        </a:schemeClr>
+                      </a:solidFill>
+                      <a:prstDash val="solid"/>
+                      <a:round/>
+                      <a:headEnd type="none" w="med" len="med"/>
+                      <a:tailEnd type="none" w="med" len="med"/>
+                    </a:lnL>
+                  </a:tcPr>
+                </a:tc>
+                <a:extLst>
+                  <a:ext uri="{0D108BD9-81ED-4DB2-BD59-A6C34878D82A}">
+                    <a16:rowId xmlns:a16="http://schemas.microsoft.com/office/drawing/2014/main" val="3045623234"/>
+                  </a:ext>
+                </a:extLst>
+              </a:tr>
+            </a:tbl>
+          </a:graphicData>
+        </a:graphic>
+      </p:graphicFrame>
     </p:spTree>
     <p:extLst>
       <p:ext uri="{BB962C8B-B14F-4D97-AF65-F5344CB8AC3E}">
-        <p14:creationId xmlns:p14="http://schemas.microsoft.com/office/powerpoint/2010/main" val="623148891"/>
+        <p14:creationId xmlns:p14="http://schemas.microsoft.com/office/powerpoint/2010/main" val="3127358521"/>
       </p:ext>
     </p:extLst>
   </p:cSld>
@@ -5111,13 +6125,13 @@
         <p:spPr/>
         <p:txBody>
           <a:bodyPr>
-            <a:noAutofit/>
+            <a:normAutofit/>
           </a:bodyPr>
           <a:lstStyle/>
           <a:p>
             <a:r>
-              <a:rPr lang="en-US" sz="2700" dirty="0"/>
-              <a:t>Matthew 2:23 (as a possible fulfillment of Isaiah 11:1 or just that Jesus would come from a no-name town)</a:t>
+              <a:rPr lang="en-US" dirty="0"/>
+              <a:t>Matthew 2:15 / Hosea 11:1</a:t>
             </a:r>
           </a:p>
         </p:txBody>
@@ -5139,7 +6153,7 @@
           <a:p>
             <a:r>
               <a:rPr lang="en-US" dirty="0"/>
-              <a:t>4</a:t>
+              <a:t>2</a:t>
             </a:r>
           </a:p>
         </p:txBody>
@@ -5147,7 +6161,7 @@
     </p:spTree>
     <p:extLst>
       <p:ext uri="{BB962C8B-B14F-4D97-AF65-F5344CB8AC3E}">
-        <p14:creationId xmlns:p14="http://schemas.microsoft.com/office/powerpoint/2010/main" val="3012287931"/>
+        <p14:creationId xmlns:p14="http://schemas.microsoft.com/office/powerpoint/2010/main" val="439643971"/>
       </p:ext>
     </p:extLst>
   </p:cSld>
@@ -5187,15 +6201,14 @@
         <p:spPr/>
         <p:txBody>
           <a:bodyPr>
-            <a:noAutofit/>
+            <a:normAutofit/>
           </a:bodyPr>
           <a:lstStyle/>
           <a:p>
             <a:r>
               <a:rPr lang="en-US" dirty="0"/>
-              <a:t>Matthew 8:17 / Isaiah 53:4</a:t>
+              <a:t>Matthew 4:14-15 / Isaiah 9:1-2</a:t>
             </a:r>
-            <a:endParaRPr lang="en-US" sz="3200" dirty="0"/>
           </a:p>
         </p:txBody>
       </p:sp>
@@ -5216,7 +6229,7 @@
           <a:p>
             <a:r>
               <a:rPr lang="en-US" dirty="0"/>
-              <a:t>6</a:t>
+              <a:t>5</a:t>
             </a:r>
           </a:p>
         </p:txBody>
@@ -5224,7 +6237,7 @@
     </p:spTree>
     <p:extLst>
       <p:ext uri="{BB962C8B-B14F-4D97-AF65-F5344CB8AC3E}">
-        <p14:creationId xmlns:p14="http://schemas.microsoft.com/office/powerpoint/2010/main" val="2042154026"/>
+        <p14:creationId xmlns:p14="http://schemas.microsoft.com/office/powerpoint/2010/main" val="2547159331"/>
       </p:ext>
     </p:extLst>
   </p:cSld>
@@ -5264,13 +6277,13 @@
         <p:spPr/>
         <p:txBody>
           <a:bodyPr>
-            <a:normAutofit fontScale="90000"/>
+            <a:noAutofit/>
           </a:bodyPr>
           <a:lstStyle/>
           <a:p>
             <a:r>
-              <a:rPr lang="en-US" dirty="0"/>
-              <a:t>Matthew 12:17-18 / Isaiah 42:1 and following</a:t>
+              <a:rPr lang="en-US" sz="3600" dirty="0"/>
+              <a:t>Matthew 26:54, 56 (does not include a specific text that this is a fulfillment of)</a:t>
             </a:r>
           </a:p>
         </p:txBody>
@@ -5292,7 +6305,7 @@
           <a:p>
             <a:r>
               <a:rPr lang="en-US" dirty="0"/>
-              <a:t>7</a:t>
+              <a:t>11</a:t>
             </a:r>
           </a:p>
         </p:txBody>
@@ -5300,7 +6313,7 @@
     </p:spTree>
     <p:extLst>
       <p:ext uri="{BB962C8B-B14F-4D97-AF65-F5344CB8AC3E}">
-        <p14:creationId xmlns:p14="http://schemas.microsoft.com/office/powerpoint/2010/main" val="3848006672"/>
+        <p14:creationId xmlns:p14="http://schemas.microsoft.com/office/powerpoint/2010/main" val="623148891"/>
       </p:ext>
     </p:extLst>
   </p:cSld>
@@ -5340,13 +6353,13 @@
         <p:spPr/>
         <p:txBody>
           <a:bodyPr>
-            <a:normAutofit/>
+            <a:noAutofit/>
           </a:bodyPr>
           <a:lstStyle/>
           <a:p>
             <a:r>
-              <a:rPr lang="en-US" dirty="0"/>
-              <a:t>Matthew 13:14 / Isaiah 6:9-10</a:t>
+              <a:rPr lang="en-US" sz="2700" dirty="0"/>
+              <a:t>Matthew 2:23 (as a possible fulfillment of Isaiah 11:1 or just that Jesus would come from a no-name town)</a:t>
             </a:r>
           </a:p>
         </p:txBody>
@@ -5368,7 +6381,7 @@
           <a:p>
             <a:r>
               <a:rPr lang="en-US" dirty="0"/>
-              <a:t>8</a:t>
+              <a:t>4</a:t>
             </a:r>
           </a:p>
         </p:txBody>
@@ -5376,7 +6389,7 @@
     </p:spTree>
     <p:extLst>
       <p:ext uri="{BB962C8B-B14F-4D97-AF65-F5344CB8AC3E}">
-        <p14:creationId xmlns:p14="http://schemas.microsoft.com/office/powerpoint/2010/main" val="1757257959"/>
+        <p14:creationId xmlns:p14="http://schemas.microsoft.com/office/powerpoint/2010/main" val="3012287931"/>
       </p:ext>
     </p:extLst>
   </p:cSld>
@@ -5416,14 +6429,15 @@
         <p:spPr/>
         <p:txBody>
           <a:bodyPr>
-            <a:normAutofit/>
+            <a:noAutofit/>
           </a:bodyPr>
           <a:lstStyle/>
           <a:p>
             <a:r>
               <a:rPr lang="en-US" dirty="0"/>
-              <a:t>Matthew 13:35 / Psalm 78:2</a:t>
+              <a:t>Matthew 8:17 / Isaiah 53:4</a:t>
             </a:r>
+            <a:endParaRPr lang="en-US" sz="3200" dirty="0"/>
           </a:p>
         </p:txBody>
       </p:sp>
@@ -5444,7 +6458,7 @@
           <a:p>
             <a:r>
               <a:rPr lang="en-US" dirty="0"/>
-              <a:t>9</a:t>
+              <a:t>6</a:t>
             </a:r>
           </a:p>
         </p:txBody>
@@ -5452,7 +6466,7 @@
     </p:spTree>
     <p:extLst>
       <p:ext uri="{BB962C8B-B14F-4D97-AF65-F5344CB8AC3E}">
-        <p14:creationId xmlns:p14="http://schemas.microsoft.com/office/powerpoint/2010/main" val="3805440107"/>
+        <p14:creationId xmlns:p14="http://schemas.microsoft.com/office/powerpoint/2010/main" val="2042154026"/>
       </p:ext>
     </p:extLst>
   </p:cSld>
@@ -5492,13 +6506,13 @@
         <p:spPr/>
         <p:txBody>
           <a:bodyPr>
-            <a:normAutofit/>
+            <a:normAutofit fontScale="90000"/>
           </a:bodyPr>
           <a:lstStyle/>
           <a:p>
             <a:r>
               <a:rPr lang="en-US" dirty="0"/>
-              <a:t>Matthew 21:4 / Zechariah 9:9</a:t>
+              <a:t>Matthew 12:17-18 / Isaiah 42:1 and following</a:t>
             </a:r>
           </a:p>
         </p:txBody>
@@ -5520,6 +6534,943 @@
           <a:p>
             <a:r>
               <a:rPr lang="en-US" dirty="0"/>
+              <a:t>7</a:t>
+            </a:r>
+          </a:p>
+        </p:txBody>
+      </p:sp>
+    </p:spTree>
+    <p:extLst>
+      <p:ext uri="{BB962C8B-B14F-4D97-AF65-F5344CB8AC3E}">
+        <p14:creationId xmlns:p14="http://schemas.microsoft.com/office/powerpoint/2010/main" val="3848006672"/>
+      </p:ext>
+    </p:extLst>
+  </p:cSld>
+  <p:clrMapOvr>
+    <a:masterClrMapping/>
+  </p:clrMapOvr>
+</p:sld>
+</file>
+
+<file path=ppt/slides/slide18.xml><?xml version="1.0" encoding="utf-8"?>
+<p:sld xmlns:a="http://schemas.openxmlformats.org/drawingml/2006/main" xmlns:r="http://schemas.openxmlformats.org/officeDocument/2006/relationships" xmlns:p="http://schemas.openxmlformats.org/presentationml/2006/main">
+  <p:cSld>
+    <p:spTree>
+      <p:nvGrpSpPr>
+        <p:cNvPr id="1" name=""/>
+        <p:cNvGrpSpPr/>
+        <p:nvPr/>
+      </p:nvGrpSpPr>
+      <p:grpSpPr>
+        <a:xfrm>
+          <a:off x="0" y="0"/>
+          <a:ext cx="0" cy="0"/>
+          <a:chOff x="0" y="0"/>
+          <a:chExt cx="0" cy="0"/>
+        </a:xfrm>
+      </p:grpSpPr>
+      <p:sp>
+        <p:nvSpPr>
+          <p:cNvPr id="2" name="Title 1"/>
+          <p:cNvSpPr>
+            <a:spLocks noGrp="1"/>
+          </p:cNvSpPr>
+          <p:nvPr>
+            <p:ph type="title"/>
+          </p:nvPr>
+        </p:nvSpPr>
+        <p:spPr/>
+        <p:txBody>
+          <a:bodyPr>
+            <a:normAutofit/>
+          </a:bodyPr>
+          <a:lstStyle/>
+          <a:p>
+            <a:r>
+              <a:rPr lang="en-US" dirty="0"/>
+              <a:t>Matthew 13:14 / Isaiah 6:9-10</a:t>
+            </a:r>
+          </a:p>
+        </p:txBody>
+      </p:sp>
+      <p:sp>
+        <p:nvSpPr>
+          <p:cNvPr id="3" name="Text Placeholder 2"/>
+          <p:cNvSpPr>
+            <a:spLocks noGrp="1"/>
+          </p:cNvSpPr>
+          <p:nvPr>
+            <p:ph type="body" sz="quarter" idx="13"/>
+          </p:nvPr>
+        </p:nvSpPr>
+        <p:spPr/>
+        <p:txBody>
+          <a:bodyPr/>
+          <a:lstStyle/>
+          <a:p>
+            <a:r>
+              <a:rPr lang="en-US" dirty="0"/>
+              <a:t>8</a:t>
+            </a:r>
+          </a:p>
+        </p:txBody>
+      </p:sp>
+    </p:spTree>
+    <p:extLst>
+      <p:ext uri="{BB962C8B-B14F-4D97-AF65-F5344CB8AC3E}">
+        <p14:creationId xmlns:p14="http://schemas.microsoft.com/office/powerpoint/2010/main" val="1757257959"/>
+      </p:ext>
+    </p:extLst>
+  </p:cSld>
+  <p:clrMapOvr>
+    <a:masterClrMapping/>
+  </p:clrMapOvr>
+</p:sld>
+</file>
+
+<file path=ppt/slides/slide19.xml><?xml version="1.0" encoding="utf-8"?>
+<p:sld xmlns:a="http://schemas.openxmlformats.org/drawingml/2006/main" xmlns:r="http://schemas.openxmlformats.org/officeDocument/2006/relationships" xmlns:p="http://schemas.openxmlformats.org/presentationml/2006/main">
+  <p:cSld>
+    <p:spTree>
+      <p:nvGrpSpPr>
+        <p:cNvPr id="1" name=""/>
+        <p:cNvGrpSpPr/>
+        <p:nvPr/>
+      </p:nvGrpSpPr>
+      <p:grpSpPr>
+        <a:xfrm>
+          <a:off x="0" y="0"/>
+          <a:ext cx="0" cy="0"/>
+          <a:chOff x="0" y="0"/>
+          <a:chExt cx="0" cy="0"/>
+        </a:xfrm>
+      </p:grpSpPr>
+      <p:sp>
+        <p:nvSpPr>
+          <p:cNvPr id="2" name="Title 1"/>
+          <p:cNvSpPr>
+            <a:spLocks noGrp="1"/>
+          </p:cNvSpPr>
+          <p:nvPr>
+            <p:ph type="title"/>
+          </p:nvPr>
+        </p:nvSpPr>
+        <p:spPr/>
+        <p:txBody>
+          <a:bodyPr>
+            <a:normAutofit/>
+          </a:bodyPr>
+          <a:lstStyle/>
+          <a:p>
+            <a:r>
+              <a:rPr lang="en-US" dirty="0"/>
+              <a:t>Matthew 13:35 / Psalm 78:2</a:t>
+            </a:r>
+          </a:p>
+        </p:txBody>
+      </p:sp>
+      <p:sp>
+        <p:nvSpPr>
+          <p:cNvPr id="3" name="Text Placeholder 2"/>
+          <p:cNvSpPr>
+            <a:spLocks noGrp="1"/>
+          </p:cNvSpPr>
+          <p:nvPr>
+            <p:ph type="body" sz="quarter" idx="13"/>
+          </p:nvPr>
+        </p:nvSpPr>
+        <p:spPr/>
+        <p:txBody>
+          <a:bodyPr/>
+          <a:lstStyle/>
+          <a:p>
+            <a:r>
+              <a:rPr lang="en-US" dirty="0"/>
+              <a:t>9</a:t>
+            </a:r>
+          </a:p>
+        </p:txBody>
+      </p:sp>
+    </p:spTree>
+    <p:extLst>
+      <p:ext uri="{BB962C8B-B14F-4D97-AF65-F5344CB8AC3E}">
+        <p14:creationId xmlns:p14="http://schemas.microsoft.com/office/powerpoint/2010/main" val="3805440107"/>
+      </p:ext>
+    </p:extLst>
+  </p:cSld>
+  <p:clrMapOvr>
+    <a:masterClrMapping/>
+  </p:clrMapOvr>
+</p:sld>
+</file>
+
+<file path=ppt/slides/slide2.xml><?xml version="1.0" encoding="utf-8"?>
+<p:sld xmlns:a="http://schemas.openxmlformats.org/drawingml/2006/main" xmlns:r="http://schemas.openxmlformats.org/officeDocument/2006/relationships" xmlns:p="http://schemas.openxmlformats.org/presentationml/2006/main">
+  <p:cSld>
+    <p:spTree>
+      <p:nvGrpSpPr>
+        <p:cNvPr id="1" name=""/>
+        <p:cNvGrpSpPr/>
+        <p:nvPr/>
+      </p:nvGrpSpPr>
+      <p:grpSpPr>
+        <a:xfrm>
+          <a:off x="0" y="0"/>
+          <a:ext cx="0" cy="0"/>
+          <a:chOff x="0" y="0"/>
+          <a:chExt cx="0" cy="0"/>
+        </a:xfrm>
+      </p:grpSpPr>
+      <p:grpSp>
+        <p:nvGrpSpPr>
+          <p:cNvPr id="4" name="Group 3">
+            <a:extLst>
+              <a:ext uri="{FF2B5EF4-FFF2-40B4-BE49-F238E27FC236}">
+                <a16:creationId xmlns:a16="http://schemas.microsoft.com/office/drawing/2014/main" id="{76D0AD62-610F-2343-9B0E-52F648458EA8}"/>
+              </a:ext>
+            </a:extLst>
+          </p:cNvPr>
+          <p:cNvGrpSpPr/>
+          <p:nvPr/>
+        </p:nvGrpSpPr>
+        <p:grpSpPr>
+          <a:xfrm>
+            <a:off x="209549" y="1669464"/>
+            <a:ext cx="8724901" cy="1384995"/>
+            <a:chOff x="304800" y="4648200"/>
+            <a:chExt cx="8724901" cy="1384995"/>
+          </a:xfrm>
+        </p:grpSpPr>
+        <p:sp>
+          <p:nvSpPr>
+            <p:cNvPr id="2" name="TextBox 1">
+              <a:extLst>
+                <a:ext uri="{FF2B5EF4-FFF2-40B4-BE49-F238E27FC236}">
+                  <a16:creationId xmlns:a16="http://schemas.microsoft.com/office/drawing/2014/main" id="{65E69FF4-5D6C-1F4A-BC1D-8328E1004154}"/>
+                </a:ext>
+              </a:extLst>
+            </p:cNvPr>
+            <p:cNvSpPr txBox="1"/>
+            <p:nvPr/>
+          </p:nvSpPr>
+          <p:spPr>
+            <a:xfrm>
+              <a:off x="304800" y="4648200"/>
+              <a:ext cx="1147943" cy="523220"/>
+            </a:xfrm>
+            <a:prstGeom prst="rect">
+              <a:avLst/>
+            </a:prstGeom>
+            <a:noFill/>
+          </p:spPr>
+          <p:txBody>
+            <a:bodyPr wrap="none" rtlCol="0">
+              <a:spAutoFit/>
+            </a:bodyPr>
+            <a:lstStyle/>
+            <a:p>
+              <a:r>
+                <a:rPr lang="en-US" sz="2800" dirty="0">
+                  <a:solidFill>
+                    <a:srgbClr val="009EC0"/>
+                  </a:solidFill>
+                </a:rPr>
+                <a:t>What?</a:t>
+              </a:r>
+            </a:p>
+          </p:txBody>
+        </p:sp>
+        <p:sp>
+          <p:nvSpPr>
+            <p:cNvPr id="3" name="TextBox 2">
+              <a:extLst>
+                <a:ext uri="{FF2B5EF4-FFF2-40B4-BE49-F238E27FC236}">
+                  <a16:creationId xmlns:a16="http://schemas.microsoft.com/office/drawing/2014/main" id="{E796A5EC-87C6-D048-8010-771FD1CA8E24}"/>
+                </a:ext>
+              </a:extLst>
+            </p:cNvPr>
+            <p:cNvSpPr txBox="1"/>
+            <p:nvPr/>
+          </p:nvSpPr>
+          <p:spPr>
+            <a:xfrm>
+              <a:off x="1600201" y="4648200"/>
+              <a:ext cx="7429500" cy="1384995"/>
+            </a:xfrm>
+            <a:prstGeom prst="rect">
+              <a:avLst/>
+            </a:prstGeom>
+            <a:noFill/>
+          </p:spPr>
+          <p:txBody>
+            <a:bodyPr wrap="square" rtlCol="0">
+              <a:spAutoFit/>
+            </a:bodyPr>
+            <a:lstStyle/>
+            <a:p>
+              <a:r>
+                <a:rPr lang="en-US" sz="2800" dirty="0"/>
+                <a:t>Understand the particulars of how the Gospel authors understood Jesus to have fulfilled prophecies</a:t>
+              </a:r>
+            </a:p>
+          </p:txBody>
+        </p:sp>
+      </p:grpSp>
+      <p:grpSp>
+        <p:nvGrpSpPr>
+          <p:cNvPr id="6" name="Group 5">
+            <a:extLst>
+              <a:ext uri="{FF2B5EF4-FFF2-40B4-BE49-F238E27FC236}">
+                <a16:creationId xmlns:a16="http://schemas.microsoft.com/office/drawing/2014/main" id="{16DEED69-411E-5C47-8C2F-1FA7F3AC4BAB}"/>
+              </a:ext>
+            </a:extLst>
+          </p:cNvPr>
+          <p:cNvGrpSpPr/>
+          <p:nvPr/>
+        </p:nvGrpSpPr>
+        <p:grpSpPr>
+          <a:xfrm>
+            <a:off x="209549" y="3313093"/>
+            <a:ext cx="8724901" cy="954107"/>
+            <a:chOff x="304800" y="4648200"/>
+            <a:chExt cx="8724901" cy="954107"/>
+          </a:xfrm>
+        </p:grpSpPr>
+        <p:sp>
+          <p:nvSpPr>
+            <p:cNvPr id="7" name="TextBox 6">
+              <a:extLst>
+                <a:ext uri="{FF2B5EF4-FFF2-40B4-BE49-F238E27FC236}">
+                  <a16:creationId xmlns:a16="http://schemas.microsoft.com/office/drawing/2014/main" id="{0BE67C1E-EE53-F64B-A1C4-C71C7BD5283F}"/>
+                </a:ext>
+              </a:extLst>
+            </p:cNvPr>
+            <p:cNvSpPr txBox="1"/>
+            <p:nvPr/>
+          </p:nvSpPr>
+          <p:spPr>
+            <a:xfrm>
+              <a:off x="304800" y="4648200"/>
+              <a:ext cx="1014765" cy="523220"/>
+            </a:xfrm>
+            <a:prstGeom prst="rect">
+              <a:avLst/>
+            </a:prstGeom>
+            <a:noFill/>
+          </p:spPr>
+          <p:txBody>
+            <a:bodyPr wrap="none" rtlCol="0">
+              <a:spAutoFit/>
+            </a:bodyPr>
+            <a:lstStyle/>
+            <a:p>
+              <a:r>
+                <a:rPr lang="en-US" sz="2800" dirty="0">
+                  <a:solidFill>
+                    <a:srgbClr val="009EC0"/>
+                  </a:solidFill>
+                </a:rPr>
+                <a:t>Why?</a:t>
+              </a:r>
+            </a:p>
+          </p:txBody>
+        </p:sp>
+        <p:sp>
+          <p:nvSpPr>
+            <p:cNvPr id="8" name="TextBox 7">
+              <a:extLst>
+                <a:ext uri="{FF2B5EF4-FFF2-40B4-BE49-F238E27FC236}">
+                  <a16:creationId xmlns:a16="http://schemas.microsoft.com/office/drawing/2014/main" id="{44657A2D-A10C-1745-AFDB-1C0FC5EA2AAD}"/>
+                </a:ext>
+              </a:extLst>
+            </p:cNvPr>
+            <p:cNvSpPr txBox="1"/>
+            <p:nvPr/>
+          </p:nvSpPr>
+          <p:spPr>
+            <a:xfrm>
+              <a:off x="1600201" y="4648200"/>
+              <a:ext cx="7429500" cy="954107"/>
+            </a:xfrm>
+            <a:prstGeom prst="rect">
+              <a:avLst/>
+            </a:prstGeom>
+            <a:noFill/>
+          </p:spPr>
+          <p:txBody>
+            <a:bodyPr wrap="square" rtlCol="0">
+              <a:spAutoFit/>
+            </a:bodyPr>
+            <a:lstStyle/>
+            <a:p>
+              <a:r>
+                <a:rPr lang="en-US" sz="2800" dirty="0"/>
+                <a:t>So that we are not swayed by arguments that assume the prophecies are </a:t>
+              </a:r>
+              <a:r>
+                <a:rPr lang="en-US" sz="2800" b="1" dirty="0">
+                  <a:highlight>
+                    <a:srgbClr val="C00002"/>
+                  </a:highlight>
+                </a:rPr>
+                <a:t>taken out of context</a:t>
+              </a:r>
+            </a:p>
+          </p:txBody>
+        </p:sp>
+      </p:grpSp>
+      <p:grpSp>
+        <p:nvGrpSpPr>
+          <p:cNvPr id="9" name="Group 8">
+            <a:extLst>
+              <a:ext uri="{FF2B5EF4-FFF2-40B4-BE49-F238E27FC236}">
+                <a16:creationId xmlns:a16="http://schemas.microsoft.com/office/drawing/2014/main" id="{493A2E7B-FE2C-7045-B882-6D1EC3306C1D}"/>
+              </a:ext>
+            </a:extLst>
+          </p:cNvPr>
+          <p:cNvGrpSpPr/>
+          <p:nvPr/>
+        </p:nvGrpSpPr>
+        <p:grpSpPr>
+          <a:xfrm>
+            <a:off x="209549" y="4648200"/>
+            <a:ext cx="8724901" cy="1384995"/>
+            <a:chOff x="304800" y="4648200"/>
+            <a:chExt cx="8724901" cy="1384995"/>
+          </a:xfrm>
+        </p:grpSpPr>
+        <p:sp>
+          <p:nvSpPr>
+            <p:cNvPr id="10" name="TextBox 9">
+              <a:extLst>
+                <a:ext uri="{FF2B5EF4-FFF2-40B4-BE49-F238E27FC236}">
+                  <a16:creationId xmlns:a16="http://schemas.microsoft.com/office/drawing/2014/main" id="{DCC9CB31-E9E8-7549-8460-8E8840BD1585}"/>
+                </a:ext>
+              </a:extLst>
+            </p:cNvPr>
+            <p:cNvSpPr txBox="1"/>
+            <p:nvPr/>
+          </p:nvSpPr>
+          <p:spPr>
+            <a:xfrm>
+              <a:off x="304800" y="4648200"/>
+              <a:ext cx="1020023" cy="523220"/>
+            </a:xfrm>
+            <a:prstGeom prst="rect">
+              <a:avLst/>
+            </a:prstGeom>
+            <a:noFill/>
+          </p:spPr>
+          <p:txBody>
+            <a:bodyPr wrap="none" rtlCol="0">
+              <a:spAutoFit/>
+            </a:bodyPr>
+            <a:lstStyle/>
+            <a:p>
+              <a:r>
+                <a:rPr lang="en-US" sz="2800" dirty="0">
+                  <a:solidFill>
+                    <a:srgbClr val="009EC0"/>
+                  </a:solidFill>
+                </a:rPr>
+                <a:t>How?</a:t>
+              </a:r>
+            </a:p>
+          </p:txBody>
+        </p:sp>
+        <p:sp>
+          <p:nvSpPr>
+            <p:cNvPr id="11" name="TextBox 10">
+              <a:extLst>
+                <a:ext uri="{FF2B5EF4-FFF2-40B4-BE49-F238E27FC236}">
+                  <a16:creationId xmlns:a16="http://schemas.microsoft.com/office/drawing/2014/main" id="{4729ADED-FFF5-454C-BE17-6323C474D829}"/>
+                </a:ext>
+              </a:extLst>
+            </p:cNvPr>
+            <p:cNvSpPr txBox="1"/>
+            <p:nvPr/>
+          </p:nvSpPr>
+          <p:spPr>
+            <a:xfrm>
+              <a:off x="1600201" y="4648200"/>
+              <a:ext cx="7429500" cy="1384995"/>
+            </a:xfrm>
+            <a:prstGeom prst="rect">
+              <a:avLst/>
+            </a:prstGeom>
+            <a:noFill/>
+          </p:spPr>
+          <p:txBody>
+            <a:bodyPr wrap="square" rtlCol="0">
+              <a:spAutoFit/>
+            </a:bodyPr>
+            <a:lstStyle/>
+            <a:p>
+              <a:r>
+                <a:rPr lang="en-US" sz="2800" dirty="0"/>
+                <a:t>By showing that the fulfillments are not all simple 1-to-1 prophecies are sometimes require knowing </a:t>
+              </a:r>
+              <a:r>
+                <a:rPr lang="en-US" sz="2800" b="1" i="1" dirty="0">
+                  <a:highlight>
+                    <a:srgbClr val="C00002"/>
+                  </a:highlight>
+                </a:rPr>
+                <a:t>more</a:t>
+              </a:r>
+              <a:r>
+                <a:rPr lang="en-US" sz="2800" b="1" dirty="0">
+                  <a:highlight>
+                    <a:srgbClr val="C00002"/>
+                  </a:highlight>
+                </a:rPr>
+                <a:t> context</a:t>
+              </a:r>
+            </a:p>
+          </p:txBody>
+        </p:sp>
+      </p:grpSp>
+      <p:cxnSp>
+        <p:nvCxnSpPr>
+          <p:cNvPr id="13" name="Straight Connector 12">
+            <a:extLst>
+              <a:ext uri="{FF2B5EF4-FFF2-40B4-BE49-F238E27FC236}">
+                <a16:creationId xmlns:a16="http://schemas.microsoft.com/office/drawing/2014/main" id="{09B462F9-C753-8044-8DE2-965ABC154D9C}"/>
+              </a:ext>
+            </a:extLst>
+          </p:cNvPr>
+          <p:cNvCxnSpPr>
+            <a:cxnSpLocks/>
+          </p:cNvCxnSpPr>
+          <p:nvPr/>
+        </p:nvCxnSpPr>
+        <p:spPr>
+          <a:xfrm>
+            <a:off x="1373874" y="1669464"/>
+            <a:ext cx="0" cy="4363731"/>
+          </a:xfrm>
+          <a:prstGeom prst="line">
+            <a:avLst/>
+          </a:prstGeom>
+          <a:ln>
+            <a:solidFill>
+              <a:schemeClr val="bg1">
+                <a:lumMod val="75000"/>
+                <a:lumOff val="25000"/>
+              </a:schemeClr>
+            </a:solidFill>
+          </a:ln>
+        </p:spPr>
+        <p:style>
+          <a:lnRef idx="1">
+            <a:schemeClr val="accent1"/>
+          </a:lnRef>
+          <a:fillRef idx="0">
+            <a:schemeClr val="accent1"/>
+          </a:fillRef>
+          <a:effectRef idx="0">
+            <a:schemeClr val="accent1"/>
+          </a:effectRef>
+          <a:fontRef idx="minor">
+            <a:schemeClr val="tx1"/>
+          </a:fontRef>
+        </p:style>
+      </p:cxnSp>
+      <p:sp>
+        <p:nvSpPr>
+          <p:cNvPr id="15" name="TextBox 14">
+            <a:extLst>
+              <a:ext uri="{FF2B5EF4-FFF2-40B4-BE49-F238E27FC236}">
+                <a16:creationId xmlns:a16="http://schemas.microsoft.com/office/drawing/2014/main" id="{C43D1156-26DE-A44F-B5F8-AACFA794E957}"/>
+              </a:ext>
+            </a:extLst>
+          </p:cNvPr>
+          <p:cNvSpPr txBox="1"/>
+          <p:nvPr/>
+        </p:nvSpPr>
+        <p:spPr>
+          <a:xfrm>
+            <a:off x="209549" y="708674"/>
+            <a:ext cx="8934451" cy="769441"/>
+          </a:xfrm>
+          <a:prstGeom prst="rect">
+            <a:avLst/>
+          </a:prstGeom>
+          <a:noFill/>
+        </p:spPr>
+        <p:txBody>
+          <a:bodyPr wrap="square" rtlCol="0">
+            <a:spAutoFit/>
+          </a:bodyPr>
+          <a:lstStyle/>
+          <a:p>
+            <a:r>
+              <a:rPr lang="en-US" sz="4400" b="1" dirty="0"/>
+              <a:t>IDEA IN BRIEF</a:t>
+            </a:r>
+          </a:p>
+        </p:txBody>
+      </p:sp>
+    </p:spTree>
+    <p:extLst>
+      <p:ext uri="{BB962C8B-B14F-4D97-AF65-F5344CB8AC3E}">
+        <p14:creationId xmlns:p14="http://schemas.microsoft.com/office/powerpoint/2010/main" val="1172752514"/>
+      </p:ext>
+    </p:extLst>
+  </p:cSld>
+  <p:clrMapOvr>
+    <a:masterClrMapping/>
+  </p:clrMapOvr>
+  <p:timing>
+    <p:tnLst>
+      <p:par>
+        <p:cTn id="1" dur="indefinite" restart="never" nodeType="tmRoot">
+          <p:childTnLst>
+            <p:seq concurrent="1" nextAc="seek">
+              <p:cTn id="2" dur="indefinite" nodeType="mainSeq">
+                <p:childTnLst>
+                  <p:par>
+                    <p:cTn id="3" fill="hold">
+                      <p:stCondLst>
+                        <p:cond delay="indefinite"/>
+                      </p:stCondLst>
+                      <p:childTnLst>
+                        <p:par>
+                          <p:cTn id="4" fill="hold">
+                            <p:stCondLst>
+                              <p:cond delay="0"/>
+                            </p:stCondLst>
+                            <p:childTnLst>
+                              <p:par>
+                                <p:cTn id="5" presetID="10" presetClass="entr" presetSubtype="0" fill="hold" grpId="0" nodeType="clickEffect">
+                                  <p:stCondLst>
+                                    <p:cond delay="0"/>
+                                  </p:stCondLst>
+                                  <p:childTnLst>
+                                    <p:set>
+                                      <p:cBhvr>
+                                        <p:cTn id="6" dur="1" fill="hold">
+                                          <p:stCondLst>
+                                            <p:cond delay="0"/>
+                                          </p:stCondLst>
+                                        </p:cTn>
+                                        <p:tgtEl>
+                                          <p:spTgt spid="15"/>
+                                        </p:tgtEl>
+                                        <p:attrNameLst>
+                                          <p:attrName>style.visibility</p:attrName>
+                                        </p:attrNameLst>
+                                      </p:cBhvr>
+                                      <p:to>
+                                        <p:strVal val="visible"/>
+                                      </p:to>
+                                    </p:set>
+                                    <p:animEffect transition="in" filter="fade">
+                                      <p:cBhvr>
+                                        <p:cTn id="7" dur="250"/>
+                                        <p:tgtEl>
+                                          <p:spTgt spid="15"/>
+                                        </p:tgtEl>
+                                      </p:cBhvr>
+                                    </p:animEffect>
+                                  </p:childTnLst>
+                                </p:cTn>
+                              </p:par>
+                            </p:childTnLst>
+                          </p:cTn>
+                        </p:par>
+                      </p:childTnLst>
+                    </p:cTn>
+                  </p:par>
+                  <p:par>
+                    <p:cTn id="8" fill="hold">
+                      <p:stCondLst>
+                        <p:cond delay="indefinite"/>
+                      </p:stCondLst>
+                      <p:childTnLst>
+                        <p:par>
+                          <p:cTn id="9" fill="hold">
+                            <p:stCondLst>
+                              <p:cond delay="0"/>
+                            </p:stCondLst>
+                            <p:childTnLst>
+                              <p:par>
+                                <p:cTn id="10" presetID="10" presetClass="entr" presetSubtype="0" fill="hold" nodeType="clickEffect">
+                                  <p:stCondLst>
+                                    <p:cond delay="0"/>
+                                  </p:stCondLst>
+                                  <p:childTnLst>
+                                    <p:set>
+                                      <p:cBhvr>
+                                        <p:cTn id="11" dur="1" fill="hold">
+                                          <p:stCondLst>
+                                            <p:cond delay="0"/>
+                                          </p:stCondLst>
+                                        </p:cTn>
+                                        <p:tgtEl>
+                                          <p:spTgt spid="13"/>
+                                        </p:tgtEl>
+                                        <p:attrNameLst>
+                                          <p:attrName>style.visibility</p:attrName>
+                                        </p:attrNameLst>
+                                      </p:cBhvr>
+                                      <p:to>
+                                        <p:strVal val="visible"/>
+                                      </p:to>
+                                    </p:set>
+                                    <p:animEffect transition="in" filter="fade">
+                                      <p:cBhvr>
+                                        <p:cTn id="12" dur="250"/>
+                                        <p:tgtEl>
+                                          <p:spTgt spid="13"/>
+                                        </p:tgtEl>
+                                      </p:cBhvr>
+                                    </p:animEffect>
+                                  </p:childTnLst>
+                                </p:cTn>
+                              </p:par>
+                            </p:childTnLst>
+                          </p:cTn>
+                        </p:par>
+                        <p:par>
+                          <p:cTn id="13" fill="hold">
+                            <p:stCondLst>
+                              <p:cond delay="250"/>
+                            </p:stCondLst>
+                            <p:childTnLst>
+                              <p:par>
+                                <p:cTn id="14" presetID="10" presetClass="entr" presetSubtype="0" fill="hold" nodeType="afterEffect">
+                                  <p:stCondLst>
+                                    <p:cond delay="0"/>
+                                  </p:stCondLst>
+                                  <p:childTnLst>
+                                    <p:set>
+                                      <p:cBhvr>
+                                        <p:cTn id="15" dur="1" fill="hold">
+                                          <p:stCondLst>
+                                            <p:cond delay="0"/>
+                                          </p:stCondLst>
+                                        </p:cTn>
+                                        <p:tgtEl>
+                                          <p:spTgt spid="4"/>
+                                        </p:tgtEl>
+                                        <p:attrNameLst>
+                                          <p:attrName>style.visibility</p:attrName>
+                                        </p:attrNameLst>
+                                      </p:cBhvr>
+                                      <p:to>
+                                        <p:strVal val="visible"/>
+                                      </p:to>
+                                    </p:set>
+                                    <p:animEffect transition="in" filter="fade">
+                                      <p:cBhvr>
+                                        <p:cTn id="16" dur="250"/>
+                                        <p:tgtEl>
+                                          <p:spTgt spid="4"/>
+                                        </p:tgtEl>
+                                      </p:cBhvr>
+                                    </p:animEffect>
+                                  </p:childTnLst>
+                                </p:cTn>
+                              </p:par>
+                            </p:childTnLst>
+                          </p:cTn>
+                        </p:par>
+                      </p:childTnLst>
+                    </p:cTn>
+                  </p:par>
+                  <p:par>
+                    <p:cTn id="17" fill="hold">
+                      <p:stCondLst>
+                        <p:cond delay="indefinite"/>
+                      </p:stCondLst>
+                      <p:childTnLst>
+                        <p:par>
+                          <p:cTn id="18" fill="hold">
+                            <p:stCondLst>
+                              <p:cond delay="0"/>
+                            </p:stCondLst>
+                            <p:childTnLst>
+                              <p:par>
+                                <p:cTn id="19" presetID="10" presetClass="entr" presetSubtype="0" fill="hold" nodeType="clickEffect">
+                                  <p:stCondLst>
+                                    <p:cond delay="0"/>
+                                  </p:stCondLst>
+                                  <p:childTnLst>
+                                    <p:set>
+                                      <p:cBhvr>
+                                        <p:cTn id="20" dur="1" fill="hold">
+                                          <p:stCondLst>
+                                            <p:cond delay="0"/>
+                                          </p:stCondLst>
+                                        </p:cTn>
+                                        <p:tgtEl>
+                                          <p:spTgt spid="6"/>
+                                        </p:tgtEl>
+                                        <p:attrNameLst>
+                                          <p:attrName>style.visibility</p:attrName>
+                                        </p:attrNameLst>
+                                      </p:cBhvr>
+                                      <p:to>
+                                        <p:strVal val="visible"/>
+                                      </p:to>
+                                    </p:set>
+                                    <p:animEffect transition="in" filter="fade">
+                                      <p:cBhvr>
+                                        <p:cTn id="21" dur="250"/>
+                                        <p:tgtEl>
+                                          <p:spTgt spid="6"/>
+                                        </p:tgtEl>
+                                      </p:cBhvr>
+                                    </p:animEffect>
+                                  </p:childTnLst>
+                                </p:cTn>
+                              </p:par>
+                            </p:childTnLst>
+                          </p:cTn>
+                        </p:par>
+                      </p:childTnLst>
+                    </p:cTn>
+                  </p:par>
+                  <p:par>
+                    <p:cTn id="22" fill="hold">
+                      <p:stCondLst>
+                        <p:cond delay="indefinite"/>
+                      </p:stCondLst>
+                      <p:childTnLst>
+                        <p:par>
+                          <p:cTn id="23" fill="hold">
+                            <p:stCondLst>
+                              <p:cond delay="0"/>
+                            </p:stCondLst>
+                            <p:childTnLst>
+                              <p:par>
+                                <p:cTn id="24" presetID="10" presetClass="entr" presetSubtype="0" fill="hold" nodeType="clickEffect">
+                                  <p:stCondLst>
+                                    <p:cond delay="0"/>
+                                  </p:stCondLst>
+                                  <p:childTnLst>
+                                    <p:set>
+                                      <p:cBhvr>
+                                        <p:cTn id="25" dur="1" fill="hold">
+                                          <p:stCondLst>
+                                            <p:cond delay="0"/>
+                                          </p:stCondLst>
+                                        </p:cTn>
+                                        <p:tgtEl>
+                                          <p:spTgt spid="9"/>
+                                        </p:tgtEl>
+                                        <p:attrNameLst>
+                                          <p:attrName>style.visibility</p:attrName>
+                                        </p:attrNameLst>
+                                      </p:cBhvr>
+                                      <p:to>
+                                        <p:strVal val="visible"/>
+                                      </p:to>
+                                    </p:set>
+                                    <p:animEffect transition="in" filter="fade">
+                                      <p:cBhvr>
+                                        <p:cTn id="26" dur="250"/>
+                                        <p:tgtEl>
+                                          <p:spTgt spid="9"/>
+                                        </p:tgtEl>
+                                      </p:cBhvr>
+                                    </p:animEffect>
+                                  </p:childTnLst>
+                                </p:cTn>
+                              </p:par>
+                            </p:childTnLst>
+                          </p:cTn>
+                        </p:par>
+                      </p:childTnLst>
+                    </p:cTn>
+                  </p:par>
+                </p:childTnLst>
+              </p:cTn>
+              <p:prevCondLst>
+                <p:cond evt="onPrev" delay="0">
+                  <p:tgtEl>
+                    <p:sldTgt/>
+                  </p:tgtEl>
+                </p:cond>
+              </p:prevCondLst>
+              <p:nextCondLst>
+                <p:cond evt="onNext" delay="0">
+                  <p:tgtEl>
+                    <p:sldTgt/>
+                  </p:tgtEl>
+                </p:cond>
+              </p:nextCondLst>
+            </p:seq>
+          </p:childTnLst>
+        </p:cTn>
+      </p:par>
+    </p:tnLst>
+    <p:bldLst>
+      <p:bldP spid="15" grpId="0"/>
+    </p:bldLst>
+  </p:timing>
+</p:sld>
+</file>
+
+<file path=ppt/slides/slide20.xml><?xml version="1.0" encoding="utf-8"?>
+<p:sld xmlns:a="http://schemas.openxmlformats.org/drawingml/2006/main" xmlns:r="http://schemas.openxmlformats.org/officeDocument/2006/relationships" xmlns:p="http://schemas.openxmlformats.org/presentationml/2006/main">
+  <p:cSld>
+    <p:spTree>
+      <p:nvGrpSpPr>
+        <p:cNvPr id="1" name=""/>
+        <p:cNvGrpSpPr/>
+        <p:nvPr/>
+      </p:nvGrpSpPr>
+      <p:grpSpPr>
+        <a:xfrm>
+          <a:off x="0" y="0"/>
+          <a:ext cx="0" cy="0"/>
+          <a:chOff x="0" y="0"/>
+          <a:chExt cx="0" cy="0"/>
+        </a:xfrm>
+      </p:grpSpPr>
+      <p:sp>
+        <p:nvSpPr>
+          <p:cNvPr id="2" name="Title 1"/>
+          <p:cNvSpPr>
+            <a:spLocks noGrp="1"/>
+          </p:cNvSpPr>
+          <p:nvPr>
+            <p:ph type="title"/>
+          </p:nvPr>
+        </p:nvSpPr>
+        <p:spPr/>
+        <p:txBody>
+          <a:bodyPr>
+            <a:normAutofit/>
+          </a:bodyPr>
+          <a:lstStyle/>
+          <a:p>
+            <a:r>
+              <a:rPr lang="en-US" dirty="0"/>
+              <a:t>Matthew 21:4 / Zechariah 9:9</a:t>
+            </a:r>
+          </a:p>
+        </p:txBody>
+      </p:sp>
+      <p:sp>
+        <p:nvSpPr>
+          <p:cNvPr id="3" name="Text Placeholder 2"/>
+          <p:cNvSpPr>
+            <a:spLocks noGrp="1"/>
+          </p:cNvSpPr>
+          <p:nvPr>
+            <p:ph type="body" sz="quarter" idx="13"/>
+          </p:nvPr>
+        </p:nvSpPr>
+        <p:spPr/>
+        <p:txBody>
+          <a:bodyPr/>
+          <a:lstStyle/>
+          <a:p>
+            <a:r>
+              <a:rPr lang="en-US" dirty="0"/>
               <a:t>10</a:t>
             </a:r>
           </a:p>
@@ -5538,7 +7489,7 @@
 </p:sld>
 </file>
 
-<file path=ppt/slides/slide18.xml><?xml version="1.0" encoding="utf-8"?>
+<file path=ppt/slides/slide21.xml><?xml version="1.0" encoding="utf-8"?>
 <p:sld xmlns:a="http://schemas.openxmlformats.org/drawingml/2006/main" xmlns:r="http://schemas.openxmlformats.org/officeDocument/2006/relationships" xmlns:p="http://schemas.openxmlformats.org/presentationml/2006/main" show="0">
   <p:cSld>
     <p:spTree>
@@ -7524,7 +9475,7 @@
 </p:sld>
 </file>
 
-<file path=ppt/slides/slide19.xml><?xml version="1.0" encoding="utf-8"?>
+<file path=ppt/slides/slide22.xml><?xml version="1.0" encoding="utf-8"?>
 <p:sld xmlns:a="http://schemas.openxmlformats.org/drawingml/2006/main" xmlns:r="http://schemas.openxmlformats.org/officeDocument/2006/relationships" xmlns:p="http://schemas.openxmlformats.org/presentationml/2006/main">
   <p:cSld>
     <p:spTree>
@@ -7600,716 +9551,7 @@
 </p:sld>
 </file>
 
-<file path=ppt/slides/slide2.xml><?xml version="1.0" encoding="utf-8"?>
-<p:sld xmlns:a="http://schemas.openxmlformats.org/drawingml/2006/main" xmlns:r="http://schemas.openxmlformats.org/officeDocument/2006/relationships" xmlns:p="http://schemas.openxmlformats.org/presentationml/2006/main">
-  <p:cSld>
-    <p:spTree>
-      <p:nvGrpSpPr>
-        <p:cNvPr id="1" name=""/>
-        <p:cNvGrpSpPr/>
-        <p:nvPr/>
-      </p:nvGrpSpPr>
-      <p:grpSpPr>
-        <a:xfrm>
-          <a:off x="0" y="0"/>
-          <a:ext cx="0" cy="0"/>
-          <a:chOff x="0" y="0"/>
-          <a:chExt cx="0" cy="0"/>
-        </a:xfrm>
-      </p:grpSpPr>
-      <p:grpSp>
-        <p:nvGrpSpPr>
-          <p:cNvPr id="4" name="Group 3">
-            <a:extLst>
-              <a:ext uri="{FF2B5EF4-FFF2-40B4-BE49-F238E27FC236}">
-                <a16:creationId xmlns:a16="http://schemas.microsoft.com/office/drawing/2014/main" id="{76D0AD62-610F-2343-9B0E-52F648458EA8}"/>
-              </a:ext>
-            </a:extLst>
-          </p:cNvPr>
-          <p:cNvGrpSpPr/>
-          <p:nvPr/>
-        </p:nvGrpSpPr>
-        <p:grpSpPr>
-          <a:xfrm>
-            <a:off x="209549" y="1669464"/>
-            <a:ext cx="8724901" cy="1384995"/>
-            <a:chOff x="304800" y="4648200"/>
-            <a:chExt cx="8724901" cy="1384995"/>
-          </a:xfrm>
-        </p:grpSpPr>
-        <p:sp>
-          <p:nvSpPr>
-            <p:cNvPr id="2" name="TextBox 1">
-              <a:extLst>
-                <a:ext uri="{FF2B5EF4-FFF2-40B4-BE49-F238E27FC236}">
-                  <a16:creationId xmlns:a16="http://schemas.microsoft.com/office/drawing/2014/main" id="{65E69FF4-5D6C-1F4A-BC1D-8328E1004154}"/>
-                </a:ext>
-              </a:extLst>
-            </p:cNvPr>
-            <p:cNvSpPr txBox="1"/>
-            <p:nvPr/>
-          </p:nvSpPr>
-          <p:spPr>
-            <a:xfrm>
-              <a:off x="304800" y="4648200"/>
-              <a:ext cx="1147943" cy="523220"/>
-            </a:xfrm>
-            <a:prstGeom prst="rect">
-              <a:avLst/>
-            </a:prstGeom>
-            <a:noFill/>
-          </p:spPr>
-          <p:txBody>
-            <a:bodyPr wrap="none" rtlCol="0">
-              <a:spAutoFit/>
-            </a:bodyPr>
-            <a:lstStyle/>
-            <a:p>
-              <a:r>
-                <a:rPr lang="en-US" sz="2800" dirty="0">
-                  <a:solidFill>
-                    <a:srgbClr val="009EC0"/>
-                  </a:solidFill>
-                </a:rPr>
-                <a:t>What?</a:t>
-              </a:r>
-            </a:p>
-          </p:txBody>
-        </p:sp>
-        <p:sp>
-          <p:nvSpPr>
-            <p:cNvPr id="3" name="TextBox 2">
-              <a:extLst>
-                <a:ext uri="{FF2B5EF4-FFF2-40B4-BE49-F238E27FC236}">
-                  <a16:creationId xmlns:a16="http://schemas.microsoft.com/office/drawing/2014/main" id="{E796A5EC-87C6-D048-8010-771FD1CA8E24}"/>
-                </a:ext>
-              </a:extLst>
-            </p:cNvPr>
-            <p:cNvSpPr txBox="1"/>
-            <p:nvPr/>
-          </p:nvSpPr>
-          <p:spPr>
-            <a:xfrm>
-              <a:off x="1600201" y="4648200"/>
-              <a:ext cx="7429500" cy="1384995"/>
-            </a:xfrm>
-            <a:prstGeom prst="rect">
-              <a:avLst/>
-            </a:prstGeom>
-            <a:noFill/>
-          </p:spPr>
-          <p:txBody>
-            <a:bodyPr wrap="square" rtlCol="0">
-              <a:spAutoFit/>
-            </a:bodyPr>
-            <a:lstStyle/>
-            <a:p>
-              <a:r>
-                <a:rPr lang="en-US" sz="2800" dirty="0"/>
-                <a:t>Understand the particulars of how the Gospel authors understood Jesus to have fulfilled prophecies</a:t>
-              </a:r>
-            </a:p>
-          </p:txBody>
-        </p:sp>
-      </p:grpSp>
-      <p:grpSp>
-        <p:nvGrpSpPr>
-          <p:cNvPr id="6" name="Group 5">
-            <a:extLst>
-              <a:ext uri="{FF2B5EF4-FFF2-40B4-BE49-F238E27FC236}">
-                <a16:creationId xmlns:a16="http://schemas.microsoft.com/office/drawing/2014/main" id="{16DEED69-411E-5C47-8C2F-1FA7F3AC4BAB}"/>
-              </a:ext>
-            </a:extLst>
-          </p:cNvPr>
-          <p:cNvGrpSpPr/>
-          <p:nvPr/>
-        </p:nvGrpSpPr>
-        <p:grpSpPr>
-          <a:xfrm>
-            <a:off x="209549" y="3313093"/>
-            <a:ext cx="8724901" cy="954107"/>
-            <a:chOff x="304800" y="4648200"/>
-            <a:chExt cx="8724901" cy="954107"/>
-          </a:xfrm>
-        </p:grpSpPr>
-        <p:sp>
-          <p:nvSpPr>
-            <p:cNvPr id="7" name="TextBox 6">
-              <a:extLst>
-                <a:ext uri="{FF2B5EF4-FFF2-40B4-BE49-F238E27FC236}">
-                  <a16:creationId xmlns:a16="http://schemas.microsoft.com/office/drawing/2014/main" id="{0BE67C1E-EE53-F64B-A1C4-C71C7BD5283F}"/>
-                </a:ext>
-              </a:extLst>
-            </p:cNvPr>
-            <p:cNvSpPr txBox="1"/>
-            <p:nvPr/>
-          </p:nvSpPr>
-          <p:spPr>
-            <a:xfrm>
-              <a:off x="304800" y="4648200"/>
-              <a:ext cx="1014765" cy="523220"/>
-            </a:xfrm>
-            <a:prstGeom prst="rect">
-              <a:avLst/>
-            </a:prstGeom>
-            <a:noFill/>
-          </p:spPr>
-          <p:txBody>
-            <a:bodyPr wrap="none" rtlCol="0">
-              <a:spAutoFit/>
-            </a:bodyPr>
-            <a:lstStyle/>
-            <a:p>
-              <a:r>
-                <a:rPr lang="en-US" sz="2800" dirty="0">
-                  <a:solidFill>
-                    <a:srgbClr val="009EC0"/>
-                  </a:solidFill>
-                </a:rPr>
-                <a:t>Why?</a:t>
-              </a:r>
-            </a:p>
-          </p:txBody>
-        </p:sp>
-        <p:sp>
-          <p:nvSpPr>
-            <p:cNvPr id="8" name="TextBox 7">
-              <a:extLst>
-                <a:ext uri="{FF2B5EF4-FFF2-40B4-BE49-F238E27FC236}">
-                  <a16:creationId xmlns:a16="http://schemas.microsoft.com/office/drawing/2014/main" id="{44657A2D-A10C-1745-AFDB-1C0FC5EA2AAD}"/>
-                </a:ext>
-              </a:extLst>
-            </p:cNvPr>
-            <p:cNvSpPr txBox="1"/>
-            <p:nvPr/>
-          </p:nvSpPr>
-          <p:spPr>
-            <a:xfrm>
-              <a:off x="1600201" y="4648200"/>
-              <a:ext cx="7429500" cy="954107"/>
-            </a:xfrm>
-            <a:prstGeom prst="rect">
-              <a:avLst/>
-            </a:prstGeom>
-            <a:noFill/>
-          </p:spPr>
-          <p:txBody>
-            <a:bodyPr wrap="square" rtlCol="0">
-              <a:spAutoFit/>
-            </a:bodyPr>
-            <a:lstStyle/>
-            <a:p>
-              <a:r>
-                <a:rPr lang="en-US" sz="2800" dirty="0"/>
-                <a:t>So that we are not swayed by arguments that assume the prophecies are </a:t>
-              </a:r>
-              <a:r>
-                <a:rPr lang="en-US" sz="2800" b="1" dirty="0">
-                  <a:highlight>
-                    <a:srgbClr val="C00002"/>
-                  </a:highlight>
-                </a:rPr>
-                <a:t>taken out of context</a:t>
-              </a:r>
-            </a:p>
-          </p:txBody>
-        </p:sp>
-      </p:grpSp>
-      <p:grpSp>
-        <p:nvGrpSpPr>
-          <p:cNvPr id="9" name="Group 8">
-            <a:extLst>
-              <a:ext uri="{FF2B5EF4-FFF2-40B4-BE49-F238E27FC236}">
-                <a16:creationId xmlns:a16="http://schemas.microsoft.com/office/drawing/2014/main" id="{493A2E7B-FE2C-7045-B882-6D1EC3306C1D}"/>
-              </a:ext>
-            </a:extLst>
-          </p:cNvPr>
-          <p:cNvGrpSpPr/>
-          <p:nvPr/>
-        </p:nvGrpSpPr>
-        <p:grpSpPr>
-          <a:xfrm>
-            <a:off x="209549" y="4648200"/>
-            <a:ext cx="8724901" cy="1384995"/>
-            <a:chOff x="304800" y="4648200"/>
-            <a:chExt cx="8724901" cy="1384995"/>
-          </a:xfrm>
-        </p:grpSpPr>
-        <p:sp>
-          <p:nvSpPr>
-            <p:cNvPr id="10" name="TextBox 9">
-              <a:extLst>
-                <a:ext uri="{FF2B5EF4-FFF2-40B4-BE49-F238E27FC236}">
-                  <a16:creationId xmlns:a16="http://schemas.microsoft.com/office/drawing/2014/main" id="{DCC9CB31-E9E8-7549-8460-8E8840BD1585}"/>
-                </a:ext>
-              </a:extLst>
-            </p:cNvPr>
-            <p:cNvSpPr txBox="1"/>
-            <p:nvPr/>
-          </p:nvSpPr>
-          <p:spPr>
-            <a:xfrm>
-              <a:off x="304800" y="4648200"/>
-              <a:ext cx="1020023" cy="523220"/>
-            </a:xfrm>
-            <a:prstGeom prst="rect">
-              <a:avLst/>
-            </a:prstGeom>
-            <a:noFill/>
-          </p:spPr>
-          <p:txBody>
-            <a:bodyPr wrap="none" rtlCol="0">
-              <a:spAutoFit/>
-            </a:bodyPr>
-            <a:lstStyle/>
-            <a:p>
-              <a:r>
-                <a:rPr lang="en-US" sz="2800" dirty="0">
-                  <a:solidFill>
-                    <a:srgbClr val="009EC0"/>
-                  </a:solidFill>
-                </a:rPr>
-                <a:t>How?</a:t>
-              </a:r>
-            </a:p>
-          </p:txBody>
-        </p:sp>
-        <p:sp>
-          <p:nvSpPr>
-            <p:cNvPr id="11" name="TextBox 10">
-              <a:extLst>
-                <a:ext uri="{FF2B5EF4-FFF2-40B4-BE49-F238E27FC236}">
-                  <a16:creationId xmlns:a16="http://schemas.microsoft.com/office/drawing/2014/main" id="{4729ADED-FFF5-454C-BE17-6323C474D829}"/>
-                </a:ext>
-              </a:extLst>
-            </p:cNvPr>
-            <p:cNvSpPr txBox="1"/>
-            <p:nvPr/>
-          </p:nvSpPr>
-          <p:spPr>
-            <a:xfrm>
-              <a:off x="1600201" y="4648200"/>
-              <a:ext cx="7429500" cy="1384995"/>
-            </a:xfrm>
-            <a:prstGeom prst="rect">
-              <a:avLst/>
-            </a:prstGeom>
-            <a:noFill/>
-          </p:spPr>
-          <p:txBody>
-            <a:bodyPr wrap="square" rtlCol="0">
-              <a:spAutoFit/>
-            </a:bodyPr>
-            <a:lstStyle/>
-            <a:p>
-              <a:r>
-                <a:rPr lang="en-US" sz="2800" dirty="0"/>
-                <a:t>By showing that the fulfillments are not all simple 1-to-1 prophecies are sometimes require knowing </a:t>
-              </a:r>
-              <a:r>
-                <a:rPr lang="en-US" sz="2800" b="1" i="1" dirty="0">
-                  <a:highlight>
-                    <a:srgbClr val="C00002"/>
-                  </a:highlight>
-                </a:rPr>
-                <a:t>more</a:t>
-              </a:r>
-              <a:r>
-                <a:rPr lang="en-US" sz="2800" b="1" dirty="0">
-                  <a:highlight>
-                    <a:srgbClr val="C00002"/>
-                  </a:highlight>
-                </a:rPr>
-                <a:t> context</a:t>
-              </a:r>
-            </a:p>
-          </p:txBody>
-        </p:sp>
-      </p:grpSp>
-      <p:cxnSp>
-        <p:nvCxnSpPr>
-          <p:cNvPr id="13" name="Straight Connector 12">
-            <a:extLst>
-              <a:ext uri="{FF2B5EF4-FFF2-40B4-BE49-F238E27FC236}">
-                <a16:creationId xmlns:a16="http://schemas.microsoft.com/office/drawing/2014/main" id="{09B462F9-C753-8044-8DE2-965ABC154D9C}"/>
-              </a:ext>
-            </a:extLst>
-          </p:cNvPr>
-          <p:cNvCxnSpPr>
-            <a:cxnSpLocks/>
-          </p:cNvCxnSpPr>
-          <p:nvPr/>
-        </p:nvCxnSpPr>
-        <p:spPr>
-          <a:xfrm>
-            <a:off x="1373874" y="1669464"/>
-            <a:ext cx="0" cy="4363731"/>
-          </a:xfrm>
-          <a:prstGeom prst="line">
-            <a:avLst/>
-          </a:prstGeom>
-          <a:ln>
-            <a:solidFill>
-              <a:schemeClr val="bg1">
-                <a:lumMod val="75000"/>
-                <a:lumOff val="25000"/>
-              </a:schemeClr>
-            </a:solidFill>
-          </a:ln>
-        </p:spPr>
-        <p:style>
-          <a:lnRef idx="1">
-            <a:schemeClr val="accent1"/>
-          </a:lnRef>
-          <a:fillRef idx="0">
-            <a:schemeClr val="accent1"/>
-          </a:fillRef>
-          <a:effectRef idx="0">
-            <a:schemeClr val="accent1"/>
-          </a:effectRef>
-          <a:fontRef idx="minor">
-            <a:schemeClr val="tx1"/>
-          </a:fontRef>
-        </p:style>
-      </p:cxnSp>
-      <p:sp>
-        <p:nvSpPr>
-          <p:cNvPr id="15" name="TextBox 14">
-            <a:extLst>
-              <a:ext uri="{FF2B5EF4-FFF2-40B4-BE49-F238E27FC236}">
-                <a16:creationId xmlns:a16="http://schemas.microsoft.com/office/drawing/2014/main" id="{C43D1156-26DE-A44F-B5F8-AACFA794E957}"/>
-              </a:ext>
-            </a:extLst>
-          </p:cNvPr>
-          <p:cNvSpPr txBox="1"/>
-          <p:nvPr/>
-        </p:nvSpPr>
-        <p:spPr>
-          <a:xfrm>
-            <a:off x="209549" y="708674"/>
-            <a:ext cx="8934451" cy="769441"/>
-          </a:xfrm>
-          <a:prstGeom prst="rect">
-            <a:avLst/>
-          </a:prstGeom>
-          <a:noFill/>
-        </p:spPr>
-        <p:txBody>
-          <a:bodyPr wrap="square" rtlCol="0">
-            <a:spAutoFit/>
-          </a:bodyPr>
-          <a:lstStyle/>
-          <a:p>
-            <a:r>
-              <a:rPr lang="en-US" sz="4400" b="1" dirty="0"/>
-              <a:t>IDEA IN BRIEF</a:t>
-            </a:r>
-          </a:p>
-        </p:txBody>
-      </p:sp>
-    </p:spTree>
-    <p:extLst>
-      <p:ext uri="{BB962C8B-B14F-4D97-AF65-F5344CB8AC3E}">
-        <p14:creationId xmlns:p14="http://schemas.microsoft.com/office/powerpoint/2010/main" val="1172752514"/>
-      </p:ext>
-    </p:extLst>
-  </p:cSld>
-  <p:clrMapOvr>
-    <a:masterClrMapping/>
-  </p:clrMapOvr>
-  <p:timing>
-    <p:tnLst>
-      <p:par>
-        <p:cTn id="1" dur="indefinite" restart="never" nodeType="tmRoot">
-          <p:childTnLst>
-            <p:seq concurrent="1" nextAc="seek">
-              <p:cTn id="2" dur="indefinite" nodeType="mainSeq">
-                <p:childTnLst>
-                  <p:par>
-                    <p:cTn id="3" fill="hold">
-                      <p:stCondLst>
-                        <p:cond delay="indefinite"/>
-                      </p:stCondLst>
-                      <p:childTnLst>
-                        <p:par>
-                          <p:cTn id="4" fill="hold">
-                            <p:stCondLst>
-                              <p:cond delay="0"/>
-                            </p:stCondLst>
-                            <p:childTnLst>
-                              <p:par>
-                                <p:cTn id="5" presetID="10" presetClass="entr" presetSubtype="0" fill="hold" grpId="0" nodeType="clickEffect">
-                                  <p:stCondLst>
-                                    <p:cond delay="0"/>
-                                  </p:stCondLst>
-                                  <p:childTnLst>
-                                    <p:set>
-                                      <p:cBhvr>
-                                        <p:cTn id="6" dur="1" fill="hold">
-                                          <p:stCondLst>
-                                            <p:cond delay="0"/>
-                                          </p:stCondLst>
-                                        </p:cTn>
-                                        <p:tgtEl>
-                                          <p:spTgt spid="15"/>
-                                        </p:tgtEl>
-                                        <p:attrNameLst>
-                                          <p:attrName>style.visibility</p:attrName>
-                                        </p:attrNameLst>
-                                      </p:cBhvr>
-                                      <p:to>
-                                        <p:strVal val="visible"/>
-                                      </p:to>
-                                    </p:set>
-                                    <p:animEffect transition="in" filter="fade">
-                                      <p:cBhvr>
-                                        <p:cTn id="7" dur="250"/>
-                                        <p:tgtEl>
-                                          <p:spTgt spid="15"/>
-                                        </p:tgtEl>
-                                      </p:cBhvr>
-                                    </p:animEffect>
-                                  </p:childTnLst>
-                                </p:cTn>
-                              </p:par>
-                            </p:childTnLst>
-                          </p:cTn>
-                        </p:par>
-                      </p:childTnLst>
-                    </p:cTn>
-                  </p:par>
-                  <p:par>
-                    <p:cTn id="8" fill="hold">
-                      <p:stCondLst>
-                        <p:cond delay="indefinite"/>
-                      </p:stCondLst>
-                      <p:childTnLst>
-                        <p:par>
-                          <p:cTn id="9" fill="hold">
-                            <p:stCondLst>
-                              <p:cond delay="0"/>
-                            </p:stCondLst>
-                            <p:childTnLst>
-                              <p:par>
-                                <p:cTn id="10" presetID="10" presetClass="entr" presetSubtype="0" fill="hold" nodeType="clickEffect">
-                                  <p:stCondLst>
-                                    <p:cond delay="0"/>
-                                  </p:stCondLst>
-                                  <p:childTnLst>
-                                    <p:set>
-                                      <p:cBhvr>
-                                        <p:cTn id="11" dur="1" fill="hold">
-                                          <p:stCondLst>
-                                            <p:cond delay="0"/>
-                                          </p:stCondLst>
-                                        </p:cTn>
-                                        <p:tgtEl>
-                                          <p:spTgt spid="13"/>
-                                        </p:tgtEl>
-                                        <p:attrNameLst>
-                                          <p:attrName>style.visibility</p:attrName>
-                                        </p:attrNameLst>
-                                      </p:cBhvr>
-                                      <p:to>
-                                        <p:strVal val="visible"/>
-                                      </p:to>
-                                    </p:set>
-                                    <p:animEffect transition="in" filter="fade">
-                                      <p:cBhvr>
-                                        <p:cTn id="12" dur="250"/>
-                                        <p:tgtEl>
-                                          <p:spTgt spid="13"/>
-                                        </p:tgtEl>
-                                      </p:cBhvr>
-                                    </p:animEffect>
-                                  </p:childTnLst>
-                                </p:cTn>
-                              </p:par>
-                            </p:childTnLst>
-                          </p:cTn>
-                        </p:par>
-                        <p:par>
-                          <p:cTn id="13" fill="hold">
-                            <p:stCondLst>
-                              <p:cond delay="250"/>
-                            </p:stCondLst>
-                            <p:childTnLst>
-                              <p:par>
-                                <p:cTn id="14" presetID="10" presetClass="entr" presetSubtype="0" fill="hold" nodeType="afterEffect">
-                                  <p:stCondLst>
-                                    <p:cond delay="0"/>
-                                  </p:stCondLst>
-                                  <p:childTnLst>
-                                    <p:set>
-                                      <p:cBhvr>
-                                        <p:cTn id="15" dur="1" fill="hold">
-                                          <p:stCondLst>
-                                            <p:cond delay="0"/>
-                                          </p:stCondLst>
-                                        </p:cTn>
-                                        <p:tgtEl>
-                                          <p:spTgt spid="4"/>
-                                        </p:tgtEl>
-                                        <p:attrNameLst>
-                                          <p:attrName>style.visibility</p:attrName>
-                                        </p:attrNameLst>
-                                      </p:cBhvr>
-                                      <p:to>
-                                        <p:strVal val="visible"/>
-                                      </p:to>
-                                    </p:set>
-                                    <p:animEffect transition="in" filter="fade">
-                                      <p:cBhvr>
-                                        <p:cTn id="16" dur="250"/>
-                                        <p:tgtEl>
-                                          <p:spTgt spid="4"/>
-                                        </p:tgtEl>
-                                      </p:cBhvr>
-                                    </p:animEffect>
-                                  </p:childTnLst>
-                                </p:cTn>
-                              </p:par>
-                            </p:childTnLst>
-                          </p:cTn>
-                        </p:par>
-                      </p:childTnLst>
-                    </p:cTn>
-                  </p:par>
-                  <p:par>
-                    <p:cTn id="17" fill="hold">
-                      <p:stCondLst>
-                        <p:cond delay="indefinite"/>
-                      </p:stCondLst>
-                      <p:childTnLst>
-                        <p:par>
-                          <p:cTn id="18" fill="hold">
-                            <p:stCondLst>
-                              <p:cond delay="0"/>
-                            </p:stCondLst>
-                            <p:childTnLst>
-                              <p:par>
-                                <p:cTn id="19" presetID="10" presetClass="entr" presetSubtype="0" fill="hold" nodeType="clickEffect">
-                                  <p:stCondLst>
-                                    <p:cond delay="0"/>
-                                  </p:stCondLst>
-                                  <p:childTnLst>
-                                    <p:set>
-                                      <p:cBhvr>
-                                        <p:cTn id="20" dur="1" fill="hold">
-                                          <p:stCondLst>
-                                            <p:cond delay="0"/>
-                                          </p:stCondLst>
-                                        </p:cTn>
-                                        <p:tgtEl>
-                                          <p:spTgt spid="6"/>
-                                        </p:tgtEl>
-                                        <p:attrNameLst>
-                                          <p:attrName>style.visibility</p:attrName>
-                                        </p:attrNameLst>
-                                      </p:cBhvr>
-                                      <p:to>
-                                        <p:strVal val="visible"/>
-                                      </p:to>
-                                    </p:set>
-                                    <p:animEffect transition="in" filter="fade">
-                                      <p:cBhvr>
-                                        <p:cTn id="21" dur="250"/>
-                                        <p:tgtEl>
-                                          <p:spTgt spid="6"/>
-                                        </p:tgtEl>
-                                      </p:cBhvr>
-                                    </p:animEffect>
-                                  </p:childTnLst>
-                                </p:cTn>
-                              </p:par>
-                            </p:childTnLst>
-                          </p:cTn>
-                        </p:par>
-                      </p:childTnLst>
-                    </p:cTn>
-                  </p:par>
-                  <p:par>
-                    <p:cTn id="22" fill="hold">
-                      <p:stCondLst>
-                        <p:cond delay="indefinite"/>
-                      </p:stCondLst>
-                      <p:childTnLst>
-                        <p:par>
-                          <p:cTn id="23" fill="hold">
-                            <p:stCondLst>
-                              <p:cond delay="0"/>
-                            </p:stCondLst>
-                            <p:childTnLst>
-                              <p:par>
-                                <p:cTn id="24" presetID="10" presetClass="entr" presetSubtype="0" fill="hold" nodeType="clickEffect">
-                                  <p:stCondLst>
-                                    <p:cond delay="0"/>
-                                  </p:stCondLst>
-                                  <p:childTnLst>
-                                    <p:set>
-                                      <p:cBhvr>
-                                        <p:cTn id="25" dur="1" fill="hold">
-                                          <p:stCondLst>
-                                            <p:cond delay="0"/>
-                                          </p:stCondLst>
-                                        </p:cTn>
-                                        <p:tgtEl>
-                                          <p:spTgt spid="9"/>
-                                        </p:tgtEl>
-                                        <p:attrNameLst>
-                                          <p:attrName>style.visibility</p:attrName>
-                                        </p:attrNameLst>
-                                      </p:cBhvr>
-                                      <p:to>
-                                        <p:strVal val="visible"/>
-                                      </p:to>
-                                    </p:set>
-                                    <p:animEffect transition="in" filter="fade">
-                                      <p:cBhvr>
-                                        <p:cTn id="26" dur="250"/>
-                                        <p:tgtEl>
-                                          <p:spTgt spid="9"/>
-                                        </p:tgtEl>
-                                      </p:cBhvr>
-                                    </p:animEffect>
-                                  </p:childTnLst>
-                                </p:cTn>
-                              </p:par>
-                            </p:childTnLst>
-                          </p:cTn>
-                        </p:par>
-                      </p:childTnLst>
-                    </p:cTn>
-                  </p:par>
-                </p:childTnLst>
-              </p:cTn>
-              <p:prevCondLst>
-                <p:cond evt="onPrev" delay="0">
-                  <p:tgtEl>
-                    <p:sldTgt/>
-                  </p:tgtEl>
-                </p:cond>
-              </p:prevCondLst>
-              <p:nextCondLst>
-                <p:cond evt="onNext" delay="0">
-                  <p:tgtEl>
-                    <p:sldTgt/>
-                  </p:tgtEl>
-                </p:cond>
-              </p:nextCondLst>
-            </p:seq>
-          </p:childTnLst>
-        </p:cTn>
-      </p:par>
-    </p:tnLst>
-    <p:bldLst>
-      <p:bldP spid="15" grpId="0"/>
-    </p:bldLst>
-  </p:timing>
-</p:sld>
-</file>
-
-<file path=ppt/slides/slide20.xml><?xml version="1.0" encoding="utf-8"?>
+<file path=ppt/slides/slide23.xml><?xml version="1.0" encoding="utf-8"?>
 <p:sld xmlns:a="http://schemas.openxmlformats.org/drawingml/2006/main" xmlns:r="http://schemas.openxmlformats.org/officeDocument/2006/relationships" xmlns:p="http://schemas.openxmlformats.org/presentationml/2006/main">
   <p:cSld>
     <p:spTree>
@@ -8385,7 +9627,7 @@
 </p:sld>
 </file>
 
-<file path=ppt/slides/slide21.xml><?xml version="1.0" encoding="utf-8"?>
+<file path=ppt/slides/slide24.xml><?xml version="1.0" encoding="utf-8"?>
 <p:sld xmlns:a="http://schemas.openxmlformats.org/drawingml/2006/main" xmlns:r="http://schemas.openxmlformats.org/officeDocument/2006/relationships" xmlns:p="http://schemas.openxmlformats.org/presentationml/2006/main">
   <p:cSld>
     <p:spTree>
@@ -9233,7 +10475,13 @@
       </p:grpSpPr>
       <p:sp>
         <p:nvSpPr>
-          <p:cNvPr id="2" name="Title 1"/>
+          <p:cNvPr id="2" name="Title 1">
+            <a:extLst>
+              <a:ext uri="{FF2B5EF4-FFF2-40B4-BE49-F238E27FC236}">
+                <a16:creationId xmlns:a16="http://schemas.microsoft.com/office/drawing/2014/main" id="{C8F392D1-A4F5-744A-9239-99BC6612F901}"/>
+              </a:ext>
+            </a:extLst>
+          </p:cNvPr>
           <p:cNvSpPr>
             <a:spLocks noGrp="1"/>
           </p:cNvSpPr>
@@ -9241,24 +10489,51 @@
             <p:ph type="title"/>
           </p:nvPr>
         </p:nvSpPr>
-        <p:spPr/>
+        <p:spPr>
+          <a:xfrm>
+            <a:off x="457200" y="152400"/>
+            <a:ext cx="8686800" cy="3962400"/>
+          </a:xfrm>
+        </p:spPr>
         <p:txBody>
-          <a:bodyPr>
-            <a:noAutofit/>
+          <a:bodyPr anchor="b" anchorCtr="0">
+            <a:normAutofit/>
           </a:bodyPr>
           <a:lstStyle/>
           <a:p>
+            <a:pPr>
+              <a:tabLst>
+                <a:tab pos="91440" algn="l"/>
+              </a:tabLst>
+            </a:pPr>
             <a:r>
               <a:rPr lang="en-US" dirty="0"/>
-              <a:t>Matthew 1:22-23 / Isaiah 7:14</a:t>
+              <a:t>“…this happened to </a:t>
             </a:r>
-            <a:endParaRPr lang="en-US" sz="3200" dirty="0"/>
+            <a:r>
+              <a:rPr lang="en-US" b="1" dirty="0">
+                <a:highlight>
+                  <a:srgbClr val="C00002"/>
+                </a:highlight>
+              </a:rPr>
+              <a:t>make clear the full meaning</a:t>
+            </a:r>
+            <a:r>
+              <a:rPr lang="en-US" dirty="0"/>
+              <a:t> of what the Lord said through the prophet”</a:t>
+            </a:r>
           </a:p>
         </p:txBody>
       </p:sp>
       <p:sp>
         <p:nvSpPr>
-          <p:cNvPr id="3" name="Text Placeholder 2"/>
+          <p:cNvPr id="3" name="Text Placeholder 2">
+            <a:extLst>
+              <a:ext uri="{FF2B5EF4-FFF2-40B4-BE49-F238E27FC236}">
+                <a16:creationId xmlns:a16="http://schemas.microsoft.com/office/drawing/2014/main" id="{D79591E0-89A3-7048-B1C5-91B4FFFB65C9}"/>
+              </a:ext>
+            </a:extLst>
+          </p:cNvPr>
           <p:cNvSpPr>
             <a:spLocks noGrp="1"/>
           </p:cNvSpPr>
@@ -9266,14 +10541,41 @@
             <p:ph type="body" sz="quarter" idx="13"/>
           </p:nvPr>
         </p:nvSpPr>
-        <p:spPr/>
+        <p:spPr>
+          <a:xfrm>
+            <a:off x="114300" y="4495800"/>
+            <a:ext cx="8915400" cy="1371600"/>
+          </a:xfrm>
+        </p:spPr>
         <p:txBody>
-          <a:bodyPr/>
+          <a:bodyPr>
+            <a:normAutofit lnSpcReduction="10000"/>
+          </a:bodyPr>
           <a:lstStyle/>
           <a:p>
+            <a:pPr algn="l"/>
             <a:r>
-              <a:rPr lang="en-US" dirty="0"/>
-              <a:t>1</a:t>
+              <a:rPr lang="en-US" sz="4400" cap="all" dirty="0">
+                <a:solidFill>
+                  <a:srgbClr val="009EC0"/>
+                </a:solidFill>
+              </a:rPr>
+              <a:t>Matthew 1:22</a:t>
+            </a:r>
+            <a:br>
+              <a:rPr lang="en-US" sz="4400" dirty="0">
+                <a:solidFill>
+                  <a:srgbClr val="009EC0"/>
+                </a:solidFill>
+              </a:rPr>
+            </a:br>
+            <a:r>
+              <a:rPr lang="en-US" sz="4400" b="0" i="1" dirty="0">
+                <a:solidFill>
+                  <a:srgbClr val="009EC0"/>
+                </a:solidFill>
+              </a:rPr>
+              <a:t>Easy-to-read version</a:t>
             </a:r>
           </a:p>
         </p:txBody>
@@ -9281,7 +10583,7 @@
     </p:spTree>
     <p:extLst>
       <p:ext uri="{BB962C8B-B14F-4D97-AF65-F5344CB8AC3E}">
-        <p14:creationId xmlns:p14="http://schemas.microsoft.com/office/powerpoint/2010/main" val="2094317165"/>
+        <p14:creationId xmlns:p14="http://schemas.microsoft.com/office/powerpoint/2010/main" val="354772297"/>
       </p:ext>
     </p:extLst>
   </p:cSld>
@@ -9327,9 +10629,9 @@
           <a:p>
             <a:r>
               <a:rPr lang="en-US" dirty="0"/>
-              <a:t>Matthew 2:17-18 / Jeremiah 31:15 (and Genesis 35:16-19)</a:t>
+              <a:t>Matthew 1:22-23 / Isaiah 7:14</a:t>
             </a:r>
-            <a:endParaRPr lang="en-US" sz="3600" dirty="0"/>
+            <a:endParaRPr lang="en-US" sz="3200" dirty="0"/>
           </a:p>
         </p:txBody>
       </p:sp>
@@ -9350,6 +10652,2809 @@
           <a:p>
             <a:r>
               <a:rPr lang="en-US" dirty="0"/>
+              <a:t>1</a:t>
+            </a:r>
+          </a:p>
+        </p:txBody>
+      </p:sp>
+    </p:spTree>
+    <p:extLst>
+      <p:ext uri="{BB962C8B-B14F-4D97-AF65-F5344CB8AC3E}">
+        <p14:creationId xmlns:p14="http://schemas.microsoft.com/office/powerpoint/2010/main" val="2094317165"/>
+      </p:ext>
+    </p:extLst>
+  </p:cSld>
+  <p:clrMapOvr>
+    <a:masterClrMapping/>
+  </p:clrMapOvr>
+</p:sld>
+</file>
+
+<file path=ppt/slides/slide5.xml><?xml version="1.0" encoding="utf-8"?>
+<p:sld xmlns:a="http://schemas.openxmlformats.org/drawingml/2006/main" xmlns:r="http://schemas.openxmlformats.org/officeDocument/2006/relationships" xmlns:p="http://schemas.openxmlformats.org/presentationml/2006/main">
+  <p:cSld>
+    <p:spTree>
+      <p:nvGrpSpPr>
+        <p:cNvPr id="1" name=""/>
+        <p:cNvGrpSpPr/>
+        <p:nvPr/>
+      </p:nvGrpSpPr>
+      <p:grpSpPr>
+        <a:xfrm>
+          <a:off x="0" y="0"/>
+          <a:ext cx="0" cy="0"/>
+          <a:chOff x="0" y="0"/>
+          <a:chExt cx="0" cy="0"/>
+        </a:xfrm>
+      </p:grpSpPr>
+      <p:sp>
+        <p:nvSpPr>
+          <p:cNvPr id="28" name="Content Placeholder 2"/>
+          <p:cNvSpPr>
+            <a:spLocks noGrp="1"/>
+          </p:cNvSpPr>
+          <p:nvPr>
+            <p:ph idx="1"/>
+          </p:nvPr>
+        </p:nvSpPr>
+        <p:spPr>
+          <a:xfrm>
+            <a:off x="915106" y="305892"/>
+            <a:ext cx="8229600" cy="604556"/>
+          </a:xfrm>
+        </p:spPr>
+        <p:txBody>
+          <a:bodyPr>
+            <a:normAutofit/>
+          </a:bodyPr>
+          <a:lstStyle/>
+          <a:p>
+            <a:pPr marL="0" indent="0" fontAlgn="base">
+              <a:buNone/>
+            </a:pPr>
+            <a:r>
+              <a:rPr lang="en-US" b="1" dirty="0"/>
+              <a:t>1. </a:t>
+            </a:r>
+            <a:r>
+              <a:rPr lang="en-US" dirty="0"/>
+              <a:t>“house of David” is at risk</a:t>
+            </a:r>
+          </a:p>
+        </p:txBody>
+      </p:sp>
+      <p:grpSp>
+        <p:nvGrpSpPr>
+          <p:cNvPr id="2" name="Group 1">
+            <a:extLst>
+              <a:ext uri="{FF2B5EF4-FFF2-40B4-BE49-F238E27FC236}">
+                <a16:creationId xmlns:a16="http://schemas.microsoft.com/office/drawing/2014/main" id="{3C464A41-074C-3A4B-B9A9-181231EACA69}"/>
+              </a:ext>
+            </a:extLst>
+          </p:cNvPr>
+          <p:cNvGrpSpPr/>
+          <p:nvPr/>
+        </p:nvGrpSpPr>
+        <p:grpSpPr>
+          <a:xfrm>
+            <a:off x="7060922" y="2445447"/>
+            <a:ext cx="1423104" cy="872736"/>
+            <a:chOff x="5008462" y="-381779"/>
+            <a:chExt cx="1423104" cy="872736"/>
+          </a:xfrm>
+        </p:grpSpPr>
+        <p:grpSp>
+          <p:nvGrpSpPr>
+            <p:cNvPr id="7" name="Group 6">
+              <a:extLst>
+                <a:ext uri="{FF2B5EF4-FFF2-40B4-BE49-F238E27FC236}">
+                  <a16:creationId xmlns:a16="http://schemas.microsoft.com/office/drawing/2014/main" id="{F8D0D99B-93F1-794B-9EC6-74E1B1D3C7E1}"/>
+                </a:ext>
+              </a:extLst>
+            </p:cNvPr>
+            <p:cNvGrpSpPr/>
+            <p:nvPr/>
+          </p:nvGrpSpPr>
+          <p:grpSpPr>
+            <a:xfrm>
+              <a:off x="5008462" y="-381779"/>
+              <a:ext cx="1423104" cy="872736"/>
+              <a:chOff x="3051253" y="3904594"/>
+              <a:chExt cx="1423104" cy="872736"/>
+            </a:xfrm>
+          </p:grpSpPr>
+          <p:sp>
+            <p:nvSpPr>
+              <p:cNvPr id="8" name="TextBox 7">
+                <a:extLst>
+                  <a:ext uri="{FF2B5EF4-FFF2-40B4-BE49-F238E27FC236}">
+                    <a16:creationId xmlns:a16="http://schemas.microsoft.com/office/drawing/2014/main" id="{C2BB4A78-EA35-D847-9E4F-8DD64061068D}"/>
+                  </a:ext>
+                </a:extLst>
+              </p:cNvPr>
+              <p:cNvSpPr txBox="1"/>
+              <p:nvPr/>
+            </p:nvSpPr>
+            <p:spPr>
+              <a:xfrm rot="21401300">
+                <a:off x="3051253" y="4254110"/>
+                <a:ext cx="1423104" cy="523220"/>
+              </a:xfrm>
+              <a:prstGeom prst="rect">
+                <a:avLst/>
+              </a:prstGeom>
+              <a:noFill/>
+            </p:spPr>
+            <p:txBody>
+              <a:bodyPr wrap="square" rtlCol="0">
+                <a:spAutoFit/>
+              </a:bodyPr>
+              <a:lstStyle/>
+              <a:p>
+                <a:r>
+                  <a:rPr lang="en-US" sz="2800" dirty="0">
+                    <a:solidFill>
+                      <a:srgbClr val="CA5C0E"/>
+                    </a:solidFill>
+                    <a:latin typeface="Gabriola" pitchFamily="82" charset="0"/>
+                    <a:ea typeface="Brush Script MT" panose="03060802040406070304" pitchFamily="66" charset="-122"/>
+                    <a:cs typeface="Brush Script MT" panose="03060802040406070304" pitchFamily="66" charset="-122"/>
+                  </a:rPr>
+                  <a:t>bigger sign</a:t>
+                </a:r>
+                <a:endParaRPr lang="en-US" sz="2400" dirty="0">
+                  <a:solidFill>
+                    <a:srgbClr val="CA5C0E"/>
+                  </a:solidFill>
+                  <a:latin typeface="Gabriola" pitchFamily="82" charset="0"/>
+                  <a:ea typeface="Brush Script MT" panose="03060802040406070304" pitchFamily="66" charset="-122"/>
+                  <a:cs typeface="Brush Script MT" panose="03060802040406070304" pitchFamily="66" charset="-122"/>
+                </a:endParaRPr>
+              </a:p>
+            </p:txBody>
+          </p:sp>
+          <p:sp>
+            <p:nvSpPr>
+              <p:cNvPr id="9" name="Freeform 8">
+                <a:extLst>
+                  <a:ext uri="{FF2B5EF4-FFF2-40B4-BE49-F238E27FC236}">
+                    <a16:creationId xmlns:a16="http://schemas.microsoft.com/office/drawing/2014/main" id="{4F036E1C-0E61-E248-B7F6-FC5BFD3EDAB8}"/>
+                  </a:ext>
+                </a:extLst>
+              </p:cNvPr>
+              <p:cNvSpPr/>
+              <p:nvPr/>
+            </p:nvSpPr>
+            <p:spPr>
+              <a:xfrm rot="11370456">
+                <a:off x="3447206" y="3904594"/>
+                <a:ext cx="172295" cy="134007"/>
+              </a:xfrm>
+              <a:custGeom>
+                <a:avLst/>
+                <a:gdLst>
+                  <a:gd name="connsiteX0" fmla="*/ 0 w 283779"/>
+                  <a:gd name="connsiteY0" fmla="*/ 94593 h 220717"/>
+                  <a:gd name="connsiteX1" fmla="*/ 73572 w 283779"/>
+                  <a:gd name="connsiteY1" fmla="*/ 147145 h 220717"/>
+                  <a:gd name="connsiteX2" fmla="*/ 105103 w 283779"/>
+                  <a:gd name="connsiteY2" fmla="*/ 157655 h 220717"/>
+                  <a:gd name="connsiteX3" fmla="*/ 168165 w 283779"/>
+                  <a:gd name="connsiteY3" fmla="*/ 189186 h 220717"/>
+                  <a:gd name="connsiteX4" fmla="*/ 199696 w 283779"/>
+                  <a:gd name="connsiteY4" fmla="*/ 220717 h 220717"/>
+                  <a:gd name="connsiteX5" fmla="*/ 220717 w 283779"/>
+                  <a:gd name="connsiteY5" fmla="*/ 189186 h 220717"/>
+                  <a:gd name="connsiteX6" fmla="*/ 241738 w 283779"/>
+                  <a:gd name="connsiteY6" fmla="*/ 126124 h 220717"/>
+                  <a:gd name="connsiteX7" fmla="*/ 252248 w 283779"/>
+                  <a:gd name="connsiteY7" fmla="*/ 94593 h 220717"/>
+                  <a:gd name="connsiteX8" fmla="*/ 262759 w 283779"/>
+                  <a:gd name="connsiteY8" fmla="*/ 63062 h 220717"/>
+                  <a:gd name="connsiteX9" fmla="*/ 283779 w 283779"/>
+                  <a:gd name="connsiteY9" fmla="*/ 0 h 220717"/>
+                </a:gdLst>
+                <a:ahLst/>
+                <a:cxnLst>
+                  <a:cxn ang="0">
+                    <a:pos x="connsiteX0" y="connsiteY0"/>
+                  </a:cxn>
+                  <a:cxn ang="0">
+                    <a:pos x="connsiteX1" y="connsiteY1"/>
+                  </a:cxn>
+                  <a:cxn ang="0">
+                    <a:pos x="connsiteX2" y="connsiteY2"/>
+                  </a:cxn>
+                  <a:cxn ang="0">
+                    <a:pos x="connsiteX3" y="connsiteY3"/>
+                  </a:cxn>
+                  <a:cxn ang="0">
+                    <a:pos x="connsiteX4" y="connsiteY4"/>
+                  </a:cxn>
+                  <a:cxn ang="0">
+                    <a:pos x="connsiteX5" y="connsiteY5"/>
+                  </a:cxn>
+                  <a:cxn ang="0">
+                    <a:pos x="connsiteX6" y="connsiteY6"/>
+                  </a:cxn>
+                  <a:cxn ang="0">
+                    <a:pos x="connsiteX7" y="connsiteY7"/>
+                  </a:cxn>
+                  <a:cxn ang="0">
+                    <a:pos x="connsiteX8" y="connsiteY8"/>
+                  </a:cxn>
+                  <a:cxn ang="0">
+                    <a:pos x="connsiteX9" y="connsiteY9"/>
+                  </a:cxn>
+                </a:cxnLst>
+                <a:rect l="l" t="t" r="r" b="b"/>
+                <a:pathLst>
+                  <a:path w="283779" h="220717">
+                    <a:moveTo>
+                      <a:pt x="0" y="94593"/>
+                    </a:moveTo>
+                    <a:cubicBezTo>
+                      <a:pt x="24524" y="112110"/>
+                      <a:pt x="47729" y="131639"/>
+                      <a:pt x="73572" y="147145"/>
+                    </a:cubicBezTo>
+                    <a:cubicBezTo>
+                      <a:pt x="83072" y="152845"/>
+                      <a:pt x="95194" y="152700"/>
+                      <a:pt x="105103" y="157655"/>
+                    </a:cubicBezTo>
+                    <a:cubicBezTo>
+                      <a:pt x="186601" y="198404"/>
+                      <a:pt x="88911" y="162769"/>
+                      <a:pt x="168165" y="189186"/>
+                    </a:cubicBezTo>
+                    <a:cubicBezTo>
+                      <a:pt x="178675" y="199696"/>
+                      <a:pt x="184832" y="220717"/>
+                      <a:pt x="199696" y="220717"/>
+                    </a:cubicBezTo>
+                    <a:cubicBezTo>
+                      <a:pt x="212328" y="220717"/>
+                      <a:pt x="215587" y="200729"/>
+                      <a:pt x="220717" y="189186"/>
+                    </a:cubicBezTo>
+                    <a:cubicBezTo>
+                      <a:pt x="229716" y="168938"/>
+                      <a:pt x="234731" y="147145"/>
+                      <a:pt x="241738" y="126124"/>
+                    </a:cubicBezTo>
+                    <a:lnTo>
+                      <a:pt x="252248" y="94593"/>
+                    </a:lnTo>
+                    <a:cubicBezTo>
+                      <a:pt x="255752" y="84083"/>
+                      <a:pt x="260072" y="73810"/>
+                      <a:pt x="262759" y="63062"/>
+                    </a:cubicBezTo>
+                    <a:cubicBezTo>
+                      <a:pt x="275169" y="13421"/>
+                      <a:pt x="266809" y="33941"/>
+                      <a:pt x="283779" y="0"/>
+                    </a:cubicBezTo>
+                  </a:path>
+                </a:pathLst>
+              </a:custGeom>
+              <a:noFill/>
+              <a:ln>
+                <a:solidFill>
+                  <a:srgbClr val="CA5C0E"/>
+                </a:solidFill>
+              </a:ln>
+            </p:spPr>
+            <p:style>
+              <a:lnRef idx="2">
+                <a:schemeClr val="accent1">
+                  <a:shade val="50000"/>
+                </a:schemeClr>
+              </a:lnRef>
+              <a:fillRef idx="1">
+                <a:schemeClr val="accent1"/>
+              </a:fillRef>
+              <a:effectRef idx="0">
+                <a:schemeClr val="accent1"/>
+              </a:effectRef>
+              <a:fontRef idx="minor">
+                <a:schemeClr val="lt1"/>
+              </a:fontRef>
+            </p:style>
+            <p:txBody>
+              <a:bodyPr rtlCol="0" anchor="ctr"/>
+              <a:lstStyle/>
+              <a:p>
+                <a:pPr algn="ctr"/>
+                <a:endParaRPr lang="en-US">
+                  <a:solidFill>
+                    <a:srgbClr val="CA5C0E"/>
+                  </a:solidFill>
+                </a:endParaRPr>
+              </a:p>
+            </p:txBody>
+          </p:sp>
+        </p:grpSp>
+        <p:sp>
+          <p:nvSpPr>
+            <p:cNvPr id="10" name="Freeform 9">
+              <a:extLst>
+                <a:ext uri="{FF2B5EF4-FFF2-40B4-BE49-F238E27FC236}">
+                  <a16:creationId xmlns:a16="http://schemas.microsoft.com/office/drawing/2014/main" id="{C06A3F6E-2EB3-E243-B715-55C7B117FD57}"/>
+                </a:ext>
+              </a:extLst>
+            </p:cNvPr>
+            <p:cNvSpPr/>
+            <p:nvPr/>
+          </p:nvSpPr>
+          <p:spPr>
+            <a:xfrm>
+              <a:off x="5490562" y="-252678"/>
+              <a:ext cx="31917" cy="325820"/>
+            </a:xfrm>
+            <a:custGeom>
+              <a:avLst/>
+              <a:gdLst>
+                <a:gd name="connsiteX0" fmla="*/ 0 w 31917"/>
+                <a:gd name="connsiteY0" fmla="*/ 0 h 325820"/>
+                <a:gd name="connsiteX1" fmla="*/ 21021 w 31917"/>
+                <a:gd name="connsiteY1" fmla="*/ 73572 h 325820"/>
+                <a:gd name="connsiteX2" fmla="*/ 31531 w 31917"/>
+                <a:gd name="connsiteY2" fmla="*/ 325820 h 325820"/>
+              </a:gdLst>
+              <a:ahLst/>
+              <a:cxnLst>
+                <a:cxn ang="0">
+                  <a:pos x="connsiteX0" y="connsiteY0"/>
+                </a:cxn>
+                <a:cxn ang="0">
+                  <a:pos x="connsiteX1" y="connsiteY1"/>
+                </a:cxn>
+                <a:cxn ang="0">
+                  <a:pos x="connsiteX2" y="connsiteY2"/>
+                </a:cxn>
+              </a:cxnLst>
+              <a:rect l="l" t="t" r="r" b="b"/>
+              <a:pathLst>
+                <a:path w="31917" h="325820">
+                  <a:moveTo>
+                    <a:pt x="0" y="0"/>
+                  </a:moveTo>
+                  <a:cubicBezTo>
+                    <a:pt x="7007" y="24524"/>
+                    <a:pt x="17043" y="48379"/>
+                    <a:pt x="21021" y="73572"/>
+                  </a:cubicBezTo>
+                  <a:cubicBezTo>
+                    <a:pt x="35022" y="162246"/>
+                    <a:pt x="31531" y="236581"/>
+                    <a:pt x="31531" y="325820"/>
+                  </a:cubicBezTo>
+                </a:path>
+              </a:pathLst>
+            </a:custGeom>
+            <a:noFill/>
+            <a:ln>
+              <a:solidFill>
+                <a:srgbClr val="CA5C0E"/>
+              </a:solidFill>
+            </a:ln>
+          </p:spPr>
+          <p:style>
+            <a:lnRef idx="2">
+              <a:schemeClr val="accent1">
+                <a:shade val="50000"/>
+              </a:schemeClr>
+            </a:lnRef>
+            <a:fillRef idx="1">
+              <a:schemeClr val="accent1"/>
+            </a:fillRef>
+            <a:effectRef idx="0">
+              <a:schemeClr val="accent1"/>
+            </a:effectRef>
+            <a:fontRef idx="minor">
+              <a:schemeClr val="lt1"/>
+            </a:fontRef>
+          </p:style>
+          <p:txBody>
+            <a:bodyPr rtlCol="0" anchor="ctr"/>
+            <a:lstStyle/>
+            <a:p>
+              <a:pPr algn="ctr"/>
+              <a:endParaRPr lang="en-US">
+                <a:solidFill>
+                  <a:srgbClr val="CA5C0E"/>
+                </a:solidFill>
+              </a:endParaRPr>
+            </a:p>
+          </p:txBody>
+        </p:sp>
+      </p:grpSp>
+      <p:grpSp>
+        <p:nvGrpSpPr>
+          <p:cNvPr id="11" name="Group 10">
+            <a:extLst>
+              <a:ext uri="{FF2B5EF4-FFF2-40B4-BE49-F238E27FC236}">
+                <a16:creationId xmlns:a16="http://schemas.microsoft.com/office/drawing/2014/main" id="{AB3000FB-1C25-754A-AE0D-43F8BDBF8014}"/>
+              </a:ext>
+            </a:extLst>
+          </p:cNvPr>
+          <p:cNvGrpSpPr/>
+          <p:nvPr/>
+        </p:nvGrpSpPr>
+        <p:grpSpPr>
+          <a:xfrm>
+            <a:off x="6781800" y="5823495"/>
+            <a:ext cx="2136547" cy="839000"/>
+            <a:chOff x="4747724" y="-381779"/>
+            <a:chExt cx="2136547" cy="839000"/>
+          </a:xfrm>
+        </p:grpSpPr>
+        <p:grpSp>
+          <p:nvGrpSpPr>
+            <p:cNvPr id="12" name="Group 11">
+              <a:extLst>
+                <a:ext uri="{FF2B5EF4-FFF2-40B4-BE49-F238E27FC236}">
+                  <a16:creationId xmlns:a16="http://schemas.microsoft.com/office/drawing/2014/main" id="{D7371AFF-B941-264D-A914-4FB3720BBEE9}"/>
+                </a:ext>
+              </a:extLst>
+            </p:cNvPr>
+            <p:cNvGrpSpPr/>
+            <p:nvPr/>
+          </p:nvGrpSpPr>
+          <p:grpSpPr>
+            <a:xfrm>
+              <a:off x="4747724" y="-381779"/>
+              <a:ext cx="2136547" cy="839000"/>
+              <a:chOff x="2790515" y="3904594"/>
+              <a:chExt cx="2136547" cy="839000"/>
+            </a:xfrm>
+          </p:grpSpPr>
+          <p:sp>
+            <p:nvSpPr>
+              <p:cNvPr id="14" name="TextBox 13">
+                <a:extLst>
+                  <a:ext uri="{FF2B5EF4-FFF2-40B4-BE49-F238E27FC236}">
+                    <a16:creationId xmlns:a16="http://schemas.microsoft.com/office/drawing/2014/main" id="{E8D04F7E-9EEC-7A45-9E77-BD7C5541CCF0}"/>
+                  </a:ext>
+                </a:extLst>
+              </p:cNvPr>
+              <p:cNvSpPr txBox="1"/>
+              <p:nvPr/>
+            </p:nvSpPr>
+            <p:spPr>
+              <a:xfrm rot="21401300">
+                <a:off x="2790515" y="4220374"/>
+                <a:ext cx="2136547" cy="523220"/>
+              </a:xfrm>
+              <a:prstGeom prst="rect">
+                <a:avLst/>
+              </a:prstGeom>
+              <a:noFill/>
+            </p:spPr>
+            <p:txBody>
+              <a:bodyPr wrap="square" rtlCol="0">
+                <a:spAutoFit/>
+              </a:bodyPr>
+              <a:lstStyle/>
+              <a:p>
+                <a:r>
+                  <a:rPr lang="en-US" sz="2800" dirty="0">
+                    <a:solidFill>
+                      <a:srgbClr val="CA5C0E"/>
+                    </a:solidFill>
+                    <a:latin typeface="Gabriola" pitchFamily="82" charset="0"/>
+                    <a:ea typeface="Brush Script MT" panose="03060802040406070304" pitchFamily="66" charset="-122"/>
+                    <a:cs typeface="Brush Script MT" panose="03060802040406070304" pitchFamily="66" charset="-122"/>
+                  </a:rPr>
+                  <a:t>bigger fulfillment</a:t>
+                </a:r>
+                <a:endParaRPr lang="en-US" sz="2400" dirty="0">
+                  <a:solidFill>
+                    <a:srgbClr val="CA5C0E"/>
+                  </a:solidFill>
+                  <a:latin typeface="Gabriola" pitchFamily="82" charset="0"/>
+                  <a:ea typeface="Brush Script MT" panose="03060802040406070304" pitchFamily="66" charset="-122"/>
+                  <a:cs typeface="Brush Script MT" panose="03060802040406070304" pitchFamily="66" charset="-122"/>
+                </a:endParaRPr>
+              </a:p>
+            </p:txBody>
+          </p:sp>
+          <p:sp>
+            <p:nvSpPr>
+              <p:cNvPr id="15" name="Freeform 14">
+                <a:extLst>
+                  <a:ext uri="{FF2B5EF4-FFF2-40B4-BE49-F238E27FC236}">
+                    <a16:creationId xmlns:a16="http://schemas.microsoft.com/office/drawing/2014/main" id="{AF579D3C-B764-2B4B-82AA-41F10B7F0E4F}"/>
+                  </a:ext>
+                </a:extLst>
+              </p:cNvPr>
+              <p:cNvSpPr/>
+              <p:nvPr/>
+            </p:nvSpPr>
+            <p:spPr>
+              <a:xfrm rot="11370456">
+                <a:off x="3447206" y="3904594"/>
+                <a:ext cx="172295" cy="134007"/>
+              </a:xfrm>
+              <a:custGeom>
+                <a:avLst/>
+                <a:gdLst>
+                  <a:gd name="connsiteX0" fmla="*/ 0 w 283779"/>
+                  <a:gd name="connsiteY0" fmla="*/ 94593 h 220717"/>
+                  <a:gd name="connsiteX1" fmla="*/ 73572 w 283779"/>
+                  <a:gd name="connsiteY1" fmla="*/ 147145 h 220717"/>
+                  <a:gd name="connsiteX2" fmla="*/ 105103 w 283779"/>
+                  <a:gd name="connsiteY2" fmla="*/ 157655 h 220717"/>
+                  <a:gd name="connsiteX3" fmla="*/ 168165 w 283779"/>
+                  <a:gd name="connsiteY3" fmla="*/ 189186 h 220717"/>
+                  <a:gd name="connsiteX4" fmla="*/ 199696 w 283779"/>
+                  <a:gd name="connsiteY4" fmla="*/ 220717 h 220717"/>
+                  <a:gd name="connsiteX5" fmla="*/ 220717 w 283779"/>
+                  <a:gd name="connsiteY5" fmla="*/ 189186 h 220717"/>
+                  <a:gd name="connsiteX6" fmla="*/ 241738 w 283779"/>
+                  <a:gd name="connsiteY6" fmla="*/ 126124 h 220717"/>
+                  <a:gd name="connsiteX7" fmla="*/ 252248 w 283779"/>
+                  <a:gd name="connsiteY7" fmla="*/ 94593 h 220717"/>
+                  <a:gd name="connsiteX8" fmla="*/ 262759 w 283779"/>
+                  <a:gd name="connsiteY8" fmla="*/ 63062 h 220717"/>
+                  <a:gd name="connsiteX9" fmla="*/ 283779 w 283779"/>
+                  <a:gd name="connsiteY9" fmla="*/ 0 h 220717"/>
+                </a:gdLst>
+                <a:ahLst/>
+                <a:cxnLst>
+                  <a:cxn ang="0">
+                    <a:pos x="connsiteX0" y="connsiteY0"/>
+                  </a:cxn>
+                  <a:cxn ang="0">
+                    <a:pos x="connsiteX1" y="connsiteY1"/>
+                  </a:cxn>
+                  <a:cxn ang="0">
+                    <a:pos x="connsiteX2" y="connsiteY2"/>
+                  </a:cxn>
+                  <a:cxn ang="0">
+                    <a:pos x="connsiteX3" y="connsiteY3"/>
+                  </a:cxn>
+                  <a:cxn ang="0">
+                    <a:pos x="connsiteX4" y="connsiteY4"/>
+                  </a:cxn>
+                  <a:cxn ang="0">
+                    <a:pos x="connsiteX5" y="connsiteY5"/>
+                  </a:cxn>
+                  <a:cxn ang="0">
+                    <a:pos x="connsiteX6" y="connsiteY6"/>
+                  </a:cxn>
+                  <a:cxn ang="0">
+                    <a:pos x="connsiteX7" y="connsiteY7"/>
+                  </a:cxn>
+                  <a:cxn ang="0">
+                    <a:pos x="connsiteX8" y="connsiteY8"/>
+                  </a:cxn>
+                  <a:cxn ang="0">
+                    <a:pos x="connsiteX9" y="connsiteY9"/>
+                  </a:cxn>
+                </a:cxnLst>
+                <a:rect l="l" t="t" r="r" b="b"/>
+                <a:pathLst>
+                  <a:path w="283779" h="220717">
+                    <a:moveTo>
+                      <a:pt x="0" y="94593"/>
+                    </a:moveTo>
+                    <a:cubicBezTo>
+                      <a:pt x="24524" y="112110"/>
+                      <a:pt x="47729" y="131639"/>
+                      <a:pt x="73572" y="147145"/>
+                    </a:cubicBezTo>
+                    <a:cubicBezTo>
+                      <a:pt x="83072" y="152845"/>
+                      <a:pt x="95194" y="152700"/>
+                      <a:pt x="105103" y="157655"/>
+                    </a:cubicBezTo>
+                    <a:cubicBezTo>
+                      <a:pt x="186601" y="198404"/>
+                      <a:pt x="88911" y="162769"/>
+                      <a:pt x="168165" y="189186"/>
+                    </a:cubicBezTo>
+                    <a:cubicBezTo>
+                      <a:pt x="178675" y="199696"/>
+                      <a:pt x="184832" y="220717"/>
+                      <a:pt x="199696" y="220717"/>
+                    </a:cubicBezTo>
+                    <a:cubicBezTo>
+                      <a:pt x="212328" y="220717"/>
+                      <a:pt x="215587" y="200729"/>
+                      <a:pt x="220717" y="189186"/>
+                    </a:cubicBezTo>
+                    <a:cubicBezTo>
+                      <a:pt x="229716" y="168938"/>
+                      <a:pt x="234731" y="147145"/>
+                      <a:pt x="241738" y="126124"/>
+                    </a:cubicBezTo>
+                    <a:lnTo>
+                      <a:pt x="252248" y="94593"/>
+                    </a:lnTo>
+                    <a:cubicBezTo>
+                      <a:pt x="255752" y="84083"/>
+                      <a:pt x="260072" y="73810"/>
+                      <a:pt x="262759" y="63062"/>
+                    </a:cubicBezTo>
+                    <a:cubicBezTo>
+                      <a:pt x="275169" y="13421"/>
+                      <a:pt x="266809" y="33941"/>
+                      <a:pt x="283779" y="0"/>
+                    </a:cubicBezTo>
+                  </a:path>
+                </a:pathLst>
+              </a:custGeom>
+              <a:noFill/>
+              <a:ln>
+                <a:solidFill>
+                  <a:srgbClr val="CA5C0E"/>
+                </a:solidFill>
+              </a:ln>
+            </p:spPr>
+            <p:style>
+              <a:lnRef idx="2">
+                <a:schemeClr val="accent1">
+                  <a:shade val="50000"/>
+                </a:schemeClr>
+              </a:lnRef>
+              <a:fillRef idx="1">
+                <a:schemeClr val="accent1"/>
+              </a:fillRef>
+              <a:effectRef idx="0">
+                <a:schemeClr val="accent1"/>
+              </a:effectRef>
+              <a:fontRef idx="minor">
+                <a:schemeClr val="lt1"/>
+              </a:fontRef>
+            </p:style>
+            <p:txBody>
+              <a:bodyPr rtlCol="0" anchor="ctr"/>
+              <a:lstStyle/>
+              <a:p>
+                <a:pPr algn="ctr"/>
+                <a:endParaRPr lang="en-US">
+                  <a:solidFill>
+                    <a:srgbClr val="CA5C0E"/>
+                  </a:solidFill>
+                </a:endParaRPr>
+              </a:p>
+            </p:txBody>
+          </p:sp>
+        </p:grpSp>
+        <p:sp>
+          <p:nvSpPr>
+            <p:cNvPr id="13" name="Freeform 12">
+              <a:extLst>
+                <a:ext uri="{FF2B5EF4-FFF2-40B4-BE49-F238E27FC236}">
+                  <a16:creationId xmlns:a16="http://schemas.microsoft.com/office/drawing/2014/main" id="{AA27FC77-07F4-9740-9A23-3735D39058C4}"/>
+                </a:ext>
+              </a:extLst>
+            </p:cNvPr>
+            <p:cNvSpPr/>
+            <p:nvPr/>
+          </p:nvSpPr>
+          <p:spPr>
+            <a:xfrm>
+              <a:off x="5490562" y="-252678"/>
+              <a:ext cx="31917" cy="325820"/>
+            </a:xfrm>
+            <a:custGeom>
+              <a:avLst/>
+              <a:gdLst>
+                <a:gd name="connsiteX0" fmla="*/ 0 w 31917"/>
+                <a:gd name="connsiteY0" fmla="*/ 0 h 325820"/>
+                <a:gd name="connsiteX1" fmla="*/ 21021 w 31917"/>
+                <a:gd name="connsiteY1" fmla="*/ 73572 h 325820"/>
+                <a:gd name="connsiteX2" fmla="*/ 31531 w 31917"/>
+                <a:gd name="connsiteY2" fmla="*/ 325820 h 325820"/>
+              </a:gdLst>
+              <a:ahLst/>
+              <a:cxnLst>
+                <a:cxn ang="0">
+                  <a:pos x="connsiteX0" y="connsiteY0"/>
+                </a:cxn>
+                <a:cxn ang="0">
+                  <a:pos x="connsiteX1" y="connsiteY1"/>
+                </a:cxn>
+                <a:cxn ang="0">
+                  <a:pos x="connsiteX2" y="connsiteY2"/>
+                </a:cxn>
+              </a:cxnLst>
+              <a:rect l="l" t="t" r="r" b="b"/>
+              <a:pathLst>
+                <a:path w="31917" h="325820">
+                  <a:moveTo>
+                    <a:pt x="0" y="0"/>
+                  </a:moveTo>
+                  <a:cubicBezTo>
+                    <a:pt x="7007" y="24524"/>
+                    <a:pt x="17043" y="48379"/>
+                    <a:pt x="21021" y="73572"/>
+                  </a:cubicBezTo>
+                  <a:cubicBezTo>
+                    <a:pt x="35022" y="162246"/>
+                    <a:pt x="31531" y="236581"/>
+                    <a:pt x="31531" y="325820"/>
+                  </a:cubicBezTo>
+                </a:path>
+              </a:pathLst>
+            </a:custGeom>
+            <a:noFill/>
+            <a:ln>
+              <a:solidFill>
+                <a:srgbClr val="CA5C0E"/>
+              </a:solidFill>
+            </a:ln>
+          </p:spPr>
+          <p:style>
+            <a:lnRef idx="2">
+              <a:schemeClr val="accent1">
+                <a:shade val="50000"/>
+              </a:schemeClr>
+            </a:lnRef>
+            <a:fillRef idx="1">
+              <a:schemeClr val="accent1"/>
+            </a:fillRef>
+            <a:effectRef idx="0">
+              <a:schemeClr val="accent1"/>
+            </a:effectRef>
+            <a:fontRef idx="minor">
+              <a:schemeClr val="lt1"/>
+            </a:fontRef>
+          </p:style>
+          <p:txBody>
+            <a:bodyPr rtlCol="0" anchor="ctr"/>
+            <a:lstStyle/>
+            <a:p>
+              <a:pPr algn="ctr"/>
+              <a:endParaRPr lang="en-US">
+                <a:solidFill>
+                  <a:srgbClr val="CA5C0E"/>
+                </a:solidFill>
+              </a:endParaRPr>
+            </a:p>
+          </p:txBody>
+        </p:sp>
+      </p:grpSp>
+      <p:sp>
+        <p:nvSpPr>
+          <p:cNvPr id="17" name="Content Placeholder 2">
+            <a:extLst>
+              <a:ext uri="{FF2B5EF4-FFF2-40B4-BE49-F238E27FC236}">
+                <a16:creationId xmlns:a16="http://schemas.microsoft.com/office/drawing/2014/main" id="{B7DCEBA5-0D49-E44A-87D8-639D835406A5}"/>
+              </a:ext>
+            </a:extLst>
+          </p:cNvPr>
+          <p:cNvSpPr txBox="1">
+            <a:spLocks/>
+          </p:cNvSpPr>
+          <p:nvPr/>
+        </p:nvSpPr>
+        <p:spPr>
+          <a:xfrm>
+            <a:off x="907774" y="1081681"/>
+            <a:ext cx="8229600" cy="604556"/>
+          </a:xfrm>
+          <a:prstGeom prst="rect">
+            <a:avLst/>
+          </a:prstGeom>
+        </p:spPr>
+        <p:txBody>
+          <a:bodyPr vert="horz" lIns="91440" tIns="45720" rIns="91440" bIns="45720" rtlCol="0">
+            <a:normAutofit/>
+          </a:bodyPr>
+          <a:lstStyle>
+            <a:lvl1pPr marL="342900" indent="-342900" algn="l" defTabSz="914400" rtl="0" eaLnBrk="1" latinLnBrk="0" hangingPunct="1">
+              <a:spcBef>
+                <a:spcPct val="20000"/>
+              </a:spcBef>
+              <a:buFont typeface="Arial" pitchFamily="34" charset="0"/>
+              <a:buChar char="•"/>
+              <a:defRPr sz="3200" kern="1200">
+                <a:solidFill>
+                  <a:schemeClr val="tx1"/>
+                </a:solidFill>
+                <a:latin typeface="+mn-lt"/>
+                <a:ea typeface="+mn-ea"/>
+                <a:cs typeface="+mn-cs"/>
+              </a:defRPr>
+            </a:lvl1pPr>
+            <a:lvl2pPr marL="742950" indent="-285750" algn="l" defTabSz="914400" rtl="0" eaLnBrk="1" latinLnBrk="0" hangingPunct="1">
+              <a:spcBef>
+                <a:spcPct val="20000"/>
+              </a:spcBef>
+              <a:buFont typeface="Arial" pitchFamily="34" charset="0"/>
+              <a:buChar char="–"/>
+              <a:defRPr sz="2800" kern="1200">
+                <a:solidFill>
+                  <a:schemeClr val="tx1"/>
+                </a:solidFill>
+                <a:latin typeface="+mn-lt"/>
+                <a:ea typeface="+mn-ea"/>
+                <a:cs typeface="+mn-cs"/>
+              </a:defRPr>
+            </a:lvl2pPr>
+            <a:lvl3pPr marL="1143000" indent="-228600" algn="l" defTabSz="914400" rtl="0" eaLnBrk="1" latinLnBrk="0" hangingPunct="1">
+              <a:spcBef>
+                <a:spcPct val="20000"/>
+              </a:spcBef>
+              <a:buFont typeface="Arial" pitchFamily="34" charset="0"/>
+              <a:buChar char="•"/>
+              <a:defRPr sz="2400" kern="1200">
+                <a:solidFill>
+                  <a:schemeClr val="tx1"/>
+                </a:solidFill>
+                <a:latin typeface="+mn-lt"/>
+                <a:ea typeface="+mn-ea"/>
+                <a:cs typeface="+mn-cs"/>
+              </a:defRPr>
+            </a:lvl3pPr>
+            <a:lvl4pPr marL="1600200" indent="-228600" algn="l" defTabSz="914400" rtl="0" eaLnBrk="1" latinLnBrk="0" hangingPunct="1">
+              <a:spcBef>
+                <a:spcPct val="20000"/>
+              </a:spcBef>
+              <a:buFont typeface="Arial" pitchFamily="34" charset="0"/>
+              <a:buChar char="–"/>
+              <a:defRPr sz="2000" kern="1200">
+                <a:solidFill>
+                  <a:schemeClr val="tx1"/>
+                </a:solidFill>
+                <a:latin typeface="+mn-lt"/>
+                <a:ea typeface="+mn-ea"/>
+                <a:cs typeface="+mn-cs"/>
+              </a:defRPr>
+            </a:lvl4pPr>
+            <a:lvl5pPr marL="2057400" indent="-228600" algn="l" defTabSz="914400" rtl="0" eaLnBrk="1" latinLnBrk="0" hangingPunct="1">
+              <a:spcBef>
+                <a:spcPct val="20000"/>
+              </a:spcBef>
+              <a:buFont typeface="Arial" pitchFamily="34" charset="0"/>
+              <a:buChar char="»"/>
+              <a:defRPr sz="2000" kern="1200">
+                <a:solidFill>
+                  <a:schemeClr val="tx1"/>
+                </a:solidFill>
+                <a:latin typeface="+mn-lt"/>
+                <a:ea typeface="+mn-ea"/>
+                <a:cs typeface="+mn-cs"/>
+              </a:defRPr>
+            </a:lvl5pPr>
+            <a:lvl6pPr marL="2514600" indent="-228600" algn="l" defTabSz="914400" rtl="0" eaLnBrk="1" latinLnBrk="0" hangingPunct="1">
+              <a:spcBef>
+                <a:spcPct val="20000"/>
+              </a:spcBef>
+              <a:buFont typeface="Arial" pitchFamily="34" charset="0"/>
+              <a:buChar char="•"/>
+              <a:defRPr sz="2000" kern="1200">
+                <a:solidFill>
+                  <a:schemeClr val="tx1"/>
+                </a:solidFill>
+                <a:latin typeface="+mn-lt"/>
+                <a:ea typeface="+mn-ea"/>
+                <a:cs typeface="+mn-cs"/>
+              </a:defRPr>
+            </a:lvl6pPr>
+            <a:lvl7pPr marL="2971800" indent="-228600" algn="l" defTabSz="914400" rtl="0" eaLnBrk="1" latinLnBrk="0" hangingPunct="1">
+              <a:spcBef>
+                <a:spcPct val="20000"/>
+              </a:spcBef>
+              <a:buFont typeface="Arial" pitchFamily="34" charset="0"/>
+              <a:buChar char="•"/>
+              <a:defRPr sz="2000" kern="1200">
+                <a:solidFill>
+                  <a:schemeClr val="tx1"/>
+                </a:solidFill>
+                <a:latin typeface="+mn-lt"/>
+                <a:ea typeface="+mn-ea"/>
+                <a:cs typeface="+mn-cs"/>
+              </a:defRPr>
+            </a:lvl7pPr>
+            <a:lvl8pPr marL="3429000" indent="-228600" algn="l" defTabSz="914400" rtl="0" eaLnBrk="1" latinLnBrk="0" hangingPunct="1">
+              <a:spcBef>
+                <a:spcPct val="20000"/>
+              </a:spcBef>
+              <a:buFont typeface="Arial" pitchFamily="34" charset="0"/>
+              <a:buChar char="•"/>
+              <a:defRPr sz="2000" kern="1200">
+                <a:solidFill>
+                  <a:schemeClr val="tx1"/>
+                </a:solidFill>
+                <a:latin typeface="+mn-lt"/>
+                <a:ea typeface="+mn-ea"/>
+                <a:cs typeface="+mn-cs"/>
+              </a:defRPr>
+            </a:lvl8pPr>
+            <a:lvl9pPr marL="3886200" indent="-228600" algn="l" defTabSz="914400" rtl="0" eaLnBrk="1" latinLnBrk="0" hangingPunct="1">
+              <a:spcBef>
+                <a:spcPct val="20000"/>
+              </a:spcBef>
+              <a:buFont typeface="Arial" pitchFamily="34" charset="0"/>
+              <a:buChar char="•"/>
+              <a:defRPr sz="2000" kern="1200">
+                <a:solidFill>
+                  <a:schemeClr val="tx1"/>
+                </a:solidFill>
+                <a:latin typeface="+mn-lt"/>
+                <a:ea typeface="+mn-ea"/>
+                <a:cs typeface="+mn-cs"/>
+              </a:defRPr>
+            </a:lvl9pPr>
+          </a:lstStyle>
+          <a:p>
+            <a:pPr marL="0" indent="0" fontAlgn="base">
+              <a:buNone/>
+            </a:pPr>
+            <a:r>
+              <a:rPr lang="en-US" b="1" dirty="0"/>
+              <a:t>2. </a:t>
+            </a:r>
+            <a:r>
+              <a:rPr lang="en-US" dirty="0"/>
+              <a:t>Isaiah tells Ahaz that God will defend him</a:t>
+            </a:r>
+          </a:p>
+        </p:txBody>
+      </p:sp>
+      <p:sp>
+        <p:nvSpPr>
+          <p:cNvPr id="18" name="Content Placeholder 2">
+            <a:extLst>
+              <a:ext uri="{FF2B5EF4-FFF2-40B4-BE49-F238E27FC236}">
+                <a16:creationId xmlns:a16="http://schemas.microsoft.com/office/drawing/2014/main" id="{56B9292E-0854-4842-908B-D2B68CDAF168}"/>
+              </a:ext>
+            </a:extLst>
+          </p:cNvPr>
+          <p:cNvSpPr txBox="1">
+            <a:spLocks/>
+          </p:cNvSpPr>
+          <p:nvPr/>
+        </p:nvSpPr>
+        <p:spPr>
+          <a:xfrm>
+            <a:off x="907774" y="1854023"/>
+            <a:ext cx="8229600" cy="604556"/>
+          </a:xfrm>
+          <a:prstGeom prst="rect">
+            <a:avLst/>
+          </a:prstGeom>
+        </p:spPr>
+        <p:txBody>
+          <a:bodyPr vert="horz" lIns="91440" tIns="45720" rIns="91440" bIns="45720" rtlCol="0">
+            <a:normAutofit/>
+          </a:bodyPr>
+          <a:lstStyle>
+            <a:lvl1pPr marL="342900" indent="-342900" algn="l" defTabSz="914400" rtl="0" eaLnBrk="1" latinLnBrk="0" hangingPunct="1">
+              <a:spcBef>
+                <a:spcPct val="20000"/>
+              </a:spcBef>
+              <a:buFont typeface="Arial" pitchFamily="34" charset="0"/>
+              <a:buChar char="•"/>
+              <a:defRPr sz="3200" kern="1200">
+                <a:solidFill>
+                  <a:schemeClr val="tx1"/>
+                </a:solidFill>
+                <a:latin typeface="+mn-lt"/>
+                <a:ea typeface="+mn-ea"/>
+                <a:cs typeface="+mn-cs"/>
+              </a:defRPr>
+            </a:lvl1pPr>
+            <a:lvl2pPr marL="742950" indent="-285750" algn="l" defTabSz="914400" rtl="0" eaLnBrk="1" latinLnBrk="0" hangingPunct="1">
+              <a:spcBef>
+                <a:spcPct val="20000"/>
+              </a:spcBef>
+              <a:buFont typeface="Arial" pitchFamily="34" charset="0"/>
+              <a:buChar char="–"/>
+              <a:defRPr sz="2800" kern="1200">
+                <a:solidFill>
+                  <a:schemeClr val="tx1"/>
+                </a:solidFill>
+                <a:latin typeface="+mn-lt"/>
+                <a:ea typeface="+mn-ea"/>
+                <a:cs typeface="+mn-cs"/>
+              </a:defRPr>
+            </a:lvl2pPr>
+            <a:lvl3pPr marL="1143000" indent="-228600" algn="l" defTabSz="914400" rtl="0" eaLnBrk="1" latinLnBrk="0" hangingPunct="1">
+              <a:spcBef>
+                <a:spcPct val="20000"/>
+              </a:spcBef>
+              <a:buFont typeface="Arial" pitchFamily="34" charset="0"/>
+              <a:buChar char="•"/>
+              <a:defRPr sz="2400" kern="1200">
+                <a:solidFill>
+                  <a:schemeClr val="tx1"/>
+                </a:solidFill>
+                <a:latin typeface="+mn-lt"/>
+                <a:ea typeface="+mn-ea"/>
+                <a:cs typeface="+mn-cs"/>
+              </a:defRPr>
+            </a:lvl3pPr>
+            <a:lvl4pPr marL="1600200" indent="-228600" algn="l" defTabSz="914400" rtl="0" eaLnBrk="1" latinLnBrk="0" hangingPunct="1">
+              <a:spcBef>
+                <a:spcPct val="20000"/>
+              </a:spcBef>
+              <a:buFont typeface="Arial" pitchFamily="34" charset="0"/>
+              <a:buChar char="–"/>
+              <a:defRPr sz="2000" kern="1200">
+                <a:solidFill>
+                  <a:schemeClr val="tx1"/>
+                </a:solidFill>
+                <a:latin typeface="+mn-lt"/>
+                <a:ea typeface="+mn-ea"/>
+                <a:cs typeface="+mn-cs"/>
+              </a:defRPr>
+            </a:lvl4pPr>
+            <a:lvl5pPr marL="2057400" indent="-228600" algn="l" defTabSz="914400" rtl="0" eaLnBrk="1" latinLnBrk="0" hangingPunct="1">
+              <a:spcBef>
+                <a:spcPct val="20000"/>
+              </a:spcBef>
+              <a:buFont typeface="Arial" pitchFamily="34" charset="0"/>
+              <a:buChar char="»"/>
+              <a:defRPr sz="2000" kern="1200">
+                <a:solidFill>
+                  <a:schemeClr val="tx1"/>
+                </a:solidFill>
+                <a:latin typeface="+mn-lt"/>
+                <a:ea typeface="+mn-ea"/>
+                <a:cs typeface="+mn-cs"/>
+              </a:defRPr>
+            </a:lvl5pPr>
+            <a:lvl6pPr marL="2514600" indent="-228600" algn="l" defTabSz="914400" rtl="0" eaLnBrk="1" latinLnBrk="0" hangingPunct="1">
+              <a:spcBef>
+                <a:spcPct val="20000"/>
+              </a:spcBef>
+              <a:buFont typeface="Arial" pitchFamily="34" charset="0"/>
+              <a:buChar char="•"/>
+              <a:defRPr sz="2000" kern="1200">
+                <a:solidFill>
+                  <a:schemeClr val="tx1"/>
+                </a:solidFill>
+                <a:latin typeface="+mn-lt"/>
+                <a:ea typeface="+mn-ea"/>
+                <a:cs typeface="+mn-cs"/>
+              </a:defRPr>
+            </a:lvl6pPr>
+            <a:lvl7pPr marL="2971800" indent="-228600" algn="l" defTabSz="914400" rtl="0" eaLnBrk="1" latinLnBrk="0" hangingPunct="1">
+              <a:spcBef>
+                <a:spcPct val="20000"/>
+              </a:spcBef>
+              <a:buFont typeface="Arial" pitchFamily="34" charset="0"/>
+              <a:buChar char="•"/>
+              <a:defRPr sz="2000" kern="1200">
+                <a:solidFill>
+                  <a:schemeClr val="tx1"/>
+                </a:solidFill>
+                <a:latin typeface="+mn-lt"/>
+                <a:ea typeface="+mn-ea"/>
+                <a:cs typeface="+mn-cs"/>
+              </a:defRPr>
+            </a:lvl7pPr>
+            <a:lvl8pPr marL="3429000" indent="-228600" algn="l" defTabSz="914400" rtl="0" eaLnBrk="1" latinLnBrk="0" hangingPunct="1">
+              <a:spcBef>
+                <a:spcPct val="20000"/>
+              </a:spcBef>
+              <a:buFont typeface="Arial" pitchFamily="34" charset="0"/>
+              <a:buChar char="•"/>
+              <a:defRPr sz="2000" kern="1200">
+                <a:solidFill>
+                  <a:schemeClr val="tx1"/>
+                </a:solidFill>
+                <a:latin typeface="+mn-lt"/>
+                <a:ea typeface="+mn-ea"/>
+                <a:cs typeface="+mn-cs"/>
+              </a:defRPr>
+            </a:lvl8pPr>
+            <a:lvl9pPr marL="3886200" indent="-228600" algn="l" defTabSz="914400" rtl="0" eaLnBrk="1" latinLnBrk="0" hangingPunct="1">
+              <a:spcBef>
+                <a:spcPct val="20000"/>
+              </a:spcBef>
+              <a:buFont typeface="Arial" pitchFamily="34" charset="0"/>
+              <a:buChar char="•"/>
+              <a:defRPr sz="2000" kern="1200">
+                <a:solidFill>
+                  <a:schemeClr val="tx1"/>
+                </a:solidFill>
+                <a:latin typeface="+mn-lt"/>
+                <a:ea typeface="+mn-ea"/>
+                <a:cs typeface="+mn-cs"/>
+              </a:defRPr>
+            </a:lvl9pPr>
+          </a:lstStyle>
+          <a:p>
+            <a:pPr marL="0" indent="0" fontAlgn="base">
+              <a:buNone/>
+            </a:pPr>
+            <a:r>
+              <a:rPr lang="en-US" b="1" dirty="0"/>
+              <a:t>3. </a:t>
+            </a:r>
+            <a:r>
+              <a:rPr lang="en-US" dirty="0"/>
+              <a:t>Isaiah tells Ahaz to ask for substantial sign</a:t>
+            </a:r>
+          </a:p>
+          <a:p>
+            <a:pPr marL="0" indent="0" fontAlgn="base">
+              <a:buNone/>
+            </a:pPr>
+            <a:endParaRPr lang="en-US" dirty="0"/>
+          </a:p>
+        </p:txBody>
+      </p:sp>
+      <p:sp>
+        <p:nvSpPr>
+          <p:cNvPr id="19" name="Content Placeholder 2">
+            <a:extLst>
+              <a:ext uri="{FF2B5EF4-FFF2-40B4-BE49-F238E27FC236}">
+                <a16:creationId xmlns:a16="http://schemas.microsoft.com/office/drawing/2014/main" id="{6D5E340B-F580-8D43-A95D-C3078E763654}"/>
+              </a:ext>
+            </a:extLst>
+          </p:cNvPr>
+          <p:cNvSpPr txBox="1">
+            <a:spLocks/>
+          </p:cNvSpPr>
+          <p:nvPr/>
+        </p:nvSpPr>
+        <p:spPr>
+          <a:xfrm>
+            <a:off x="907774" y="2686434"/>
+            <a:ext cx="8229600" cy="604556"/>
+          </a:xfrm>
+          <a:prstGeom prst="rect">
+            <a:avLst/>
+          </a:prstGeom>
+        </p:spPr>
+        <p:txBody>
+          <a:bodyPr vert="horz" lIns="91440" tIns="45720" rIns="91440" bIns="45720" rtlCol="0">
+            <a:normAutofit/>
+          </a:bodyPr>
+          <a:lstStyle>
+            <a:lvl1pPr marL="342900" indent="-342900" algn="l" defTabSz="914400" rtl="0" eaLnBrk="1" latinLnBrk="0" hangingPunct="1">
+              <a:spcBef>
+                <a:spcPct val="20000"/>
+              </a:spcBef>
+              <a:buFont typeface="Arial" pitchFamily="34" charset="0"/>
+              <a:buChar char="•"/>
+              <a:defRPr sz="3200" kern="1200">
+                <a:solidFill>
+                  <a:schemeClr val="tx1"/>
+                </a:solidFill>
+                <a:latin typeface="+mn-lt"/>
+                <a:ea typeface="+mn-ea"/>
+                <a:cs typeface="+mn-cs"/>
+              </a:defRPr>
+            </a:lvl1pPr>
+            <a:lvl2pPr marL="742950" indent="-285750" algn="l" defTabSz="914400" rtl="0" eaLnBrk="1" latinLnBrk="0" hangingPunct="1">
+              <a:spcBef>
+                <a:spcPct val="20000"/>
+              </a:spcBef>
+              <a:buFont typeface="Arial" pitchFamily="34" charset="0"/>
+              <a:buChar char="–"/>
+              <a:defRPr sz="2800" kern="1200">
+                <a:solidFill>
+                  <a:schemeClr val="tx1"/>
+                </a:solidFill>
+                <a:latin typeface="+mn-lt"/>
+                <a:ea typeface="+mn-ea"/>
+                <a:cs typeface="+mn-cs"/>
+              </a:defRPr>
+            </a:lvl2pPr>
+            <a:lvl3pPr marL="1143000" indent="-228600" algn="l" defTabSz="914400" rtl="0" eaLnBrk="1" latinLnBrk="0" hangingPunct="1">
+              <a:spcBef>
+                <a:spcPct val="20000"/>
+              </a:spcBef>
+              <a:buFont typeface="Arial" pitchFamily="34" charset="0"/>
+              <a:buChar char="•"/>
+              <a:defRPr sz="2400" kern="1200">
+                <a:solidFill>
+                  <a:schemeClr val="tx1"/>
+                </a:solidFill>
+                <a:latin typeface="+mn-lt"/>
+                <a:ea typeface="+mn-ea"/>
+                <a:cs typeface="+mn-cs"/>
+              </a:defRPr>
+            </a:lvl3pPr>
+            <a:lvl4pPr marL="1600200" indent="-228600" algn="l" defTabSz="914400" rtl="0" eaLnBrk="1" latinLnBrk="0" hangingPunct="1">
+              <a:spcBef>
+                <a:spcPct val="20000"/>
+              </a:spcBef>
+              <a:buFont typeface="Arial" pitchFamily="34" charset="0"/>
+              <a:buChar char="–"/>
+              <a:defRPr sz="2000" kern="1200">
+                <a:solidFill>
+                  <a:schemeClr val="tx1"/>
+                </a:solidFill>
+                <a:latin typeface="+mn-lt"/>
+                <a:ea typeface="+mn-ea"/>
+                <a:cs typeface="+mn-cs"/>
+              </a:defRPr>
+            </a:lvl4pPr>
+            <a:lvl5pPr marL="2057400" indent="-228600" algn="l" defTabSz="914400" rtl="0" eaLnBrk="1" latinLnBrk="0" hangingPunct="1">
+              <a:spcBef>
+                <a:spcPct val="20000"/>
+              </a:spcBef>
+              <a:buFont typeface="Arial" pitchFamily="34" charset="0"/>
+              <a:buChar char="»"/>
+              <a:defRPr sz="2000" kern="1200">
+                <a:solidFill>
+                  <a:schemeClr val="tx1"/>
+                </a:solidFill>
+                <a:latin typeface="+mn-lt"/>
+                <a:ea typeface="+mn-ea"/>
+                <a:cs typeface="+mn-cs"/>
+              </a:defRPr>
+            </a:lvl5pPr>
+            <a:lvl6pPr marL="2514600" indent="-228600" algn="l" defTabSz="914400" rtl="0" eaLnBrk="1" latinLnBrk="0" hangingPunct="1">
+              <a:spcBef>
+                <a:spcPct val="20000"/>
+              </a:spcBef>
+              <a:buFont typeface="Arial" pitchFamily="34" charset="0"/>
+              <a:buChar char="•"/>
+              <a:defRPr sz="2000" kern="1200">
+                <a:solidFill>
+                  <a:schemeClr val="tx1"/>
+                </a:solidFill>
+                <a:latin typeface="+mn-lt"/>
+                <a:ea typeface="+mn-ea"/>
+                <a:cs typeface="+mn-cs"/>
+              </a:defRPr>
+            </a:lvl6pPr>
+            <a:lvl7pPr marL="2971800" indent="-228600" algn="l" defTabSz="914400" rtl="0" eaLnBrk="1" latinLnBrk="0" hangingPunct="1">
+              <a:spcBef>
+                <a:spcPct val="20000"/>
+              </a:spcBef>
+              <a:buFont typeface="Arial" pitchFamily="34" charset="0"/>
+              <a:buChar char="•"/>
+              <a:defRPr sz="2000" kern="1200">
+                <a:solidFill>
+                  <a:schemeClr val="tx1"/>
+                </a:solidFill>
+                <a:latin typeface="+mn-lt"/>
+                <a:ea typeface="+mn-ea"/>
+                <a:cs typeface="+mn-cs"/>
+              </a:defRPr>
+            </a:lvl7pPr>
+            <a:lvl8pPr marL="3429000" indent="-228600" algn="l" defTabSz="914400" rtl="0" eaLnBrk="1" latinLnBrk="0" hangingPunct="1">
+              <a:spcBef>
+                <a:spcPct val="20000"/>
+              </a:spcBef>
+              <a:buFont typeface="Arial" pitchFamily="34" charset="0"/>
+              <a:buChar char="•"/>
+              <a:defRPr sz="2000" kern="1200">
+                <a:solidFill>
+                  <a:schemeClr val="tx1"/>
+                </a:solidFill>
+                <a:latin typeface="+mn-lt"/>
+                <a:ea typeface="+mn-ea"/>
+                <a:cs typeface="+mn-cs"/>
+              </a:defRPr>
+            </a:lvl8pPr>
+            <a:lvl9pPr marL="3886200" indent="-228600" algn="l" defTabSz="914400" rtl="0" eaLnBrk="1" latinLnBrk="0" hangingPunct="1">
+              <a:spcBef>
+                <a:spcPct val="20000"/>
+              </a:spcBef>
+              <a:buFont typeface="Arial" pitchFamily="34" charset="0"/>
+              <a:buChar char="•"/>
+              <a:defRPr sz="2000" kern="1200">
+                <a:solidFill>
+                  <a:schemeClr val="tx1"/>
+                </a:solidFill>
+                <a:latin typeface="+mn-lt"/>
+                <a:ea typeface="+mn-ea"/>
+                <a:cs typeface="+mn-cs"/>
+              </a:defRPr>
+            </a:lvl9pPr>
+          </a:lstStyle>
+          <a:p>
+            <a:pPr marL="0" indent="0" fontAlgn="base">
+              <a:buNone/>
+            </a:pPr>
+            <a:r>
+              <a:rPr lang="en-US" b="1" dirty="0"/>
+              <a:t>4. </a:t>
+            </a:r>
+            <a:r>
+              <a:rPr lang="en-US" dirty="0"/>
+              <a:t>Ahaz rejects (he has his own plan)</a:t>
+            </a:r>
+          </a:p>
+        </p:txBody>
+      </p:sp>
+      <p:sp>
+        <p:nvSpPr>
+          <p:cNvPr id="20" name="Content Placeholder 2">
+            <a:extLst>
+              <a:ext uri="{FF2B5EF4-FFF2-40B4-BE49-F238E27FC236}">
+                <a16:creationId xmlns:a16="http://schemas.microsoft.com/office/drawing/2014/main" id="{26042516-E1C1-B844-8846-ED7FEAD2AF92}"/>
+              </a:ext>
+            </a:extLst>
+          </p:cNvPr>
+          <p:cNvSpPr txBox="1">
+            <a:spLocks/>
+          </p:cNvSpPr>
+          <p:nvPr/>
+        </p:nvSpPr>
+        <p:spPr>
+          <a:xfrm>
+            <a:off x="880272" y="3551802"/>
+            <a:ext cx="8229600" cy="604556"/>
+          </a:xfrm>
+          <a:prstGeom prst="rect">
+            <a:avLst/>
+          </a:prstGeom>
+        </p:spPr>
+        <p:txBody>
+          <a:bodyPr vert="horz" lIns="91440" tIns="45720" rIns="91440" bIns="45720" rtlCol="0">
+            <a:normAutofit/>
+          </a:bodyPr>
+          <a:lstStyle>
+            <a:lvl1pPr marL="342900" indent="-342900" algn="l" defTabSz="914400" rtl="0" eaLnBrk="1" latinLnBrk="0" hangingPunct="1">
+              <a:spcBef>
+                <a:spcPct val="20000"/>
+              </a:spcBef>
+              <a:buFont typeface="Arial" pitchFamily="34" charset="0"/>
+              <a:buChar char="•"/>
+              <a:defRPr sz="3200" kern="1200">
+                <a:solidFill>
+                  <a:schemeClr val="tx1"/>
+                </a:solidFill>
+                <a:latin typeface="+mn-lt"/>
+                <a:ea typeface="+mn-ea"/>
+                <a:cs typeface="+mn-cs"/>
+              </a:defRPr>
+            </a:lvl1pPr>
+            <a:lvl2pPr marL="742950" indent="-285750" algn="l" defTabSz="914400" rtl="0" eaLnBrk="1" latinLnBrk="0" hangingPunct="1">
+              <a:spcBef>
+                <a:spcPct val="20000"/>
+              </a:spcBef>
+              <a:buFont typeface="Arial" pitchFamily="34" charset="0"/>
+              <a:buChar char="–"/>
+              <a:defRPr sz="2800" kern="1200">
+                <a:solidFill>
+                  <a:schemeClr val="tx1"/>
+                </a:solidFill>
+                <a:latin typeface="+mn-lt"/>
+                <a:ea typeface="+mn-ea"/>
+                <a:cs typeface="+mn-cs"/>
+              </a:defRPr>
+            </a:lvl2pPr>
+            <a:lvl3pPr marL="1143000" indent="-228600" algn="l" defTabSz="914400" rtl="0" eaLnBrk="1" latinLnBrk="0" hangingPunct="1">
+              <a:spcBef>
+                <a:spcPct val="20000"/>
+              </a:spcBef>
+              <a:buFont typeface="Arial" pitchFamily="34" charset="0"/>
+              <a:buChar char="•"/>
+              <a:defRPr sz="2400" kern="1200">
+                <a:solidFill>
+                  <a:schemeClr val="tx1"/>
+                </a:solidFill>
+                <a:latin typeface="+mn-lt"/>
+                <a:ea typeface="+mn-ea"/>
+                <a:cs typeface="+mn-cs"/>
+              </a:defRPr>
+            </a:lvl3pPr>
+            <a:lvl4pPr marL="1600200" indent="-228600" algn="l" defTabSz="914400" rtl="0" eaLnBrk="1" latinLnBrk="0" hangingPunct="1">
+              <a:spcBef>
+                <a:spcPct val="20000"/>
+              </a:spcBef>
+              <a:buFont typeface="Arial" pitchFamily="34" charset="0"/>
+              <a:buChar char="–"/>
+              <a:defRPr sz="2000" kern="1200">
+                <a:solidFill>
+                  <a:schemeClr val="tx1"/>
+                </a:solidFill>
+                <a:latin typeface="+mn-lt"/>
+                <a:ea typeface="+mn-ea"/>
+                <a:cs typeface="+mn-cs"/>
+              </a:defRPr>
+            </a:lvl4pPr>
+            <a:lvl5pPr marL="2057400" indent="-228600" algn="l" defTabSz="914400" rtl="0" eaLnBrk="1" latinLnBrk="0" hangingPunct="1">
+              <a:spcBef>
+                <a:spcPct val="20000"/>
+              </a:spcBef>
+              <a:buFont typeface="Arial" pitchFamily="34" charset="0"/>
+              <a:buChar char="»"/>
+              <a:defRPr sz="2000" kern="1200">
+                <a:solidFill>
+                  <a:schemeClr val="tx1"/>
+                </a:solidFill>
+                <a:latin typeface="+mn-lt"/>
+                <a:ea typeface="+mn-ea"/>
+                <a:cs typeface="+mn-cs"/>
+              </a:defRPr>
+            </a:lvl5pPr>
+            <a:lvl6pPr marL="2514600" indent="-228600" algn="l" defTabSz="914400" rtl="0" eaLnBrk="1" latinLnBrk="0" hangingPunct="1">
+              <a:spcBef>
+                <a:spcPct val="20000"/>
+              </a:spcBef>
+              <a:buFont typeface="Arial" pitchFamily="34" charset="0"/>
+              <a:buChar char="•"/>
+              <a:defRPr sz="2000" kern="1200">
+                <a:solidFill>
+                  <a:schemeClr val="tx1"/>
+                </a:solidFill>
+                <a:latin typeface="+mn-lt"/>
+                <a:ea typeface="+mn-ea"/>
+                <a:cs typeface="+mn-cs"/>
+              </a:defRPr>
+            </a:lvl6pPr>
+            <a:lvl7pPr marL="2971800" indent="-228600" algn="l" defTabSz="914400" rtl="0" eaLnBrk="1" latinLnBrk="0" hangingPunct="1">
+              <a:spcBef>
+                <a:spcPct val="20000"/>
+              </a:spcBef>
+              <a:buFont typeface="Arial" pitchFamily="34" charset="0"/>
+              <a:buChar char="•"/>
+              <a:defRPr sz="2000" kern="1200">
+                <a:solidFill>
+                  <a:schemeClr val="tx1"/>
+                </a:solidFill>
+                <a:latin typeface="+mn-lt"/>
+                <a:ea typeface="+mn-ea"/>
+                <a:cs typeface="+mn-cs"/>
+              </a:defRPr>
+            </a:lvl7pPr>
+            <a:lvl8pPr marL="3429000" indent="-228600" algn="l" defTabSz="914400" rtl="0" eaLnBrk="1" latinLnBrk="0" hangingPunct="1">
+              <a:spcBef>
+                <a:spcPct val="20000"/>
+              </a:spcBef>
+              <a:buFont typeface="Arial" pitchFamily="34" charset="0"/>
+              <a:buChar char="•"/>
+              <a:defRPr sz="2000" kern="1200">
+                <a:solidFill>
+                  <a:schemeClr val="tx1"/>
+                </a:solidFill>
+                <a:latin typeface="+mn-lt"/>
+                <a:ea typeface="+mn-ea"/>
+                <a:cs typeface="+mn-cs"/>
+              </a:defRPr>
+            </a:lvl8pPr>
+            <a:lvl9pPr marL="3886200" indent="-228600" algn="l" defTabSz="914400" rtl="0" eaLnBrk="1" latinLnBrk="0" hangingPunct="1">
+              <a:spcBef>
+                <a:spcPct val="20000"/>
+              </a:spcBef>
+              <a:buFont typeface="Arial" pitchFamily="34" charset="0"/>
+              <a:buChar char="•"/>
+              <a:defRPr sz="2000" kern="1200">
+                <a:solidFill>
+                  <a:schemeClr val="tx1"/>
+                </a:solidFill>
+                <a:latin typeface="+mn-lt"/>
+                <a:ea typeface="+mn-ea"/>
+                <a:cs typeface="+mn-cs"/>
+              </a:defRPr>
+            </a:lvl9pPr>
+          </a:lstStyle>
+          <a:p>
+            <a:pPr marL="0" indent="0" fontAlgn="base">
+              <a:buNone/>
+            </a:pPr>
+            <a:r>
+              <a:rPr lang="en-US" b="1" dirty="0"/>
+              <a:t>5.</a:t>
+            </a:r>
+            <a:r>
+              <a:rPr lang="en-US" dirty="0"/>
+              <a:t> God gives him a sign anyways (a timeframe)</a:t>
+            </a:r>
+          </a:p>
+        </p:txBody>
+      </p:sp>
+      <p:sp>
+        <p:nvSpPr>
+          <p:cNvPr id="21" name="Content Placeholder 2">
+            <a:extLst>
+              <a:ext uri="{FF2B5EF4-FFF2-40B4-BE49-F238E27FC236}">
+                <a16:creationId xmlns:a16="http://schemas.microsoft.com/office/drawing/2014/main" id="{5ECBC624-B1E5-8442-8400-CBE59B461FE4}"/>
+              </a:ext>
+            </a:extLst>
+          </p:cNvPr>
+          <p:cNvSpPr txBox="1">
+            <a:spLocks/>
+          </p:cNvSpPr>
+          <p:nvPr/>
+        </p:nvSpPr>
+        <p:spPr>
+          <a:xfrm>
+            <a:off x="850790" y="4423266"/>
+            <a:ext cx="8229600" cy="604556"/>
+          </a:xfrm>
+          <a:prstGeom prst="rect">
+            <a:avLst/>
+          </a:prstGeom>
+        </p:spPr>
+        <p:txBody>
+          <a:bodyPr vert="horz" lIns="91440" tIns="45720" rIns="91440" bIns="45720" rtlCol="0">
+            <a:normAutofit/>
+          </a:bodyPr>
+          <a:lstStyle>
+            <a:lvl1pPr marL="342900" indent="-342900" algn="l" defTabSz="914400" rtl="0" eaLnBrk="1" latinLnBrk="0" hangingPunct="1">
+              <a:spcBef>
+                <a:spcPct val="20000"/>
+              </a:spcBef>
+              <a:buFont typeface="Arial" pitchFamily="34" charset="0"/>
+              <a:buChar char="•"/>
+              <a:defRPr sz="3200" kern="1200">
+                <a:solidFill>
+                  <a:schemeClr val="tx1"/>
+                </a:solidFill>
+                <a:latin typeface="+mn-lt"/>
+                <a:ea typeface="+mn-ea"/>
+                <a:cs typeface="+mn-cs"/>
+              </a:defRPr>
+            </a:lvl1pPr>
+            <a:lvl2pPr marL="742950" indent="-285750" algn="l" defTabSz="914400" rtl="0" eaLnBrk="1" latinLnBrk="0" hangingPunct="1">
+              <a:spcBef>
+                <a:spcPct val="20000"/>
+              </a:spcBef>
+              <a:buFont typeface="Arial" pitchFamily="34" charset="0"/>
+              <a:buChar char="–"/>
+              <a:defRPr sz="2800" kern="1200">
+                <a:solidFill>
+                  <a:schemeClr val="tx1"/>
+                </a:solidFill>
+                <a:latin typeface="+mn-lt"/>
+                <a:ea typeface="+mn-ea"/>
+                <a:cs typeface="+mn-cs"/>
+              </a:defRPr>
+            </a:lvl2pPr>
+            <a:lvl3pPr marL="1143000" indent="-228600" algn="l" defTabSz="914400" rtl="0" eaLnBrk="1" latinLnBrk="0" hangingPunct="1">
+              <a:spcBef>
+                <a:spcPct val="20000"/>
+              </a:spcBef>
+              <a:buFont typeface="Arial" pitchFamily="34" charset="0"/>
+              <a:buChar char="•"/>
+              <a:defRPr sz="2400" kern="1200">
+                <a:solidFill>
+                  <a:schemeClr val="tx1"/>
+                </a:solidFill>
+                <a:latin typeface="+mn-lt"/>
+                <a:ea typeface="+mn-ea"/>
+                <a:cs typeface="+mn-cs"/>
+              </a:defRPr>
+            </a:lvl3pPr>
+            <a:lvl4pPr marL="1600200" indent="-228600" algn="l" defTabSz="914400" rtl="0" eaLnBrk="1" latinLnBrk="0" hangingPunct="1">
+              <a:spcBef>
+                <a:spcPct val="20000"/>
+              </a:spcBef>
+              <a:buFont typeface="Arial" pitchFamily="34" charset="0"/>
+              <a:buChar char="–"/>
+              <a:defRPr sz="2000" kern="1200">
+                <a:solidFill>
+                  <a:schemeClr val="tx1"/>
+                </a:solidFill>
+                <a:latin typeface="+mn-lt"/>
+                <a:ea typeface="+mn-ea"/>
+                <a:cs typeface="+mn-cs"/>
+              </a:defRPr>
+            </a:lvl4pPr>
+            <a:lvl5pPr marL="2057400" indent="-228600" algn="l" defTabSz="914400" rtl="0" eaLnBrk="1" latinLnBrk="0" hangingPunct="1">
+              <a:spcBef>
+                <a:spcPct val="20000"/>
+              </a:spcBef>
+              <a:buFont typeface="Arial" pitchFamily="34" charset="0"/>
+              <a:buChar char="»"/>
+              <a:defRPr sz="2000" kern="1200">
+                <a:solidFill>
+                  <a:schemeClr val="tx1"/>
+                </a:solidFill>
+                <a:latin typeface="+mn-lt"/>
+                <a:ea typeface="+mn-ea"/>
+                <a:cs typeface="+mn-cs"/>
+              </a:defRPr>
+            </a:lvl5pPr>
+            <a:lvl6pPr marL="2514600" indent="-228600" algn="l" defTabSz="914400" rtl="0" eaLnBrk="1" latinLnBrk="0" hangingPunct="1">
+              <a:spcBef>
+                <a:spcPct val="20000"/>
+              </a:spcBef>
+              <a:buFont typeface="Arial" pitchFamily="34" charset="0"/>
+              <a:buChar char="•"/>
+              <a:defRPr sz="2000" kern="1200">
+                <a:solidFill>
+                  <a:schemeClr val="tx1"/>
+                </a:solidFill>
+                <a:latin typeface="+mn-lt"/>
+                <a:ea typeface="+mn-ea"/>
+                <a:cs typeface="+mn-cs"/>
+              </a:defRPr>
+            </a:lvl6pPr>
+            <a:lvl7pPr marL="2971800" indent="-228600" algn="l" defTabSz="914400" rtl="0" eaLnBrk="1" latinLnBrk="0" hangingPunct="1">
+              <a:spcBef>
+                <a:spcPct val="20000"/>
+              </a:spcBef>
+              <a:buFont typeface="Arial" pitchFamily="34" charset="0"/>
+              <a:buChar char="•"/>
+              <a:defRPr sz="2000" kern="1200">
+                <a:solidFill>
+                  <a:schemeClr val="tx1"/>
+                </a:solidFill>
+                <a:latin typeface="+mn-lt"/>
+                <a:ea typeface="+mn-ea"/>
+                <a:cs typeface="+mn-cs"/>
+              </a:defRPr>
+            </a:lvl7pPr>
+            <a:lvl8pPr marL="3429000" indent="-228600" algn="l" defTabSz="914400" rtl="0" eaLnBrk="1" latinLnBrk="0" hangingPunct="1">
+              <a:spcBef>
+                <a:spcPct val="20000"/>
+              </a:spcBef>
+              <a:buFont typeface="Arial" pitchFamily="34" charset="0"/>
+              <a:buChar char="•"/>
+              <a:defRPr sz="2000" kern="1200">
+                <a:solidFill>
+                  <a:schemeClr val="tx1"/>
+                </a:solidFill>
+                <a:latin typeface="+mn-lt"/>
+                <a:ea typeface="+mn-ea"/>
+                <a:cs typeface="+mn-cs"/>
+              </a:defRPr>
+            </a:lvl8pPr>
+            <a:lvl9pPr marL="3886200" indent="-228600" algn="l" defTabSz="914400" rtl="0" eaLnBrk="1" latinLnBrk="0" hangingPunct="1">
+              <a:spcBef>
+                <a:spcPct val="20000"/>
+              </a:spcBef>
+              <a:buFont typeface="Arial" pitchFamily="34" charset="0"/>
+              <a:buChar char="•"/>
+              <a:defRPr sz="2000" kern="1200">
+                <a:solidFill>
+                  <a:schemeClr val="tx1"/>
+                </a:solidFill>
+                <a:latin typeface="+mn-lt"/>
+                <a:ea typeface="+mn-ea"/>
+                <a:cs typeface="+mn-cs"/>
+              </a:defRPr>
+            </a:lvl9pPr>
+          </a:lstStyle>
+          <a:p>
+            <a:pPr marL="0" indent="0" fontAlgn="base">
+              <a:buNone/>
+            </a:pPr>
+            <a:r>
+              <a:rPr lang="en-US" b="1" dirty="0"/>
+              <a:t>6. </a:t>
+            </a:r>
+            <a:r>
+              <a:rPr lang="en-US" dirty="0"/>
+              <a:t>God says Israel will be defended</a:t>
+            </a:r>
+          </a:p>
+        </p:txBody>
+      </p:sp>
+      <p:sp>
+        <p:nvSpPr>
+          <p:cNvPr id="22" name="Content Placeholder 2">
+            <a:extLst>
+              <a:ext uri="{FF2B5EF4-FFF2-40B4-BE49-F238E27FC236}">
+                <a16:creationId xmlns:a16="http://schemas.microsoft.com/office/drawing/2014/main" id="{BD3DB17C-2B63-6046-9F75-D06C9D8D4DC4}"/>
+              </a:ext>
+            </a:extLst>
+          </p:cNvPr>
+          <p:cNvSpPr txBox="1">
+            <a:spLocks/>
+          </p:cNvSpPr>
+          <p:nvPr/>
+        </p:nvSpPr>
+        <p:spPr>
+          <a:xfrm>
+            <a:off x="850790" y="5257580"/>
+            <a:ext cx="8229600" cy="1143220"/>
+          </a:xfrm>
+          <a:prstGeom prst="rect">
+            <a:avLst/>
+          </a:prstGeom>
+        </p:spPr>
+        <p:txBody>
+          <a:bodyPr vert="horz" lIns="91440" tIns="45720" rIns="91440" bIns="45720" rtlCol="0">
+            <a:normAutofit/>
+          </a:bodyPr>
+          <a:lstStyle>
+            <a:lvl1pPr marL="342900" indent="-342900" algn="l" defTabSz="914400" rtl="0" eaLnBrk="1" latinLnBrk="0" hangingPunct="1">
+              <a:spcBef>
+                <a:spcPct val="20000"/>
+              </a:spcBef>
+              <a:buFont typeface="Arial" pitchFamily="34" charset="0"/>
+              <a:buChar char="•"/>
+              <a:defRPr sz="3200" kern="1200">
+                <a:solidFill>
+                  <a:schemeClr val="tx1"/>
+                </a:solidFill>
+                <a:latin typeface="+mn-lt"/>
+                <a:ea typeface="+mn-ea"/>
+                <a:cs typeface="+mn-cs"/>
+              </a:defRPr>
+            </a:lvl1pPr>
+            <a:lvl2pPr marL="742950" indent="-285750" algn="l" defTabSz="914400" rtl="0" eaLnBrk="1" latinLnBrk="0" hangingPunct="1">
+              <a:spcBef>
+                <a:spcPct val="20000"/>
+              </a:spcBef>
+              <a:buFont typeface="Arial" pitchFamily="34" charset="0"/>
+              <a:buChar char="–"/>
+              <a:defRPr sz="2800" kern="1200">
+                <a:solidFill>
+                  <a:schemeClr val="tx1"/>
+                </a:solidFill>
+                <a:latin typeface="+mn-lt"/>
+                <a:ea typeface="+mn-ea"/>
+                <a:cs typeface="+mn-cs"/>
+              </a:defRPr>
+            </a:lvl2pPr>
+            <a:lvl3pPr marL="1143000" indent="-228600" algn="l" defTabSz="914400" rtl="0" eaLnBrk="1" latinLnBrk="0" hangingPunct="1">
+              <a:spcBef>
+                <a:spcPct val="20000"/>
+              </a:spcBef>
+              <a:buFont typeface="Arial" pitchFamily="34" charset="0"/>
+              <a:buChar char="•"/>
+              <a:defRPr sz="2400" kern="1200">
+                <a:solidFill>
+                  <a:schemeClr val="tx1"/>
+                </a:solidFill>
+                <a:latin typeface="+mn-lt"/>
+                <a:ea typeface="+mn-ea"/>
+                <a:cs typeface="+mn-cs"/>
+              </a:defRPr>
+            </a:lvl3pPr>
+            <a:lvl4pPr marL="1600200" indent="-228600" algn="l" defTabSz="914400" rtl="0" eaLnBrk="1" latinLnBrk="0" hangingPunct="1">
+              <a:spcBef>
+                <a:spcPct val="20000"/>
+              </a:spcBef>
+              <a:buFont typeface="Arial" pitchFamily="34" charset="0"/>
+              <a:buChar char="–"/>
+              <a:defRPr sz="2000" kern="1200">
+                <a:solidFill>
+                  <a:schemeClr val="tx1"/>
+                </a:solidFill>
+                <a:latin typeface="+mn-lt"/>
+                <a:ea typeface="+mn-ea"/>
+                <a:cs typeface="+mn-cs"/>
+              </a:defRPr>
+            </a:lvl4pPr>
+            <a:lvl5pPr marL="2057400" indent="-228600" algn="l" defTabSz="914400" rtl="0" eaLnBrk="1" latinLnBrk="0" hangingPunct="1">
+              <a:spcBef>
+                <a:spcPct val="20000"/>
+              </a:spcBef>
+              <a:buFont typeface="Arial" pitchFamily="34" charset="0"/>
+              <a:buChar char="»"/>
+              <a:defRPr sz="2000" kern="1200">
+                <a:solidFill>
+                  <a:schemeClr val="tx1"/>
+                </a:solidFill>
+                <a:latin typeface="+mn-lt"/>
+                <a:ea typeface="+mn-ea"/>
+                <a:cs typeface="+mn-cs"/>
+              </a:defRPr>
+            </a:lvl5pPr>
+            <a:lvl6pPr marL="2514600" indent="-228600" algn="l" defTabSz="914400" rtl="0" eaLnBrk="1" latinLnBrk="0" hangingPunct="1">
+              <a:spcBef>
+                <a:spcPct val="20000"/>
+              </a:spcBef>
+              <a:buFont typeface="Arial" pitchFamily="34" charset="0"/>
+              <a:buChar char="•"/>
+              <a:defRPr sz="2000" kern="1200">
+                <a:solidFill>
+                  <a:schemeClr val="tx1"/>
+                </a:solidFill>
+                <a:latin typeface="+mn-lt"/>
+                <a:ea typeface="+mn-ea"/>
+                <a:cs typeface="+mn-cs"/>
+              </a:defRPr>
+            </a:lvl6pPr>
+            <a:lvl7pPr marL="2971800" indent="-228600" algn="l" defTabSz="914400" rtl="0" eaLnBrk="1" latinLnBrk="0" hangingPunct="1">
+              <a:spcBef>
+                <a:spcPct val="20000"/>
+              </a:spcBef>
+              <a:buFont typeface="Arial" pitchFamily="34" charset="0"/>
+              <a:buChar char="•"/>
+              <a:defRPr sz="2000" kern="1200">
+                <a:solidFill>
+                  <a:schemeClr val="tx1"/>
+                </a:solidFill>
+                <a:latin typeface="+mn-lt"/>
+                <a:ea typeface="+mn-ea"/>
+                <a:cs typeface="+mn-cs"/>
+              </a:defRPr>
+            </a:lvl7pPr>
+            <a:lvl8pPr marL="3429000" indent="-228600" algn="l" defTabSz="914400" rtl="0" eaLnBrk="1" latinLnBrk="0" hangingPunct="1">
+              <a:spcBef>
+                <a:spcPct val="20000"/>
+              </a:spcBef>
+              <a:buFont typeface="Arial" pitchFamily="34" charset="0"/>
+              <a:buChar char="•"/>
+              <a:defRPr sz="2000" kern="1200">
+                <a:solidFill>
+                  <a:schemeClr val="tx1"/>
+                </a:solidFill>
+                <a:latin typeface="+mn-lt"/>
+                <a:ea typeface="+mn-ea"/>
+                <a:cs typeface="+mn-cs"/>
+              </a:defRPr>
+            </a:lvl8pPr>
+            <a:lvl9pPr marL="3886200" indent="-228600" algn="l" defTabSz="914400" rtl="0" eaLnBrk="1" latinLnBrk="0" hangingPunct="1">
+              <a:spcBef>
+                <a:spcPct val="20000"/>
+              </a:spcBef>
+              <a:buFont typeface="Arial" pitchFamily="34" charset="0"/>
+              <a:buChar char="•"/>
+              <a:defRPr sz="2000" kern="1200">
+                <a:solidFill>
+                  <a:schemeClr val="tx1"/>
+                </a:solidFill>
+                <a:latin typeface="+mn-lt"/>
+                <a:ea typeface="+mn-ea"/>
+                <a:cs typeface="+mn-cs"/>
+              </a:defRPr>
+            </a:lvl9pPr>
+          </a:lstStyle>
+          <a:p>
+            <a:pPr marL="403225" indent="-403225" fontAlgn="base">
+              <a:buNone/>
+            </a:pPr>
+            <a:r>
+              <a:rPr lang="en-US" b="1" dirty="0">
+                <a:solidFill>
+                  <a:srgbClr val="009EC0"/>
+                </a:solidFill>
+              </a:rPr>
+              <a:t>7. </a:t>
+            </a:r>
+            <a:r>
+              <a:rPr lang="en-US" dirty="0">
+                <a:solidFill>
+                  <a:srgbClr val="009EC0"/>
+                </a:solidFill>
+              </a:rPr>
+              <a:t>Isaiah predicts a child that will bring in an everlasting kingdom</a:t>
+            </a:r>
+          </a:p>
+          <a:p>
+            <a:pPr marL="0" indent="0" fontAlgn="base">
+              <a:buNone/>
+            </a:pPr>
+            <a:endParaRPr lang="en-US" dirty="0"/>
+          </a:p>
+        </p:txBody>
+      </p:sp>
+      <p:grpSp>
+        <p:nvGrpSpPr>
+          <p:cNvPr id="29" name="Group 28">
+            <a:extLst>
+              <a:ext uri="{FF2B5EF4-FFF2-40B4-BE49-F238E27FC236}">
+                <a16:creationId xmlns:a16="http://schemas.microsoft.com/office/drawing/2014/main" id="{43079A3B-96CD-9F41-91F4-0706EEA69D47}"/>
+              </a:ext>
+            </a:extLst>
+          </p:cNvPr>
+          <p:cNvGrpSpPr/>
+          <p:nvPr/>
+        </p:nvGrpSpPr>
+        <p:grpSpPr>
+          <a:xfrm>
+            <a:off x="61600" y="368066"/>
+            <a:ext cx="548001" cy="6261334"/>
+            <a:chOff x="61600" y="368066"/>
+            <a:chExt cx="548001" cy="5956534"/>
+          </a:xfrm>
+        </p:grpSpPr>
+        <p:sp>
+          <p:nvSpPr>
+            <p:cNvPr id="25" name="Left Bracket 24">
+              <a:extLst>
+                <a:ext uri="{FF2B5EF4-FFF2-40B4-BE49-F238E27FC236}">
+                  <a16:creationId xmlns:a16="http://schemas.microsoft.com/office/drawing/2014/main" id="{ED289054-C254-DB45-99C7-6DA324C3F082}"/>
+                </a:ext>
+              </a:extLst>
+            </p:cNvPr>
+            <p:cNvSpPr/>
+            <p:nvPr/>
+          </p:nvSpPr>
+          <p:spPr>
+            <a:xfrm>
+              <a:off x="61600" y="368066"/>
+              <a:ext cx="192066" cy="5956534"/>
+            </a:xfrm>
+            <a:prstGeom prst="leftBracket">
+              <a:avLst/>
+            </a:prstGeom>
+            <a:ln w="25400">
+              <a:solidFill>
+                <a:srgbClr val="CA5C0E"/>
+              </a:solidFill>
+            </a:ln>
+          </p:spPr>
+          <p:style>
+            <a:lnRef idx="1">
+              <a:schemeClr val="accent1"/>
+            </a:lnRef>
+            <a:fillRef idx="0">
+              <a:schemeClr val="accent1"/>
+            </a:fillRef>
+            <a:effectRef idx="0">
+              <a:schemeClr val="accent1"/>
+            </a:effectRef>
+            <a:fontRef idx="minor">
+              <a:schemeClr val="tx1"/>
+            </a:fontRef>
+          </p:style>
+          <p:txBody>
+            <a:bodyPr rtlCol="0" anchor="ctr"/>
+            <a:lstStyle/>
+            <a:p>
+              <a:pPr algn="ctr"/>
+              <a:endParaRPr lang="en-US"/>
+            </a:p>
+          </p:txBody>
+        </p:sp>
+        <p:sp>
+          <p:nvSpPr>
+            <p:cNvPr id="26" name="TextBox 25">
+              <a:extLst>
+                <a:ext uri="{FF2B5EF4-FFF2-40B4-BE49-F238E27FC236}">
+                  <a16:creationId xmlns:a16="http://schemas.microsoft.com/office/drawing/2014/main" id="{1349D6B4-C742-EA47-A9B8-A680E4E83E6B}"/>
+                </a:ext>
+              </a:extLst>
+            </p:cNvPr>
+            <p:cNvSpPr txBox="1"/>
+            <p:nvPr/>
+          </p:nvSpPr>
+          <p:spPr>
+            <a:xfrm rot="16200000">
+              <a:off x="-422796" y="5139803"/>
+              <a:ext cx="1541574" cy="523220"/>
+            </a:xfrm>
+            <a:prstGeom prst="rect">
+              <a:avLst/>
+            </a:prstGeom>
+            <a:noFill/>
+          </p:spPr>
+          <p:txBody>
+            <a:bodyPr wrap="square" rtlCol="0">
+              <a:spAutoFit/>
+            </a:bodyPr>
+            <a:lstStyle/>
+            <a:p>
+              <a:r>
+                <a:rPr lang="en-US" sz="2800" dirty="0">
+                  <a:solidFill>
+                    <a:srgbClr val="CA5C0E"/>
+                  </a:solidFill>
+                  <a:latin typeface="Gabriola" pitchFamily="82" charset="0"/>
+                  <a:ea typeface="Brush Script MT" panose="03060802040406070304" pitchFamily="66" charset="-122"/>
+                  <a:cs typeface="Brush Script MT" panose="03060802040406070304" pitchFamily="66" charset="-122"/>
+                </a:rPr>
+                <a:t>Jesus’ day</a:t>
+              </a:r>
+              <a:endParaRPr lang="en-US" sz="2400" dirty="0">
+                <a:solidFill>
+                  <a:srgbClr val="CA5C0E"/>
+                </a:solidFill>
+                <a:latin typeface="Gabriola" pitchFamily="82" charset="0"/>
+                <a:ea typeface="Brush Script MT" panose="03060802040406070304" pitchFamily="66" charset="-122"/>
+                <a:cs typeface="Brush Script MT" panose="03060802040406070304" pitchFamily="66" charset="-122"/>
+              </a:endParaRPr>
+            </a:p>
+          </p:txBody>
+        </p:sp>
+      </p:grpSp>
+      <p:grpSp>
+        <p:nvGrpSpPr>
+          <p:cNvPr id="24" name="Group 23">
+            <a:extLst>
+              <a:ext uri="{FF2B5EF4-FFF2-40B4-BE49-F238E27FC236}">
+                <a16:creationId xmlns:a16="http://schemas.microsoft.com/office/drawing/2014/main" id="{D4A4D10E-C694-4142-A73E-DB94876174D1}"/>
+              </a:ext>
+            </a:extLst>
+          </p:cNvPr>
+          <p:cNvGrpSpPr/>
+          <p:nvPr/>
+        </p:nvGrpSpPr>
+        <p:grpSpPr>
+          <a:xfrm>
+            <a:off x="361122" y="368066"/>
+            <a:ext cx="523220" cy="4566544"/>
+            <a:chOff x="361122" y="368066"/>
+            <a:chExt cx="523220" cy="4073655"/>
+          </a:xfrm>
+        </p:grpSpPr>
+        <p:sp>
+          <p:nvSpPr>
+            <p:cNvPr id="4" name="Left Bracket 3">
+              <a:extLst>
+                <a:ext uri="{FF2B5EF4-FFF2-40B4-BE49-F238E27FC236}">
+                  <a16:creationId xmlns:a16="http://schemas.microsoft.com/office/drawing/2014/main" id="{0C93CF01-5B9F-FE44-B3A1-4C80ADD09B92}"/>
+                </a:ext>
+              </a:extLst>
+            </p:cNvPr>
+            <p:cNvSpPr/>
+            <p:nvPr/>
+          </p:nvSpPr>
+          <p:spPr>
+            <a:xfrm>
+              <a:off x="381000" y="368066"/>
+              <a:ext cx="192066" cy="4073655"/>
+            </a:xfrm>
+            <a:prstGeom prst="leftBracket">
+              <a:avLst/>
+            </a:prstGeom>
+            <a:ln w="25400">
+              <a:solidFill>
+                <a:srgbClr val="CA5C0E"/>
+              </a:solidFill>
+            </a:ln>
+          </p:spPr>
+          <p:style>
+            <a:lnRef idx="1">
+              <a:schemeClr val="accent1"/>
+            </a:lnRef>
+            <a:fillRef idx="0">
+              <a:schemeClr val="accent1"/>
+            </a:fillRef>
+            <a:effectRef idx="0">
+              <a:schemeClr val="accent1"/>
+            </a:effectRef>
+            <a:fontRef idx="minor">
+              <a:schemeClr val="tx1"/>
+            </a:fontRef>
+          </p:style>
+          <p:txBody>
+            <a:bodyPr rtlCol="0" anchor="ctr"/>
+            <a:lstStyle/>
+            <a:p>
+              <a:pPr algn="ctr"/>
+              <a:endParaRPr lang="en-US"/>
+            </a:p>
+          </p:txBody>
+        </p:sp>
+        <p:sp>
+          <p:nvSpPr>
+            <p:cNvPr id="27" name="TextBox 26">
+              <a:extLst>
+                <a:ext uri="{FF2B5EF4-FFF2-40B4-BE49-F238E27FC236}">
+                  <a16:creationId xmlns:a16="http://schemas.microsoft.com/office/drawing/2014/main" id="{F8C9F719-3B45-A74F-A9AB-93EB8258F444}"/>
+                </a:ext>
+              </a:extLst>
+            </p:cNvPr>
+            <p:cNvSpPr txBox="1"/>
+            <p:nvPr/>
+          </p:nvSpPr>
+          <p:spPr>
+            <a:xfrm rot="16200000">
+              <a:off x="-88820" y="3345668"/>
+              <a:ext cx="1423104" cy="523220"/>
+            </a:xfrm>
+            <a:prstGeom prst="rect">
+              <a:avLst/>
+            </a:prstGeom>
+            <a:noFill/>
+          </p:spPr>
+          <p:txBody>
+            <a:bodyPr wrap="square" rtlCol="0">
+              <a:spAutoFit/>
+            </a:bodyPr>
+            <a:lstStyle/>
+            <a:p>
+              <a:r>
+                <a:rPr lang="en-US" sz="2800" dirty="0">
+                  <a:solidFill>
+                    <a:srgbClr val="CA5C0E"/>
+                  </a:solidFill>
+                  <a:latin typeface="Gabriola" pitchFamily="82" charset="0"/>
+                  <a:ea typeface="Brush Script MT" panose="03060802040406070304" pitchFamily="66" charset="-122"/>
+                  <a:cs typeface="Brush Script MT" panose="03060802040406070304" pitchFamily="66" charset="-122"/>
+                </a:rPr>
+                <a:t>Ahaz’s day</a:t>
+              </a:r>
+              <a:endParaRPr lang="en-US" sz="2400" dirty="0">
+                <a:solidFill>
+                  <a:srgbClr val="CA5C0E"/>
+                </a:solidFill>
+                <a:latin typeface="Gabriola" pitchFamily="82" charset="0"/>
+                <a:ea typeface="Brush Script MT" panose="03060802040406070304" pitchFamily="66" charset="-122"/>
+                <a:cs typeface="Brush Script MT" panose="03060802040406070304" pitchFamily="66" charset="-122"/>
+              </a:endParaRPr>
+            </a:p>
+          </p:txBody>
+        </p:sp>
+      </p:grpSp>
+    </p:spTree>
+    <p:extLst>
+      <p:ext uri="{BB962C8B-B14F-4D97-AF65-F5344CB8AC3E}">
+        <p14:creationId xmlns:p14="http://schemas.microsoft.com/office/powerpoint/2010/main" val="718220701"/>
+      </p:ext>
+    </p:extLst>
+  </p:cSld>
+  <p:clrMapOvr>
+    <a:masterClrMapping/>
+  </p:clrMapOvr>
+  <p:timing>
+    <p:tnLst>
+      <p:par>
+        <p:cTn id="1" dur="indefinite" restart="never" nodeType="tmRoot">
+          <p:childTnLst>
+            <p:seq concurrent="1" nextAc="seek">
+              <p:cTn id="2" dur="indefinite" nodeType="mainSeq">
+                <p:childTnLst>
+                  <p:par>
+                    <p:cTn id="3" fill="hold">
+                      <p:stCondLst>
+                        <p:cond delay="indefinite"/>
+                      </p:stCondLst>
+                      <p:childTnLst>
+                        <p:par>
+                          <p:cTn id="4" fill="hold">
+                            <p:stCondLst>
+                              <p:cond delay="0"/>
+                            </p:stCondLst>
+                            <p:childTnLst>
+                              <p:par>
+                                <p:cTn id="5" presetID="10" presetClass="entr" presetSubtype="0" fill="hold" grpId="0" nodeType="clickEffect">
+                                  <p:stCondLst>
+                                    <p:cond delay="0"/>
+                                  </p:stCondLst>
+                                  <p:childTnLst>
+                                    <p:set>
+                                      <p:cBhvr>
+                                        <p:cTn id="6" dur="1" fill="hold">
+                                          <p:stCondLst>
+                                            <p:cond delay="0"/>
+                                          </p:stCondLst>
+                                        </p:cTn>
+                                        <p:tgtEl>
+                                          <p:spTgt spid="28">
+                                            <p:txEl>
+                                              <p:pRg st="0" end="0"/>
+                                            </p:txEl>
+                                          </p:spTgt>
+                                        </p:tgtEl>
+                                        <p:attrNameLst>
+                                          <p:attrName>style.visibility</p:attrName>
+                                        </p:attrNameLst>
+                                      </p:cBhvr>
+                                      <p:to>
+                                        <p:strVal val="visible"/>
+                                      </p:to>
+                                    </p:set>
+                                    <p:animEffect transition="in" filter="fade">
+                                      <p:cBhvr>
+                                        <p:cTn id="7" dur="250"/>
+                                        <p:tgtEl>
+                                          <p:spTgt spid="28">
+                                            <p:txEl>
+                                              <p:pRg st="0" end="0"/>
+                                            </p:txEl>
+                                          </p:spTgt>
+                                        </p:tgtEl>
+                                      </p:cBhvr>
+                                    </p:animEffect>
+                                  </p:childTnLst>
+                                </p:cTn>
+                              </p:par>
+                            </p:childTnLst>
+                          </p:cTn>
+                        </p:par>
+                      </p:childTnLst>
+                    </p:cTn>
+                  </p:par>
+                  <p:par>
+                    <p:cTn id="8" fill="hold">
+                      <p:stCondLst>
+                        <p:cond delay="indefinite"/>
+                      </p:stCondLst>
+                      <p:childTnLst>
+                        <p:par>
+                          <p:cTn id="9" fill="hold">
+                            <p:stCondLst>
+                              <p:cond delay="0"/>
+                            </p:stCondLst>
+                            <p:childTnLst>
+                              <p:par>
+                                <p:cTn id="10" presetID="10" presetClass="entr" presetSubtype="0" fill="hold" grpId="0" nodeType="clickEffect">
+                                  <p:stCondLst>
+                                    <p:cond delay="0"/>
+                                  </p:stCondLst>
+                                  <p:childTnLst>
+                                    <p:set>
+                                      <p:cBhvr>
+                                        <p:cTn id="11" dur="1" fill="hold">
+                                          <p:stCondLst>
+                                            <p:cond delay="0"/>
+                                          </p:stCondLst>
+                                        </p:cTn>
+                                        <p:tgtEl>
+                                          <p:spTgt spid="17"/>
+                                        </p:tgtEl>
+                                        <p:attrNameLst>
+                                          <p:attrName>style.visibility</p:attrName>
+                                        </p:attrNameLst>
+                                      </p:cBhvr>
+                                      <p:to>
+                                        <p:strVal val="visible"/>
+                                      </p:to>
+                                    </p:set>
+                                    <p:animEffect transition="in" filter="fade">
+                                      <p:cBhvr>
+                                        <p:cTn id="12" dur="250"/>
+                                        <p:tgtEl>
+                                          <p:spTgt spid="17"/>
+                                        </p:tgtEl>
+                                      </p:cBhvr>
+                                    </p:animEffect>
+                                  </p:childTnLst>
+                                </p:cTn>
+                              </p:par>
+                            </p:childTnLst>
+                          </p:cTn>
+                        </p:par>
+                      </p:childTnLst>
+                    </p:cTn>
+                  </p:par>
+                  <p:par>
+                    <p:cTn id="13" fill="hold">
+                      <p:stCondLst>
+                        <p:cond delay="indefinite"/>
+                      </p:stCondLst>
+                      <p:childTnLst>
+                        <p:par>
+                          <p:cTn id="14" fill="hold">
+                            <p:stCondLst>
+                              <p:cond delay="0"/>
+                            </p:stCondLst>
+                            <p:childTnLst>
+                              <p:par>
+                                <p:cTn id="15" presetID="10" presetClass="entr" presetSubtype="0" fill="hold" grpId="0" nodeType="clickEffect">
+                                  <p:stCondLst>
+                                    <p:cond delay="0"/>
+                                  </p:stCondLst>
+                                  <p:childTnLst>
+                                    <p:set>
+                                      <p:cBhvr>
+                                        <p:cTn id="16" dur="1" fill="hold">
+                                          <p:stCondLst>
+                                            <p:cond delay="0"/>
+                                          </p:stCondLst>
+                                        </p:cTn>
+                                        <p:tgtEl>
+                                          <p:spTgt spid="18"/>
+                                        </p:tgtEl>
+                                        <p:attrNameLst>
+                                          <p:attrName>style.visibility</p:attrName>
+                                        </p:attrNameLst>
+                                      </p:cBhvr>
+                                      <p:to>
+                                        <p:strVal val="visible"/>
+                                      </p:to>
+                                    </p:set>
+                                    <p:animEffect transition="in" filter="fade">
+                                      <p:cBhvr>
+                                        <p:cTn id="17" dur="250"/>
+                                        <p:tgtEl>
+                                          <p:spTgt spid="18"/>
+                                        </p:tgtEl>
+                                      </p:cBhvr>
+                                    </p:animEffect>
+                                  </p:childTnLst>
+                                </p:cTn>
+                              </p:par>
+                            </p:childTnLst>
+                          </p:cTn>
+                        </p:par>
+                      </p:childTnLst>
+                    </p:cTn>
+                  </p:par>
+                  <p:par>
+                    <p:cTn id="18" fill="hold">
+                      <p:stCondLst>
+                        <p:cond delay="indefinite"/>
+                      </p:stCondLst>
+                      <p:childTnLst>
+                        <p:par>
+                          <p:cTn id="19" fill="hold">
+                            <p:stCondLst>
+                              <p:cond delay="0"/>
+                            </p:stCondLst>
+                            <p:childTnLst>
+                              <p:par>
+                                <p:cTn id="20" presetID="10" presetClass="entr" presetSubtype="0" fill="hold" grpId="0" nodeType="clickEffect">
+                                  <p:stCondLst>
+                                    <p:cond delay="0"/>
+                                  </p:stCondLst>
+                                  <p:childTnLst>
+                                    <p:set>
+                                      <p:cBhvr>
+                                        <p:cTn id="21" dur="1" fill="hold">
+                                          <p:stCondLst>
+                                            <p:cond delay="0"/>
+                                          </p:stCondLst>
+                                        </p:cTn>
+                                        <p:tgtEl>
+                                          <p:spTgt spid="19"/>
+                                        </p:tgtEl>
+                                        <p:attrNameLst>
+                                          <p:attrName>style.visibility</p:attrName>
+                                        </p:attrNameLst>
+                                      </p:cBhvr>
+                                      <p:to>
+                                        <p:strVal val="visible"/>
+                                      </p:to>
+                                    </p:set>
+                                    <p:animEffect transition="in" filter="fade">
+                                      <p:cBhvr>
+                                        <p:cTn id="22" dur="250"/>
+                                        <p:tgtEl>
+                                          <p:spTgt spid="19"/>
+                                        </p:tgtEl>
+                                      </p:cBhvr>
+                                    </p:animEffect>
+                                  </p:childTnLst>
+                                </p:cTn>
+                              </p:par>
+                            </p:childTnLst>
+                          </p:cTn>
+                        </p:par>
+                      </p:childTnLst>
+                    </p:cTn>
+                  </p:par>
+                  <p:par>
+                    <p:cTn id="23" fill="hold">
+                      <p:stCondLst>
+                        <p:cond delay="indefinite"/>
+                      </p:stCondLst>
+                      <p:childTnLst>
+                        <p:par>
+                          <p:cTn id="24" fill="hold">
+                            <p:stCondLst>
+                              <p:cond delay="0"/>
+                            </p:stCondLst>
+                            <p:childTnLst>
+                              <p:par>
+                                <p:cTn id="25" presetID="10" presetClass="entr" presetSubtype="0" fill="hold" grpId="0" nodeType="clickEffect">
+                                  <p:stCondLst>
+                                    <p:cond delay="0"/>
+                                  </p:stCondLst>
+                                  <p:childTnLst>
+                                    <p:set>
+                                      <p:cBhvr>
+                                        <p:cTn id="26" dur="1" fill="hold">
+                                          <p:stCondLst>
+                                            <p:cond delay="0"/>
+                                          </p:stCondLst>
+                                        </p:cTn>
+                                        <p:tgtEl>
+                                          <p:spTgt spid="20"/>
+                                        </p:tgtEl>
+                                        <p:attrNameLst>
+                                          <p:attrName>style.visibility</p:attrName>
+                                        </p:attrNameLst>
+                                      </p:cBhvr>
+                                      <p:to>
+                                        <p:strVal val="visible"/>
+                                      </p:to>
+                                    </p:set>
+                                    <p:animEffect transition="in" filter="fade">
+                                      <p:cBhvr>
+                                        <p:cTn id="27" dur="250"/>
+                                        <p:tgtEl>
+                                          <p:spTgt spid="20"/>
+                                        </p:tgtEl>
+                                      </p:cBhvr>
+                                    </p:animEffect>
+                                  </p:childTnLst>
+                                </p:cTn>
+                              </p:par>
+                            </p:childTnLst>
+                          </p:cTn>
+                        </p:par>
+                      </p:childTnLst>
+                    </p:cTn>
+                  </p:par>
+                  <p:par>
+                    <p:cTn id="28" fill="hold">
+                      <p:stCondLst>
+                        <p:cond delay="indefinite"/>
+                      </p:stCondLst>
+                      <p:childTnLst>
+                        <p:par>
+                          <p:cTn id="29" fill="hold">
+                            <p:stCondLst>
+                              <p:cond delay="0"/>
+                            </p:stCondLst>
+                            <p:childTnLst>
+                              <p:par>
+                                <p:cTn id="30" presetID="10" presetClass="entr" presetSubtype="0" fill="hold" grpId="0" nodeType="clickEffect">
+                                  <p:stCondLst>
+                                    <p:cond delay="0"/>
+                                  </p:stCondLst>
+                                  <p:childTnLst>
+                                    <p:set>
+                                      <p:cBhvr>
+                                        <p:cTn id="31" dur="1" fill="hold">
+                                          <p:stCondLst>
+                                            <p:cond delay="0"/>
+                                          </p:stCondLst>
+                                        </p:cTn>
+                                        <p:tgtEl>
+                                          <p:spTgt spid="21"/>
+                                        </p:tgtEl>
+                                        <p:attrNameLst>
+                                          <p:attrName>style.visibility</p:attrName>
+                                        </p:attrNameLst>
+                                      </p:cBhvr>
+                                      <p:to>
+                                        <p:strVal val="visible"/>
+                                      </p:to>
+                                    </p:set>
+                                    <p:animEffect transition="in" filter="fade">
+                                      <p:cBhvr>
+                                        <p:cTn id="32" dur="250"/>
+                                        <p:tgtEl>
+                                          <p:spTgt spid="21"/>
+                                        </p:tgtEl>
+                                      </p:cBhvr>
+                                    </p:animEffect>
+                                  </p:childTnLst>
+                                </p:cTn>
+                              </p:par>
+                            </p:childTnLst>
+                          </p:cTn>
+                        </p:par>
+                      </p:childTnLst>
+                    </p:cTn>
+                  </p:par>
+                  <p:par>
+                    <p:cTn id="33" fill="hold">
+                      <p:stCondLst>
+                        <p:cond delay="indefinite"/>
+                      </p:stCondLst>
+                      <p:childTnLst>
+                        <p:par>
+                          <p:cTn id="34" fill="hold">
+                            <p:stCondLst>
+                              <p:cond delay="0"/>
+                            </p:stCondLst>
+                            <p:childTnLst>
+                              <p:par>
+                                <p:cTn id="35" presetID="10" presetClass="entr" presetSubtype="0" fill="hold" grpId="0" nodeType="clickEffect">
+                                  <p:stCondLst>
+                                    <p:cond delay="0"/>
+                                  </p:stCondLst>
+                                  <p:childTnLst>
+                                    <p:set>
+                                      <p:cBhvr>
+                                        <p:cTn id="36" dur="1" fill="hold">
+                                          <p:stCondLst>
+                                            <p:cond delay="0"/>
+                                          </p:stCondLst>
+                                        </p:cTn>
+                                        <p:tgtEl>
+                                          <p:spTgt spid="22"/>
+                                        </p:tgtEl>
+                                        <p:attrNameLst>
+                                          <p:attrName>style.visibility</p:attrName>
+                                        </p:attrNameLst>
+                                      </p:cBhvr>
+                                      <p:to>
+                                        <p:strVal val="visible"/>
+                                      </p:to>
+                                    </p:set>
+                                    <p:animEffect transition="in" filter="fade">
+                                      <p:cBhvr>
+                                        <p:cTn id="37" dur="250"/>
+                                        <p:tgtEl>
+                                          <p:spTgt spid="22"/>
+                                        </p:tgtEl>
+                                      </p:cBhvr>
+                                    </p:animEffect>
+                                  </p:childTnLst>
+                                </p:cTn>
+                              </p:par>
+                            </p:childTnLst>
+                          </p:cTn>
+                        </p:par>
+                      </p:childTnLst>
+                    </p:cTn>
+                  </p:par>
+                  <p:par>
+                    <p:cTn id="38" fill="hold">
+                      <p:stCondLst>
+                        <p:cond delay="indefinite"/>
+                      </p:stCondLst>
+                      <p:childTnLst>
+                        <p:par>
+                          <p:cTn id="39" fill="hold">
+                            <p:stCondLst>
+                              <p:cond delay="0"/>
+                            </p:stCondLst>
+                            <p:childTnLst>
+                              <p:par>
+                                <p:cTn id="40" presetID="10" presetClass="entr" presetSubtype="0" fill="hold" nodeType="clickEffect">
+                                  <p:stCondLst>
+                                    <p:cond delay="0"/>
+                                  </p:stCondLst>
+                                  <p:childTnLst>
+                                    <p:set>
+                                      <p:cBhvr>
+                                        <p:cTn id="41" dur="1" fill="hold">
+                                          <p:stCondLst>
+                                            <p:cond delay="0"/>
+                                          </p:stCondLst>
+                                        </p:cTn>
+                                        <p:tgtEl>
+                                          <p:spTgt spid="2"/>
+                                        </p:tgtEl>
+                                        <p:attrNameLst>
+                                          <p:attrName>style.visibility</p:attrName>
+                                        </p:attrNameLst>
+                                      </p:cBhvr>
+                                      <p:to>
+                                        <p:strVal val="visible"/>
+                                      </p:to>
+                                    </p:set>
+                                    <p:animEffect transition="in" filter="fade">
+                                      <p:cBhvr>
+                                        <p:cTn id="42" dur="250"/>
+                                        <p:tgtEl>
+                                          <p:spTgt spid="2"/>
+                                        </p:tgtEl>
+                                      </p:cBhvr>
+                                    </p:animEffect>
+                                  </p:childTnLst>
+                                </p:cTn>
+                              </p:par>
+                            </p:childTnLst>
+                          </p:cTn>
+                        </p:par>
+                      </p:childTnLst>
+                    </p:cTn>
+                  </p:par>
+                  <p:par>
+                    <p:cTn id="43" fill="hold">
+                      <p:stCondLst>
+                        <p:cond delay="indefinite"/>
+                      </p:stCondLst>
+                      <p:childTnLst>
+                        <p:par>
+                          <p:cTn id="44" fill="hold">
+                            <p:stCondLst>
+                              <p:cond delay="0"/>
+                            </p:stCondLst>
+                            <p:childTnLst>
+                              <p:par>
+                                <p:cTn id="45" presetID="10" presetClass="entr" presetSubtype="0" fill="hold" nodeType="clickEffect">
+                                  <p:stCondLst>
+                                    <p:cond delay="0"/>
+                                  </p:stCondLst>
+                                  <p:childTnLst>
+                                    <p:set>
+                                      <p:cBhvr>
+                                        <p:cTn id="46" dur="1" fill="hold">
+                                          <p:stCondLst>
+                                            <p:cond delay="0"/>
+                                          </p:stCondLst>
+                                        </p:cTn>
+                                        <p:tgtEl>
+                                          <p:spTgt spid="11"/>
+                                        </p:tgtEl>
+                                        <p:attrNameLst>
+                                          <p:attrName>style.visibility</p:attrName>
+                                        </p:attrNameLst>
+                                      </p:cBhvr>
+                                      <p:to>
+                                        <p:strVal val="visible"/>
+                                      </p:to>
+                                    </p:set>
+                                    <p:animEffect transition="in" filter="fade">
+                                      <p:cBhvr>
+                                        <p:cTn id="47" dur="250"/>
+                                        <p:tgtEl>
+                                          <p:spTgt spid="11"/>
+                                        </p:tgtEl>
+                                      </p:cBhvr>
+                                    </p:animEffect>
+                                  </p:childTnLst>
+                                </p:cTn>
+                              </p:par>
+                            </p:childTnLst>
+                          </p:cTn>
+                        </p:par>
+                      </p:childTnLst>
+                    </p:cTn>
+                  </p:par>
+                  <p:par>
+                    <p:cTn id="48" fill="hold">
+                      <p:stCondLst>
+                        <p:cond delay="indefinite"/>
+                      </p:stCondLst>
+                      <p:childTnLst>
+                        <p:par>
+                          <p:cTn id="49" fill="hold">
+                            <p:stCondLst>
+                              <p:cond delay="0"/>
+                            </p:stCondLst>
+                            <p:childTnLst>
+                              <p:par>
+                                <p:cTn id="50" presetID="10" presetClass="entr" presetSubtype="0" fill="hold" nodeType="clickEffect">
+                                  <p:stCondLst>
+                                    <p:cond delay="0"/>
+                                  </p:stCondLst>
+                                  <p:childTnLst>
+                                    <p:set>
+                                      <p:cBhvr>
+                                        <p:cTn id="51" dur="1" fill="hold">
+                                          <p:stCondLst>
+                                            <p:cond delay="0"/>
+                                          </p:stCondLst>
+                                        </p:cTn>
+                                        <p:tgtEl>
+                                          <p:spTgt spid="24"/>
+                                        </p:tgtEl>
+                                        <p:attrNameLst>
+                                          <p:attrName>style.visibility</p:attrName>
+                                        </p:attrNameLst>
+                                      </p:cBhvr>
+                                      <p:to>
+                                        <p:strVal val="visible"/>
+                                      </p:to>
+                                    </p:set>
+                                    <p:animEffect transition="in" filter="fade">
+                                      <p:cBhvr>
+                                        <p:cTn id="52" dur="250"/>
+                                        <p:tgtEl>
+                                          <p:spTgt spid="24"/>
+                                        </p:tgtEl>
+                                      </p:cBhvr>
+                                    </p:animEffect>
+                                  </p:childTnLst>
+                                </p:cTn>
+                              </p:par>
+                            </p:childTnLst>
+                          </p:cTn>
+                        </p:par>
+                      </p:childTnLst>
+                    </p:cTn>
+                  </p:par>
+                  <p:par>
+                    <p:cTn id="53" fill="hold">
+                      <p:stCondLst>
+                        <p:cond delay="indefinite"/>
+                      </p:stCondLst>
+                      <p:childTnLst>
+                        <p:par>
+                          <p:cTn id="54" fill="hold">
+                            <p:stCondLst>
+                              <p:cond delay="0"/>
+                            </p:stCondLst>
+                            <p:childTnLst>
+                              <p:par>
+                                <p:cTn id="55" presetID="10" presetClass="entr" presetSubtype="0" fill="hold" nodeType="clickEffect">
+                                  <p:stCondLst>
+                                    <p:cond delay="0"/>
+                                  </p:stCondLst>
+                                  <p:childTnLst>
+                                    <p:set>
+                                      <p:cBhvr>
+                                        <p:cTn id="56" dur="1" fill="hold">
+                                          <p:stCondLst>
+                                            <p:cond delay="0"/>
+                                          </p:stCondLst>
+                                        </p:cTn>
+                                        <p:tgtEl>
+                                          <p:spTgt spid="29"/>
+                                        </p:tgtEl>
+                                        <p:attrNameLst>
+                                          <p:attrName>style.visibility</p:attrName>
+                                        </p:attrNameLst>
+                                      </p:cBhvr>
+                                      <p:to>
+                                        <p:strVal val="visible"/>
+                                      </p:to>
+                                    </p:set>
+                                    <p:animEffect transition="in" filter="fade">
+                                      <p:cBhvr>
+                                        <p:cTn id="57" dur="250"/>
+                                        <p:tgtEl>
+                                          <p:spTgt spid="29"/>
+                                        </p:tgtEl>
+                                      </p:cBhvr>
+                                    </p:animEffect>
+                                  </p:childTnLst>
+                                </p:cTn>
+                              </p:par>
+                            </p:childTnLst>
+                          </p:cTn>
+                        </p:par>
+                      </p:childTnLst>
+                    </p:cTn>
+                  </p:par>
+                </p:childTnLst>
+              </p:cTn>
+              <p:prevCondLst>
+                <p:cond evt="onPrev" delay="0">
+                  <p:tgtEl>
+                    <p:sldTgt/>
+                  </p:tgtEl>
+                </p:cond>
+              </p:prevCondLst>
+              <p:nextCondLst>
+                <p:cond evt="onNext" delay="0">
+                  <p:tgtEl>
+                    <p:sldTgt/>
+                  </p:tgtEl>
+                </p:cond>
+              </p:nextCondLst>
+            </p:seq>
+          </p:childTnLst>
+        </p:cTn>
+      </p:par>
+    </p:tnLst>
+    <p:bldLst>
+      <p:bldP spid="28" grpId="0" build="p"/>
+      <p:bldP spid="17" grpId="0"/>
+      <p:bldP spid="18" grpId="0"/>
+      <p:bldP spid="19" grpId="0"/>
+      <p:bldP spid="20" grpId="0"/>
+      <p:bldP spid="21" grpId="0"/>
+      <p:bldP spid="22" grpId="0"/>
+    </p:bldLst>
+  </p:timing>
+</p:sld>
+</file>
+
+<file path=ppt/slides/slide6.xml><?xml version="1.0" encoding="utf-8"?>
+<p:sld xmlns:a="http://schemas.openxmlformats.org/drawingml/2006/main" xmlns:r="http://schemas.openxmlformats.org/officeDocument/2006/relationships" xmlns:p="http://schemas.openxmlformats.org/presentationml/2006/main">
+  <p:cSld>
+    <p:spTree>
+      <p:nvGrpSpPr>
+        <p:cNvPr id="1" name=""/>
+        <p:cNvGrpSpPr/>
+        <p:nvPr/>
+      </p:nvGrpSpPr>
+      <p:grpSpPr>
+        <a:xfrm>
+          <a:off x="0" y="0"/>
+          <a:ext cx="0" cy="0"/>
+          <a:chOff x="0" y="0"/>
+          <a:chExt cx="0" cy="0"/>
+        </a:xfrm>
+      </p:grpSpPr>
+      <p:sp>
+        <p:nvSpPr>
+          <p:cNvPr id="2" name="Title 1"/>
+          <p:cNvSpPr>
+            <a:spLocks noGrp="1"/>
+          </p:cNvSpPr>
+          <p:nvPr>
+            <p:ph type="title"/>
+          </p:nvPr>
+        </p:nvSpPr>
+        <p:spPr/>
+        <p:txBody>
+          <a:bodyPr>
+            <a:noAutofit/>
+          </a:bodyPr>
+          <a:lstStyle/>
+          <a:p>
+            <a:r>
+              <a:rPr lang="en-US" dirty="0"/>
+              <a:t>Matthew 2:17-18 / Jeremiah 31:15 (and Genesis 35:16-19)</a:t>
+            </a:r>
+            <a:endParaRPr lang="en-US" sz="3600" dirty="0"/>
+          </a:p>
+        </p:txBody>
+      </p:sp>
+      <p:sp>
+        <p:nvSpPr>
+          <p:cNvPr id="3" name="Text Placeholder 2"/>
+          <p:cNvSpPr>
+            <a:spLocks noGrp="1"/>
+          </p:cNvSpPr>
+          <p:nvPr>
+            <p:ph type="body" sz="quarter" idx="13"/>
+          </p:nvPr>
+        </p:nvSpPr>
+        <p:spPr/>
+        <p:txBody>
+          <a:bodyPr/>
+          <a:lstStyle/>
+          <a:p>
+            <a:r>
+              <a:rPr lang="en-US" dirty="0"/>
               <a:t>3</a:t>
             </a:r>
           </a:p>
@@ -9368,7 +13473,1164 @@
 </p:sld>
 </file>
 
-<file path=ppt/slides/slide5.xml><?xml version="1.0" encoding="utf-8"?>
+<file path=ppt/slides/slide7.xml><?xml version="1.0" encoding="utf-8"?>
+<p:sld xmlns:a="http://schemas.openxmlformats.org/drawingml/2006/main" xmlns:r="http://schemas.openxmlformats.org/officeDocument/2006/relationships" xmlns:p="http://schemas.openxmlformats.org/presentationml/2006/main">
+  <p:cSld>
+    <p:spTree>
+      <p:nvGrpSpPr>
+        <p:cNvPr id="1" name=""/>
+        <p:cNvGrpSpPr/>
+        <p:nvPr/>
+      </p:nvGrpSpPr>
+      <p:grpSpPr>
+        <a:xfrm>
+          <a:off x="0" y="0"/>
+          <a:ext cx="0" cy="0"/>
+          <a:chOff x="0" y="0"/>
+          <a:chExt cx="0" cy="0"/>
+        </a:xfrm>
+      </p:grpSpPr>
+      <p:graphicFrame>
+        <p:nvGraphicFramePr>
+          <p:cNvPr id="5" name="Table 4">
+            <a:extLst>
+              <a:ext uri="{FF2B5EF4-FFF2-40B4-BE49-F238E27FC236}">
+                <a16:creationId xmlns:a16="http://schemas.microsoft.com/office/drawing/2014/main" id="{589C607E-23F7-1D43-B569-801CED367AB1}"/>
+              </a:ext>
+            </a:extLst>
+          </p:cNvPr>
+          <p:cNvGraphicFramePr>
+            <a:graphicFrameLocks noGrp="1"/>
+          </p:cNvGraphicFramePr>
+          <p:nvPr>
+            <p:extLst>
+              <p:ext uri="{D42A27DB-BD31-4B8C-83A1-F6EECF244321}">
+                <p14:modId xmlns:p14="http://schemas.microsoft.com/office/powerpoint/2010/main" val="3358462967"/>
+              </p:ext>
+            </p:extLst>
+          </p:nvPr>
+        </p:nvGraphicFramePr>
+        <p:xfrm>
+          <a:off x="114300" y="533400"/>
+          <a:ext cx="8877300" cy="4164066"/>
+        </p:xfrm>
+        <a:graphic>
+          <a:graphicData uri="http://schemas.openxmlformats.org/drawingml/2006/table">
+            <a:tbl>
+              <a:tblPr firstRow="1" bandRow="1">
+                <a:tableStyleId>{2D5ABB26-0587-4C30-8999-92F81FD0307C}</a:tableStyleId>
+              </a:tblPr>
+              <a:tblGrid>
+                <a:gridCol w="1866900">
+                  <a:extLst>
+                    <a:ext uri="{9D8B030D-6E8A-4147-A177-3AD203B41FA5}">
+                      <a16:colId xmlns:a16="http://schemas.microsoft.com/office/drawing/2014/main" val="3623029985"/>
+                    </a:ext>
+                  </a:extLst>
+                </a:gridCol>
+                <a:gridCol w="3429000">
+                  <a:extLst>
+                    <a:ext uri="{9D8B030D-6E8A-4147-A177-3AD203B41FA5}">
+                      <a16:colId xmlns:a16="http://schemas.microsoft.com/office/drawing/2014/main" val="4294323797"/>
+                    </a:ext>
+                  </a:extLst>
+                </a:gridCol>
+                <a:gridCol w="3581400">
+                  <a:extLst>
+                    <a:ext uri="{9D8B030D-6E8A-4147-A177-3AD203B41FA5}">
+                      <a16:colId xmlns:a16="http://schemas.microsoft.com/office/drawing/2014/main" val="2677670734"/>
+                    </a:ext>
+                  </a:extLst>
+                </a:gridCol>
+              </a:tblGrid>
+              <a:tr h="826506">
+                <a:tc>
+                  <a:txBody>
+                    <a:bodyPr/>
+                    <a:lstStyle/>
+                    <a:p>
+                      <a:pPr marL="0" algn="l" defTabSz="914400" rtl="0" eaLnBrk="1" fontAlgn="t" latinLnBrk="0" hangingPunct="1">
+                        <a:spcBef>
+                          <a:spcPts val="0"/>
+                        </a:spcBef>
+                        <a:spcAft>
+                          <a:spcPts val="0"/>
+                        </a:spcAft>
+                      </a:pPr>
+                      <a:endParaRPr lang="en-US" sz="4000" b="1" dirty="0">
+                        <a:solidFill>
+                          <a:srgbClr val="009EC0"/>
+                        </a:solidFill>
+                        <a:effectLst/>
+                        <a:latin typeface="+mj-lt"/>
+                      </a:endParaRPr>
+                    </a:p>
+                  </a:txBody>
+                  <a:tcPr marL="182880" marR="182880" marT="63500" marB="63500" anchor="b">
+                    <a:lnR w="3175" cap="flat" cmpd="sng" algn="ctr">
+                      <a:solidFill>
+                        <a:schemeClr val="tx1">
+                          <a:lumMod val="65000"/>
+                        </a:schemeClr>
+                      </a:solidFill>
+                      <a:prstDash val="solid"/>
+                      <a:round/>
+                      <a:headEnd type="none" w="med" len="med"/>
+                      <a:tailEnd type="none" w="med" len="med"/>
+                    </a:lnR>
+                  </a:tcPr>
+                </a:tc>
+                <a:tc>
+                  <a:txBody>
+                    <a:bodyPr/>
+                    <a:lstStyle/>
+                    <a:p>
+                      <a:pPr rtl="0" fontAlgn="t">
+                        <a:spcBef>
+                          <a:spcPts val="0"/>
+                        </a:spcBef>
+                        <a:spcAft>
+                          <a:spcPts val="0"/>
+                        </a:spcAft>
+                      </a:pPr>
+                      <a:endParaRPr lang="en-US" sz="4000" b="1" dirty="0">
+                        <a:solidFill>
+                          <a:schemeClr val="tx1"/>
+                        </a:solidFill>
+                        <a:effectLst/>
+                        <a:latin typeface="+mj-lt"/>
+                      </a:endParaRPr>
+                    </a:p>
+                  </a:txBody>
+                  <a:tcPr marL="182880" marR="182880" marT="63500" marB="63500" anchor="b">
+                    <a:lnL w="3175" cap="flat" cmpd="sng" algn="ctr">
+                      <a:solidFill>
+                        <a:schemeClr val="tx1">
+                          <a:lumMod val="65000"/>
+                        </a:schemeClr>
+                      </a:solidFill>
+                      <a:prstDash val="solid"/>
+                      <a:round/>
+                      <a:headEnd type="none" w="med" len="med"/>
+                      <a:tailEnd type="none" w="med" len="med"/>
+                    </a:lnL>
+                    <a:lnR w="3175" cap="flat" cmpd="sng" algn="ctr">
+                      <a:solidFill>
+                        <a:schemeClr val="tx1">
+                          <a:lumMod val="65000"/>
+                        </a:schemeClr>
+                      </a:solidFill>
+                      <a:prstDash val="solid"/>
+                      <a:round/>
+                      <a:headEnd type="none" w="med" len="med"/>
+                      <a:tailEnd type="none" w="med" len="med"/>
+                    </a:lnR>
+                  </a:tcPr>
+                </a:tc>
+                <a:tc>
+                  <a:txBody>
+                    <a:bodyPr/>
+                    <a:lstStyle/>
+                    <a:p>
+                      <a:pPr rtl="0" fontAlgn="t">
+                        <a:spcBef>
+                          <a:spcPts val="0"/>
+                        </a:spcBef>
+                        <a:spcAft>
+                          <a:spcPts val="0"/>
+                        </a:spcAft>
+                      </a:pPr>
+                      <a:endParaRPr lang="en-US" sz="4000" b="1" dirty="0">
+                        <a:solidFill>
+                          <a:schemeClr val="tx1"/>
+                        </a:solidFill>
+                        <a:effectLst/>
+                        <a:latin typeface="+mj-lt"/>
+                      </a:endParaRPr>
+                    </a:p>
+                  </a:txBody>
+                  <a:tcPr marL="182880" marR="182880" marT="63500" marB="63500" anchor="b">
+                    <a:lnL w="3175" cap="flat" cmpd="sng" algn="ctr">
+                      <a:solidFill>
+                        <a:schemeClr val="tx1">
+                          <a:lumMod val="65000"/>
+                        </a:schemeClr>
+                      </a:solidFill>
+                      <a:prstDash val="solid"/>
+                      <a:round/>
+                      <a:headEnd type="none" w="med" len="med"/>
+                      <a:tailEnd type="none" w="med" len="med"/>
+                    </a:lnL>
+                    <a:lnR w="3175" cap="flat" cmpd="sng" algn="ctr">
+                      <a:solidFill>
+                        <a:schemeClr val="tx1">
+                          <a:lumMod val="65000"/>
+                        </a:schemeClr>
+                      </a:solidFill>
+                      <a:prstDash val="solid"/>
+                      <a:round/>
+                      <a:headEnd type="none" w="med" len="med"/>
+                      <a:tailEnd type="none" w="med" len="med"/>
+                    </a:lnR>
+                  </a:tcPr>
+                </a:tc>
+                <a:extLst>
+                  <a:ext uri="{0D108BD9-81ED-4DB2-BD59-A6C34878D82A}">
+                    <a16:rowId xmlns:a16="http://schemas.microsoft.com/office/drawing/2014/main" val="1136906228"/>
+                  </a:ext>
+                </a:extLst>
+              </a:tr>
+              <a:tr h="392694">
+                <a:tc>
+                  <a:txBody>
+                    <a:bodyPr/>
+                    <a:lstStyle/>
+                    <a:p>
+                      <a:pPr algn="r" rtl="0" fontAlgn="t">
+                        <a:spcBef>
+                          <a:spcPts val="0"/>
+                        </a:spcBef>
+                        <a:spcAft>
+                          <a:spcPts val="0"/>
+                        </a:spcAft>
+                      </a:pPr>
+                      <a:r>
+                        <a:rPr lang="en-US" sz="2400" b="0" i="0" u="none" strike="noStrike" dirty="0">
+                          <a:solidFill>
+                            <a:srgbClr val="009EC0"/>
+                          </a:solidFill>
+                          <a:effectLst/>
+                          <a:latin typeface="+mj-lt"/>
+                        </a:rPr>
+                        <a:t>Genesis 35</a:t>
+                      </a:r>
+                      <a:endParaRPr lang="en-US" sz="2400" b="0" dirty="0">
+                        <a:solidFill>
+                          <a:srgbClr val="009EC0"/>
+                        </a:solidFill>
+                        <a:effectLst/>
+                        <a:latin typeface="+mj-lt"/>
+                      </a:endParaRPr>
+                    </a:p>
+                  </a:txBody>
+                  <a:tcPr marL="182880" marR="182880" marT="365760" marB="365760" anchor="ctr">
+                    <a:lnR w="3175" cap="flat" cmpd="sng" algn="ctr">
+                      <a:solidFill>
+                        <a:schemeClr val="tx1">
+                          <a:lumMod val="65000"/>
+                        </a:schemeClr>
+                      </a:solidFill>
+                      <a:prstDash val="solid"/>
+                      <a:round/>
+                      <a:headEnd type="none" w="med" len="med"/>
+                      <a:tailEnd type="none" w="med" len="med"/>
+                    </a:lnR>
+                  </a:tcPr>
+                </a:tc>
+                <a:tc>
+                  <a:txBody>
+                    <a:bodyPr/>
+                    <a:lstStyle/>
+                    <a:p>
+                      <a:pPr rtl="0" fontAlgn="t">
+                        <a:spcBef>
+                          <a:spcPts val="0"/>
+                        </a:spcBef>
+                        <a:spcAft>
+                          <a:spcPts val="0"/>
+                        </a:spcAft>
+                      </a:pPr>
+                      <a:r>
+                        <a:rPr lang="en-US" sz="2500" b="0" i="0" u="none" strike="noStrike" dirty="0">
+                          <a:solidFill>
+                            <a:schemeClr val="tx1"/>
+                          </a:solidFill>
+                          <a:effectLst/>
+                          <a:latin typeface="+mj-lt"/>
+                        </a:rPr>
+                        <a:t>Rachel is dying</a:t>
+                      </a:r>
+                      <a:endParaRPr lang="en-US" sz="2500" dirty="0">
+                        <a:solidFill>
+                          <a:schemeClr val="tx1"/>
+                        </a:solidFill>
+                        <a:effectLst/>
+                        <a:latin typeface="+mj-lt"/>
+                      </a:endParaRPr>
+                    </a:p>
+                  </a:txBody>
+                  <a:tcPr marL="182880" marR="182880" marT="365760" marB="365760" anchor="ctr">
+                    <a:lnL w="3175" cap="flat" cmpd="sng" algn="ctr">
+                      <a:solidFill>
+                        <a:schemeClr val="tx1">
+                          <a:lumMod val="65000"/>
+                        </a:schemeClr>
+                      </a:solidFill>
+                      <a:prstDash val="solid"/>
+                      <a:round/>
+                      <a:headEnd type="none" w="med" len="med"/>
+                      <a:tailEnd type="none" w="med" len="med"/>
+                    </a:lnL>
+                    <a:lnR w="3175" cap="flat" cmpd="sng" algn="ctr">
+                      <a:solidFill>
+                        <a:schemeClr val="tx1">
+                          <a:lumMod val="65000"/>
+                        </a:schemeClr>
+                      </a:solidFill>
+                      <a:prstDash val="solid"/>
+                      <a:round/>
+                      <a:headEnd type="none" w="med" len="med"/>
+                      <a:tailEnd type="none" w="med" len="med"/>
+                    </a:lnR>
+                  </a:tcPr>
+                </a:tc>
+                <a:tc>
+                  <a:txBody>
+                    <a:bodyPr/>
+                    <a:lstStyle/>
+                    <a:p>
+                      <a:pPr rtl="0" fontAlgn="t">
+                        <a:spcBef>
+                          <a:spcPts val="0"/>
+                        </a:spcBef>
+                        <a:spcAft>
+                          <a:spcPts val="0"/>
+                        </a:spcAft>
+                      </a:pPr>
+                      <a:r>
+                        <a:rPr lang="en-US" sz="2500" dirty="0">
+                          <a:solidFill>
+                            <a:schemeClr val="tx1"/>
+                          </a:solidFill>
+                          <a:effectLst/>
+                          <a:latin typeface="+mj-lt"/>
+                        </a:rPr>
+                        <a:t>Comforted by son </a:t>
+                      </a:r>
+                    </a:p>
+                  </a:txBody>
+                  <a:tcPr marL="182880" marR="182880" marT="365760" marB="365760" anchor="ctr">
+                    <a:lnL w="3175" cap="flat" cmpd="sng" algn="ctr">
+                      <a:solidFill>
+                        <a:schemeClr val="tx1">
+                          <a:lumMod val="65000"/>
+                        </a:schemeClr>
+                      </a:solidFill>
+                      <a:prstDash val="solid"/>
+                      <a:round/>
+                      <a:headEnd type="none" w="med" len="med"/>
+                      <a:tailEnd type="none" w="med" len="med"/>
+                    </a:lnL>
+                    <a:lnR w="3175" cap="flat" cmpd="sng" algn="ctr">
+                      <a:solidFill>
+                        <a:schemeClr val="tx1">
+                          <a:lumMod val="65000"/>
+                        </a:schemeClr>
+                      </a:solidFill>
+                      <a:prstDash val="solid"/>
+                      <a:round/>
+                      <a:headEnd type="none" w="med" len="med"/>
+                      <a:tailEnd type="none" w="med" len="med"/>
+                    </a:lnR>
+                  </a:tcPr>
+                </a:tc>
+                <a:extLst>
+                  <a:ext uri="{0D108BD9-81ED-4DB2-BD59-A6C34878D82A}">
+                    <a16:rowId xmlns:a16="http://schemas.microsoft.com/office/drawing/2014/main" val="3592000535"/>
+                  </a:ext>
+                </a:extLst>
+              </a:tr>
+              <a:tr h="494294">
+                <a:tc>
+                  <a:txBody>
+                    <a:bodyPr/>
+                    <a:lstStyle/>
+                    <a:p>
+                      <a:pPr algn="r" rtl="0" fontAlgn="t">
+                        <a:spcBef>
+                          <a:spcPts val="0"/>
+                        </a:spcBef>
+                        <a:spcAft>
+                          <a:spcPts val="0"/>
+                        </a:spcAft>
+                      </a:pPr>
+                      <a:r>
+                        <a:rPr lang="en-US" sz="2400" b="0" i="0" u="none" strike="noStrike" dirty="0">
+                          <a:solidFill>
+                            <a:srgbClr val="009EC0"/>
+                          </a:solidFill>
+                          <a:effectLst/>
+                          <a:latin typeface="+mj-lt"/>
+                        </a:rPr>
+                        <a:t>Jeremiah 31</a:t>
+                      </a:r>
+                      <a:endParaRPr lang="en-US" sz="2400" b="0" dirty="0">
+                        <a:solidFill>
+                          <a:srgbClr val="009EC0"/>
+                        </a:solidFill>
+                        <a:effectLst/>
+                        <a:latin typeface="+mj-lt"/>
+                      </a:endParaRPr>
+                    </a:p>
+                  </a:txBody>
+                  <a:tcPr marL="182880" marR="182880" marT="365760" marB="365760" anchor="ctr">
+                    <a:lnR w="3175" cap="flat" cmpd="sng" algn="ctr">
+                      <a:solidFill>
+                        <a:schemeClr val="tx1">
+                          <a:lumMod val="65000"/>
+                        </a:schemeClr>
+                      </a:solidFill>
+                      <a:prstDash val="solid"/>
+                      <a:round/>
+                      <a:headEnd type="none" w="med" len="med"/>
+                      <a:tailEnd type="none" w="med" len="med"/>
+                    </a:lnR>
+                  </a:tcPr>
+                </a:tc>
+                <a:tc>
+                  <a:txBody>
+                    <a:bodyPr/>
+                    <a:lstStyle/>
+                    <a:p>
+                      <a:pPr rtl="0" fontAlgn="t">
+                        <a:spcBef>
+                          <a:spcPts val="0"/>
+                        </a:spcBef>
+                        <a:spcAft>
+                          <a:spcPts val="0"/>
+                        </a:spcAft>
+                      </a:pPr>
+                      <a:r>
+                        <a:rPr lang="en-US" sz="2500" dirty="0">
+                          <a:solidFill>
+                            <a:schemeClr val="tx1"/>
+                          </a:solidFill>
+                          <a:effectLst/>
+                          <a:latin typeface="+mj-lt"/>
+                        </a:rPr>
+                        <a:t>Israel is going to exile</a:t>
+                      </a:r>
+                    </a:p>
+                  </a:txBody>
+                  <a:tcPr marL="182880" marR="182880" marT="365760" marB="365760" anchor="ctr">
+                    <a:lnL w="3175" cap="flat" cmpd="sng" algn="ctr">
+                      <a:solidFill>
+                        <a:schemeClr val="tx1">
+                          <a:lumMod val="65000"/>
+                        </a:schemeClr>
+                      </a:solidFill>
+                      <a:prstDash val="solid"/>
+                      <a:round/>
+                      <a:headEnd type="none" w="med" len="med"/>
+                      <a:tailEnd type="none" w="med" len="med"/>
+                    </a:lnL>
+                    <a:lnR w="3175" cap="flat" cmpd="sng" algn="ctr">
+                      <a:solidFill>
+                        <a:schemeClr val="tx1">
+                          <a:lumMod val="65000"/>
+                        </a:schemeClr>
+                      </a:solidFill>
+                      <a:prstDash val="solid"/>
+                      <a:round/>
+                      <a:headEnd type="none" w="med" len="med"/>
+                      <a:tailEnd type="none" w="med" len="med"/>
+                    </a:lnR>
+                  </a:tcPr>
+                </a:tc>
+                <a:tc>
+                  <a:txBody>
+                    <a:bodyPr/>
+                    <a:lstStyle/>
+                    <a:p>
+                      <a:pPr rtl="0" fontAlgn="t">
+                        <a:spcBef>
+                          <a:spcPts val="0"/>
+                        </a:spcBef>
+                        <a:spcAft>
+                          <a:spcPts val="0"/>
+                        </a:spcAft>
+                      </a:pPr>
+                      <a:r>
+                        <a:rPr lang="en-US" sz="2500" dirty="0">
+                          <a:solidFill>
+                            <a:schemeClr val="tx1"/>
+                          </a:solidFill>
+                          <a:effectLst/>
+                          <a:latin typeface="+mj-lt"/>
+                        </a:rPr>
+                        <a:t>Remnant will return</a:t>
+                      </a:r>
+                    </a:p>
+                  </a:txBody>
+                  <a:tcPr marL="182880" marR="182880" marT="365760" marB="365760" anchor="ctr">
+                    <a:lnL w="3175" cap="flat" cmpd="sng" algn="ctr">
+                      <a:solidFill>
+                        <a:schemeClr val="tx1">
+                          <a:lumMod val="65000"/>
+                        </a:schemeClr>
+                      </a:solidFill>
+                      <a:prstDash val="solid"/>
+                      <a:round/>
+                      <a:headEnd type="none" w="med" len="med"/>
+                      <a:tailEnd type="none" w="med" len="med"/>
+                    </a:lnL>
+                    <a:lnR w="3175" cap="flat" cmpd="sng" algn="ctr">
+                      <a:solidFill>
+                        <a:schemeClr val="tx1">
+                          <a:lumMod val="65000"/>
+                        </a:schemeClr>
+                      </a:solidFill>
+                      <a:prstDash val="solid"/>
+                      <a:round/>
+                      <a:headEnd type="none" w="med" len="med"/>
+                      <a:tailEnd type="none" w="med" len="med"/>
+                    </a:lnR>
+                  </a:tcPr>
+                </a:tc>
+                <a:extLst>
+                  <a:ext uri="{0D108BD9-81ED-4DB2-BD59-A6C34878D82A}">
+                    <a16:rowId xmlns:a16="http://schemas.microsoft.com/office/drawing/2014/main" val="2330484482"/>
+                  </a:ext>
+                </a:extLst>
+              </a:tr>
+              <a:tr h="394706">
+                <a:tc>
+                  <a:txBody>
+                    <a:bodyPr/>
+                    <a:lstStyle/>
+                    <a:p>
+                      <a:pPr algn="r" rtl="0" fontAlgn="t">
+                        <a:spcBef>
+                          <a:spcPts val="0"/>
+                        </a:spcBef>
+                        <a:spcAft>
+                          <a:spcPts val="0"/>
+                        </a:spcAft>
+                      </a:pPr>
+                      <a:r>
+                        <a:rPr lang="en-US" sz="2400" b="0" i="0" u="none" strike="noStrike" dirty="0">
+                          <a:solidFill>
+                            <a:srgbClr val="009EC0"/>
+                          </a:solidFill>
+                          <a:effectLst/>
+                          <a:latin typeface="+mj-lt"/>
+                        </a:rPr>
+                        <a:t>Matthew 2</a:t>
+                      </a:r>
+                      <a:endParaRPr lang="en-US" sz="2400" b="0" dirty="0">
+                        <a:solidFill>
+                          <a:srgbClr val="009EC0"/>
+                        </a:solidFill>
+                        <a:effectLst/>
+                        <a:latin typeface="+mj-lt"/>
+                      </a:endParaRPr>
+                    </a:p>
+                  </a:txBody>
+                  <a:tcPr marL="182880" marR="182880" marT="365760" marB="365760" anchor="ctr">
+                    <a:lnR w="3175" cap="flat" cmpd="sng" algn="ctr">
+                      <a:solidFill>
+                        <a:schemeClr val="tx1">
+                          <a:lumMod val="65000"/>
+                        </a:schemeClr>
+                      </a:solidFill>
+                      <a:prstDash val="solid"/>
+                      <a:round/>
+                      <a:headEnd type="none" w="med" len="med"/>
+                      <a:tailEnd type="none" w="med" len="med"/>
+                    </a:lnR>
+                  </a:tcPr>
+                </a:tc>
+                <a:tc>
+                  <a:txBody>
+                    <a:bodyPr/>
+                    <a:lstStyle/>
+                    <a:p>
+                      <a:pPr rtl="0" fontAlgn="t">
+                        <a:spcBef>
+                          <a:spcPts val="0"/>
+                        </a:spcBef>
+                        <a:spcAft>
+                          <a:spcPts val="0"/>
+                        </a:spcAft>
+                      </a:pPr>
+                      <a:r>
+                        <a:rPr lang="en-US" sz="2500" b="0" i="0" u="none" strike="noStrike" dirty="0">
+                          <a:solidFill>
+                            <a:schemeClr val="tx1"/>
+                          </a:solidFill>
+                          <a:effectLst/>
+                          <a:latin typeface="+mj-lt"/>
+                        </a:rPr>
+                        <a:t>Herod kills the children</a:t>
+                      </a:r>
+                      <a:endParaRPr lang="en-US" sz="2500" dirty="0">
+                        <a:solidFill>
+                          <a:schemeClr val="tx1"/>
+                        </a:solidFill>
+                        <a:effectLst/>
+                        <a:latin typeface="+mj-lt"/>
+                      </a:endParaRPr>
+                    </a:p>
+                  </a:txBody>
+                  <a:tcPr marL="182880" marR="182880" marT="365760" marB="365760" anchor="ctr">
+                    <a:lnL w="3175" cap="flat" cmpd="sng" algn="ctr">
+                      <a:solidFill>
+                        <a:schemeClr val="tx1">
+                          <a:lumMod val="65000"/>
+                        </a:schemeClr>
+                      </a:solidFill>
+                      <a:prstDash val="solid"/>
+                      <a:round/>
+                      <a:headEnd type="none" w="med" len="med"/>
+                      <a:tailEnd type="none" w="med" len="med"/>
+                    </a:lnL>
+                    <a:lnR w="3175" cap="flat" cmpd="sng" algn="ctr">
+                      <a:solidFill>
+                        <a:schemeClr val="tx1">
+                          <a:lumMod val="65000"/>
+                        </a:schemeClr>
+                      </a:solidFill>
+                      <a:prstDash val="solid"/>
+                      <a:round/>
+                      <a:headEnd type="none" w="med" len="med"/>
+                      <a:tailEnd type="none" w="med" len="med"/>
+                    </a:lnR>
+                  </a:tcPr>
+                </a:tc>
+                <a:tc>
+                  <a:txBody>
+                    <a:bodyPr/>
+                    <a:lstStyle/>
+                    <a:p>
+                      <a:pPr rtl="0" fontAlgn="t">
+                        <a:spcBef>
+                          <a:spcPts val="0"/>
+                        </a:spcBef>
+                        <a:spcAft>
+                          <a:spcPts val="0"/>
+                        </a:spcAft>
+                      </a:pPr>
+                      <a:r>
+                        <a:rPr lang="en-US" sz="2500" dirty="0">
+                          <a:solidFill>
+                            <a:schemeClr val="tx1"/>
+                          </a:solidFill>
+                          <a:effectLst/>
+                          <a:latin typeface="+mj-lt"/>
+                        </a:rPr>
+                        <a:t>King (Jesus) survives</a:t>
+                      </a:r>
+                    </a:p>
+                  </a:txBody>
+                  <a:tcPr marL="182880" marR="182880" marT="365760" marB="365760" anchor="ctr">
+                    <a:lnL w="3175" cap="flat" cmpd="sng" algn="ctr">
+                      <a:solidFill>
+                        <a:schemeClr val="tx1">
+                          <a:lumMod val="65000"/>
+                        </a:schemeClr>
+                      </a:solidFill>
+                      <a:prstDash val="solid"/>
+                      <a:round/>
+                      <a:headEnd type="none" w="med" len="med"/>
+                      <a:tailEnd type="none" w="med" len="med"/>
+                    </a:lnL>
+                    <a:lnR w="3175" cap="flat" cmpd="sng" algn="ctr">
+                      <a:solidFill>
+                        <a:schemeClr val="tx1">
+                          <a:lumMod val="65000"/>
+                        </a:schemeClr>
+                      </a:solidFill>
+                      <a:prstDash val="solid"/>
+                      <a:round/>
+                      <a:headEnd type="none" w="med" len="med"/>
+                      <a:tailEnd type="none" w="med" len="med"/>
+                    </a:lnR>
+                  </a:tcPr>
+                </a:tc>
+                <a:extLst>
+                  <a:ext uri="{0D108BD9-81ED-4DB2-BD59-A6C34878D82A}">
+                    <a16:rowId xmlns:a16="http://schemas.microsoft.com/office/drawing/2014/main" val="1564031315"/>
+                  </a:ext>
+                </a:extLst>
+              </a:tr>
+            </a:tbl>
+          </a:graphicData>
+        </a:graphic>
+      </p:graphicFrame>
+      <p:sp>
+        <p:nvSpPr>
+          <p:cNvPr id="2" name="Rounded Rectangle 1">
+            <a:extLst>
+              <a:ext uri="{FF2B5EF4-FFF2-40B4-BE49-F238E27FC236}">
+                <a16:creationId xmlns:a16="http://schemas.microsoft.com/office/drawing/2014/main" id="{CCE8CEE2-67DE-F649-9C41-5998EA8CF35A}"/>
+              </a:ext>
+            </a:extLst>
+          </p:cNvPr>
+          <p:cNvSpPr/>
+          <p:nvPr/>
+        </p:nvSpPr>
+        <p:spPr>
+          <a:xfrm>
+            <a:off x="2209800" y="768626"/>
+            <a:ext cx="3076989" cy="533400"/>
+          </a:xfrm>
+          <a:prstGeom prst="roundRect">
+            <a:avLst/>
+          </a:prstGeom>
+          <a:solidFill>
+            <a:srgbClr val="009EC0"/>
+          </a:solidFill>
+          <a:ln>
+            <a:noFill/>
+          </a:ln>
+        </p:spPr>
+        <p:style>
+          <a:lnRef idx="2">
+            <a:schemeClr val="accent1">
+              <a:shade val="50000"/>
+            </a:schemeClr>
+          </a:lnRef>
+          <a:fillRef idx="1">
+            <a:schemeClr val="accent1"/>
+          </a:fillRef>
+          <a:effectRef idx="0">
+            <a:schemeClr val="accent1"/>
+          </a:effectRef>
+          <a:fontRef idx="minor">
+            <a:schemeClr val="lt1"/>
+          </a:fontRef>
+        </p:style>
+        <p:txBody>
+          <a:bodyPr rtlCol="0" anchor="ctr"/>
+          <a:lstStyle/>
+          <a:p>
+            <a:pPr algn="ctr"/>
+            <a:r>
+              <a:rPr lang="en-US" sz="2800" dirty="0"/>
+              <a:t>Death</a:t>
+            </a:r>
+          </a:p>
+        </p:txBody>
+      </p:sp>
+      <p:sp>
+        <p:nvSpPr>
+          <p:cNvPr id="4" name="Rounded Rectangle 3">
+            <a:extLst>
+              <a:ext uri="{FF2B5EF4-FFF2-40B4-BE49-F238E27FC236}">
+                <a16:creationId xmlns:a16="http://schemas.microsoft.com/office/drawing/2014/main" id="{83773F1D-F953-E748-B918-F84B5A3FD504}"/>
+              </a:ext>
+            </a:extLst>
+          </p:cNvPr>
+          <p:cNvSpPr/>
+          <p:nvPr/>
+        </p:nvSpPr>
+        <p:spPr>
+          <a:xfrm>
+            <a:off x="5562600" y="768626"/>
+            <a:ext cx="2933700" cy="533400"/>
+          </a:xfrm>
+          <a:prstGeom prst="roundRect">
+            <a:avLst/>
+          </a:prstGeom>
+          <a:solidFill>
+            <a:srgbClr val="CA5C0E"/>
+          </a:solidFill>
+          <a:ln>
+            <a:noFill/>
+          </a:ln>
+        </p:spPr>
+        <p:style>
+          <a:lnRef idx="2">
+            <a:schemeClr val="accent1">
+              <a:shade val="50000"/>
+            </a:schemeClr>
+          </a:lnRef>
+          <a:fillRef idx="1">
+            <a:schemeClr val="accent1"/>
+          </a:fillRef>
+          <a:effectRef idx="0">
+            <a:schemeClr val="accent1"/>
+          </a:effectRef>
+          <a:fontRef idx="minor">
+            <a:schemeClr val="lt1"/>
+          </a:fontRef>
+        </p:style>
+        <p:txBody>
+          <a:bodyPr rtlCol="0" anchor="ctr"/>
+          <a:lstStyle/>
+          <a:p>
+            <a:pPr algn="ctr"/>
+            <a:r>
+              <a:rPr lang="en-US" sz="2800" dirty="0"/>
+              <a:t>Hope for offspring</a:t>
+            </a:r>
+          </a:p>
+        </p:txBody>
+      </p:sp>
+      <p:sp>
+        <p:nvSpPr>
+          <p:cNvPr id="3" name="Rectangle 2">
+            <a:extLst>
+              <a:ext uri="{FF2B5EF4-FFF2-40B4-BE49-F238E27FC236}">
+                <a16:creationId xmlns:a16="http://schemas.microsoft.com/office/drawing/2014/main" id="{1E3EDA81-3F6D-D742-90A5-F9A4999A1E53}"/>
+              </a:ext>
+            </a:extLst>
+          </p:cNvPr>
+          <p:cNvSpPr/>
+          <p:nvPr/>
+        </p:nvSpPr>
+        <p:spPr>
+          <a:xfrm>
+            <a:off x="0" y="1494488"/>
+            <a:ext cx="9144000" cy="1020112"/>
+          </a:xfrm>
+          <a:prstGeom prst="rect">
+            <a:avLst/>
+          </a:prstGeom>
+          <a:solidFill>
+            <a:schemeClr val="bg1"/>
+          </a:solidFill>
+          <a:ln>
+            <a:noFill/>
+          </a:ln>
+        </p:spPr>
+        <p:style>
+          <a:lnRef idx="2">
+            <a:schemeClr val="accent1">
+              <a:shade val="50000"/>
+            </a:schemeClr>
+          </a:lnRef>
+          <a:fillRef idx="1">
+            <a:schemeClr val="accent1"/>
+          </a:fillRef>
+          <a:effectRef idx="0">
+            <a:schemeClr val="accent1"/>
+          </a:effectRef>
+          <a:fontRef idx="minor">
+            <a:schemeClr val="lt1"/>
+          </a:fontRef>
+        </p:style>
+        <p:txBody>
+          <a:bodyPr rtlCol="0" anchor="ctr"/>
+          <a:lstStyle/>
+          <a:p>
+            <a:pPr algn="ctr"/>
+            <a:endParaRPr lang="en-US"/>
+          </a:p>
+        </p:txBody>
+      </p:sp>
+      <p:sp>
+        <p:nvSpPr>
+          <p:cNvPr id="9" name="Rectangle 8">
+            <a:extLst>
+              <a:ext uri="{FF2B5EF4-FFF2-40B4-BE49-F238E27FC236}">
+                <a16:creationId xmlns:a16="http://schemas.microsoft.com/office/drawing/2014/main" id="{B551856E-DC29-6847-830F-942DEC8E745E}"/>
+              </a:ext>
+            </a:extLst>
+          </p:cNvPr>
+          <p:cNvSpPr/>
+          <p:nvPr/>
+        </p:nvSpPr>
+        <p:spPr>
+          <a:xfrm>
+            <a:off x="0" y="2514600"/>
+            <a:ext cx="9144000" cy="1020112"/>
+          </a:xfrm>
+          <a:prstGeom prst="rect">
+            <a:avLst/>
+          </a:prstGeom>
+          <a:solidFill>
+            <a:schemeClr val="bg1"/>
+          </a:solidFill>
+          <a:ln>
+            <a:noFill/>
+          </a:ln>
+        </p:spPr>
+        <p:style>
+          <a:lnRef idx="2">
+            <a:schemeClr val="accent1">
+              <a:shade val="50000"/>
+            </a:schemeClr>
+          </a:lnRef>
+          <a:fillRef idx="1">
+            <a:schemeClr val="accent1"/>
+          </a:fillRef>
+          <a:effectRef idx="0">
+            <a:schemeClr val="accent1"/>
+          </a:effectRef>
+          <a:fontRef idx="minor">
+            <a:schemeClr val="lt1"/>
+          </a:fontRef>
+        </p:style>
+        <p:txBody>
+          <a:bodyPr rtlCol="0" anchor="ctr"/>
+          <a:lstStyle/>
+          <a:p>
+            <a:pPr algn="ctr"/>
+            <a:endParaRPr lang="en-US"/>
+          </a:p>
+        </p:txBody>
+      </p:sp>
+      <p:sp>
+        <p:nvSpPr>
+          <p:cNvPr id="10" name="Rectangle 9">
+            <a:extLst>
+              <a:ext uri="{FF2B5EF4-FFF2-40B4-BE49-F238E27FC236}">
+                <a16:creationId xmlns:a16="http://schemas.microsoft.com/office/drawing/2014/main" id="{A38BA94D-862A-8843-BF00-3C887BA7DFB6}"/>
+              </a:ext>
+            </a:extLst>
+          </p:cNvPr>
+          <p:cNvSpPr/>
+          <p:nvPr/>
+        </p:nvSpPr>
+        <p:spPr>
+          <a:xfrm>
+            <a:off x="0" y="3495566"/>
+            <a:ext cx="9144000" cy="1201900"/>
+          </a:xfrm>
+          <a:prstGeom prst="rect">
+            <a:avLst/>
+          </a:prstGeom>
+          <a:solidFill>
+            <a:schemeClr val="bg1"/>
+          </a:solidFill>
+          <a:ln>
+            <a:noFill/>
+          </a:ln>
+        </p:spPr>
+        <p:style>
+          <a:lnRef idx="2">
+            <a:schemeClr val="accent1">
+              <a:shade val="50000"/>
+            </a:schemeClr>
+          </a:lnRef>
+          <a:fillRef idx="1">
+            <a:schemeClr val="accent1"/>
+          </a:fillRef>
+          <a:effectRef idx="0">
+            <a:schemeClr val="accent1"/>
+          </a:effectRef>
+          <a:fontRef idx="minor">
+            <a:schemeClr val="lt1"/>
+          </a:fontRef>
+        </p:style>
+        <p:txBody>
+          <a:bodyPr rtlCol="0" anchor="ctr"/>
+          <a:lstStyle/>
+          <a:p>
+            <a:pPr algn="ctr"/>
+            <a:endParaRPr lang="en-US"/>
+          </a:p>
+        </p:txBody>
+      </p:sp>
+    </p:spTree>
+    <p:extLst>
+      <p:ext uri="{BB962C8B-B14F-4D97-AF65-F5344CB8AC3E}">
+        <p14:creationId xmlns:p14="http://schemas.microsoft.com/office/powerpoint/2010/main" val="3347812162"/>
+      </p:ext>
+    </p:extLst>
+  </p:cSld>
+  <p:clrMapOvr>
+    <a:masterClrMapping/>
+  </p:clrMapOvr>
+  <p:timing>
+    <p:tnLst>
+      <p:par>
+        <p:cTn id="1" dur="indefinite" restart="never" nodeType="tmRoot">
+          <p:childTnLst>
+            <p:seq concurrent="1" nextAc="seek">
+              <p:cTn id="2" dur="indefinite" nodeType="mainSeq">
+                <p:childTnLst>
+                  <p:par>
+                    <p:cTn id="3" fill="hold">
+                      <p:stCondLst>
+                        <p:cond delay="indefinite"/>
+                      </p:stCondLst>
+                      <p:childTnLst>
+                        <p:par>
+                          <p:cTn id="4" fill="hold">
+                            <p:stCondLst>
+                              <p:cond delay="0"/>
+                            </p:stCondLst>
+                            <p:childTnLst>
+                              <p:par>
+                                <p:cTn id="5" presetID="10" presetClass="exit" presetSubtype="0" fill="hold" grpId="0" nodeType="clickEffect">
+                                  <p:stCondLst>
+                                    <p:cond delay="0"/>
+                                  </p:stCondLst>
+                                  <p:childTnLst>
+                                    <p:animEffect transition="out" filter="fade">
+                                      <p:cBhvr>
+                                        <p:cTn id="6" dur="250"/>
+                                        <p:tgtEl>
+                                          <p:spTgt spid="3"/>
+                                        </p:tgtEl>
+                                      </p:cBhvr>
+                                    </p:animEffect>
+                                    <p:set>
+                                      <p:cBhvr>
+                                        <p:cTn id="7" dur="1" fill="hold">
+                                          <p:stCondLst>
+                                            <p:cond delay="249"/>
+                                          </p:stCondLst>
+                                        </p:cTn>
+                                        <p:tgtEl>
+                                          <p:spTgt spid="3"/>
+                                        </p:tgtEl>
+                                        <p:attrNameLst>
+                                          <p:attrName>style.visibility</p:attrName>
+                                        </p:attrNameLst>
+                                      </p:cBhvr>
+                                      <p:to>
+                                        <p:strVal val="hidden"/>
+                                      </p:to>
+                                    </p:set>
+                                  </p:childTnLst>
+                                </p:cTn>
+                              </p:par>
+                            </p:childTnLst>
+                          </p:cTn>
+                        </p:par>
+                      </p:childTnLst>
+                    </p:cTn>
+                  </p:par>
+                  <p:par>
+                    <p:cTn id="8" fill="hold">
+                      <p:stCondLst>
+                        <p:cond delay="indefinite"/>
+                      </p:stCondLst>
+                      <p:childTnLst>
+                        <p:par>
+                          <p:cTn id="9" fill="hold">
+                            <p:stCondLst>
+                              <p:cond delay="0"/>
+                            </p:stCondLst>
+                            <p:childTnLst>
+                              <p:par>
+                                <p:cTn id="10" presetID="10" presetClass="exit" presetSubtype="0" fill="hold" grpId="0" nodeType="clickEffect">
+                                  <p:stCondLst>
+                                    <p:cond delay="0"/>
+                                  </p:stCondLst>
+                                  <p:childTnLst>
+                                    <p:animEffect transition="out" filter="fade">
+                                      <p:cBhvr>
+                                        <p:cTn id="11" dur="250"/>
+                                        <p:tgtEl>
+                                          <p:spTgt spid="9"/>
+                                        </p:tgtEl>
+                                      </p:cBhvr>
+                                    </p:animEffect>
+                                    <p:set>
+                                      <p:cBhvr>
+                                        <p:cTn id="12" dur="1" fill="hold">
+                                          <p:stCondLst>
+                                            <p:cond delay="249"/>
+                                          </p:stCondLst>
+                                        </p:cTn>
+                                        <p:tgtEl>
+                                          <p:spTgt spid="9"/>
+                                        </p:tgtEl>
+                                        <p:attrNameLst>
+                                          <p:attrName>style.visibility</p:attrName>
+                                        </p:attrNameLst>
+                                      </p:cBhvr>
+                                      <p:to>
+                                        <p:strVal val="hidden"/>
+                                      </p:to>
+                                    </p:set>
+                                  </p:childTnLst>
+                                </p:cTn>
+                              </p:par>
+                            </p:childTnLst>
+                          </p:cTn>
+                        </p:par>
+                      </p:childTnLst>
+                    </p:cTn>
+                  </p:par>
+                  <p:par>
+                    <p:cTn id="13" fill="hold">
+                      <p:stCondLst>
+                        <p:cond delay="indefinite"/>
+                      </p:stCondLst>
+                      <p:childTnLst>
+                        <p:par>
+                          <p:cTn id="14" fill="hold">
+                            <p:stCondLst>
+                              <p:cond delay="0"/>
+                            </p:stCondLst>
+                            <p:childTnLst>
+                              <p:par>
+                                <p:cTn id="15" presetID="10" presetClass="exit" presetSubtype="0" fill="hold" grpId="0" nodeType="clickEffect">
+                                  <p:stCondLst>
+                                    <p:cond delay="0"/>
+                                  </p:stCondLst>
+                                  <p:childTnLst>
+                                    <p:animEffect transition="out" filter="fade">
+                                      <p:cBhvr>
+                                        <p:cTn id="16" dur="250"/>
+                                        <p:tgtEl>
+                                          <p:spTgt spid="10"/>
+                                        </p:tgtEl>
+                                      </p:cBhvr>
+                                    </p:animEffect>
+                                    <p:set>
+                                      <p:cBhvr>
+                                        <p:cTn id="17" dur="1" fill="hold">
+                                          <p:stCondLst>
+                                            <p:cond delay="249"/>
+                                          </p:stCondLst>
+                                        </p:cTn>
+                                        <p:tgtEl>
+                                          <p:spTgt spid="10"/>
+                                        </p:tgtEl>
+                                        <p:attrNameLst>
+                                          <p:attrName>style.visibility</p:attrName>
+                                        </p:attrNameLst>
+                                      </p:cBhvr>
+                                      <p:to>
+                                        <p:strVal val="hidden"/>
+                                      </p:to>
+                                    </p:set>
+                                  </p:childTnLst>
+                                </p:cTn>
+                              </p:par>
+                            </p:childTnLst>
+                          </p:cTn>
+                        </p:par>
+                      </p:childTnLst>
+                    </p:cTn>
+                  </p:par>
+                </p:childTnLst>
+              </p:cTn>
+              <p:prevCondLst>
+                <p:cond evt="onPrev" delay="0">
+                  <p:tgtEl>
+                    <p:sldTgt/>
+                  </p:tgtEl>
+                </p:cond>
+              </p:prevCondLst>
+              <p:nextCondLst>
+                <p:cond evt="onNext" delay="0">
+                  <p:tgtEl>
+                    <p:sldTgt/>
+                  </p:tgtEl>
+                </p:cond>
+              </p:nextCondLst>
+            </p:seq>
+          </p:childTnLst>
+        </p:cTn>
+      </p:par>
+    </p:tnLst>
+    <p:bldLst>
+      <p:bldP spid="3" grpId="0" animBg="1"/>
+      <p:bldP spid="9" grpId="0" animBg="1"/>
+      <p:bldP spid="10" grpId="0" animBg="1"/>
+    </p:bldLst>
+  </p:timing>
+</p:sld>
+</file>
+
+<file path=ppt/slides/slide8.xml><?xml version="1.0" encoding="utf-8"?>
 <p:sld xmlns:a="http://schemas.openxmlformats.org/drawingml/2006/main" xmlns:r="http://schemas.openxmlformats.org/officeDocument/2006/relationships" xmlns:p="http://schemas.openxmlformats.org/presentationml/2006/main">
   <p:cSld>
     <p:spTree>
@@ -9444,7 +14706,7 @@
 </p:sld>
 </file>
 
-<file path=ppt/slides/slide6.xml><?xml version="1.0" encoding="utf-8"?>
+<file path=ppt/slides/slide9.xml><?xml version="1.0" encoding="utf-8"?>
 <p:sld xmlns:a="http://schemas.openxmlformats.org/drawingml/2006/main" xmlns:r="http://schemas.openxmlformats.org/officeDocument/2006/relationships" xmlns:p="http://schemas.openxmlformats.org/presentationml/2006/main">
   <p:cSld>
     <p:spTree>
@@ -9979,1161 +15241,6 @@
     <p:extLst>
       <p:ext uri="{BB962C8B-B14F-4D97-AF65-F5344CB8AC3E}">
         <p14:creationId xmlns:p14="http://schemas.microsoft.com/office/powerpoint/2010/main" val="3211216521"/>
-      </p:ext>
-    </p:extLst>
-  </p:cSld>
-  <p:clrMapOvr>
-    <a:masterClrMapping/>
-  </p:clrMapOvr>
-</p:sld>
-</file>
-
-<file path=ppt/slides/slide7.xml><?xml version="1.0" encoding="utf-8"?>
-<p:sld xmlns:a="http://schemas.openxmlformats.org/drawingml/2006/main" xmlns:r="http://schemas.openxmlformats.org/officeDocument/2006/relationships" xmlns:p="http://schemas.openxmlformats.org/presentationml/2006/main">
-  <p:cSld>
-    <p:spTree>
-      <p:nvGrpSpPr>
-        <p:cNvPr id="1" name=""/>
-        <p:cNvGrpSpPr/>
-        <p:nvPr/>
-      </p:nvGrpSpPr>
-      <p:grpSpPr>
-        <a:xfrm>
-          <a:off x="0" y="0"/>
-          <a:ext cx="0" cy="0"/>
-          <a:chOff x="0" y="0"/>
-          <a:chExt cx="0" cy="0"/>
-        </a:xfrm>
-      </p:grpSpPr>
-      <p:graphicFrame>
-        <p:nvGraphicFramePr>
-          <p:cNvPr id="5" name="Table 4">
-            <a:extLst>
-              <a:ext uri="{FF2B5EF4-FFF2-40B4-BE49-F238E27FC236}">
-                <a16:creationId xmlns:a16="http://schemas.microsoft.com/office/drawing/2014/main" id="{589C607E-23F7-1D43-B569-801CED367AB1}"/>
-              </a:ext>
-            </a:extLst>
-          </p:cNvPr>
-          <p:cNvGraphicFramePr>
-            <a:graphicFrameLocks noGrp="1"/>
-          </p:cNvGraphicFramePr>
-          <p:nvPr>
-            <p:extLst>
-              <p:ext uri="{D42A27DB-BD31-4B8C-83A1-F6EECF244321}">
-                <p14:modId xmlns:p14="http://schemas.microsoft.com/office/powerpoint/2010/main" val="495032098"/>
-              </p:ext>
-            </p:extLst>
-          </p:nvPr>
-        </p:nvGraphicFramePr>
-        <p:xfrm>
-          <a:off x="114300" y="533400"/>
-          <a:ext cx="8915400" cy="4484106"/>
-        </p:xfrm>
-        <a:graphic>
-          <a:graphicData uri="http://schemas.openxmlformats.org/drawingml/2006/table">
-            <a:tbl>
-              <a:tblPr firstRow="1" bandRow="1">
-                <a:tableStyleId>{2D5ABB26-0587-4C30-8999-92F81FD0307C}</a:tableStyleId>
-              </a:tblPr>
-              <a:tblGrid>
-                <a:gridCol w="3352800">
-                  <a:extLst>
-                    <a:ext uri="{9D8B030D-6E8A-4147-A177-3AD203B41FA5}">
-                      <a16:colId xmlns:a16="http://schemas.microsoft.com/office/drawing/2014/main" val="3623029985"/>
-                    </a:ext>
-                  </a:extLst>
-                </a:gridCol>
-                <a:gridCol w="5562600">
-                  <a:extLst>
-                    <a:ext uri="{9D8B030D-6E8A-4147-A177-3AD203B41FA5}">
-                      <a16:colId xmlns:a16="http://schemas.microsoft.com/office/drawing/2014/main" val="4294323797"/>
-                    </a:ext>
-                  </a:extLst>
-                </a:gridCol>
-              </a:tblGrid>
-              <a:tr h="826506">
-                <a:tc>
-                  <a:txBody>
-                    <a:bodyPr/>
-                    <a:lstStyle/>
-                    <a:p>
-                      <a:pPr algn="r" rtl="0" fontAlgn="t">
-                        <a:spcBef>
-                          <a:spcPts val="0"/>
-                        </a:spcBef>
-                        <a:spcAft>
-                          <a:spcPts val="0"/>
-                        </a:spcAft>
-                      </a:pPr>
-                      <a:r>
-                        <a:rPr lang="en-US" sz="4000" b="1" dirty="0">
-                          <a:solidFill>
-                            <a:srgbClr val="009EC0"/>
-                          </a:solidFill>
-                          <a:effectLst/>
-                          <a:latin typeface="+mj-lt"/>
-                        </a:rPr>
-                        <a:t>Theme</a:t>
-                      </a:r>
-                    </a:p>
-                  </a:txBody>
-                  <a:tcPr marL="182880" marR="182880" marT="63500" marB="63500" anchor="b">
-                    <a:lnR w="3175" cap="flat" cmpd="sng" algn="ctr">
-                      <a:solidFill>
-                        <a:schemeClr val="tx1">
-                          <a:lumMod val="65000"/>
-                        </a:schemeClr>
-                      </a:solidFill>
-                      <a:prstDash val="solid"/>
-                      <a:round/>
-                      <a:headEnd type="none" w="med" len="med"/>
-                      <a:tailEnd type="none" w="med" len="med"/>
-                    </a:lnR>
-                  </a:tcPr>
-                </a:tc>
-                <a:tc>
-                  <a:txBody>
-                    <a:bodyPr/>
-                    <a:lstStyle/>
-                    <a:p>
-                      <a:pPr rtl="0" fontAlgn="t">
-                        <a:spcBef>
-                          <a:spcPts val="0"/>
-                        </a:spcBef>
-                        <a:spcAft>
-                          <a:spcPts val="0"/>
-                        </a:spcAft>
-                      </a:pPr>
-                      <a:r>
-                        <a:rPr lang="en-US" sz="4000" b="1" dirty="0">
-                          <a:solidFill>
-                            <a:schemeClr val="tx1"/>
-                          </a:solidFill>
-                          <a:effectLst/>
-                          <a:latin typeface="+mj-lt"/>
-                        </a:rPr>
-                        <a:t>Jeremiah 19</a:t>
-                      </a:r>
-                    </a:p>
-                  </a:txBody>
-                  <a:tcPr marL="182880" marR="182880" marT="63500" marB="63500" anchor="b">
-                    <a:lnL w="3175" cap="flat" cmpd="sng" algn="ctr">
-                      <a:solidFill>
-                        <a:schemeClr val="tx1">
-                          <a:lumMod val="65000"/>
-                        </a:schemeClr>
-                      </a:solidFill>
-                      <a:prstDash val="solid"/>
-                      <a:round/>
-                      <a:headEnd type="none" w="med" len="med"/>
-                      <a:tailEnd type="none" w="med" len="med"/>
-                    </a:lnL>
-                  </a:tcPr>
-                </a:tc>
-                <a:extLst>
-                  <a:ext uri="{0D108BD9-81ED-4DB2-BD59-A6C34878D82A}">
-                    <a16:rowId xmlns:a16="http://schemas.microsoft.com/office/drawing/2014/main" val="1136906228"/>
-                  </a:ext>
-                </a:extLst>
-              </a:tr>
-              <a:tr h="0">
-                <a:tc>
-                  <a:txBody>
-                    <a:bodyPr/>
-                    <a:lstStyle/>
-                    <a:p>
-                      <a:pPr algn="r" rtl="0" fontAlgn="t">
-                        <a:spcBef>
-                          <a:spcPts val="0"/>
-                        </a:spcBef>
-                        <a:spcAft>
-                          <a:spcPts val="0"/>
-                        </a:spcAft>
-                      </a:pPr>
-                      <a:r>
-                        <a:rPr lang="en-US" sz="2400" b="0" i="0" u="none" strike="noStrike" dirty="0">
-                          <a:solidFill>
-                            <a:srgbClr val="009EC0"/>
-                          </a:solidFill>
-                          <a:effectLst/>
-                          <a:latin typeface="+mj-lt"/>
-                        </a:rPr>
-                        <a:t>Leadership (shepherds)</a:t>
-                      </a:r>
-                      <a:endParaRPr lang="en-US" sz="2400" b="0" dirty="0">
-                        <a:solidFill>
-                          <a:srgbClr val="009EC0"/>
-                        </a:solidFill>
-                        <a:effectLst/>
-                        <a:latin typeface="+mj-lt"/>
-                      </a:endParaRPr>
-                    </a:p>
-                  </a:txBody>
-                  <a:tcPr marL="182880" marR="182880" marT="274320" marB="274320">
-                    <a:lnR w="3175" cap="flat" cmpd="sng" algn="ctr">
-                      <a:solidFill>
-                        <a:schemeClr val="tx1">
-                          <a:lumMod val="65000"/>
-                        </a:schemeClr>
-                      </a:solidFill>
-                      <a:prstDash val="solid"/>
-                      <a:round/>
-                      <a:headEnd type="none" w="med" len="med"/>
-                      <a:tailEnd type="none" w="med" len="med"/>
-                    </a:lnR>
-                  </a:tcPr>
-                </a:tc>
-                <a:tc>
-                  <a:txBody>
-                    <a:bodyPr/>
-                    <a:lstStyle/>
-                    <a:p>
-                      <a:pPr rtl="0" fontAlgn="t">
-                        <a:spcBef>
-                          <a:spcPts val="0"/>
-                        </a:spcBef>
-                        <a:spcAft>
-                          <a:spcPts val="0"/>
-                        </a:spcAft>
-                      </a:pPr>
-                      <a:r>
-                        <a:rPr lang="en-US" sz="2400" b="0" i="0" u="none" strike="noStrike" dirty="0">
-                          <a:solidFill>
-                            <a:schemeClr val="tx1"/>
-                          </a:solidFill>
-                          <a:effectLst/>
-                          <a:latin typeface="+mj-lt"/>
-                        </a:rPr>
-                        <a:t>Elders and leaders are present</a:t>
-                      </a:r>
-                      <a:endParaRPr lang="en-US" sz="2400" dirty="0">
-                        <a:solidFill>
-                          <a:schemeClr val="tx1"/>
-                        </a:solidFill>
-                        <a:effectLst/>
-                        <a:latin typeface="+mj-lt"/>
-                      </a:endParaRPr>
-                    </a:p>
-                  </a:txBody>
-                  <a:tcPr marL="182880" marR="182880" marT="274320" marB="274320">
-                    <a:lnL w="3175" cap="flat" cmpd="sng" algn="ctr">
-                      <a:solidFill>
-                        <a:schemeClr val="tx1">
-                          <a:lumMod val="65000"/>
-                        </a:schemeClr>
-                      </a:solidFill>
-                      <a:prstDash val="solid"/>
-                      <a:round/>
-                      <a:headEnd type="none" w="med" len="med"/>
-                      <a:tailEnd type="none" w="med" len="med"/>
-                    </a:lnL>
-                  </a:tcPr>
-                </a:tc>
-                <a:extLst>
-                  <a:ext uri="{0D108BD9-81ED-4DB2-BD59-A6C34878D82A}">
-                    <a16:rowId xmlns:a16="http://schemas.microsoft.com/office/drawing/2014/main" val="3592000535"/>
-                  </a:ext>
-                </a:extLst>
-              </a:tr>
-              <a:tr h="0">
-                <a:tc>
-                  <a:txBody>
-                    <a:bodyPr/>
-                    <a:lstStyle/>
-                    <a:p>
-                      <a:pPr algn="r" rtl="0" fontAlgn="t">
-                        <a:spcBef>
-                          <a:spcPts val="0"/>
-                        </a:spcBef>
-                        <a:spcAft>
-                          <a:spcPts val="0"/>
-                        </a:spcAft>
-                      </a:pPr>
-                      <a:r>
-                        <a:rPr lang="en-US" sz="2400" b="0" i="0" u="none" strike="noStrike" dirty="0">
-                          <a:solidFill>
-                            <a:srgbClr val="009EC0"/>
-                          </a:solidFill>
-                          <a:effectLst/>
-                          <a:latin typeface="+mj-lt"/>
-                        </a:rPr>
-                        <a:t>Pottery/potter</a:t>
-                      </a:r>
-                      <a:endParaRPr lang="en-US" sz="2400" b="0" dirty="0">
-                        <a:solidFill>
-                          <a:srgbClr val="009EC0"/>
-                        </a:solidFill>
-                        <a:effectLst/>
-                        <a:latin typeface="+mj-lt"/>
-                      </a:endParaRPr>
-                    </a:p>
-                  </a:txBody>
-                  <a:tcPr marL="182880" marR="182880" marT="274320" marB="274320">
-                    <a:lnR w="3175" cap="flat" cmpd="sng" algn="ctr">
-                      <a:solidFill>
-                        <a:schemeClr val="tx1">
-                          <a:lumMod val="65000"/>
-                        </a:schemeClr>
-                      </a:solidFill>
-                      <a:prstDash val="solid"/>
-                      <a:round/>
-                      <a:headEnd type="none" w="med" len="med"/>
-                      <a:tailEnd type="none" w="med" len="med"/>
-                    </a:lnR>
-                  </a:tcPr>
-                </a:tc>
-                <a:tc>
-                  <a:txBody>
-                    <a:bodyPr/>
-                    <a:lstStyle/>
-                    <a:p>
-                      <a:pPr rtl="0" fontAlgn="t">
-                        <a:spcBef>
-                          <a:spcPts val="0"/>
-                        </a:spcBef>
-                        <a:spcAft>
-                          <a:spcPts val="0"/>
-                        </a:spcAft>
-                      </a:pPr>
-                      <a:r>
-                        <a:rPr lang="en-US" sz="2400" dirty="0">
-                          <a:solidFill>
-                            <a:schemeClr val="tx1"/>
-                          </a:solidFill>
-                          <a:effectLst/>
-                          <a:latin typeface="+mj-lt"/>
-                        </a:rPr>
-                        <a:t>Potter sells pottery to Jeremiah</a:t>
-                      </a:r>
-                    </a:p>
-                  </a:txBody>
-                  <a:tcPr marL="182880" marR="182880" marT="274320" marB="274320">
-                    <a:lnL w="3175" cap="flat" cmpd="sng" algn="ctr">
-                      <a:solidFill>
-                        <a:schemeClr val="tx1">
-                          <a:lumMod val="65000"/>
-                        </a:schemeClr>
-                      </a:solidFill>
-                      <a:prstDash val="solid"/>
-                      <a:round/>
-                      <a:headEnd type="none" w="med" len="med"/>
-                      <a:tailEnd type="none" w="med" len="med"/>
-                    </a:lnL>
-                  </a:tcPr>
-                </a:tc>
-                <a:extLst>
-                  <a:ext uri="{0D108BD9-81ED-4DB2-BD59-A6C34878D82A}">
-                    <a16:rowId xmlns:a16="http://schemas.microsoft.com/office/drawing/2014/main" val="2330484482"/>
-                  </a:ext>
-                </a:extLst>
-              </a:tr>
-              <a:tr h="0">
-                <a:tc>
-                  <a:txBody>
-                    <a:bodyPr/>
-                    <a:lstStyle/>
-                    <a:p>
-                      <a:pPr marL="0" algn="r" defTabSz="914400" rtl="0" eaLnBrk="1" fontAlgn="t" latinLnBrk="0" hangingPunct="1">
-                        <a:spcBef>
-                          <a:spcPts val="0"/>
-                        </a:spcBef>
-                        <a:spcAft>
-                          <a:spcPts val="0"/>
-                        </a:spcAft>
-                      </a:pPr>
-                      <a:r>
-                        <a:rPr lang="en-US" sz="2400" b="0" dirty="0">
-                          <a:solidFill>
-                            <a:srgbClr val="009EC0"/>
-                          </a:solidFill>
-                          <a:effectLst/>
-                          <a:latin typeface="+mj-lt"/>
-                        </a:rPr>
-                        <a:t>Value</a:t>
-                      </a:r>
-                    </a:p>
-                  </a:txBody>
-                  <a:tcPr marL="182880" marR="182880" marT="274320" marB="274320">
-                    <a:lnR w="3175" cap="flat" cmpd="sng" algn="ctr">
-                      <a:solidFill>
-                        <a:schemeClr val="tx1">
-                          <a:lumMod val="65000"/>
-                        </a:schemeClr>
-                      </a:solidFill>
-                      <a:prstDash val="solid"/>
-                      <a:round/>
-                      <a:headEnd type="none" w="med" len="med"/>
-                      <a:tailEnd type="none" w="med" len="med"/>
-                    </a:lnR>
-                  </a:tcPr>
-                </a:tc>
-                <a:tc>
-                  <a:txBody>
-                    <a:bodyPr/>
-                    <a:lstStyle/>
-                    <a:p>
-                      <a:pPr rtl="0" fontAlgn="t">
-                        <a:spcBef>
-                          <a:spcPts val="0"/>
-                        </a:spcBef>
-                        <a:spcAft>
-                          <a:spcPts val="0"/>
-                        </a:spcAft>
-                      </a:pPr>
-                      <a:r>
-                        <a:rPr lang="en-US" sz="2400" dirty="0">
-                          <a:solidFill>
-                            <a:schemeClr val="tx1"/>
-                          </a:solidFill>
-                          <a:effectLst/>
-                          <a:latin typeface="+mj-lt"/>
-                        </a:rPr>
-                        <a:t>Pottery is destroyed, discarded</a:t>
-                      </a:r>
-                    </a:p>
-                  </a:txBody>
-                  <a:tcPr marL="182880" marR="182880" marT="274320" marB="274320">
-                    <a:lnL w="3175" cap="flat" cmpd="sng" algn="ctr">
-                      <a:solidFill>
-                        <a:schemeClr val="tx1">
-                          <a:lumMod val="65000"/>
-                        </a:schemeClr>
-                      </a:solidFill>
-                      <a:prstDash val="solid"/>
-                      <a:round/>
-                      <a:headEnd type="none" w="med" len="med"/>
-                      <a:tailEnd type="none" w="med" len="med"/>
-                    </a:lnL>
-                  </a:tcPr>
-                </a:tc>
-                <a:extLst>
-                  <a:ext uri="{0D108BD9-81ED-4DB2-BD59-A6C34878D82A}">
-                    <a16:rowId xmlns:a16="http://schemas.microsoft.com/office/drawing/2014/main" val="1564031315"/>
-                  </a:ext>
-                </a:extLst>
-              </a:tr>
-              <a:tr h="0">
-                <a:tc>
-                  <a:txBody>
-                    <a:bodyPr/>
-                    <a:lstStyle/>
-                    <a:p>
-                      <a:pPr algn="r" rtl="0" fontAlgn="t">
-                        <a:spcBef>
-                          <a:spcPts val="0"/>
-                        </a:spcBef>
-                        <a:spcAft>
-                          <a:spcPts val="0"/>
-                        </a:spcAft>
-                      </a:pPr>
-                      <a:r>
-                        <a:rPr lang="en-US" sz="2400" b="0" dirty="0">
-                          <a:solidFill>
-                            <a:srgbClr val="009EC0"/>
-                          </a:solidFill>
-                          <a:effectLst/>
-                          <a:latin typeface="+mj-lt"/>
-                        </a:rPr>
-                        <a:t>Judgment</a:t>
-                      </a:r>
-                    </a:p>
-                  </a:txBody>
-                  <a:tcPr marL="182880" marR="182880" marT="274320" marB="274320">
-                    <a:lnR w="3175" cap="flat" cmpd="sng" algn="ctr">
-                      <a:solidFill>
-                        <a:schemeClr val="tx1">
-                          <a:lumMod val="65000"/>
-                        </a:schemeClr>
-                      </a:solidFill>
-                      <a:prstDash val="solid"/>
-                      <a:round/>
-                      <a:headEnd type="none" w="med" len="med"/>
-                      <a:tailEnd type="none" w="med" len="med"/>
-                    </a:lnR>
-                  </a:tcPr>
-                </a:tc>
-                <a:tc>
-                  <a:txBody>
-                    <a:bodyPr/>
-                    <a:lstStyle/>
-                    <a:p>
-                      <a:pPr rtl="0" fontAlgn="t">
-                        <a:spcBef>
-                          <a:spcPts val="0"/>
-                        </a:spcBef>
-                        <a:spcAft>
-                          <a:spcPts val="0"/>
-                        </a:spcAft>
-                      </a:pPr>
-                      <a:r>
-                        <a:rPr lang="en-US" sz="2400" b="0" i="0" u="none" strike="noStrike" kern="1200" dirty="0">
-                          <a:solidFill>
-                            <a:schemeClr val="tx1"/>
-                          </a:solidFill>
-                          <a:effectLst/>
-                          <a:latin typeface="+mn-lt"/>
-                          <a:ea typeface="+mn-ea"/>
-                          <a:cs typeface="+mn-cs"/>
-                        </a:rPr>
-                        <a:t>Israel to be delivered to their enemies</a:t>
-                      </a:r>
-                      <a:endParaRPr lang="en-US" sz="2400" dirty="0">
-                        <a:solidFill>
-                          <a:schemeClr val="tx1"/>
-                        </a:solidFill>
-                        <a:effectLst/>
-                        <a:latin typeface="+mj-lt"/>
-                      </a:endParaRPr>
-                    </a:p>
-                  </a:txBody>
-                  <a:tcPr marL="182880" marR="182880" marT="274320" marB="274320">
-                    <a:lnL w="3175" cap="flat" cmpd="sng" algn="ctr">
-                      <a:solidFill>
-                        <a:schemeClr val="tx1">
-                          <a:lumMod val="65000"/>
-                        </a:schemeClr>
-                      </a:solidFill>
-                      <a:prstDash val="solid"/>
-                      <a:round/>
-                      <a:headEnd type="none" w="med" len="med"/>
-                      <a:tailEnd type="none" w="med" len="med"/>
-                    </a:lnL>
-                  </a:tcPr>
-                </a:tc>
-                <a:extLst>
-                  <a:ext uri="{0D108BD9-81ED-4DB2-BD59-A6C34878D82A}">
-                    <a16:rowId xmlns:a16="http://schemas.microsoft.com/office/drawing/2014/main" val="3045623234"/>
-                  </a:ext>
-                </a:extLst>
-              </a:tr>
-            </a:tbl>
-          </a:graphicData>
-        </a:graphic>
-      </p:graphicFrame>
-    </p:spTree>
-    <p:extLst>
-      <p:ext uri="{BB962C8B-B14F-4D97-AF65-F5344CB8AC3E}">
-        <p14:creationId xmlns:p14="http://schemas.microsoft.com/office/powerpoint/2010/main" val="1568858988"/>
-      </p:ext>
-    </p:extLst>
-  </p:cSld>
-  <p:clrMapOvr>
-    <a:masterClrMapping/>
-  </p:clrMapOvr>
-</p:sld>
-</file>
-
-<file path=ppt/slides/slide8.xml><?xml version="1.0" encoding="utf-8"?>
-<p:sld xmlns:a="http://schemas.openxmlformats.org/drawingml/2006/main" xmlns:r="http://schemas.openxmlformats.org/officeDocument/2006/relationships" xmlns:p="http://schemas.openxmlformats.org/presentationml/2006/main">
-  <p:cSld>
-    <p:spTree>
-      <p:nvGrpSpPr>
-        <p:cNvPr id="1" name=""/>
-        <p:cNvGrpSpPr/>
-        <p:nvPr/>
-      </p:nvGrpSpPr>
-      <p:grpSpPr>
-        <a:xfrm>
-          <a:off x="0" y="0"/>
-          <a:ext cx="0" cy="0"/>
-          <a:chOff x="0" y="0"/>
-          <a:chExt cx="0" cy="0"/>
-        </a:xfrm>
-      </p:grpSpPr>
-      <p:graphicFrame>
-        <p:nvGraphicFramePr>
-          <p:cNvPr id="5" name="Table 4">
-            <a:extLst>
-              <a:ext uri="{FF2B5EF4-FFF2-40B4-BE49-F238E27FC236}">
-                <a16:creationId xmlns:a16="http://schemas.microsoft.com/office/drawing/2014/main" id="{589C607E-23F7-1D43-B569-801CED367AB1}"/>
-              </a:ext>
-            </a:extLst>
-          </p:cNvPr>
-          <p:cNvGraphicFramePr>
-            <a:graphicFrameLocks noGrp="1"/>
-          </p:cNvGraphicFramePr>
-          <p:nvPr>
-            <p:extLst>
-              <p:ext uri="{D42A27DB-BD31-4B8C-83A1-F6EECF244321}">
-                <p14:modId xmlns:p14="http://schemas.microsoft.com/office/powerpoint/2010/main" val="4055052381"/>
-              </p:ext>
-            </p:extLst>
-          </p:nvPr>
-        </p:nvGraphicFramePr>
-        <p:xfrm>
-          <a:off x="114300" y="533400"/>
-          <a:ext cx="8915400" cy="4484106"/>
-        </p:xfrm>
-        <a:graphic>
-          <a:graphicData uri="http://schemas.openxmlformats.org/drawingml/2006/table">
-            <a:tbl>
-              <a:tblPr firstRow="1" bandRow="1">
-                <a:tableStyleId>{2D5ABB26-0587-4C30-8999-92F81FD0307C}</a:tableStyleId>
-              </a:tblPr>
-              <a:tblGrid>
-                <a:gridCol w="3352800">
-                  <a:extLst>
-                    <a:ext uri="{9D8B030D-6E8A-4147-A177-3AD203B41FA5}">
-                      <a16:colId xmlns:a16="http://schemas.microsoft.com/office/drawing/2014/main" val="3623029985"/>
-                    </a:ext>
-                  </a:extLst>
-                </a:gridCol>
-                <a:gridCol w="5562600">
-                  <a:extLst>
-                    <a:ext uri="{9D8B030D-6E8A-4147-A177-3AD203B41FA5}">
-                      <a16:colId xmlns:a16="http://schemas.microsoft.com/office/drawing/2014/main" val="4294323797"/>
-                    </a:ext>
-                  </a:extLst>
-                </a:gridCol>
-              </a:tblGrid>
-              <a:tr h="826506">
-                <a:tc>
-                  <a:txBody>
-                    <a:bodyPr/>
-                    <a:lstStyle/>
-                    <a:p>
-                      <a:pPr algn="r" rtl="0" fontAlgn="t">
-                        <a:spcBef>
-                          <a:spcPts val="0"/>
-                        </a:spcBef>
-                        <a:spcAft>
-                          <a:spcPts val="0"/>
-                        </a:spcAft>
-                      </a:pPr>
-                      <a:r>
-                        <a:rPr lang="en-US" sz="4000" b="1" dirty="0">
-                          <a:solidFill>
-                            <a:srgbClr val="009EC0"/>
-                          </a:solidFill>
-                          <a:effectLst/>
-                          <a:latin typeface="+mj-lt"/>
-                        </a:rPr>
-                        <a:t>Theme</a:t>
-                      </a:r>
-                    </a:p>
-                  </a:txBody>
-                  <a:tcPr marL="182880" marR="182880" marT="63500" marB="63500" anchor="b">
-                    <a:lnR w="3175" cap="flat" cmpd="sng" algn="ctr">
-                      <a:solidFill>
-                        <a:schemeClr val="tx1">
-                          <a:lumMod val="65000"/>
-                        </a:schemeClr>
-                      </a:solidFill>
-                      <a:prstDash val="solid"/>
-                      <a:round/>
-                      <a:headEnd type="none" w="med" len="med"/>
-                      <a:tailEnd type="none" w="med" len="med"/>
-                    </a:lnR>
-                  </a:tcPr>
-                </a:tc>
-                <a:tc>
-                  <a:txBody>
-                    <a:bodyPr/>
-                    <a:lstStyle/>
-                    <a:p>
-                      <a:pPr rtl="0" fontAlgn="t">
-                        <a:spcBef>
-                          <a:spcPts val="0"/>
-                        </a:spcBef>
-                        <a:spcAft>
-                          <a:spcPts val="0"/>
-                        </a:spcAft>
-                      </a:pPr>
-                      <a:r>
-                        <a:rPr lang="en-US" sz="4000" b="1" dirty="0">
-                          <a:solidFill>
-                            <a:schemeClr val="tx1"/>
-                          </a:solidFill>
-                          <a:effectLst/>
-                          <a:latin typeface="+mj-lt"/>
-                        </a:rPr>
-                        <a:t>Matthew 27</a:t>
-                      </a:r>
-                    </a:p>
-                  </a:txBody>
-                  <a:tcPr marL="182880" marR="182880" marT="63500" marB="63500" anchor="b">
-                    <a:lnL w="3175" cap="flat" cmpd="sng" algn="ctr">
-                      <a:solidFill>
-                        <a:schemeClr val="tx1">
-                          <a:lumMod val="65000"/>
-                        </a:schemeClr>
-                      </a:solidFill>
-                      <a:prstDash val="solid"/>
-                      <a:round/>
-                      <a:headEnd type="none" w="med" len="med"/>
-                      <a:tailEnd type="none" w="med" len="med"/>
-                    </a:lnL>
-                  </a:tcPr>
-                </a:tc>
-                <a:extLst>
-                  <a:ext uri="{0D108BD9-81ED-4DB2-BD59-A6C34878D82A}">
-                    <a16:rowId xmlns:a16="http://schemas.microsoft.com/office/drawing/2014/main" val="1136906228"/>
-                  </a:ext>
-                </a:extLst>
-              </a:tr>
-              <a:tr h="0">
-                <a:tc>
-                  <a:txBody>
-                    <a:bodyPr/>
-                    <a:lstStyle/>
-                    <a:p>
-                      <a:pPr algn="r" rtl="0" fontAlgn="t">
-                        <a:spcBef>
-                          <a:spcPts val="0"/>
-                        </a:spcBef>
-                        <a:spcAft>
-                          <a:spcPts val="0"/>
-                        </a:spcAft>
-                      </a:pPr>
-                      <a:r>
-                        <a:rPr lang="en-US" sz="2400" b="0" i="0" u="none" strike="noStrike" dirty="0">
-                          <a:solidFill>
-                            <a:srgbClr val="009EC0"/>
-                          </a:solidFill>
-                          <a:effectLst/>
-                          <a:latin typeface="+mj-lt"/>
-                        </a:rPr>
-                        <a:t>Leadership (shepherds)</a:t>
-                      </a:r>
-                      <a:endParaRPr lang="en-US" sz="2400" b="0" dirty="0">
-                        <a:solidFill>
-                          <a:srgbClr val="009EC0"/>
-                        </a:solidFill>
-                        <a:effectLst/>
-                        <a:latin typeface="+mj-lt"/>
-                      </a:endParaRPr>
-                    </a:p>
-                  </a:txBody>
-                  <a:tcPr marL="182880" marR="182880" marT="274320" marB="274320">
-                    <a:lnR w="3175" cap="flat" cmpd="sng" algn="ctr">
-                      <a:solidFill>
-                        <a:schemeClr val="tx1">
-                          <a:lumMod val="65000"/>
-                        </a:schemeClr>
-                      </a:solidFill>
-                      <a:prstDash val="solid"/>
-                      <a:round/>
-                      <a:headEnd type="none" w="med" len="med"/>
-                      <a:tailEnd type="none" w="med" len="med"/>
-                    </a:lnR>
-                  </a:tcPr>
-                </a:tc>
-                <a:tc>
-                  <a:txBody>
-                    <a:bodyPr/>
-                    <a:lstStyle/>
-                    <a:p>
-                      <a:pPr rtl="0" fontAlgn="t">
-                        <a:spcBef>
-                          <a:spcPts val="0"/>
-                        </a:spcBef>
-                        <a:spcAft>
-                          <a:spcPts val="0"/>
-                        </a:spcAft>
-                      </a:pPr>
-                      <a:r>
-                        <a:rPr lang="en-US" sz="2400" b="0" i="0" u="none" strike="noStrike" dirty="0">
-                          <a:solidFill>
-                            <a:schemeClr val="tx1"/>
-                          </a:solidFill>
-                          <a:effectLst/>
-                          <a:latin typeface="+mj-lt"/>
-                        </a:rPr>
-                        <a:t>Leadership has turned on Jesus</a:t>
-                      </a:r>
-                      <a:endParaRPr lang="en-US" sz="2400" dirty="0">
-                        <a:solidFill>
-                          <a:schemeClr val="tx1"/>
-                        </a:solidFill>
-                        <a:effectLst/>
-                        <a:latin typeface="+mj-lt"/>
-                      </a:endParaRPr>
-                    </a:p>
-                  </a:txBody>
-                  <a:tcPr marL="182880" marR="182880" marT="274320" marB="274320">
-                    <a:lnL w="3175" cap="flat" cmpd="sng" algn="ctr">
-                      <a:solidFill>
-                        <a:schemeClr val="tx1">
-                          <a:lumMod val="65000"/>
-                        </a:schemeClr>
-                      </a:solidFill>
-                      <a:prstDash val="solid"/>
-                      <a:round/>
-                      <a:headEnd type="none" w="med" len="med"/>
-                      <a:tailEnd type="none" w="med" len="med"/>
-                    </a:lnL>
-                  </a:tcPr>
-                </a:tc>
-                <a:extLst>
-                  <a:ext uri="{0D108BD9-81ED-4DB2-BD59-A6C34878D82A}">
-                    <a16:rowId xmlns:a16="http://schemas.microsoft.com/office/drawing/2014/main" val="3592000535"/>
-                  </a:ext>
-                </a:extLst>
-              </a:tr>
-              <a:tr h="0">
-                <a:tc>
-                  <a:txBody>
-                    <a:bodyPr/>
-                    <a:lstStyle/>
-                    <a:p>
-                      <a:pPr algn="r" rtl="0" fontAlgn="t">
-                        <a:spcBef>
-                          <a:spcPts val="0"/>
-                        </a:spcBef>
-                        <a:spcAft>
-                          <a:spcPts val="0"/>
-                        </a:spcAft>
-                      </a:pPr>
-                      <a:r>
-                        <a:rPr lang="en-US" sz="2400" b="0" i="0" u="none" strike="noStrike" dirty="0">
-                          <a:solidFill>
-                            <a:srgbClr val="009EC0"/>
-                          </a:solidFill>
-                          <a:effectLst/>
-                          <a:latin typeface="+mj-lt"/>
-                        </a:rPr>
-                        <a:t>Pottery/potter</a:t>
-                      </a:r>
-                      <a:endParaRPr lang="en-US" sz="2400" b="0" dirty="0">
-                        <a:solidFill>
-                          <a:srgbClr val="009EC0"/>
-                        </a:solidFill>
-                        <a:effectLst/>
-                        <a:latin typeface="+mj-lt"/>
-                      </a:endParaRPr>
-                    </a:p>
-                  </a:txBody>
-                  <a:tcPr marL="182880" marR="182880" marT="274320" marB="274320">
-                    <a:lnR w="3175" cap="flat" cmpd="sng" algn="ctr">
-                      <a:solidFill>
-                        <a:schemeClr val="tx1">
-                          <a:lumMod val="65000"/>
-                        </a:schemeClr>
-                      </a:solidFill>
-                      <a:prstDash val="solid"/>
-                      <a:round/>
-                      <a:headEnd type="none" w="med" len="med"/>
-                      <a:tailEnd type="none" w="med" len="med"/>
-                    </a:lnR>
-                  </a:tcPr>
-                </a:tc>
-                <a:tc>
-                  <a:txBody>
-                    <a:bodyPr/>
-                    <a:lstStyle/>
-                    <a:p>
-                      <a:pPr rtl="0" fontAlgn="t">
-                        <a:spcBef>
-                          <a:spcPts val="0"/>
-                        </a:spcBef>
-                        <a:spcAft>
-                          <a:spcPts val="0"/>
-                        </a:spcAft>
-                      </a:pPr>
-                      <a:r>
-                        <a:rPr lang="en-US" sz="2400" dirty="0">
-                          <a:solidFill>
-                            <a:schemeClr val="tx1"/>
-                          </a:solidFill>
-                          <a:effectLst/>
-                          <a:latin typeface="+mj-lt"/>
-                        </a:rPr>
-                        <a:t>Money used for potter’s field</a:t>
-                      </a:r>
-                    </a:p>
-                  </a:txBody>
-                  <a:tcPr marL="182880" marR="182880" marT="274320" marB="274320">
-                    <a:lnL w="3175" cap="flat" cmpd="sng" algn="ctr">
-                      <a:solidFill>
-                        <a:schemeClr val="tx1">
-                          <a:lumMod val="65000"/>
-                        </a:schemeClr>
-                      </a:solidFill>
-                      <a:prstDash val="solid"/>
-                      <a:round/>
-                      <a:headEnd type="none" w="med" len="med"/>
-                      <a:tailEnd type="none" w="med" len="med"/>
-                    </a:lnL>
-                  </a:tcPr>
-                </a:tc>
-                <a:extLst>
-                  <a:ext uri="{0D108BD9-81ED-4DB2-BD59-A6C34878D82A}">
-                    <a16:rowId xmlns:a16="http://schemas.microsoft.com/office/drawing/2014/main" val="2330484482"/>
-                  </a:ext>
-                </a:extLst>
-              </a:tr>
-              <a:tr h="0">
-                <a:tc>
-                  <a:txBody>
-                    <a:bodyPr/>
-                    <a:lstStyle/>
-                    <a:p>
-                      <a:pPr marL="0" algn="r" defTabSz="914400" rtl="0" eaLnBrk="1" fontAlgn="t" latinLnBrk="0" hangingPunct="1">
-                        <a:spcBef>
-                          <a:spcPts val="0"/>
-                        </a:spcBef>
-                        <a:spcAft>
-                          <a:spcPts val="0"/>
-                        </a:spcAft>
-                      </a:pPr>
-                      <a:r>
-                        <a:rPr lang="en-US" sz="2400" b="0" dirty="0">
-                          <a:solidFill>
-                            <a:srgbClr val="009EC0"/>
-                          </a:solidFill>
-                          <a:effectLst/>
-                          <a:latin typeface="+mj-lt"/>
-                        </a:rPr>
-                        <a:t>Value</a:t>
-                      </a:r>
-                    </a:p>
-                  </a:txBody>
-                  <a:tcPr marL="182880" marR="182880" marT="274320" marB="274320">
-                    <a:lnR w="3175" cap="flat" cmpd="sng" algn="ctr">
-                      <a:solidFill>
-                        <a:schemeClr val="tx1">
-                          <a:lumMod val="65000"/>
-                        </a:schemeClr>
-                      </a:solidFill>
-                      <a:prstDash val="solid"/>
-                      <a:round/>
-                      <a:headEnd type="none" w="med" len="med"/>
-                      <a:tailEnd type="none" w="med" len="med"/>
-                    </a:lnR>
-                  </a:tcPr>
-                </a:tc>
-                <a:tc>
-                  <a:txBody>
-                    <a:bodyPr/>
-                    <a:lstStyle/>
-                    <a:p>
-                      <a:pPr rtl="0" fontAlgn="t">
-                        <a:spcBef>
-                          <a:spcPts val="0"/>
-                        </a:spcBef>
-                        <a:spcAft>
-                          <a:spcPts val="0"/>
-                        </a:spcAft>
-                      </a:pPr>
-                      <a:r>
-                        <a:rPr lang="en-US" sz="2400" b="0" i="0" u="none" strike="noStrike" kern="1200" dirty="0">
-                          <a:solidFill>
-                            <a:schemeClr val="tx1"/>
-                          </a:solidFill>
-                          <a:effectLst/>
-                          <a:latin typeface="+mn-lt"/>
-                          <a:ea typeface="+mn-ea"/>
-                          <a:cs typeface="+mn-cs"/>
-                        </a:rPr>
-                        <a:t>Jesus is sold for 30 pieces</a:t>
-                      </a:r>
-                      <a:endParaRPr lang="en-US" sz="2400" dirty="0">
-                        <a:solidFill>
-                          <a:schemeClr val="tx1"/>
-                        </a:solidFill>
-                        <a:effectLst/>
-                        <a:latin typeface="+mj-lt"/>
-                      </a:endParaRPr>
-                    </a:p>
-                  </a:txBody>
-                  <a:tcPr marL="182880" marR="182880" marT="274320" marB="274320">
-                    <a:lnL w="3175" cap="flat" cmpd="sng" algn="ctr">
-                      <a:solidFill>
-                        <a:schemeClr val="tx1">
-                          <a:lumMod val="65000"/>
-                        </a:schemeClr>
-                      </a:solidFill>
-                      <a:prstDash val="solid"/>
-                      <a:round/>
-                      <a:headEnd type="none" w="med" len="med"/>
-                      <a:tailEnd type="none" w="med" len="med"/>
-                    </a:lnL>
-                  </a:tcPr>
-                </a:tc>
-                <a:extLst>
-                  <a:ext uri="{0D108BD9-81ED-4DB2-BD59-A6C34878D82A}">
-                    <a16:rowId xmlns:a16="http://schemas.microsoft.com/office/drawing/2014/main" val="1564031315"/>
-                  </a:ext>
-                </a:extLst>
-              </a:tr>
-              <a:tr h="0">
-                <a:tc>
-                  <a:txBody>
-                    <a:bodyPr/>
-                    <a:lstStyle/>
-                    <a:p>
-                      <a:pPr algn="r" rtl="0" fontAlgn="t">
-                        <a:spcBef>
-                          <a:spcPts val="0"/>
-                        </a:spcBef>
-                        <a:spcAft>
-                          <a:spcPts val="0"/>
-                        </a:spcAft>
-                      </a:pPr>
-                      <a:r>
-                        <a:rPr lang="en-US" sz="2400" b="0" dirty="0">
-                          <a:solidFill>
-                            <a:srgbClr val="009EC0"/>
-                          </a:solidFill>
-                          <a:effectLst/>
-                          <a:latin typeface="+mj-lt"/>
-                        </a:rPr>
-                        <a:t>Judgment</a:t>
-                      </a:r>
-                    </a:p>
-                  </a:txBody>
-                  <a:tcPr marL="182880" marR="182880" marT="274320" marB="274320">
-                    <a:lnR w="3175" cap="flat" cmpd="sng" algn="ctr">
-                      <a:solidFill>
-                        <a:schemeClr val="tx1">
-                          <a:lumMod val="65000"/>
-                        </a:schemeClr>
-                      </a:solidFill>
-                      <a:prstDash val="solid"/>
-                      <a:round/>
-                      <a:headEnd type="none" w="med" len="med"/>
-                      <a:tailEnd type="none" w="med" len="med"/>
-                    </a:lnR>
-                  </a:tcPr>
-                </a:tc>
-                <a:tc>
-                  <a:txBody>
-                    <a:bodyPr/>
-                    <a:lstStyle/>
-                    <a:p>
-                      <a:pPr rtl="0" fontAlgn="t">
-                        <a:spcBef>
-                          <a:spcPts val="0"/>
-                        </a:spcBef>
-                        <a:spcAft>
-                          <a:spcPts val="0"/>
-                        </a:spcAft>
-                      </a:pPr>
-                      <a:r>
-                        <a:rPr lang="en-US" sz="2300" b="0" i="0" u="none" strike="noStrike" kern="1200" dirty="0">
-                          <a:solidFill>
-                            <a:schemeClr val="tx1"/>
-                          </a:solidFill>
-                          <a:effectLst/>
-                          <a:latin typeface="+mn-lt"/>
-                          <a:ea typeface="+mn-ea"/>
-                          <a:cs typeface="+mn-cs"/>
-                        </a:rPr>
-                        <a:t>Judas / Jerusalem destined for destruction</a:t>
-                      </a:r>
-                      <a:endParaRPr lang="en-US" sz="2300" dirty="0">
-                        <a:solidFill>
-                          <a:schemeClr val="tx1"/>
-                        </a:solidFill>
-                        <a:effectLst/>
-                        <a:latin typeface="+mj-lt"/>
-                      </a:endParaRPr>
-                    </a:p>
-                  </a:txBody>
-                  <a:tcPr marL="182880" marR="182880" marT="274320" marB="274320">
-                    <a:lnL w="3175" cap="flat" cmpd="sng" algn="ctr">
-                      <a:solidFill>
-                        <a:schemeClr val="tx1">
-                          <a:lumMod val="65000"/>
-                        </a:schemeClr>
-                      </a:solidFill>
-                      <a:prstDash val="solid"/>
-                      <a:round/>
-                      <a:headEnd type="none" w="med" len="med"/>
-                      <a:tailEnd type="none" w="med" len="med"/>
-                    </a:lnL>
-                  </a:tcPr>
-                </a:tc>
-                <a:extLst>
-                  <a:ext uri="{0D108BD9-81ED-4DB2-BD59-A6C34878D82A}">
-                    <a16:rowId xmlns:a16="http://schemas.microsoft.com/office/drawing/2014/main" val="3045623234"/>
-                  </a:ext>
-                </a:extLst>
-              </a:tr>
-            </a:tbl>
-          </a:graphicData>
-        </a:graphic>
-      </p:graphicFrame>
-    </p:spTree>
-    <p:extLst>
-      <p:ext uri="{BB962C8B-B14F-4D97-AF65-F5344CB8AC3E}">
-        <p14:creationId xmlns:p14="http://schemas.microsoft.com/office/powerpoint/2010/main" val="3127358521"/>
-      </p:ext>
-    </p:extLst>
-  </p:cSld>
-  <p:clrMapOvr>
-    <a:masterClrMapping/>
-  </p:clrMapOvr>
-</p:sld>
-</file>
-
-<file path=ppt/slides/slide9.xml><?xml version="1.0" encoding="utf-8"?>
-<p:sld xmlns:a="http://schemas.openxmlformats.org/drawingml/2006/main" xmlns:r="http://schemas.openxmlformats.org/officeDocument/2006/relationships" xmlns:p="http://schemas.openxmlformats.org/presentationml/2006/main">
-  <p:cSld>
-    <p:spTree>
-      <p:nvGrpSpPr>
-        <p:cNvPr id="1" name=""/>
-        <p:cNvGrpSpPr/>
-        <p:nvPr/>
-      </p:nvGrpSpPr>
-      <p:grpSpPr>
-        <a:xfrm>
-          <a:off x="0" y="0"/>
-          <a:ext cx="0" cy="0"/>
-          <a:chOff x="0" y="0"/>
-          <a:chExt cx="0" cy="0"/>
-        </a:xfrm>
-      </p:grpSpPr>
-      <p:sp>
-        <p:nvSpPr>
-          <p:cNvPr id="2" name="Title 1"/>
-          <p:cNvSpPr>
-            <a:spLocks noGrp="1"/>
-          </p:cNvSpPr>
-          <p:nvPr>
-            <p:ph type="title"/>
-          </p:nvPr>
-        </p:nvSpPr>
-        <p:spPr/>
-        <p:txBody>
-          <a:bodyPr>
-            <a:normAutofit/>
-          </a:bodyPr>
-          <a:lstStyle/>
-          <a:p>
-            <a:r>
-              <a:rPr lang="en-US" dirty="0"/>
-              <a:t>Matthew 2:15 / Hosea 11:1</a:t>
-            </a:r>
-          </a:p>
-        </p:txBody>
-      </p:sp>
-      <p:sp>
-        <p:nvSpPr>
-          <p:cNvPr id="3" name="Text Placeholder 2"/>
-          <p:cNvSpPr>
-            <a:spLocks noGrp="1"/>
-          </p:cNvSpPr>
-          <p:nvPr>
-            <p:ph type="body" sz="quarter" idx="13"/>
-          </p:nvPr>
-        </p:nvSpPr>
-        <p:spPr/>
-        <p:txBody>
-          <a:bodyPr/>
-          <a:lstStyle/>
-          <a:p>
-            <a:r>
-              <a:rPr lang="en-US" dirty="0"/>
-              <a:t>2</a:t>
-            </a:r>
-          </a:p>
-        </p:txBody>
-      </p:sp>
-    </p:spTree>
-    <p:extLst>
-      <p:ext uri="{BB962C8B-B14F-4D97-AF65-F5344CB8AC3E}">
-        <p14:creationId xmlns:p14="http://schemas.microsoft.com/office/powerpoint/2010/main" val="439643971"/>
       </p:ext>
     </p:extLst>
   </p:cSld>
